--- a/onWar.pptx
+++ b/onWar.pptx
@@ -7,6 +7,8 @@
   <p:sldIdLst>
     <p:sldId id="256" r:id="rId2"/>
     <p:sldId id="257" r:id="rId3"/>
+    <p:sldId id="259" r:id="rId4"/>
+    <p:sldId id="258" r:id="rId5"/>
   </p:sldIdLst>
   <p:sldSz cx="12192000" cy="6858000"/>
   <p:notesSz cx="6858000" cy="9144000"/>
@@ -105,6 +107,11 @@
       </a:defRPr>
     </a:lvl9pPr>
   </p:defaultTextStyle>
+  <p:extLst>
+    <p:ext uri="{EFAFB233-063F-42B5-8137-9DF3F51BA10A}">
+      <p15:sldGuideLst xmlns:p15="http://schemas.microsoft.com/office/powerpoint/2012/main"/>
+    </p:ext>
+  </p:extLst>
 </p:presentation>
 </file>
 
@@ -257,7 +264,7 @@
           <a:p>
             <a:fld id="{31378DDD-3F40-4525-828E-B435240C27D8}" type="datetimeFigureOut">
               <a:rPr lang="tr-TR" smtClean="0"/>
-              <a:t>10.11.2021</a:t>
+              <a:t>12.11.2021</a:t>
             </a:fld>
             <a:endParaRPr lang="tr-TR"/>
           </a:p>
@@ -457,7 +464,7 @@
           <a:p>
             <a:fld id="{31378DDD-3F40-4525-828E-B435240C27D8}" type="datetimeFigureOut">
               <a:rPr lang="tr-TR" smtClean="0"/>
-              <a:t>10.11.2021</a:t>
+              <a:t>12.11.2021</a:t>
             </a:fld>
             <a:endParaRPr lang="tr-TR"/>
           </a:p>
@@ -667,7 +674,7 @@
           <a:p>
             <a:fld id="{31378DDD-3F40-4525-828E-B435240C27D8}" type="datetimeFigureOut">
               <a:rPr lang="tr-TR" smtClean="0"/>
-              <a:t>10.11.2021</a:t>
+              <a:t>12.11.2021</a:t>
             </a:fld>
             <a:endParaRPr lang="tr-TR"/>
           </a:p>
@@ -867,7 +874,7 @@
           <a:p>
             <a:fld id="{31378DDD-3F40-4525-828E-B435240C27D8}" type="datetimeFigureOut">
               <a:rPr lang="tr-TR" smtClean="0"/>
-              <a:t>10.11.2021</a:t>
+              <a:t>12.11.2021</a:t>
             </a:fld>
             <a:endParaRPr lang="tr-TR"/>
           </a:p>
@@ -1143,7 +1150,7 @@
           <a:p>
             <a:fld id="{31378DDD-3F40-4525-828E-B435240C27D8}" type="datetimeFigureOut">
               <a:rPr lang="tr-TR" smtClean="0"/>
-              <a:t>10.11.2021</a:t>
+              <a:t>12.11.2021</a:t>
             </a:fld>
             <a:endParaRPr lang="tr-TR"/>
           </a:p>
@@ -1411,7 +1418,7 @@
           <a:p>
             <a:fld id="{31378DDD-3F40-4525-828E-B435240C27D8}" type="datetimeFigureOut">
               <a:rPr lang="tr-TR" smtClean="0"/>
-              <a:t>10.11.2021</a:t>
+              <a:t>12.11.2021</a:t>
             </a:fld>
             <a:endParaRPr lang="tr-TR"/>
           </a:p>
@@ -1826,7 +1833,7 @@
           <a:p>
             <a:fld id="{31378DDD-3F40-4525-828E-B435240C27D8}" type="datetimeFigureOut">
               <a:rPr lang="tr-TR" smtClean="0"/>
-              <a:t>10.11.2021</a:t>
+              <a:t>12.11.2021</a:t>
             </a:fld>
             <a:endParaRPr lang="tr-TR"/>
           </a:p>
@@ -1968,7 +1975,7 @@
           <a:p>
             <a:fld id="{31378DDD-3F40-4525-828E-B435240C27D8}" type="datetimeFigureOut">
               <a:rPr lang="tr-TR" smtClean="0"/>
-              <a:t>10.11.2021</a:t>
+              <a:t>12.11.2021</a:t>
             </a:fld>
             <a:endParaRPr lang="tr-TR"/>
           </a:p>
@@ -2081,7 +2088,7 @@
           <a:p>
             <a:fld id="{31378DDD-3F40-4525-828E-B435240C27D8}" type="datetimeFigureOut">
               <a:rPr lang="tr-TR" smtClean="0"/>
-              <a:t>10.11.2021</a:t>
+              <a:t>12.11.2021</a:t>
             </a:fld>
             <a:endParaRPr lang="tr-TR"/>
           </a:p>
@@ -2394,7 +2401,7 @@
           <a:p>
             <a:fld id="{31378DDD-3F40-4525-828E-B435240C27D8}" type="datetimeFigureOut">
               <a:rPr lang="tr-TR" smtClean="0"/>
-              <a:t>10.11.2021</a:t>
+              <a:t>12.11.2021</a:t>
             </a:fld>
             <a:endParaRPr lang="tr-TR"/>
           </a:p>
@@ -2683,7 +2690,7 @@
           <a:p>
             <a:fld id="{31378DDD-3F40-4525-828E-B435240C27D8}" type="datetimeFigureOut">
               <a:rPr lang="tr-TR" smtClean="0"/>
-              <a:t>10.11.2021</a:t>
+              <a:t>12.11.2021</a:t>
             </a:fld>
             <a:endParaRPr lang="tr-TR"/>
           </a:p>
@@ -2926,7 +2933,7 @@
           <a:p>
             <a:fld id="{31378DDD-3F40-4525-828E-B435240C27D8}" type="datetimeFigureOut">
               <a:rPr lang="tr-TR" smtClean="0"/>
-              <a:t>10.11.2021</a:t>
+              <a:t>12.11.2021</a:t>
             </a:fld>
             <a:endParaRPr lang="tr-TR"/>
           </a:p>
@@ -3904,7 +3911,7 @@
         </p:nvSpPr>
         <p:spPr>
           <a:xfrm>
-            <a:off x="5360607" y="3061864"/>
+            <a:off x="3386033" y="2995603"/>
             <a:ext cx="1194938" cy="367136"/>
           </a:xfrm>
           <a:prstGeom prst="rect">
@@ -3961,7 +3968,7 @@
         </p:nvSpPr>
         <p:spPr>
           <a:xfrm>
-            <a:off x="6686843" y="3061864"/>
+            <a:off x="4712269" y="2995603"/>
             <a:ext cx="1194938" cy="367136"/>
           </a:xfrm>
           <a:prstGeom prst="rect">
@@ -4018,7 +4025,7 @@
         </p:nvSpPr>
         <p:spPr>
           <a:xfrm>
-            <a:off x="8013079" y="3061864"/>
+            <a:off x="6038505" y="2995603"/>
             <a:ext cx="1194938" cy="367136"/>
           </a:xfrm>
           <a:prstGeom prst="rect">
@@ -4075,7 +4082,7 @@
         </p:nvSpPr>
         <p:spPr>
           <a:xfrm>
-            <a:off x="9339315" y="3061864"/>
+            <a:off x="7364741" y="2995603"/>
             <a:ext cx="1194938" cy="367136"/>
           </a:xfrm>
           <a:prstGeom prst="rect">
@@ -4132,7 +4139,7 @@
         </p:nvSpPr>
         <p:spPr>
           <a:xfrm>
-            <a:off x="7258929" y="3919992"/>
+            <a:off x="5284355" y="3853731"/>
             <a:ext cx="1245704" cy="503583"/>
           </a:xfrm>
           <a:prstGeom prst="rect">
@@ -4192,7 +4199,7 @@
         </p:nvCxnSpPr>
         <p:spPr>
           <a:xfrm rot="10800000">
-            <a:off x="5958077" y="3429000"/>
+            <a:off x="3983503" y="3362739"/>
             <a:ext cx="1300853" cy="742784"/>
           </a:xfrm>
           <a:prstGeom prst="curvedConnector2">
@@ -4234,7 +4241,7 @@
         </p:nvCxnSpPr>
         <p:spPr>
           <a:xfrm rot="16200000" flipV="1">
-            <a:off x="7337551" y="3375761"/>
+            <a:off x="5362977" y="3309500"/>
             <a:ext cx="490992" cy="597469"/>
           </a:xfrm>
           <a:prstGeom prst="curvedConnector3">
@@ -4276,7 +4283,7 @@
         </p:nvCxnSpPr>
         <p:spPr>
           <a:xfrm rot="5400000" flipH="1" flipV="1">
-            <a:off x="8000668" y="3310113"/>
+            <a:off x="6026094" y="3243852"/>
             <a:ext cx="490992" cy="728767"/>
           </a:xfrm>
           <a:prstGeom prst="curvedConnector3">
@@ -4318,7 +4325,7 @@
         </p:nvCxnSpPr>
         <p:spPr>
           <a:xfrm flipV="1">
-            <a:off x="8504633" y="3429000"/>
+            <a:off x="6530059" y="3362739"/>
             <a:ext cx="1432151" cy="742784"/>
           </a:xfrm>
           <a:prstGeom prst="curvedConnector2">
@@ -4357,7 +4364,7 @@
         </p:nvSpPr>
         <p:spPr>
           <a:xfrm>
-            <a:off x="5372327" y="2384271"/>
+            <a:off x="3397753" y="2318010"/>
             <a:ext cx="1194938" cy="367136"/>
           </a:xfrm>
           <a:prstGeom prst="rect">
@@ -4414,7 +4421,7 @@
         </p:nvSpPr>
         <p:spPr>
           <a:xfrm>
-            <a:off x="6698563" y="2384271"/>
+            <a:off x="4723989" y="2318010"/>
             <a:ext cx="1194938" cy="367136"/>
           </a:xfrm>
           <a:prstGeom prst="rect">
@@ -4471,7 +4478,7 @@
         </p:nvSpPr>
         <p:spPr>
           <a:xfrm>
-            <a:off x="8024799" y="2384271"/>
+            <a:off x="6050225" y="2318010"/>
             <a:ext cx="1194938" cy="367136"/>
           </a:xfrm>
           <a:prstGeom prst="rect">
@@ -4528,7 +4535,7 @@
         </p:nvSpPr>
         <p:spPr>
           <a:xfrm>
-            <a:off x="9351035" y="2384271"/>
+            <a:off x="7376461" y="2318010"/>
             <a:ext cx="1194938" cy="367136"/>
           </a:xfrm>
           <a:prstGeom prst="rect">
@@ -4585,7 +4592,7 @@
         </p:nvSpPr>
         <p:spPr>
           <a:xfrm>
-            <a:off x="7270649" y="1315124"/>
+            <a:off x="5296075" y="1248863"/>
             <a:ext cx="1245704" cy="503583"/>
           </a:xfrm>
           <a:prstGeom prst="rect">
@@ -4645,7 +4652,7 @@
         </p:nvCxnSpPr>
         <p:spPr>
           <a:xfrm rot="5400000" flipH="1" flipV="1">
-            <a:off x="6211545" y="1325168"/>
+            <a:off x="4236971" y="1258907"/>
             <a:ext cx="817355" cy="1300853"/>
           </a:xfrm>
           <a:prstGeom prst="curvedConnector2">
@@ -4687,7 +4694,7 @@
         </p:nvCxnSpPr>
         <p:spPr>
           <a:xfrm rot="5400000" flipH="1" flipV="1">
-            <a:off x="7311984" y="1802755"/>
+            <a:off x="5337410" y="1736494"/>
             <a:ext cx="565564" cy="597469"/>
           </a:xfrm>
           <a:prstGeom prst="curvedConnector3">
@@ -4729,7 +4736,7 @@
         </p:nvCxnSpPr>
         <p:spPr>
           <a:xfrm rot="16200000" flipV="1">
-            <a:off x="7975103" y="1737105"/>
+            <a:off x="6000529" y="1670844"/>
             <a:ext cx="565564" cy="728767"/>
           </a:xfrm>
           <a:prstGeom prst="curvedConnector3">
@@ -4771,7 +4778,7 @@
         </p:nvCxnSpPr>
         <p:spPr>
           <a:xfrm rot="16200000" flipV="1">
-            <a:off x="8823752" y="1259518"/>
+            <a:off x="6849178" y="1193257"/>
             <a:ext cx="817355" cy="1432151"/>
           </a:xfrm>
           <a:prstGeom prst="curvedConnector2">
@@ -4814,7 +4821,7 @@
         </p:nvCxnSpPr>
         <p:spPr>
           <a:xfrm flipV="1">
-            <a:off x="5958076" y="2751407"/>
+            <a:off x="3983502" y="2685146"/>
             <a:ext cx="11720" cy="310457"/>
           </a:xfrm>
           <a:prstGeom prst="straightConnector1">
@@ -4856,7 +4863,7 @@
         </p:nvCxnSpPr>
         <p:spPr>
           <a:xfrm flipV="1">
-            <a:off x="7292157" y="2749059"/>
+            <a:off x="5317583" y="2682798"/>
             <a:ext cx="11720" cy="310457"/>
           </a:xfrm>
           <a:prstGeom prst="straightConnector1">
@@ -4898,7 +4905,7 @@
         </p:nvCxnSpPr>
         <p:spPr>
           <a:xfrm flipV="1">
-            <a:off x="8614524" y="2749059"/>
+            <a:off x="6639950" y="2682798"/>
             <a:ext cx="11720" cy="310457"/>
           </a:xfrm>
           <a:prstGeom prst="straightConnector1">
@@ -4940,7 +4947,7 @@
         </p:nvCxnSpPr>
         <p:spPr>
           <a:xfrm flipV="1">
-            <a:off x="9939132" y="2736142"/>
+            <a:off x="7964558" y="2669881"/>
             <a:ext cx="11720" cy="310457"/>
           </a:xfrm>
           <a:prstGeom prst="straightConnector1">
@@ -4980,7 +4987,7 @@
         </p:nvSpPr>
         <p:spPr>
           <a:xfrm>
-            <a:off x="7084608" y="4712928"/>
+            <a:off x="5110034" y="4646667"/>
             <a:ext cx="1617786" cy="503583"/>
           </a:xfrm>
           <a:prstGeom prst="rect">
@@ -5027,6 +5034,2060 @@
     <p:extLst>
       <p:ext uri="{BB962C8B-B14F-4D97-AF65-F5344CB8AC3E}">
         <p14:creationId xmlns:p14="http://schemas.microsoft.com/office/powerpoint/2010/main" val="3025094090"/>
+      </p:ext>
+    </p:extLst>
+  </p:cSld>
+  <p:clrMapOvr>
+    <a:masterClrMapping/>
+  </p:clrMapOvr>
+</p:sld>
+</file>
+
+<file path=ppt/slides/slide3.xml><?xml version="1.0" encoding="utf-8"?>
+<p:sld xmlns:a="http://schemas.openxmlformats.org/drawingml/2006/main" xmlns:r="http://schemas.openxmlformats.org/officeDocument/2006/relationships" xmlns:p="http://schemas.openxmlformats.org/presentationml/2006/main">
+  <p:cSld>
+    <p:spTree>
+      <p:nvGrpSpPr>
+        <p:cNvPr id="1" name=""/>
+        <p:cNvGrpSpPr/>
+        <p:nvPr/>
+      </p:nvGrpSpPr>
+      <p:grpSpPr>
+        <a:xfrm>
+          <a:off x="0" y="0"/>
+          <a:ext cx="0" cy="0"/>
+          <a:chOff x="0" y="0"/>
+          <a:chExt cx="0" cy="0"/>
+        </a:xfrm>
+      </p:grpSpPr>
+      <p:sp>
+        <p:nvSpPr>
+          <p:cNvPr id="2" name="Title 1">
+            <a:extLst>
+              <a:ext uri="{FF2B5EF4-FFF2-40B4-BE49-F238E27FC236}">
+                <a16:creationId xmlns:a16="http://schemas.microsoft.com/office/drawing/2014/main" id="{ABCD39DF-FDC2-4973-8086-8B25538797A9}"/>
+              </a:ext>
+            </a:extLst>
+          </p:cNvPr>
+          <p:cNvSpPr>
+            <a:spLocks noGrp="1"/>
+          </p:cNvSpPr>
+          <p:nvPr>
+            <p:ph type="title"/>
+          </p:nvPr>
+        </p:nvSpPr>
+        <p:spPr>
+          <a:xfrm>
+            <a:off x="838200" y="365125"/>
+            <a:ext cx="10515600" cy="840823"/>
+          </a:xfrm>
+        </p:spPr>
+        <p:txBody>
+          <a:bodyPr>
+            <a:normAutofit/>
+          </a:bodyPr>
+          <a:lstStyle/>
+          <a:p>
+            <a:r>
+              <a:rPr lang="tr-TR" sz="3200" b="1" dirty="0"/>
+              <a:t>Definition</a:t>
+            </a:r>
+          </a:p>
+        </p:txBody>
+      </p:sp>
+      <p:sp>
+        <p:nvSpPr>
+          <p:cNvPr id="4" name="Rectangle 3">
+            <a:extLst>
+              <a:ext uri="{FF2B5EF4-FFF2-40B4-BE49-F238E27FC236}">
+                <a16:creationId xmlns:a16="http://schemas.microsoft.com/office/drawing/2014/main" id="{5AC11450-A6A7-436F-885E-E1E2BB7FEAEA}"/>
+              </a:ext>
+            </a:extLst>
+          </p:cNvPr>
+          <p:cNvSpPr/>
+          <p:nvPr/>
+        </p:nvSpPr>
+        <p:spPr>
+          <a:xfrm>
+            <a:off x="2107095" y="1079139"/>
+            <a:ext cx="7977809" cy="503583"/>
+          </a:xfrm>
+          <a:prstGeom prst="rect">
+            <a:avLst/>
+          </a:prstGeom>
+          <a:solidFill>
+            <a:schemeClr val="bg1"/>
+          </a:solidFill>
+          <a:ln w="28575"/>
+        </p:spPr>
+        <p:style>
+          <a:lnRef idx="2">
+            <a:schemeClr val="accent1">
+              <a:shade val="50000"/>
+            </a:schemeClr>
+          </a:lnRef>
+          <a:fillRef idx="1">
+            <a:schemeClr val="accent1"/>
+          </a:fillRef>
+          <a:effectRef idx="0">
+            <a:schemeClr val="accent1"/>
+          </a:effectRef>
+          <a:fontRef idx="minor">
+            <a:schemeClr val="lt1"/>
+          </a:fontRef>
+        </p:style>
+        <p:txBody>
+          <a:bodyPr rtlCol="0" anchor="ctr"/>
+          <a:lstStyle/>
+          <a:p>
+            <a:pPr algn="ctr"/>
+            <a:r>
+              <a:rPr lang="tr-TR" b="1" dirty="0">
+                <a:solidFill>
+                  <a:srgbClr val="FF0000"/>
+                </a:solidFill>
+              </a:rPr>
+              <a:t>1st Definition of War: </a:t>
+            </a:r>
+            <a:r>
+              <a:rPr lang="en-US" b="1" dirty="0">
+                <a:solidFill>
+                  <a:schemeClr val="tx1"/>
+                </a:solidFill>
+              </a:rPr>
+              <a:t>War is an act of force to compel </a:t>
+            </a:r>
+            <a:r>
+              <a:rPr lang="tr-TR" b="1" dirty="0">
+                <a:solidFill>
+                  <a:schemeClr val="tx1"/>
+                </a:solidFill>
+              </a:rPr>
+              <a:t>enemy </a:t>
+            </a:r>
+            <a:r>
+              <a:rPr lang="en-US" b="1" dirty="0">
+                <a:solidFill>
+                  <a:schemeClr val="tx1"/>
+                </a:solidFill>
+              </a:rPr>
+              <a:t>to do our will</a:t>
+            </a:r>
+            <a:endParaRPr lang="tr-TR" b="1" dirty="0">
+              <a:solidFill>
+                <a:schemeClr val="tx1"/>
+              </a:solidFill>
+            </a:endParaRPr>
+          </a:p>
+        </p:txBody>
+      </p:sp>
+      <p:sp>
+        <p:nvSpPr>
+          <p:cNvPr id="5" name="Oval 4">
+            <a:extLst>
+              <a:ext uri="{FF2B5EF4-FFF2-40B4-BE49-F238E27FC236}">
+                <a16:creationId xmlns:a16="http://schemas.microsoft.com/office/drawing/2014/main" id="{42B4ED18-AC16-4183-A2AA-B705469B580E}"/>
+              </a:ext>
+            </a:extLst>
+          </p:cNvPr>
+          <p:cNvSpPr/>
+          <p:nvPr/>
+        </p:nvSpPr>
+        <p:spPr>
+          <a:xfrm>
+            <a:off x="2451650" y="2964483"/>
+            <a:ext cx="2173359" cy="1108491"/>
+          </a:xfrm>
+          <a:prstGeom prst="ellipse">
+            <a:avLst/>
+          </a:prstGeom>
+          <a:solidFill>
+            <a:schemeClr val="bg1"/>
+          </a:solidFill>
+          <a:ln w="28575"/>
+        </p:spPr>
+        <p:style>
+          <a:lnRef idx="2">
+            <a:schemeClr val="accent1">
+              <a:shade val="50000"/>
+            </a:schemeClr>
+          </a:lnRef>
+          <a:fillRef idx="1">
+            <a:schemeClr val="accent1"/>
+          </a:fillRef>
+          <a:effectRef idx="0">
+            <a:schemeClr val="accent1"/>
+          </a:effectRef>
+          <a:fontRef idx="minor">
+            <a:schemeClr val="lt1"/>
+          </a:fontRef>
+        </p:style>
+        <p:txBody>
+          <a:bodyPr rtlCol="0" anchor="ctr"/>
+          <a:lstStyle/>
+          <a:p>
+            <a:pPr algn="ctr"/>
+            <a:r>
+              <a:rPr lang="tr-TR" sz="2200" b="1" dirty="0">
+                <a:solidFill>
+                  <a:schemeClr val="tx1"/>
+                </a:solidFill>
+              </a:rPr>
+              <a:t>Force</a:t>
+            </a:r>
+          </a:p>
+        </p:txBody>
+      </p:sp>
+      <p:sp>
+        <p:nvSpPr>
+          <p:cNvPr id="7" name="Oval 6">
+            <a:extLst>
+              <a:ext uri="{FF2B5EF4-FFF2-40B4-BE49-F238E27FC236}">
+                <a16:creationId xmlns:a16="http://schemas.microsoft.com/office/drawing/2014/main" id="{EA1E00F6-B7FE-4290-B043-FDEC28586C4C}"/>
+              </a:ext>
+            </a:extLst>
+          </p:cNvPr>
+          <p:cNvSpPr/>
+          <p:nvPr/>
+        </p:nvSpPr>
+        <p:spPr>
+          <a:xfrm>
+            <a:off x="7580245" y="2964483"/>
+            <a:ext cx="2361436" cy="1108491"/>
+          </a:xfrm>
+          <a:prstGeom prst="ellipse">
+            <a:avLst/>
+          </a:prstGeom>
+          <a:solidFill>
+            <a:schemeClr val="bg1"/>
+          </a:solidFill>
+          <a:ln w="28575"/>
+        </p:spPr>
+        <p:style>
+          <a:lnRef idx="2">
+            <a:schemeClr val="accent1">
+              <a:shade val="50000"/>
+            </a:schemeClr>
+          </a:lnRef>
+          <a:fillRef idx="1">
+            <a:schemeClr val="accent1"/>
+          </a:fillRef>
+          <a:effectRef idx="0">
+            <a:schemeClr val="accent1"/>
+          </a:effectRef>
+          <a:fontRef idx="minor">
+            <a:schemeClr val="lt1"/>
+          </a:fontRef>
+        </p:style>
+        <p:txBody>
+          <a:bodyPr rtlCol="0" anchor="ctr"/>
+          <a:lstStyle/>
+          <a:p>
+            <a:pPr algn="ctr"/>
+            <a:r>
+              <a:rPr lang="tr-TR" sz="2400" b="1" dirty="0">
+                <a:solidFill>
+                  <a:schemeClr val="tx1"/>
+                </a:solidFill>
+              </a:rPr>
+              <a:t>Impose the will</a:t>
+            </a:r>
+            <a:endParaRPr lang="tr-TR" sz="2200" b="1" dirty="0">
+              <a:solidFill>
+                <a:schemeClr val="tx1"/>
+              </a:solidFill>
+            </a:endParaRPr>
+          </a:p>
+        </p:txBody>
+      </p:sp>
+      <p:cxnSp>
+        <p:nvCxnSpPr>
+          <p:cNvPr id="9" name="Connector: Curved 8">
+            <a:extLst>
+              <a:ext uri="{FF2B5EF4-FFF2-40B4-BE49-F238E27FC236}">
+                <a16:creationId xmlns:a16="http://schemas.microsoft.com/office/drawing/2014/main" id="{26264ECF-510B-4CE3-A86F-1FD69B7C217C}"/>
+              </a:ext>
+            </a:extLst>
+          </p:cNvPr>
+          <p:cNvCxnSpPr>
+            <a:stCxn id="4" idx="2"/>
+            <a:endCxn id="5" idx="0"/>
+          </p:cNvCxnSpPr>
+          <p:nvPr/>
+        </p:nvCxnSpPr>
+        <p:spPr>
+          <a:xfrm rot="5400000">
+            <a:off x="4126285" y="994767"/>
+            <a:ext cx="1381761" cy="2557670"/>
+          </a:xfrm>
+          <a:prstGeom prst="curvedConnector3">
+            <a:avLst/>
+          </a:prstGeom>
+          <a:ln>
+            <a:tailEnd type="triangle"/>
+          </a:ln>
+        </p:spPr>
+        <p:style>
+          <a:lnRef idx="1">
+            <a:schemeClr val="accent1"/>
+          </a:lnRef>
+          <a:fillRef idx="0">
+            <a:schemeClr val="accent1"/>
+          </a:fillRef>
+          <a:effectRef idx="0">
+            <a:schemeClr val="accent1"/>
+          </a:effectRef>
+          <a:fontRef idx="minor">
+            <a:schemeClr val="tx1"/>
+          </a:fontRef>
+        </p:style>
+      </p:cxnSp>
+      <p:cxnSp>
+        <p:nvCxnSpPr>
+          <p:cNvPr id="11" name="Connector: Curved 10">
+            <a:extLst>
+              <a:ext uri="{FF2B5EF4-FFF2-40B4-BE49-F238E27FC236}">
+                <a16:creationId xmlns:a16="http://schemas.microsoft.com/office/drawing/2014/main" id="{2CF34879-B4AF-40BC-A88C-820396823C5A}"/>
+              </a:ext>
+            </a:extLst>
+          </p:cNvPr>
+          <p:cNvCxnSpPr>
+            <a:stCxn id="4" idx="2"/>
+            <a:endCxn id="7" idx="0"/>
+          </p:cNvCxnSpPr>
+          <p:nvPr/>
+        </p:nvCxnSpPr>
+        <p:spPr>
+          <a:xfrm rot="16200000" flipH="1">
+            <a:off x="6737601" y="941120"/>
+            <a:ext cx="1381761" cy="2664963"/>
+          </a:xfrm>
+          <a:prstGeom prst="curvedConnector3">
+            <a:avLst/>
+          </a:prstGeom>
+          <a:ln>
+            <a:tailEnd type="triangle"/>
+          </a:ln>
+        </p:spPr>
+        <p:style>
+          <a:lnRef idx="1">
+            <a:schemeClr val="accent1"/>
+          </a:lnRef>
+          <a:fillRef idx="0">
+            <a:schemeClr val="accent1"/>
+          </a:fillRef>
+          <a:effectRef idx="0">
+            <a:schemeClr val="accent1"/>
+          </a:effectRef>
+          <a:fontRef idx="minor">
+            <a:schemeClr val="tx1"/>
+          </a:fontRef>
+        </p:style>
+      </p:cxnSp>
+      <p:sp>
+        <p:nvSpPr>
+          <p:cNvPr id="12" name="TextBox 11">
+            <a:extLst>
+              <a:ext uri="{FF2B5EF4-FFF2-40B4-BE49-F238E27FC236}">
+                <a16:creationId xmlns:a16="http://schemas.microsoft.com/office/drawing/2014/main" id="{BC93DCD8-31D6-4EC2-8C0E-C25051A4D495}"/>
+              </a:ext>
+            </a:extLst>
+          </p:cNvPr>
+          <p:cNvSpPr txBox="1"/>
+          <p:nvPr/>
+        </p:nvSpPr>
+        <p:spPr>
+          <a:xfrm>
+            <a:off x="1511014" y="3298887"/>
+            <a:ext cx="739305" cy="369332"/>
+          </a:xfrm>
+          <a:prstGeom prst="rect">
+            <a:avLst/>
+          </a:prstGeom>
+          <a:noFill/>
+        </p:spPr>
+        <p:txBody>
+          <a:bodyPr wrap="none" rtlCol="0">
+            <a:spAutoFit/>
+          </a:bodyPr>
+          <a:lstStyle/>
+          <a:p>
+            <a:r>
+              <a:rPr lang="tr-TR" b="1" dirty="0"/>
+              <a:t>Mean</a:t>
+            </a:r>
+          </a:p>
+        </p:txBody>
+      </p:sp>
+      <p:sp>
+        <p:nvSpPr>
+          <p:cNvPr id="13" name="TextBox 12">
+            <a:extLst>
+              <a:ext uri="{FF2B5EF4-FFF2-40B4-BE49-F238E27FC236}">
+                <a16:creationId xmlns:a16="http://schemas.microsoft.com/office/drawing/2014/main" id="{8BE7C9E7-517D-400D-BC81-161C9D2F937B}"/>
+              </a:ext>
+            </a:extLst>
+          </p:cNvPr>
+          <p:cNvSpPr txBox="1"/>
+          <p:nvPr/>
+        </p:nvSpPr>
+        <p:spPr>
+          <a:xfrm>
+            <a:off x="10084904" y="3167516"/>
+            <a:ext cx="814647" cy="369332"/>
+          </a:xfrm>
+          <a:prstGeom prst="rect">
+            <a:avLst/>
+          </a:prstGeom>
+          <a:noFill/>
+        </p:spPr>
+        <p:txBody>
+          <a:bodyPr wrap="none" rtlCol="0">
+            <a:spAutoFit/>
+          </a:bodyPr>
+          <a:lstStyle/>
+          <a:p>
+            <a:r>
+              <a:rPr lang="tr-TR" b="1" dirty="0"/>
+              <a:t>Object</a:t>
+            </a:r>
+          </a:p>
+        </p:txBody>
+      </p:sp>
+      <p:sp>
+        <p:nvSpPr>
+          <p:cNvPr id="14" name="Arrow: Down 13">
+            <a:extLst>
+              <a:ext uri="{FF2B5EF4-FFF2-40B4-BE49-F238E27FC236}">
+                <a16:creationId xmlns:a16="http://schemas.microsoft.com/office/drawing/2014/main" id="{B8A3B436-FD34-41FF-883F-039AFED6C16D}"/>
+              </a:ext>
+            </a:extLst>
+          </p:cNvPr>
+          <p:cNvSpPr/>
+          <p:nvPr/>
+        </p:nvSpPr>
+        <p:spPr>
+          <a:xfrm>
+            <a:off x="8518647" y="4346243"/>
+            <a:ext cx="484632" cy="978408"/>
+          </a:xfrm>
+          <a:prstGeom prst="downArrow">
+            <a:avLst/>
+          </a:prstGeom>
+        </p:spPr>
+        <p:style>
+          <a:lnRef idx="2">
+            <a:schemeClr val="accent1">
+              <a:shade val="50000"/>
+            </a:schemeClr>
+          </a:lnRef>
+          <a:fillRef idx="1">
+            <a:schemeClr val="accent1"/>
+          </a:fillRef>
+          <a:effectRef idx="0">
+            <a:schemeClr val="accent1"/>
+          </a:effectRef>
+          <a:fontRef idx="minor">
+            <a:schemeClr val="lt1"/>
+          </a:fontRef>
+        </p:style>
+        <p:txBody>
+          <a:bodyPr rtlCol="0" anchor="ctr"/>
+          <a:lstStyle/>
+          <a:p>
+            <a:pPr algn="ctr"/>
+            <a:endParaRPr lang="tr-TR"/>
+          </a:p>
+        </p:txBody>
+      </p:sp>
+      <p:sp>
+        <p:nvSpPr>
+          <p:cNvPr id="17" name="TextBox 16">
+            <a:extLst>
+              <a:ext uri="{FF2B5EF4-FFF2-40B4-BE49-F238E27FC236}">
+                <a16:creationId xmlns:a16="http://schemas.microsoft.com/office/drawing/2014/main" id="{02772E64-9CCF-44E9-B6DE-DAE069F2B087}"/>
+              </a:ext>
+            </a:extLst>
+          </p:cNvPr>
+          <p:cNvSpPr txBox="1"/>
+          <p:nvPr/>
+        </p:nvSpPr>
+        <p:spPr>
+          <a:xfrm>
+            <a:off x="10084904" y="5753963"/>
+            <a:ext cx="2063578" cy="369332"/>
+          </a:xfrm>
+          <a:prstGeom prst="rect">
+            <a:avLst/>
+          </a:prstGeom>
+          <a:noFill/>
+        </p:spPr>
+        <p:txBody>
+          <a:bodyPr wrap="none" rtlCol="0">
+            <a:spAutoFit/>
+          </a:bodyPr>
+          <a:lstStyle/>
+          <a:p>
+            <a:r>
+              <a:rPr lang="tr-TR" b="1" dirty="0"/>
+              <a:t>True aim of warfare</a:t>
+            </a:r>
+          </a:p>
+        </p:txBody>
+      </p:sp>
+      <p:sp>
+        <p:nvSpPr>
+          <p:cNvPr id="21" name="Oval 20">
+            <a:extLst>
+              <a:ext uri="{FF2B5EF4-FFF2-40B4-BE49-F238E27FC236}">
+                <a16:creationId xmlns:a16="http://schemas.microsoft.com/office/drawing/2014/main" id="{BA86A382-B4F2-4C8D-B270-506AA0909158}"/>
+              </a:ext>
+            </a:extLst>
+          </p:cNvPr>
+          <p:cNvSpPr/>
+          <p:nvPr/>
+        </p:nvSpPr>
+        <p:spPr>
+          <a:xfrm>
+            <a:off x="7580245" y="5384384"/>
+            <a:ext cx="2361436" cy="1108491"/>
+          </a:xfrm>
+          <a:prstGeom prst="ellipse">
+            <a:avLst/>
+          </a:prstGeom>
+          <a:solidFill>
+            <a:schemeClr val="bg1"/>
+          </a:solidFill>
+          <a:ln w="28575"/>
+        </p:spPr>
+        <p:style>
+          <a:lnRef idx="2">
+            <a:schemeClr val="accent1">
+              <a:shade val="50000"/>
+            </a:schemeClr>
+          </a:lnRef>
+          <a:fillRef idx="1">
+            <a:schemeClr val="accent1"/>
+          </a:fillRef>
+          <a:effectRef idx="0">
+            <a:schemeClr val="accent1"/>
+          </a:effectRef>
+          <a:fontRef idx="minor">
+            <a:schemeClr val="lt1"/>
+          </a:fontRef>
+        </p:style>
+        <p:txBody>
+          <a:bodyPr rtlCol="0" anchor="ctr"/>
+          <a:lstStyle/>
+          <a:p>
+            <a:pPr algn="ctr"/>
+            <a:r>
+              <a:rPr lang="tr-TR" sz="2400" b="1" dirty="0">
+                <a:solidFill>
+                  <a:schemeClr val="tx1"/>
+                </a:solidFill>
+              </a:rPr>
+              <a:t>Render the enemy powerless</a:t>
+            </a:r>
+            <a:endParaRPr lang="tr-TR" sz="2200" b="1" dirty="0">
+              <a:solidFill>
+                <a:schemeClr val="tx1"/>
+              </a:solidFill>
+            </a:endParaRPr>
+          </a:p>
+        </p:txBody>
+      </p:sp>
+      <p:sp>
+        <p:nvSpPr>
+          <p:cNvPr id="22" name="TextBox 21">
+            <a:extLst>
+              <a:ext uri="{FF2B5EF4-FFF2-40B4-BE49-F238E27FC236}">
+                <a16:creationId xmlns:a16="http://schemas.microsoft.com/office/drawing/2014/main" id="{3E8B5B47-7D2F-40D3-BE4D-A415C8ED449F}"/>
+              </a:ext>
+            </a:extLst>
+          </p:cNvPr>
+          <p:cNvSpPr txBox="1"/>
+          <p:nvPr/>
+        </p:nvSpPr>
+        <p:spPr>
+          <a:xfrm>
+            <a:off x="7705826" y="4544013"/>
+            <a:ext cx="2175019" cy="369332"/>
+          </a:xfrm>
+          <a:prstGeom prst="rect">
+            <a:avLst/>
+          </a:prstGeom>
+          <a:noFill/>
+        </p:spPr>
+        <p:txBody>
+          <a:bodyPr wrap="none" rtlCol="0">
+            <a:spAutoFit/>
+          </a:bodyPr>
+          <a:lstStyle/>
+          <a:p>
+            <a:r>
+              <a:rPr lang="tr-TR" b="1" dirty="0"/>
+              <a:t>To secure that object</a:t>
+            </a:r>
+          </a:p>
+        </p:txBody>
+      </p:sp>
+    </p:spTree>
+    <p:extLst>
+      <p:ext uri="{BB962C8B-B14F-4D97-AF65-F5344CB8AC3E}">
+        <p14:creationId xmlns:p14="http://schemas.microsoft.com/office/powerpoint/2010/main" val="1009845609"/>
+      </p:ext>
+    </p:extLst>
+  </p:cSld>
+  <p:clrMapOvr>
+    <a:masterClrMapping/>
+  </p:clrMapOvr>
+</p:sld>
+</file>
+
+<file path=ppt/slides/slide4.xml><?xml version="1.0" encoding="utf-8"?>
+<p:sld xmlns:a="http://schemas.openxmlformats.org/drawingml/2006/main" xmlns:r="http://schemas.openxmlformats.org/officeDocument/2006/relationships" xmlns:p="http://schemas.openxmlformats.org/presentationml/2006/main">
+  <p:cSld>
+    <p:spTree>
+      <p:nvGrpSpPr>
+        <p:cNvPr id="1" name=""/>
+        <p:cNvGrpSpPr/>
+        <p:nvPr/>
+      </p:nvGrpSpPr>
+      <p:grpSpPr>
+        <a:xfrm>
+          <a:off x="0" y="0"/>
+          <a:ext cx="0" cy="0"/>
+          <a:chOff x="0" y="0"/>
+          <a:chExt cx="0" cy="0"/>
+        </a:xfrm>
+      </p:grpSpPr>
+      <p:sp>
+        <p:nvSpPr>
+          <p:cNvPr id="4" name="Rectangle 3">
+            <a:extLst>
+              <a:ext uri="{FF2B5EF4-FFF2-40B4-BE49-F238E27FC236}">
+                <a16:creationId xmlns:a16="http://schemas.microsoft.com/office/drawing/2014/main" id="{AA2D1CF6-8F57-4E67-AE75-5952EB65BFD4}"/>
+              </a:ext>
+            </a:extLst>
+          </p:cNvPr>
+          <p:cNvSpPr/>
+          <p:nvPr/>
+        </p:nvSpPr>
+        <p:spPr>
+          <a:xfrm>
+            <a:off x="3212735" y="2749993"/>
+            <a:ext cx="1194938" cy="367136"/>
+          </a:xfrm>
+          <a:prstGeom prst="rect">
+            <a:avLst/>
+          </a:prstGeom>
+          <a:solidFill>
+            <a:schemeClr val="bg1"/>
+          </a:solidFill>
+          <a:ln w="12700"/>
+        </p:spPr>
+        <p:style>
+          <a:lnRef idx="2">
+            <a:schemeClr val="accent1">
+              <a:shade val="50000"/>
+            </a:schemeClr>
+          </a:lnRef>
+          <a:fillRef idx="1">
+            <a:schemeClr val="accent1"/>
+          </a:fillRef>
+          <a:effectRef idx="0">
+            <a:schemeClr val="accent1"/>
+          </a:effectRef>
+          <a:fontRef idx="minor">
+            <a:schemeClr val="lt1"/>
+          </a:fontRef>
+        </p:style>
+        <p:txBody>
+          <a:bodyPr rtlCol="0" anchor="ctr"/>
+          <a:lstStyle/>
+          <a:p>
+            <a:pPr algn="ctr"/>
+            <a:r>
+              <a:rPr lang="tr-TR" sz="1200" b="1" dirty="0">
+                <a:solidFill>
+                  <a:schemeClr val="tx1"/>
+                </a:solidFill>
+              </a:rPr>
+              <a:t>Maximum Use of Force</a:t>
+            </a:r>
+          </a:p>
+        </p:txBody>
+      </p:sp>
+      <p:sp>
+        <p:nvSpPr>
+          <p:cNvPr id="5" name="Rectangle 4">
+            <a:extLst>
+              <a:ext uri="{FF2B5EF4-FFF2-40B4-BE49-F238E27FC236}">
+                <a16:creationId xmlns:a16="http://schemas.microsoft.com/office/drawing/2014/main" id="{2BFB637E-1667-46AE-8289-6D444F01169D}"/>
+              </a:ext>
+            </a:extLst>
+          </p:cNvPr>
+          <p:cNvSpPr/>
+          <p:nvPr/>
+        </p:nvSpPr>
+        <p:spPr>
+          <a:xfrm>
+            <a:off x="4538971" y="2749993"/>
+            <a:ext cx="1194938" cy="367136"/>
+          </a:xfrm>
+          <a:prstGeom prst="rect">
+            <a:avLst/>
+          </a:prstGeom>
+          <a:solidFill>
+            <a:schemeClr val="bg1"/>
+          </a:solidFill>
+          <a:ln w="12700"/>
+        </p:spPr>
+        <p:style>
+          <a:lnRef idx="2">
+            <a:schemeClr val="accent1">
+              <a:shade val="50000"/>
+            </a:schemeClr>
+          </a:lnRef>
+          <a:fillRef idx="1">
+            <a:schemeClr val="accent1"/>
+          </a:fillRef>
+          <a:effectRef idx="0">
+            <a:schemeClr val="accent1"/>
+          </a:effectRef>
+          <a:fontRef idx="minor">
+            <a:schemeClr val="lt1"/>
+          </a:fontRef>
+        </p:style>
+        <p:txBody>
+          <a:bodyPr rtlCol="0" anchor="ctr"/>
+          <a:lstStyle/>
+          <a:p>
+            <a:pPr algn="ctr"/>
+            <a:r>
+              <a:rPr lang="tr-TR" sz="1200" b="1" dirty="0">
+                <a:solidFill>
+                  <a:schemeClr val="tx1"/>
+                </a:solidFill>
+              </a:rPr>
+              <a:t>Aim (Disarm)</a:t>
+            </a:r>
+          </a:p>
+        </p:txBody>
+      </p:sp>
+      <p:sp>
+        <p:nvSpPr>
+          <p:cNvPr id="6" name="Rectangle 5">
+            <a:extLst>
+              <a:ext uri="{FF2B5EF4-FFF2-40B4-BE49-F238E27FC236}">
+                <a16:creationId xmlns:a16="http://schemas.microsoft.com/office/drawing/2014/main" id="{59321AD7-05DC-4EDD-B3AD-2ED6F8952805}"/>
+              </a:ext>
+            </a:extLst>
+          </p:cNvPr>
+          <p:cNvSpPr/>
+          <p:nvPr/>
+        </p:nvSpPr>
+        <p:spPr>
+          <a:xfrm>
+            <a:off x="5865207" y="2749993"/>
+            <a:ext cx="1194938" cy="367136"/>
+          </a:xfrm>
+          <a:prstGeom prst="rect">
+            <a:avLst/>
+          </a:prstGeom>
+          <a:solidFill>
+            <a:schemeClr val="bg1"/>
+          </a:solidFill>
+          <a:ln w="12700"/>
+        </p:spPr>
+        <p:style>
+          <a:lnRef idx="2">
+            <a:schemeClr val="accent1">
+              <a:shade val="50000"/>
+            </a:schemeClr>
+          </a:lnRef>
+          <a:fillRef idx="1">
+            <a:schemeClr val="accent1"/>
+          </a:fillRef>
+          <a:effectRef idx="0">
+            <a:schemeClr val="accent1"/>
+          </a:effectRef>
+          <a:fontRef idx="minor">
+            <a:schemeClr val="lt1"/>
+          </a:fontRef>
+        </p:style>
+        <p:txBody>
+          <a:bodyPr rtlCol="0" anchor="ctr"/>
+          <a:lstStyle/>
+          <a:p>
+            <a:pPr algn="ctr"/>
+            <a:r>
+              <a:rPr lang="tr-TR" sz="1200" b="1" dirty="0">
+                <a:solidFill>
+                  <a:schemeClr val="tx1"/>
+                </a:solidFill>
+              </a:rPr>
+              <a:t>Overcome</a:t>
+            </a:r>
+          </a:p>
+        </p:txBody>
+      </p:sp>
+      <p:sp>
+        <p:nvSpPr>
+          <p:cNvPr id="7" name="Rectangle 6">
+            <a:extLst>
+              <a:ext uri="{FF2B5EF4-FFF2-40B4-BE49-F238E27FC236}">
+                <a16:creationId xmlns:a16="http://schemas.microsoft.com/office/drawing/2014/main" id="{6C56010F-112B-4218-99C7-DB24C1C6C78A}"/>
+              </a:ext>
+            </a:extLst>
+          </p:cNvPr>
+          <p:cNvSpPr/>
+          <p:nvPr/>
+        </p:nvSpPr>
+        <p:spPr>
+          <a:xfrm>
+            <a:off x="7191443" y="2749993"/>
+            <a:ext cx="1194938" cy="367136"/>
+          </a:xfrm>
+          <a:prstGeom prst="rect">
+            <a:avLst/>
+          </a:prstGeom>
+          <a:solidFill>
+            <a:schemeClr val="bg1"/>
+          </a:solidFill>
+          <a:ln w="12700"/>
+        </p:spPr>
+        <p:style>
+          <a:lnRef idx="2">
+            <a:schemeClr val="accent1">
+              <a:shade val="50000"/>
+            </a:schemeClr>
+          </a:lnRef>
+          <a:fillRef idx="1">
+            <a:schemeClr val="accent1"/>
+          </a:fillRef>
+          <a:effectRef idx="0">
+            <a:schemeClr val="accent1"/>
+          </a:effectRef>
+          <a:fontRef idx="minor">
+            <a:schemeClr val="lt1"/>
+          </a:fontRef>
+        </p:style>
+        <p:txBody>
+          <a:bodyPr rtlCol="0" anchor="ctr"/>
+          <a:lstStyle/>
+          <a:p>
+            <a:pPr algn="ctr"/>
+            <a:r>
+              <a:rPr lang="tr-TR" sz="1200" b="1" dirty="0">
+                <a:solidFill>
+                  <a:schemeClr val="tx1"/>
+                </a:solidFill>
+              </a:rPr>
+              <a:t>Hostilities</a:t>
+            </a:r>
+          </a:p>
+        </p:txBody>
+      </p:sp>
+      <p:sp>
+        <p:nvSpPr>
+          <p:cNvPr id="8" name="Rectangle 7">
+            <a:extLst>
+              <a:ext uri="{FF2B5EF4-FFF2-40B4-BE49-F238E27FC236}">
+                <a16:creationId xmlns:a16="http://schemas.microsoft.com/office/drawing/2014/main" id="{76733B80-70D1-4C7D-94CE-B3277EFBCBBC}"/>
+              </a:ext>
+            </a:extLst>
+          </p:cNvPr>
+          <p:cNvSpPr/>
+          <p:nvPr/>
+        </p:nvSpPr>
+        <p:spPr>
+          <a:xfrm>
+            <a:off x="5242355" y="1551386"/>
+            <a:ext cx="1245704" cy="503583"/>
+          </a:xfrm>
+          <a:prstGeom prst="rect">
+            <a:avLst/>
+          </a:prstGeom>
+          <a:solidFill>
+            <a:schemeClr val="bg1"/>
+          </a:solidFill>
+          <a:ln w="28575"/>
+        </p:spPr>
+        <p:style>
+          <a:lnRef idx="2">
+            <a:schemeClr val="accent1">
+              <a:shade val="50000"/>
+            </a:schemeClr>
+          </a:lnRef>
+          <a:fillRef idx="1">
+            <a:schemeClr val="accent1"/>
+          </a:fillRef>
+          <a:effectRef idx="0">
+            <a:schemeClr val="accent1"/>
+          </a:effectRef>
+          <a:fontRef idx="minor">
+            <a:schemeClr val="lt1"/>
+          </a:fontRef>
+        </p:style>
+        <p:txBody>
+          <a:bodyPr rtlCol="0" anchor="ctr"/>
+          <a:lstStyle/>
+          <a:p>
+            <a:pPr algn="ctr"/>
+            <a:r>
+              <a:rPr lang="tr-TR" b="1" dirty="0">
+                <a:solidFill>
+                  <a:schemeClr val="tx1"/>
+                </a:solidFill>
+              </a:rPr>
+              <a:t>Laws of Extremes</a:t>
+            </a:r>
+          </a:p>
+        </p:txBody>
+      </p:sp>
+      <p:sp>
+        <p:nvSpPr>
+          <p:cNvPr id="18" name="Rectangle 17">
+            <a:extLst>
+              <a:ext uri="{FF2B5EF4-FFF2-40B4-BE49-F238E27FC236}">
+                <a16:creationId xmlns:a16="http://schemas.microsoft.com/office/drawing/2014/main" id="{531F8D98-86D3-4642-A0B3-09C0EBF0E152}"/>
+              </a:ext>
+            </a:extLst>
+          </p:cNvPr>
+          <p:cNvSpPr/>
+          <p:nvPr/>
+        </p:nvSpPr>
+        <p:spPr>
+          <a:xfrm>
+            <a:off x="3212735" y="3503267"/>
+            <a:ext cx="1194938" cy="367136"/>
+          </a:xfrm>
+          <a:prstGeom prst="rect">
+            <a:avLst/>
+          </a:prstGeom>
+          <a:solidFill>
+            <a:schemeClr val="bg1"/>
+          </a:solidFill>
+          <a:ln w="12700"/>
+        </p:spPr>
+        <p:style>
+          <a:lnRef idx="2">
+            <a:schemeClr val="accent1">
+              <a:shade val="50000"/>
+            </a:schemeClr>
+          </a:lnRef>
+          <a:fillRef idx="1">
+            <a:schemeClr val="accent1"/>
+          </a:fillRef>
+          <a:effectRef idx="0">
+            <a:schemeClr val="accent1"/>
+          </a:effectRef>
+          <a:fontRef idx="minor">
+            <a:schemeClr val="lt1"/>
+          </a:fontRef>
+        </p:style>
+        <p:txBody>
+          <a:bodyPr rtlCol="0" anchor="ctr"/>
+          <a:lstStyle/>
+          <a:p>
+            <a:pPr algn="ctr"/>
+            <a:r>
+              <a:rPr lang="tr-TR" sz="1200" b="1" dirty="0">
+                <a:solidFill>
+                  <a:schemeClr val="tx1"/>
+                </a:solidFill>
+              </a:rPr>
+              <a:t>Not a single action</a:t>
+            </a:r>
+          </a:p>
+        </p:txBody>
+      </p:sp>
+      <p:sp>
+        <p:nvSpPr>
+          <p:cNvPr id="19" name="Rectangle 18">
+            <a:extLst>
+              <a:ext uri="{FF2B5EF4-FFF2-40B4-BE49-F238E27FC236}">
+                <a16:creationId xmlns:a16="http://schemas.microsoft.com/office/drawing/2014/main" id="{CF0A43B7-2C6F-45A5-B3CF-227E933BCF7C}"/>
+              </a:ext>
+            </a:extLst>
+          </p:cNvPr>
+          <p:cNvSpPr/>
+          <p:nvPr/>
+        </p:nvSpPr>
+        <p:spPr>
+          <a:xfrm>
+            <a:off x="4538971" y="3503267"/>
+            <a:ext cx="1194938" cy="367136"/>
+          </a:xfrm>
+          <a:prstGeom prst="rect">
+            <a:avLst/>
+          </a:prstGeom>
+          <a:solidFill>
+            <a:schemeClr val="bg1"/>
+          </a:solidFill>
+          <a:ln w="12700"/>
+        </p:spPr>
+        <p:style>
+          <a:lnRef idx="2">
+            <a:schemeClr val="accent1">
+              <a:shade val="50000"/>
+            </a:schemeClr>
+          </a:lnRef>
+          <a:fillRef idx="1">
+            <a:schemeClr val="accent1"/>
+          </a:fillRef>
+          <a:effectRef idx="0">
+            <a:schemeClr val="accent1"/>
+          </a:effectRef>
+          <a:fontRef idx="minor">
+            <a:schemeClr val="lt1"/>
+          </a:fontRef>
+        </p:style>
+        <p:txBody>
+          <a:bodyPr rtlCol="0" anchor="ctr"/>
+          <a:lstStyle/>
+          <a:p>
+            <a:pPr algn="ctr"/>
+            <a:r>
+              <a:rPr lang="tr-TR" sz="1200" b="1" dirty="0">
+                <a:solidFill>
+                  <a:schemeClr val="tx1"/>
+                </a:solidFill>
+              </a:rPr>
+              <a:t>Result is never final</a:t>
+            </a:r>
+          </a:p>
+        </p:txBody>
+      </p:sp>
+      <p:sp>
+        <p:nvSpPr>
+          <p:cNvPr id="20" name="Rectangle 19">
+            <a:extLst>
+              <a:ext uri="{FF2B5EF4-FFF2-40B4-BE49-F238E27FC236}">
+                <a16:creationId xmlns:a16="http://schemas.microsoft.com/office/drawing/2014/main" id="{27E64D89-0E48-4419-9C0E-0E5DDDAA62A7}"/>
+              </a:ext>
+            </a:extLst>
+          </p:cNvPr>
+          <p:cNvSpPr/>
+          <p:nvPr/>
+        </p:nvSpPr>
+        <p:spPr>
+          <a:xfrm>
+            <a:off x="5865207" y="3503267"/>
+            <a:ext cx="1194938" cy="367136"/>
+          </a:xfrm>
+          <a:prstGeom prst="rect">
+            <a:avLst/>
+          </a:prstGeom>
+          <a:solidFill>
+            <a:schemeClr val="bg1"/>
+          </a:solidFill>
+          <a:ln w="12700"/>
+        </p:spPr>
+        <p:style>
+          <a:lnRef idx="2">
+            <a:schemeClr val="accent1">
+              <a:shade val="50000"/>
+            </a:schemeClr>
+          </a:lnRef>
+          <a:fillRef idx="1">
+            <a:schemeClr val="accent1"/>
+          </a:fillRef>
+          <a:effectRef idx="0">
+            <a:schemeClr val="accent1"/>
+          </a:effectRef>
+          <a:fontRef idx="minor">
+            <a:schemeClr val="lt1"/>
+          </a:fontRef>
+        </p:style>
+        <p:txBody>
+          <a:bodyPr rtlCol="0" anchor="ctr"/>
+          <a:lstStyle/>
+          <a:p>
+            <a:pPr algn="ctr"/>
+            <a:r>
+              <a:rPr lang="tr-TR" sz="1200" b="1" dirty="0">
+                <a:solidFill>
+                  <a:schemeClr val="tx1"/>
+                </a:solidFill>
+              </a:rPr>
+              <a:t>PoR depends on external</a:t>
+            </a:r>
+          </a:p>
+        </p:txBody>
+      </p:sp>
+      <p:sp>
+        <p:nvSpPr>
+          <p:cNvPr id="21" name="Rectangle 20">
+            <a:extLst>
+              <a:ext uri="{FF2B5EF4-FFF2-40B4-BE49-F238E27FC236}">
+                <a16:creationId xmlns:a16="http://schemas.microsoft.com/office/drawing/2014/main" id="{A3E653FB-CB4F-47C6-B777-93030FFAC395}"/>
+              </a:ext>
+            </a:extLst>
+          </p:cNvPr>
+          <p:cNvSpPr/>
+          <p:nvPr/>
+        </p:nvSpPr>
+        <p:spPr>
+          <a:xfrm>
+            <a:off x="7191443" y="3503267"/>
+            <a:ext cx="1194938" cy="367136"/>
+          </a:xfrm>
+          <a:prstGeom prst="rect">
+            <a:avLst/>
+          </a:prstGeom>
+          <a:solidFill>
+            <a:schemeClr val="bg1"/>
+          </a:solidFill>
+          <a:ln w="12700"/>
+        </p:spPr>
+        <p:style>
+          <a:lnRef idx="2">
+            <a:schemeClr val="accent1">
+              <a:shade val="50000"/>
+            </a:schemeClr>
+          </a:lnRef>
+          <a:fillRef idx="1">
+            <a:schemeClr val="accent1"/>
+          </a:fillRef>
+          <a:effectRef idx="0">
+            <a:schemeClr val="accent1"/>
+          </a:effectRef>
+          <a:fontRef idx="minor">
+            <a:schemeClr val="lt1"/>
+          </a:fontRef>
+        </p:style>
+        <p:txBody>
+          <a:bodyPr rtlCol="0" anchor="ctr"/>
+          <a:lstStyle/>
+          <a:p>
+            <a:pPr algn="ctr"/>
+            <a:r>
+              <a:rPr lang="tr-TR" sz="1200" b="1" dirty="0">
+                <a:solidFill>
+                  <a:schemeClr val="tx1"/>
+                </a:solidFill>
+              </a:rPr>
+              <a:t>Inaction</a:t>
+            </a:r>
+          </a:p>
+        </p:txBody>
+      </p:sp>
+      <p:sp>
+        <p:nvSpPr>
+          <p:cNvPr id="22" name="Rectangle 21">
+            <a:extLst>
+              <a:ext uri="{FF2B5EF4-FFF2-40B4-BE49-F238E27FC236}">
+                <a16:creationId xmlns:a16="http://schemas.microsoft.com/office/drawing/2014/main" id="{13F14650-BFD3-4BDE-BF75-4CC72F6D02E1}"/>
+              </a:ext>
+            </a:extLst>
+          </p:cNvPr>
+          <p:cNvSpPr/>
+          <p:nvPr/>
+        </p:nvSpPr>
+        <p:spPr>
+          <a:xfrm>
+            <a:off x="5203309" y="4304917"/>
+            <a:ext cx="1245704" cy="503583"/>
+          </a:xfrm>
+          <a:prstGeom prst="rect">
+            <a:avLst/>
+          </a:prstGeom>
+          <a:solidFill>
+            <a:schemeClr val="bg1"/>
+          </a:solidFill>
+          <a:ln w="28575"/>
+        </p:spPr>
+        <p:style>
+          <a:lnRef idx="2">
+            <a:schemeClr val="accent1">
+              <a:shade val="50000"/>
+            </a:schemeClr>
+          </a:lnRef>
+          <a:fillRef idx="1">
+            <a:schemeClr val="accent1"/>
+          </a:fillRef>
+          <a:effectRef idx="0">
+            <a:schemeClr val="accent1"/>
+          </a:effectRef>
+          <a:fontRef idx="minor">
+            <a:schemeClr val="lt1"/>
+          </a:fontRef>
+        </p:style>
+        <p:txBody>
+          <a:bodyPr rtlCol="0" anchor="ctr"/>
+          <a:lstStyle/>
+          <a:p>
+            <a:pPr algn="ctr"/>
+            <a:r>
+              <a:rPr lang="tr-TR" b="1" dirty="0">
+                <a:solidFill>
+                  <a:schemeClr val="tx1"/>
+                </a:solidFill>
+              </a:rPr>
+              <a:t>assessing probs</a:t>
+            </a:r>
+          </a:p>
+        </p:txBody>
+      </p:sp>
+      <p:sp>
+        <p:nvSpPr>
+          <p:cNvPr id="40" name="Rectangle 39">
+            <a:extLst>
+              <a:ext uri="{FF2B5EF4-FFF2-40B4-BE49-F238E27FC236}">
+                <a16:creationId xmlns:a16="http://schemas.microsoft.com/office/drawing/2014/main" id="{EADD8FC8-3A6A-4084-B189-B8D62C8CD5E1}"/>
+              </a:ext>
+            </a:extLst>
+          </p:cNvPr>
+          <p:cNvSpPr/>
+          <p:nvPr/>
+        </p:nvSpPr>
+        <p:spPr>
+          <a:xfrm>
+            <a:off x="9044502" y="2999684"/>
+            <a:ext cx="1617786" cy="503583"/>
+          </a:xfrm>
+          <a:prstGeom prst="rect">
+            <a:avLst/>
+          </a:prstGeom>
+          <a:solidFill>
+            <a:schemeClr val="bg1"/>
+          </a:solidFill>
+          <a:ln w="28575"/>
+        </p:spPr>
+        <p:style>
+          <a:lnRef idx="2">
+            <a:schemeClr val="accent1">
+              <a:shade val="50000"/>
+            </a:schemeClr>
+          </a:lnRef>
+          <a:fillRef idx="1">
+            <a:schemeClr val="accent1"/>
+          </a:fillRef>
+          <a:effectRef idx="0">
+            <a:schemeClr val="accent1"/>
+          </a:effectRef>
+          <a:fontRef idx="minor">
+            <a:schemeClr val="lt1"/>
+          </a:fontRef>
+        </p:style>
+        <p:txBody>
+          <a:bodyPr rtlCol="0" anchor="ctr"/>
+          <a:lstStyle/>
+          <a:p>
+            <a:pPr algn="ctr"/>
+            <a:r>
+              <a:rPr lang="tr-TR" b="1" dirty="0">
+                <a:solidFill>
+                  <a:srgbClr val="FF0000"/>
+                </a:solidFill>
+              </a:rPr>
+              <a:t>Modifications</a:t>
+            </a:r>
+          </a:p>
+        </p:txBody>
+      </p:sp>
+      <p:cxnSp>
+        <p:nvCxnSpPr>
+          <p:cNvPr id="35" name="Connector: Curved 34">
+            <a:extLst>
+              <a:ext uri="{FF2B5EF4-FFF2-40B4-BE49-F238E27FC236}">
+                <a16:creationId xmlns:a16="http://schemas.microsoft.com/office/drawing/2014/main" id="{6D49F7F7-3272-4C69-8E47-E24D590A41F3}"/>
+              </a:ext>
+            </a:extLst>
+          </p:cNvPr>
+          <p:cNvCxnSpPr>
+            <a:stCxn id="8" idx="1"/>
+            <a:endCxn id="4" idx="0"/>
+          </p:cNvCxnSpPr>
+          <p:nvPr/>
+        </p:nvCxnSpPr>
+        <p:spPr>
+          <a:xfrm rot="10800000" flipV="1">
+            <a:off x="3810205" y="1803177"/>
+            <a:ext cx="1432151" cy="946815"/>
+          </a:xfrm>
+          <a:prstGeom prst="curvedConnector2">
+            <a:avLst/>
+          </a:prstGeom>
+          <a:ln>
+            <a:tailEnd type="triangle"/>
+          </a:ln>
+        </p:spPr>
+        <p:style>
+          <a:lnRef idx="1">
+            <a:schemeClr val="accent1"/>
+          </a:lnRef>
+          <a:fillRef idx="0">
+            <a:schemeClr val="accent1"/>
+          </a:fillRef>
+          <a:effectRef idx="0">
+            <a:schemeClr val="accent1"/>
+          </a:effectRef>
+          <a:fontRef idx="minor">
+            <a:schemeClr val="tx1"/>
+          </a:fontRef>
+        </p:style>
+      </p:cxnSp>
+      <p:cxnSp>
+        <p:nvCxnSpPr>
+          <p:cNvPr id="41" name="Connector: Curved 40">
+            <a:extLst>
+              <a:ext uri="{FF2B5EF4-FFF2-40B4-BE49-F238E27FC236}">
+                <a16:creationId xmlns:a16="http://schemas.microsoft.com/office/drawing/2014/main" id="{80FE0119-A585-427E-9407-38E976CA9C83}"/>
+              </a:ext>
+            </a:extLst>
+          </p:cNvPr>
+          <p:cNvCxnSpPr>
+            <a:stCxn id="8" idx="2"/>
+            <a:endCxn id="5" idx="0"/>
+          </p:cNvCxnSpPr>
+          <p:nvPr/>
+        </p:nvCxnSpPr>
+        <p:spPr>
+          <a:xfrm rot="5400000">
+            <a:off x="5153312" y="2038098"/>
+            <a:ext cx="695024" cy="728767"/>
+          </a:xfrm>
+          <a:prstGeom prst="curvedConnector3">
+            <a:avLst/>
+          </a:prstGeom>
+          <a:ln>
+            <a:tailEnd type="triangle"/>
+          </a:ln>
+        </p:spPr>
+        <p:style>
+          <a:lnRef idx="1">
+            <a:schemeClr val="accent1"/>
+          </a:lnRef>
+          <a:fillRef idx="0">
+            <a:schemeClr val="accent1"/>
+          </a:fillRef>
+          <a:effectRef idx="0">
+            <a:schemeClr val="accent1"/>
+          </a:effectRef>
+          <a:fontRef idx="minor">
+            <a:schemeClr val="tx1"/>
+          </a:fontRef>
+        </p:style>
+      </p:cxnSp>
+      <p:cxnSp>
+        <p:nvCxnSpPr>
+          <p:cNvPr id="43" name="Connector: Curved 42">
+            <a:extLst>
+              <a:ext uri="{FF2B5EF4-FFF2-40B4-BE49-F238E27FC236}">
+                <a16:creationId xmlns:a16="http://schemas.microsoft.com/office/drawing/2014/main" id="{D3D4CC1D-B9F6-49B4-8998-829B9F9FEF04}"/>
+              </a:ext>
+            </a:extLst>
+          </p:cNvPr>
+          <p:cNvCxnSpPr>
+            <a:stCxn id="8" idx="2"/>
+            <a:endCxn id="6" idx="0"/>
+          </p:cNvCxnSpPr>
+          <p:nvPr/>
+        </p:nvCxnSpPr>
+        <p:spPr>
+          <a:xfrm rot="16200000" flipH="1">
+            <a:off x="5816429" y="2103746"/>
+            <a:ext cx="695024" cy="597469"/>
+          </a:xfrm>
+          <a:prstGeom prst="curvedConnector3">
+            <a:avLst/>
+          </a:prstGeom>
+          <a:ln>
+            <a:tailEnd type="triangle"/>
+          </a:ln>
+        </p:spPr>
+        <p:style>
+          <a:lnRef idx="1">
+            <a:schemeClr val="accent1"/>
+          </a:lnRef>
+          <a:fillRef idx="0">
+            <a:schemeClr val="accent1"/>
+          </a:fillRef>
+          <a:effectRef idx="0">
+            <a:schemeClr val="accent1"/>
+          </a:effectRef>
+          <a:fontRef idx="minor">
+            <a:schemeClr val="tx1"/>
+          </a:fontRef>
+        </p:style>
+      </p:cxnSp>
+      <p:cxnSp>
+        <p:nvCxnSpPr>
+          <p:cNvPr id="45" name="Connector: Curved 44">
+            <a:extLst>
+              <a:ext uri="{FF2B5EF4-FFF2-40B4-BE49-F238E27FC236}">
+                <a16:creationId xmlns:a16="http://schemas.microsoft.com/office/drawing/2014/main" id="{4CEB317F-BE1A-4BA2-A904-ED8E5B460ED3}"/>
+              </a:ext>
+            </a:extLst>
+          </p:cNvPr>
+          <p:cNvCxnSpPr>
+            <a:stCxn id="8" idx="3"/>
+            <a:endCxn id="7" idx="0"/>
+          </p:cNvCxnSpPr>
+          <p:nvPr/>
+        </p:nvCxnSpPr>
+        <p:spPr>
+          <a:xfrm>
+            <a:off x="6488059" y="1803178"/>
+            <a:ext cx="1300853" cy="946815"/>
+          </a:xfrm>
+          <a:prstGeom prst="curvedConnector2">
+            <a:avLst/>
+          </a:prstGeom>
+          <a:ln>
+            <a:tailEnd type="triangle"/>
+          </a:ln>
+        </p:spPr>
+        <p:style>
+          <a:lnRef idx="1">
+            <a:schemeClr val="accent1"/>
+          </a:lnRef>
+          <a:fillRef idx="0">
+            <a:schemeClr val="accent1"/>
+          </a:fillRef>
+          <a:effectRef idx="0">
+            <a:schemeClr val="accent1"/>
+          </a:effectRef>
+          <a:fontRef idx="minor">
+            <a:schemeClr val="tx1"/>
+          </a:fontRef>
+        </p:style>
+      </p:cxnSp>
+      <p:cxnSp>
+        <p:nvCxnSpPr>
+          <p:cNvPr id="47" name="Connector: Curved 46">
+            <a:extLst>
+              <a:ext uri="{FF2B5EF4-FFF2-40B4-BE49-F238E27FC236}">
+                <a16:creationId xmlns:a16="http://schemas.microsoft.com/office/drawing/2014/main" id="{DD58259F-DEC1-458E-90AB-258D7E045DF9}"/>
+              </a:ext>
+            </a:extLst>
+          </p:cNvPr>
+          <p:cNvCxnSpPr>
+            <a:stCxn id="18" idx="2"/>
+            <a:endCxn id="22" idx="1"/>
+          </p:cNvCxnSpPr>
+          <p:nvPr/>
+        </p:nvCxnSpPr>
+        <p:spPr>
+          <a:xfrm rot="16200000" flipH="1">
+            <a:off x="4163603" y="3517003"/>
+            <a:ext cx="686306" cy="1393105"/>
+          </a:xfrm>
+          <a:prstGeom prst="curvedConnector2">
+            <a:avLst/>
+          </a:prstGeom>
+          <a:ln>
+            <a:tailEnd type="triangle"/>
+          </a:ln>
+        </p:spPr>
+        <p:style>
+          <a:lnRef idx="1">
+            <a:schemeClr val="accent1"/>
+          </a:lnRef>
+          <a:fillRef idx="0">
+            <a:schemeClr val="accent1"/>
+          </a:fillRef>
+          <a:effectRef idx="0">
+            <a:schemeClr val="accent1"/>
+          </a:effectRef>
+          <a:fontRef idx="minor">
+            <a:schemeClr val="tx1"/>
+          </a:fontRef>
+        </p:style>
+      </p:cxnSp>
+      <p:cxnSp>
+        <p:nvCxnSpPr>
+          <p:cNvPr id="49" name="Connector: Curved 48">
+            <a:extLst>
+              <a:ext uri="{FF2B5EF4-FFF2-40B4-BE49-F238E27FC236}">
+                <a16:creationId xmlns:a16="http://schemas.microsoft.com/office/drawing/2014/main" id="{3D0922D9-3667-42D2-8CB1-F30FC979943E}"/>
+              </a:ext>
+            </a:extLst>
+          </p:cNvPr>
+          <p:cNvCxnSpPr>
+            <a:stCxn id="21" idx="2"/>
+            <a:endCxn id="22" idx="3"/>
+          </p:cNvCxnSpPr>
+          <p:nvPr/>
+        </p:nvCxnSpPr>
+        <p:spPr>
+          <a:xfrm rot="5400000">
+            <a:off x="6775810" y="3543607"/>
+            <a:ext cx="686306" cy="1339899"/>
+          </a:xfrm>
+          <a:prstGeom prst="curvedConnector2">
+            <a:avLst/>
+          </a:prstGeom>
+          <a:ln>
+            <a:tailEnd type="triangle"/>
+          </a:ln>
+        </p:spPr>
+        <p:style>
+          <a:lnRef idx="1">
+            <a:schemeClr val="accent1"/>
+          </a:lnRef>
+          <a:fillRef idx="0">
+            <a:schemeClr val="accent1"/>
+          </a:fillRef>
+          <a:effectRef idx="0">
+            <a:schemeClr val="accent1"/>
+          </a:effectRef>
+          <a:fontRef idx="minor">
+            <a:schemeClr val="tx1"/>
+          </a:fontRef>
+        </p:style>
+      </p:cxnSp>
+      <p:cxnSp>
+        <p:nvCxnSpPr>
+          <p:cNvPr id="51" name="Connector: Curved 50">
+            <a:extLst>
+              <a:ext uri="{FF2B5EF4-FFF2-40B4-BE49-F238E27FC236}">
+                <a16:creationId xmlns:a16="http://schemas.microsoft.com/office/drawing/2014/main" id="{B4581BB5-872B-439A-88C2-328A33C99A12}"/>
+              </a:ext>
+            </a:extLst>
+          </p:cNvPr>
+          <p:cNvCxnSpPr>
+            <a:stCxn id="19" idx="2"/>
+            <a:endCxn id="22" idx="0"/>
+          </p:cNvCxnSpPr>
+          <p:nvPr/>
+        </p:nvCxnSpPr>
+        <p:spPr>
+          <a:xfrm rot="16200000" flipH="1">
+            <a:off x="5264043" y="3742799"/>
+            <a:ext cx="434514" cy="689721"/>
+          </a:xfrm>
+          <a:prstGeom prst="curvedConnector3">
+            <a:avLst/>
+          </a:prstGeom>
+          <a:ln>
+            <a:tailEnd type="triangle"/>
+          </a:ln>
+        </p:spPr>
+        <p:style>
+          <a:lnRef idx="1">
+            <a:schemeClr val="accent1"/>
+          </a:lnRef>
+          <a:fillRef idx="0">
+            <a:schemeClr val="accent1"/>
+          </a:fillRef>
+          <a:effectRef idx="0">
+            <a:schemeClr val="accent1"/>
+          </a:effectRef>
+          <a:fontRef idx="minor">
+            <a:schemeClr val="tx1"/>
+          </a:fontRef>
+        </p:style>
+      </p:cxnSp>
+      <p:cxnSp>
+        <p:nvCxnSpPr>
+          <p:cNvPr id="53" name="Connector: Curved 52">
+            <a:extLst>
+              <a:ext uri="{FF2B5EF4-FFF2-40B4-BE49-F238E27FC236}">
+                <a16:creationId xmlns:a16="http://schemas.microsoft.com/office/drawing/2014/main" id="{432E972F-11ED-47F2-B363-157C1BCCC9A4}"/>
+              </a:ext>
+            </a:extLst>
+          </p:cNvPr>
+          <p:cNvCxnSpPr>
+            <a:stCxn id="20" idx="2"/>
+            <a:endCxn id="22" idx="0"/>
+          </p:cNvCxnSpPr>
+          <p:nvPr/>
+        </p:nvCxnSpPr>
+        <p:spPr>
+          <a:xfrm rot="5400000">
+            <a:off x="5927162" y="3769403"/>
+            <a:ext cx="434514" cy="636515"/>
+          </a:xfrm>
+          <a:prstGeom prst="curvedConnector3">
+            <a:avLst/>
+          </a:prstGeom>
+          <a:ln>
+            <a:tailEnd type="triangle"/>
+          </a:ln>
+        </p:spPr>
+        <p:style>
+          <a:lnRef idx="1">
+            <a:schemeClr val="accent1"/>
+          </a:lnRef>
+          <a:fillRef idx="0">
+            <a:schemeClr val="accent1"/>
+          </a:fillRef>
+          <a:effectRef idx="0">
+            <a:schemeClr val="accent1"/>
+          </a:effectRef>
+          <a:fontRef idx="minor">
+            <a:schemeClr val="tx1"/>
+          </a:fontRef>
+        </p:style>
+      </p:cxnSp>
+      <p:cxnSp>
+        <p:nvCxnSpPr>
+          <p:cNvPr id="55" name="Straight Arrow Connector 54">
+            <a:extLst>
+              <a:ext uri="{FF2B5EF4-FFF2-40B4-BE49-F238E27FC236}">
+                <a16:creationId xmlns:a16="http://schemas.microsoft.com/office/drawing/2014/main" id="{6DCD8785-9816-42AD-A853-D813DAE2B0A8}"/>
+              </a:ext>
+            </a:extLst>
+          </p:cNvPr>
+          <p:cNvCxnSpPr>
+            <a:stCxn id="4" idx="2"/>
+            <a:endCxn id="18" idx="0"/>
+          </p:cNvCxnSpPr>
+          <p:nvPr/>
+        </p:nvCxnSpPr>
+        <p:spPr>
+          <a:xfrm>
+            <a:off x="3810204" y="3117129"/>
+            <a:ext cx="0" cy="386138"/>
+          </a:xfrm>
+          <a:prstGeom prst="straightConnector1">
+            <a:avLst/>
+          </a:prstGeom>
+          <a:ln w="19050">
+            <a:prstDash val="sysDash"/>
+            <a:tailEnd type="triangle"/>
+          </a:ln>
+        </p:spPr>
+        <p:style>
+          <a:lnRef idx="1">
+            <a:schemeClr val="accent1"/>
+          </a:lnRef>
+          <a:fillRef idx="0">
+            <a:schemeClr val="accent1"/>
+          </a:fillRef>
+          <a:effectRef idx="0">
+            <a:schemeClr val="accent1"/>
+          </a:effectRef>
+          <a:fontRef idx="minor">
+            <a:schemeClr val="tx1"/>
+          </a:fontRef>
+        </p:style>
+      </p:cxnSp>
+      <p:cxnSp>
+        <p:nvCxnSpPr>
+          <p:cNvPr id="56" name="Straight Arrow Connector 55">
+            <a:extLst>
+              <a:ext uri="{FF2B5EF4-FFF2-40B4-BE49-F238E27FC236}">
+                <a16:creationId xmlns:a16="http://schemas.microsoft.com/office/drawing/2014/main" id="{F9248320-43D3-420B-9888-55AC8FA230C0}"/>
+              </a:ext>
+            </a:extLst>
+          </p:cNvPr>
+          <p:cNvCxnSpPr/>
+          <p:nvPr/>
+        </p:nvCxnSpPr>
+        <p:spPr>
+          <a:xfrm>
+            <a:off x="5203309" y="3117129"/>
+            <a:ext cx="0" cy="386138"/>
+          </a:xfrm>
+          <a:prstGeom prst="straightConnector1">
+            <a:avLst/>
+          </a:prstGeom>
+          <a:ln w="19050">
+            <a:prstDash val="sysDash"/>
+            <a:tailEnd type="triangle"/>
+          </a:ln>
+        </p:spPr>
+        <p:style>
+          <a:lnRef idx="1">
+            <a:schemeClr val="accent1"/>
+          </a:lnRef>
+          <a:fillRef idx="0">
+            <a:schemeClr val="accent1"/>
+          </a:fillRef>
+          <a:effectRef idx="0">
+            <a:schemeClr val="accent1"/>
+          </a:effectRef>
+          <a:fontRef idx="minor">
+            <a:schemeClr val="tx1"/>
+          </a:fontRef>
+        </p:style>
+      </p:cxnSp>
+      <p:cxnSp>
+        <p:nvCxnSpPr>
+          <p:cNvPr id="57" name="Straight Arrow Connector 56">
+            <a:extLst>
+              <a:ext uri="{FF2B5EF4-FFF2-40B4-BE49-F238E27FC236}">
+                <a16:creationId xmlns:a16="http://schemas.microsoft.com/office/drawing/2014/main" id="{88EF90FE-1B64-489D-876D-BF7484C21E78}"/>
+              </a:ext>
+            </a:extLst>
+          </p:cNvPr>
+          <p:cNvCxnSpPr/>
+          <p:nvPr/>
+        </p:nvCxnSpPr>
+        <p:spPr>
+          <a:xfrm>
+            <a:off x="6488059" y="3117129"/>
+            <a:ext cx="0" cy="386138"/>
+          </a:xfrm>
+          <a:prstGeom prst="straightConnector1">
+            <a:avLst/>
+          </a:prstGeom>
+          <a:ln w="19050">
+            <a:prstDash val="sysDash"/>
+            <a:tailEnd type="triangle"/>
+          </a:ln>
+        </p:spPr>
+        <p:style>
+          <a:lnRef idx="1">
+            <a:schemeClr val="accent1"/>
+          </a:lnRef>
+          <a:fillRef idx="0">
+            <a:schemeClr val="accent1"/>
+          </a:fillRef>
+          <a:effectRef idx="0">
+            <a:schemeClr val="accent1"/>
+          </a:effectRef>
+          <a:fontRef idx="minor">
+            <a:schemeClr val="tx1"/>
+          </a:fontRef>
+        </p:style>
+      </p:cxnSp>
+      <p:cxnSp>
+        <p:nvCxnSpPr>
+          <p:cNvPr id="58" name="Straight Arrow Connector 57">
+            <a:extLst>
+              <a:ext uri="{FF2B5EF4-FFF2-40B4-BE49-F238E27FC236}">
+                <a16:creationId xmlns:a16="http://schemas.microsoft.com/office/drawing/2014/main" id="{EDA8A80C-DBE9-44F4-846D-AD7B794611A8}"/>
+              </a:ext>
+            </a:extLst>
+          </p:cNvPr>
+          <p:cNvCxnSpPr/>
+          <p:nvPr/>
+        </p:nvCxnSpPr>
+        <p:spPr>
+          <a:xfrm>
+            <a:off x="7788912" y="3117129"/>
+            <a:ext cx="0" cy="386138"/>
+          </a:xfrm>
+          <a:prstGeom prst="straightConnector1">
+            <a:avLst/>
+          </a:prstGeom>
+          <a:ln w="19050">
+            <a:prstDash val="sysDash"/>
+            <a:tailEnd type="triangle"/>
+          </a:ln>
+        </p:spPr>
+        <p:style>
+          <a:lnRef idx="1">
+            <a:schemeClr val="accent1"/>
+          </a:lnRef>
+          <a:fillRef idx="0">
+            <a:schemeClr val="accent1"/>
+          </a:fillRef>
+          <a:effectRef idx="0">
+            <a:schemeClr val="accent1"/>
+          </a:effectRef>
+          <a:fontRef idx="minor">
+            <a:schemeClr val="tx1"/>
+          </a:fontRef>
+        </p:style>
+      </p:cxnSp>
+      <p:sp>
+        <p:nvSpPr>
+          <p:cNvPr id="61" name="Rectangle 60">
+            <a:extLst>
+              <a:ext uri="{FF2B5EF4-FFF2-40B4-BE49-F238E27FC236}">
+                <a16:creationId xmlns:a16="http://schemas.microsoft.com/office/drawing/2014/main" id="{4F978FE0-3541-49C8-A4CD-5E37938A7D85}"/>
+              </a:ext>
+            </a:extLst>
+          </p:cNvPr>
+          <p:cNvSpPr/>
+          <p:nvPr/>
+        </p:nvSpPr>
+        <p:spPr>
+          <a:xfrm>
+            <a:off x="1876302" y="500046"/>
+            <a:ext cx="7977809" cy="503583"/>
+          </a:xfrm>
+          <a:prstGeom prst="rect">
+            <a:avLst/>
+          </a:prstGeom>
+          <a:solidFill>
+            <a:schemeClr val="bg1"/>
+          </a:solidFill>
+          <a:ln w="28575"/>
+        </p:spPr>
+        <p:style>
+          <a:lnRef idx="2">
+            <a:schemeClr val="accent1">
+              <a:shade val="50000"/>
+            </a:schemeClr>
+          </a:lnRef>
+          <a:fillRef idx="1">
+            <a:schemeClr val="accent1"/>
+          </a:fillRef>
+          <a:effectRef idx="0">
+            <a:schemeClr val="accent1"/>
+          </a:effectRef>
+          <a:fontRef idx="minor">
+            <a:schemeClr val="lt1"/>
+          </a:fontRef>
+        </p:style>
+        <p:txBody>
+          <a:bodyPr rtlCol="0" anchor="ctr"/>
+          <a:lstStyle/>
+          <a:p>
+            <a:pPr algn="ctr"/>
+            <a:r>
+              <a:rPr lang="tr-TR" b="1" dirty="0">
+                <a:solidFill>
+                  <a:srgbClr val="FF0000"/>
+                </a:solidFill>
+              </a:rPr>
+              <a:t>1st Definition of War: </a:t>
+            </a:r>
+            <a:r>
+              <a:rPr lang="en-US" b="1" dirty="0">
+                <a:solidFill>
+                  <a:schemeClr val="tx1"/>
+                </a:solidFill>
+              </a:rPr>
+              <a:t>War is an act of force to compel </a:t>
+            </a:r>
+            <a:r>
+              <a:rPr lang="tr-TR" b="1" dirty="0">
+                <a:solidFill>
+                  <a:schemeClr val="tx1"/>
+                </a:solidFill>
+              </a:rPr>
+              <a:t>enemy </a:t>
+            </a:r>
+            <a:r>
+              <a:rPr lang="en-US" b="1" dirty="0">
+                <a:solidFill>
+                  <a:schemeClr val="tx1"/>
+                </a:solidFill>
+              </a:rPr>
+              <a:t>to do our will</a:t>
+            </a:r>
+            <a:endParaRPr lang="tr-TR" b="1" dirty="0">
+              <a:solidFill>
+                <a:schemeClr val="tx1"/>
+              </a:solidFill>
+            </a:endParaRPr>
+          </a:p>
+        </p:txBody>
+      </p:sp>
+      <p:sp>
+        <p:nvSpPr>
+          <p:cNvPr id="62" name="TextBox 61">
+            <a:extLst>
+              <a:ext uri="{FF2B5EF4-FFF2-40B4-BE49-F238E27FC236}">
+                <a16:creationId xmlns:a16="http://schemas.microsoft.com/office/drawing/2014/main" id="{8C01BDAC-B907-4817-B701-487A7F4C05FC}"/>
+              </a:ext>
+            </a:extLst>
+          </p:cNvPr>
+          <p:cNvSpPr txBox="1"/>
+          <p:nvPr/>
+        </p:nvSpPr>
+        <p:spPr>
+          <a:xfrm>
+            <a:off x="3212735" y="10612659"/>
+            <a:ext cx="6370651" cy="369332"/>
+          </a:xfrm>
+          <a:prstGeom prst="rect">
+            <a:avLst/>
+          </a:prstGeom>
+          <a:noFill/>
+        </p:spPr>
+        <p:txBody>
+          <a:bodyPr wrap="square" rtlCol="0">
+            <a:spAutoFit/>
+          </a:bodyPr>
+          <a:lstStyle/>
+          <a:p>
+            <a:r>
+              <a:rPr lang="tr-TR" dirty="0"/>
+              <a:t>War is </a:t>
+            </a:r>
+            <a:r>
+              <a:rPr lang="en-US" dirty="0"/>
+              <a:t>War is merely the continuation of policy by other means</a:t>
+            </a:r>
+            <a:endParaRPr lang="tr-TR" dirty="0"/>
+          </a:p>
+        </p:txBody>
+      </p:sp>
+      <p:sp>
+        <p:nvSpPr>
+          <p:cNvPr id="63" name="Rectangle 62">
+            <a:extLst>
+              <a:ext uri="{FF2B5EF4-FFF2-40B4-BE49-F238E27FC236}">
+                <a16:creationId xmlns:a16="http://schemas.microsoft.com/office/drawing/2014/main" id="{59EFEAB5-C406-4EE1-BBD1-055B497DA6E8}"/>
+              </a:ext>
+            </a:extLst>
+          </p:cNvPr>
+          <p:cNvSpPr/>
+          <p:nvPr/>
+        </p:nvSpPr>
+        <p:spPr>
+          <a:xfrm>
+            <a:off x="1665742" y="5425325"/>
+            <a:ext cx="8604694" cy="503583"/>
+          </a:xfrm>
+          <a:prstGeom prst="rect">
+            <a:avLst/>
+          </a:prstGeom>
+          <a:solidFill>
+            <a:schemeClr val="bg1"/>
+          </a:solidFill>
+          <a:ln w="28575"/>
+        </p:spPr>
+        <p:style>
+          <a:lnRef idx="2">
+            <a:schemeClr val="accent1">
+              <a:shade val="50000"/>
+            </a:schemeClr>
+          </a:lnRef>
+          <a:fillRef idx="1">
+            <a:schemeClr val="accent1"/>
+          </a:fillRef>
+          <a:effectRef idx="0">
+            <a:schemeClr val="accent1"/>
+          </a:effectRef>
+          <a:fontRef idx="minor">
+            <a:schemeClr val="lt1"/>
+          </a:fontRef>
+        </p:style>
+        <p:txBody>
+          <a:bodyPr rtlCol="0" anchor="ctr"/>
+          <a:lstStyle/>
+          <a:p>
+            <a:pPr algn="ctr"/>
+            <a:r>
+              <a:rPr lang="tr-TR" b="1" dirty="0">
+                <a:solidFill>
+                  <a:srgbClr val="FF0000"/>
+                </a:solidFill>
+              </a:rPr>
+              <a:t>2nd Definition of War</a:t>
+            </a:r>
+            <a:r>
+              <a:rPr lang="tr-TR" b="1" dirty="0">
+                <a:solidFill>
+                  <a:schemeClr val="tx1"/>
+                </a:solidFill>
+              </a:rPr>
+              <a:t>: </a:t>
+            </a:r>
+            <a:r>
+              <a:rPr lang="en-US" b="1" dirty="0">
+                <a:solidFill>
+                  <a:schemeClr val="tx1"/>
+                </a:solidFill>
+              </a:rPr>
+              <a:t>War is merely the continuation of policy by other means</a:t>
+            </a:r>
+            <a:endParaRPr lang="tr-TR" b="1" dirty="0">
+              <a:solidFill>
+                <a:schemeClr val="tx1"/>
+              </a:solidFill>
+            </a:endParaRPr>
+          </a:p>
+        </p:txBody>
+      </p:sp>
+      <p:sp>
+        <p:nvSpPr>
+          <p:cNvPr id="2" name="Arrow: Down 1">
+            <a:extLst>
+              <a:ext uri="{FF2B5EF4-FFF2-40B4-BE49-F238E27FC236}">
+                <a16:creationId xmlns:a16="http://schemas.microsoft.com/office/drawing/2014/main" id="{0CE6A595-1EF1-452E-B9B6-8D783E4FDB23}"/>
+              </a:ext>
+            </a:extLst>
+          </p:cNvPr>
+          <p:cNvSpPr/>
+          <p:nvPr/>
+        </p:nvSpPr>
+        <p:spPr>
+          <a:xfrm>
+            <a:off x="5679675" y="1049159"/>
+            <a:ext cx="371061" cy="458052"/>
+          </a:xfrm>
+          <a:prstGeom prst="downArrow">
+            <a:avLst/>
+          </a:prstGeom>
+        </p:spPr>
+        <p:style>
+          <a:lnRef idx="2">
+            <a:schemeClr val="accent1">
+              <a:shade val="50000"/>
+            </a:schemeClr>
+          </a:lnRef>
+          <a:fillRef idx="1">
+            <a:schemeClr val="accent1"/>
+          </a:fillRef>
+          <a:effectRef idx="0">
+            <a:schemeClr val="accent1"/>
+          </a:effectRef>
+          <a:fontRef idx="minor">
+            <a:schemeClr val="lt1"/>
+          </a:fontRef>
+        </p:style>
+        <p:txBody>
+          <a:bodyPr rtlCol="0" anchor="ctr"/>
+          <a:lstStyle/>
+          <a:p>
+            <a:pPr algn="ctr"/>
+            <a:endParaRPr lang="tr-TR"/>
+          </a:p>
+        </p:txBody>
+      </p:sp>
+      <p:sp>
+        <p:nvSpPr>
+          <p:cNvPr id="31" name="Arrow: Down 30">
+            <a:extLst>
+              <a:ext uri="{FF2B5EF4-FFF2-40B4-BE49-F238E27FC236}">
+                <a16:creationId xmlns:a16="http://schemas.microsoft.com/office/drawing/2014/main" id="{0D0EA8F8-EBE6-4407-B3E0-BCEC95803A50}"/>
+              </a:ext>
+            </a:extLst>
+          </p:cNvPr>
+          <p:cNvSpPr/>
+          <p:nvPr/>
+        </p:nvSpPr>
+        <p:spPr>
+          <a:xfrm>
+            <a:off x="5597028" y="4887886"/>
+            <a:ext cx="371061" cy="458052"/>
+          </a:xfrm>
+          <a:prstGeom prst="downArrow">
+            <a:avLst/>
+          </a:prstGeom>
+        </p:spPr>
+        <p:style>
+          <a:lnRef idx="2">
+            <a:schemeClr val="accent1">
+              <a:shade val="50000"/>
+            </a:schemeClr>
+          </a:lnRef>
+          <a:fillRef idx="1">
+            <a:schemeClr val="accent1"/>
+          </a:fillRef>
+          <a:effectRef idx="0">
+            <a:schemeClr val="accent1"/>
+          </a:effectRef>
+          <a:fontRef idx="minor">
+            <a:schemeClr val="lt1"/>
+          </a:fontRef>
+        </p:style>
+        <p:txBody>
+          <a:bodyPr rtlCol="0" anchor="ctr"/>
+          <a:lstStyle/>
+          <a:p>
+            <a:pPr algn="ctr"/>
+            <a:endParaRPr lang="tr-TR"/>
+          </a:p>
+        </p:txBody>
+      </p:sp>
+    </p:spTree>
+    <p:extLst>
+      <p:ext uri="{BB962C8B-B14F-4D97-AF65-F5344CB8AC3E}">
+        <p14:creationId xmlns:p14="http://schemas.microsoft.com/office/powerpoint/2010/main" val="1934757000"/>
       </p:ext>
     </p:extLst>
   </p:cSld>

--- a/onWar.pptx
+++ b/onWar.pptx
@@ -5,10 +5,10 @@
     <p:sldMasterId id="2147483648" r:id="rId1"/>
   </p:sldMasterIdLst>
   <p:sldIdLst>
-    <p:sldId id="256" r:id="rId2"/>
-    <p:sldId id="257" r:id="rId3"/>
-    <p:sldId id="259" r:id="rId4"/>
-    <p:sldId id="258" r:id="rId5"/>
+    <p:sldId id="259" r:id="rId2"/>
+    <p:sldId id="260" r:id="rId3"/>
+    <p:sldId id="258" r:id="rId4"/>
+    <p:sldId id="257" r:id="rId5"/>
   </p:sldIdLst>
   <p:sldSz cx="12192000" cy="6858000"/>
   <p:notesSz cx="6858000" cy="9144000"/>
@@ -264,7 +264,7 @@
           <a:p>
             <a:fld id="{31378DDD-3F40-4525-828E-B435240C27D8}" type="datetimeFigureOut">
               <a:rPr lang="tr-TR" smtClean="0"/>
-              <a:t>12.11.2021</a:t>
+              <a:t>14.11.2021</a:t>
             </a:fld>
             <a:endParaRPr lang="tr-TR"/>
           </a:p>
@@ -464,7 +464,7 @@
           <a:p>
             <a:fld id="{31378DDD-3F40-4525-828E-B435240C27D8}" type="datetimeFigureOut">
               <a:rPr lang="tr-TR" smtClean="0"/>
-              <a:t>12.11.2021</a:t>
+              <a:t>14.11.2021</a:t>
             </a:fld>
             <a:endParaRPr lang="tr-TR"/>
           </a:p>
@@ -674,7 +674,7 @@
           <a:p>
             <a:fld id="{31378DDD-3F40-4525-828E-B435240C27D8}" type="datetimeFigureOut">
               <a:rPr lang="tr-TR" smtClean="0"/>
-              <a:t>12.11.2021</a:t>
+              <a:t>14.11.2021</a:t>
             </a:fld>
             <a:endParaRPr lang="tr-TR"/>
           </a:p>
@@ -874,7 +874,7 @@
           <a:p>
             <a:fld id="{31378DDD-3F40-4525-828E-B435240C27D8}" type="datetimeFigureOut">
               <a:rPr lang="tr-TR" smtClean="0"/>
-              <a:t>12.11.2021</a:t>
+              <a:t>14.11.2021</a:t>
             </a:fld>
             <a:endParaRPr lang="tr-TR"/>
           </a:p>
@@ -1150,7 +1150,7 @@
           <a:p>
             <a:fld id="{31378DDD-3F40-4525-828E-B435240C27D8}" type="datetimeFigureOut">
               <a:rPr lang="tr-TR" smtClean="0"/>
-              <a:t>12.11.2021</a:t>
+              <a:t>14.11.2021</a:t>
             </a:fld>
             <a:endParaRPr lang="tr-TR"/>
           </a:p>
@@ -1418,7 +1418,7 @@
           <a:p>
             <a:fld id="{31378DDD-3F40-4525-828E-B435240C27D8}" type="datetimeFigureOut">
               <a:rPr lang="tr-TR" smtClean="0"/>
-              <a:t>12.11.2021</a:t>
+              <a:t>14.11.2021</a:t>
             </a:fld>
             <a:endParaRPr lang="tr-TR"/>
           </a:p>
@@ -1833,7 +1833,7 @@
           <a:p>
             <a:fld id="{31378DDD-3F40-4525-828E-B435240C27D8}" type="datetimeFigureOut">
               <a:rPr lang="tr-TR" smtClean="0"/>
-              <a:t>12.11.2021</a:t>
+              <a:t>14.11.2021</a:t>
             </a:fld>
             <a:endParaRPr lang="tr-TR"/>
           </a:p>
@@ -1975,7 +1975,7 @@
           <a:p>
             <a:fld id="{31378DDD-3F40-4525-828E-B435240C27D8}" type="datetimeFigureOut">
               <a:rPr lang="tr-TR" smtClean="0"/>
-              <a:t>12.11.2021</a:t>
+              <a:t>14.11.2021</a:t>
             </a:fld>
             <a:endParaRPr lang="tr-TR"/>
           </a:p>
@@ -2088,7 +2088,7 @@
           <a:p>
             <a:fld id="{31378DDD-3F40-4525-828E-B435240C27D8}" type="datetimeFigureOut">
               <a:rPr lang="tr-TR" smtClean="0"/>
-              <a:t>12.11.2021</a:t>
+              <a:t>14.11.2021</a:t>
             </a:fld>
             <a:endParaRPr lang="tr-TR"/>
           </a:p>
@@ -2401,7 +2401,7 @@
           <a:p>
             <a:fld id="{31378DDD-3F40-4525-828E-B435240C27D8}" type="datetimeFigureOut">
               <a:rPr lang="tr-TR" smtClean="0"/>
-              <a:t>12.11.2021</a:t>
+              <a:t>14.11.2021</a:t>
             </a:fld>
             <a:endParaRPr lang="tr-TR"/>
           </a:p>
@@ -2690,7 +2690,7 @@
           <a:p>
             <a:fld id="{31378DDD-3F40-4525-828E-B435240C27D8}" type="datetimeFigureOut">
               <a:rPr lang="tr-TR" smtClean="0"/>
-              <a:t>12.11.2021</a:t>
+              <a:t>14.11.2021</a:t>
             </a:fld>
             <a:endParaRPr lang="tr-TR"/>
           </a:p>
@@ -2933,7 +2933,7 @@
           <a:p>
             <a:fld id="{31378DDD-3F40-4525-828E-B435240C27D8}" type="datetimeFigureOut">
               <a:rPr lang="tr-TR" smtClean="0"/>
-              <a:t>12.11.2021</a:t>
+              <a:t>14.11.2021</a:t>
             </a:fld>
             <a:endParaRPr lang="tr-TR"/>
           </a:p>
@@ -3352,10 +3352,45 @@
       </p:grpSpPr>
       <p:sp>
         <p:nvSpPr>
-          <p:cNvPr id="4" name="Oval 3">
-            <a:extLst>
-              <a:ext uri="{FF2B5EF4-FFF2-40B4-BE49-F238E27FC236}">
-                <a16:creationId xmlns:a16="http://schemas.microsoft.com/office/drawing/2014/main" id="{7269B27C-A2F0-49EA-8193-D7D8C89C161A}"/>
+          <p:cNvPr id="2" name="Title 1">
+            <a:extLst>
+              <a:ext uri="{FF2B5EF4-FFF2-40B4-BE49-F238E27FC236}">
+                <a16:creationId xmlns:a16="http://schemas.microsoft.com/office/drawing/2014/main" id="{ABCD39DF-FDC2-4973-8086-8B25538797A9}"/>
+              </a:ext>
+            </a:extLst>
+          </p:cNvPr>
+          <p:cNvSpPr>
+            <a:spLocks noGrp="1"/>
+          </p:cNvSpPr>
+          <p:nvPr>
+            <p:ph type="title"/>
+          </p:nvPr>
+        </p:nvSpPr>
+        <p:spPr>
+          <a:xfrm>
+            <a:off x="838200" y="365125"/>
+            <a:ext cx="10515600" cy="840823"/>
+          </a:xfrm>
+        </p:spPr>
+        <p:txBody>
+          <a:bodyPr>
+            <a:normAutofit/>
+          </a:bodyPr>
+          <a:lstStyle/>
+          <a:p>
+            <a:r>
+              <a:rPr lang="tr-TR" sz="3200" b="1" dirty="0"/>
+              <a:t>Definition</a:t>
+            </a:r>
+          </a:p>
+        </p:txBody>
+      </p:sp>
+      <p:sp>
+        <p:nvSpPr>
+          <p:cNvPr id="4" name="Rectangle 3">
+            <a:extLst>
+              <a:ext uri="{FF2B5EF4-FFF2-40B4-BE49-F238E27FC236}">
+                <a16:creationId xmlns:a16="http://schemas.microsoft.com/office/drawing/2014/main" id="{5AC11450-A6A7-436F-885E-E1E2BB7FEAEA}"/>
               </a:ext>
             </a:extLst>
           </p:cNvPr>
@@ -3364,8 +3399,94 @@
         </p:nvSpPr>
         <p:spPr>
           <a:xfrm>
-            <a:off x="175337" y="704301"/>
-            <a:ext cx="1245704" cy="689113"/>
+            <a:off x="2107095" y="1079139"/>
+            <a:ext cx="7977809" cy="503583"/>
+          </a:xfrm>
+          <a:prstGeom prst="rect">
+            <a:avLst/>
+          </a:prstGeom>
+          <a:solidFill>
+            <a:schemeClr val="bg1"/>
+          </a:solidFill>
+          <a:ln w="28575"/>
+        </p:spPr>
+        <p:style>
+          <a:lnRef idx="2">
+            <a:schemeClr val="accent1">
+              <a:shade val="50000"/>
+            </a:schemeClr>
+          </a:lnRef>
+          <a:fillRef idx="1">
+            <a:schemeClr val="accent1"/>
+          </a:fillRef>
+          <a:effectRef idx="0">
+            <a:schemeClr val="accent1"/>
+          </a:effectRef>
+          <a:fontRef idx="minor">
+            <a:schemeClr val="lt1"/>
+          </a:fontRef>
+        </p:style>
+        <p:txBody>
+          <a:bodyPr rtlCol="0" anchor="ctr"/>
+          <a:lstStyle/>
+          <a:p>
+            <a:pPr algn="ctr"/>
+            <a:r>
+              <a:rPr lang="tr-TR" b="1" dirty="0">
+                <a:solidFill>
+                  <a:srgbClr val="FF0000"/>
+                </a:solidFill>
+              </a:rPr>
+              <a:t>1st Definition of War: </a:t>
+            </a:r>
+            <a:r>
+              <a:rPr lang="en-US" b="1" dirty="0">
+                <a:solidFill>
+                  <a:schemeClr val="tx1"/>
+                </a:solidFill>
+              </a:rPr>
+              <a:t>War is an act of force to compel </a:t>
+            </a:r>
+            <a:r>
+              <a:rPr lang="tr-TR" b="1" dirty="0">
+                <a:solidFill>
+                  <a:schemeClr val="tx1"/>
+                </a:solidFill>
+              </a:rPr>
+              <a:t>enemy </a:t>
+            </a:r>
+            <a:r>
+              <a:rPr lang="en-US" b="1" dirty="0">
+                <a:solidFill>
+                  <a:schemeClr val="tx1"/>
+                </a:solidFill>
+              </a:rPr>
+              <a:t>to do our will</a:t>
+            </a:r>
+            <a:endParaRPr lang="tr-TR" b="1" dirty="0">
+              <a:solidFill>
+                <a:schemeClr val="tx1"/>
+              </a:solidFill>
+            </a:endParaRPr>
+          </a:p>
+        </p:txBody>
+      </p:sp>
+      <p:sp>
+        <p:nvSpPr>
+          <p:cNvPr id="5" name="Oval 4">
+            <a:extLst>
+              <a:ext uri="{FF2B5EF4-FFF2-40B4-BE49-F238E27FC236}">
+                <a16:creationId xmlns:a16="http://schemas.microsoft.com/office/drawing/2014/main" id="{42B4ED18-AC16-4183-A2AA-B705469B580E}"/>
+              </a:ext>
+            </a:extLst>
+          </p:cNvPr>
+          <p:cNvSpPr/>
+          <p:nvPr/>
+        </p:nvSpPr>
+        <p:spPr>
+          <a:xfrm>
+            <a:off x="2451650" y="2964483"/>
+            <a:ext cx="2173359" cy="1108491"/>
           </a:xfrm>
           <a:prstGeom prst="ellipse">
             <a:avLst/>
@@ -3397,22 +3518,22 @@
           <a:p>
             <a:pPr algn="ctr"/>
             <a:r>
-              <a:rPr lang="tr-TR" sz="1400" b="1" dirty="0">
+              <a:rPr lang="tr-TR" sz="2200" b="1" dirty="0">
                 <a:solidFill>
                   <a:schemeClr val="tx1"/>
                 </a:solidFill>
               </a:rPr>
-              <a:t>People</a:t>
-            </a:r>
-          </a:p>
-        </p:txBody>
-      </p:sp>
-      <p:sp>
-        <p:nvSpPr>
-          <p:cNvPr id="5" name="Oval 4">
-            <a:extLst>
-              <a:ext uri="{FF2B5EF4-FFF2-40B4-BE49-F238E27FC236}">
-                <a16:creationId xmlns:a16="http://schemas.microsoft.com/office/drawing/2014/main" id="{8E12CE2D-8B05-48C8-8A14-C2F3A048D6DF}"/>
+              <a:t>Force</a:t>
+            </a:r>
+          </a:p>
+        </p:txBody>
+      </p:sp>
+      <p:sp>
+        <p:nvSpPr>
+          <p:cNvPr id="7" name="Oval 6">
+            <a:extLst>
+              <a:ext uri="{FF2B5EF4-FFF2-40B4-BE49-F238E27FC236}">
+                <a16:creationId xmlns:a16="http://schemas.microsoft.com/office/drawing/2014/main" id="{EA1E00F6-B7FE-4290-B043-FDEC28586C4C}"/>
               </a:ext>
             </a:extLst>
           </p:cNvPr>
@@ -3421,8 +3542,8 @@
         </p:nvSpPr>
         <p:spPr>
           <a:xfrm>
-            <a:off x="175337" y="2036145"/>
-            <a:ext cx="1245704" cy="689113"/>
+            <a:off x="7580245" y="2964483"/>
+            <a:ext cx="2361436" cy="1108491"/>
           </a:xfrm>
           <a:prstGeom prst="ellipse">
             <a:avLst/>
@@ -3454,22 +3575,181 @@
           <a:p>
             <a:pPr algn="ctr"/>
             <a:r>
-              <a:rPr lang="tr-TR" sz="1400" b="1" dirty="0">
+              <a:rPr lang="tr-TR" sz="2400" b="1" dirty="0">
                 <a:solidFill>
                   <a:schemeClr val="tx1"/>
                 </a:solidFill>
               </a:rPr>
-              <a:t>Government</a:t>
-            </a:r>
-          </a:p>
-        </p:txBody>
-      </p:sp>
-      <p:sp>
-        <p:nvSpPr>
-          <p:cNvPr id="6" name="Oval 5">
-            <a:extLst>
-              <a:ext uri="{FF2B5EF4-FFF2-40B4-BE49-F238E27FC236}">
-                <a16:creationId xmlns:a16="http://schemas.microsoft.com/office/drawing/2014/main" id="{F21A40B1-854C-4C7D-8A39-FDF00A4592A5}"/>
+              <a:t>Impose the will</a:t>
+            </a:r>
+            <a:endParaRPr lang="tr-TR" sz="2200" b="1" dirty="0">
+              <a:solidFill>
+                <a:schemeClr val="tx1"/>
+              </a:solidFill>
+            </a:endParaRPr>
+          </a:p>
+        </p:txBody>
+      </p:sp>
+      <p:cxnSp>
+        <p:nvCxnSpPr>
+          <p:cNvPr id="9" name="Connector: Curved 8">
+            <a:extLst>
+              <a:ext uri="{FF2B5EF4-FFF2-40B4-BE49-F238E27FC236}">
+                <a16:creationId xmlns:a16="http://schemas.microsoft.com/office/drawing/2014/main" id="{26264ECF-510B-4CE3-A86F-1FD69B7C217C}"/>
+              </a:ext>
+            </a:extLst>
+          </p:cNvPr>
+          <p:cNvCxnSpPr>
+            <a:stCxn id="4" idx="2"/>
+            <a:endCxn id="5" idx="0"/>
+          </p:cNvCxnSpPr>
+          <p:nvPr/>
+        </p:nvCxnSpPr>
+        <p:spPr>
+          <a:xfrm rot="5400000">
+            <a:off x="4126285" y="994767"/>
+            <a:ext cx="1381761" cy="2557670"/>
+          </a:xfrm>
+          <a:prstGeom prst="curvedConnector3">
+            <a:avLst/>
+          </a:prstGeom>
+          <a:ln>
+            <a:tailEnd type="triangle"/>
+          </a:ln>
+        </p:spPr>
+        <p:style>
+          <a:lnRef idx="1">
+            <a:schemeClr val="accent1"/>
+          </a:lnRef>
+          <a:fillRef idx="0">
+            <a:schemeClr val="accent1"/>
+          </a:fillRef>
+          <a:effectRef idx="0">
+            <a:schemeClr val="accent1"/>
+          </a:effectRef>
+          <a:fontRef idx="minor">
+            <a:schemeClr val="tx1"/>
+          </a:fontRef>
+        </p:style>
+      </p:cxnSp>
+      <p:cxnSp>
+        <p:nvCxnSpPr>
+          <p:cNvPr id="11" name="Connector: Curved 10">
+            <a:extLst>
+              <a:ext uri="{FF2B5EF4-FFF2-40B4-BE49-F238E27FC236}">
+                <a16:creationId xmlns:a16="http://schemas.microsoft.com/office/drawing/2014/main" id="{2CF34879-B4AF-40BC-A88C-820396823C5A}"/>
+              </a:ext>
+            </a:extLst>
+          </p:cNvPr>
+          <p:cNvCxnSpPr>
+            <a:stCxn id="4" idx="2"/>
+            <a:endCxn id="7" idx="0"/>
+          </p:cNvCxnSpPr>
+          <p:nvPr/>
+        </p:nvCxnSpPr>
+        <p:spPr>
+          <a:xfrm rot="16200000" flipH="1">
+            <a:off x="6737601" y="941120"/>
+            <a:ext cx="1381761" cy="2664963"/>
+          </a:xfrm>
+          <a:prstGeom prst="curvedConnector3">
+            <a:avLst/>
+          </a:prstGeom>
+          <a:ln>
+            <a:tailEnd type="triangle"/>
+          </a:ln>
+        </p:spPr>
+        <p:style>
+          <a:lnRef idx="1">
+            <a:schemeClr val="accent1"/>
+          </a:lnRef>
+          <a:fillRef idx="0">
+            <a:schemeClr val="accent1"/>
+          </a:fillRef>
+          <a:effectRef idx="0">
+            <a:schemeClr val="accent1"/>
+          </a:effectRef>
+          <a:fontRef idx="minor">
+            <a:schemeClr val="tx1"/>
+          </a:fontRef>
+        </p:style>
+      </p:cxnSp>
+      <p:sp>
+        <p:nvSpPr>
+          <p:cNvPr id="12" name="TextBox 11">
+            <a:extLst>
+              <a:ext uri="{FF2B5EF4-FFF2-40B4-BE49-F238E27FC236}">
+                <a16:creationId xmlns:a16="http://schemas.microsoft.com/office/drawing/2014/main" id="{BC93DCD8-31D6-4EC2-8C0E-C25051A4D495}"/>
+              </a:ext>
+            </a:extLst>
+          </p:cNvPr>
+          <p:cNvSpPr txBox="1"/>
+          <p:nvPr/>
+        </p:nvSpPr>
+        <p:spPr>
+          <a:xfrm>
+            <a:off x="1511014" y="3298887"/>
+            <a:ext cx="739305" cy="369332"/>
+          </a:xfrm>
+          <a:prstGeom prst="rect">
+            <a:avLst/>
+          </a:prstGeom>
+          <a:noFill/>
+        </p:spPr>
+        <p:txBody>
+          <a:bodyPr wrap="none" rtlCol="0">
+            <a:spAutoFit/>
+          </a:bodyPr>
+          <a:lstStyle/>
+          <a:p>
+            <a:r>
+              <a:rPr lang="tr-TR" b="1" dirty="0"/>
+              <a:t>Mean</a:t>
+            </a:r>
+          </a:p>
+        </p:txBody>
+      </p:sp>
+      <p:sp>
+        <p:nvSpPr>
+          <p:cNvPr id="13" name="TextBox 12">
+            <a:extLst>
+              <a:ext uri="{FF2B5EF4-FFF2-40B4-BE49-F238E27FC236}">
+                <a16:creationId xmlns:a16="http://schemas.microsoft.com/office/drawing/2014/main" id="{8BE7C9E7-517D-400D-BC81-161C9D2F937B}"/>
+              </a:ext>
+            </a:extLst>
+          </p:cNvPr>
+          <p:cNvSpPr txBox="1"/>
+          <p:nvPr/>
+        </p:nvSpPr>
+        <p:spPr>
+          <a:xfrm>
+            <a:off x="10084904" y="3167516"/>
+            <a:ext cx="814647" cy="369332"/>
+          </a:xfrm>
+          <a:prstGeom prst="rect">
+            <a:avLst/>
+          </a:prstGeom>
+          <a:noFill/>
+        </p:spPr>
+        <p:txBody>
+          <a:bodyPr wrap="none" rtlCol="0">
+            <a:spAutoFit/>
+          </a:bodyPr>
+          <a:lstStyle/>
+          <a:p>
+            <a:r>
+              <a:rPr lang="tr-TR" b="1" dirty="0"/>
+              <a:t>Object</a:t>
+            </a:r>
+          </a:p>
+        </p:txBody>
+      </p:sp>
+      <p:sp>
+        <p:nvSpPr>
+          <p:cNvPr id="14" name="Arrow: Down 13">
+            <a:extLst>
+              <a:ext uri="{FF2B5EF4-FFF2-40B4-BE49-F238E27FC236}">
+                <a16:creationId xmlns:a16="http://schemas.microsoft.com/office/drawing/2014/main" id="{B8A3B436-FD34-41FF-883F-039AFED6C16D}"/>
               </a:ext>
             </a:extLst>
           </p:cNvPr>
@@ -3478,8 +3758,89 @@
         </p:nvSpPr>
         <p:spPr>
           <a:xfrm>
-            <a:off x="2118590" y="2035432"/>
-            <a:ext cx="1245704" cy="689113"/>
+            <a:off x="8518647" y="4346243"/>
+            <a:ext cx="484632" cy="978408"/>
+          </a:xfrm>
+          <a:prstGeom prst="downArrow">
+            <a:avLst/>
+          </a:prstGeom>
+        </p:spPr>
+        <p:style>
+          <a:lnRef idx="2">
+            <a:schemeClr val="accent1">
+              <a:shade val="50000"/>
+            </a:schemeClr>
+          </a:lnRef>
+          <a:fillRef idx="1">
+            <a:schemeClr val="accent1"/>
+          </a:fillRef>
+          <a:effectRef idx="0">
+            <a:schemeClr val="accent1"/>
+          </a:effectRef>
+          <a:fontRef idx="minor">
+            <a:schemeClr val="lt1"/>
+          </a:fontRef>
+        </p:style>
+        <p:txBody>
+          <a:bodyPr rtlCol="0" anchor="ctr"/>
+          <a:lstStyle/>
+          <a:p>
+            <a:pPr algn="ctr"/>
+            <a:endParaRPr lang="tr-TR"/>
+          </a:p>
+        </p:txBody>
+      </p:sp>
+      <p:sp>
+        <p:nvSpPr>
+          <p:cNvPr id="17" name="TextBox 16">
+            <a:extLst>
+              <a:ext uri="{FF2B5EF4-FFF2-40B4-BE49-F238E27FC236}">
+                <a16:creationId xmlns:a16="http://schemas.microsoft.com/office/drawing/2014/main" id="{02772E64-9CCF-44E9-B6DE-DAE069F2B087}"/>
+              </a:ext>
+            </a:extLst>
+          </p:cNvPr>
+          <p:cNvSpPr txBox="1"/>
+          <p:nvPr/>
+        </p:nvSpPr>
+        <p:spPr>
+          <a:xfrm>
+            <a:off x="10084904" y="5753963"/>
+            <a:ext cx="2063578" cy="369332"/>
+          </a:xfrm>
+          <a:prstGeom prst="rect">
+            <a:avLst/>
+          </a:prstGeom>
+          <a:noFill/>
+        </p:spPr>
+        <p:txBody>
+          <a:bodyPr wrap="none" rtlCol="0">
+            <a:spAutoFit/>
+          </a:bodyPr>
+          <a:lstStyle/>
+          <a:p>
+            <a:r>
+              <a:rPr lang="tr-TR" b="1" dirty="0"/>
+              <a:t>True aim of warfare</a:t>
+            </a:r>
+          </a:p>
+        </p:txBody>
+      </p:sp>
+      <p:sp>
+        <p:nvSpPr>
+          <p:cNvPr id="21" name="Oval 20">
+            <a:extLst>
+              <a:ext uri="{FF2B5EF4-FFF2-40B4-BE49-F238E27FC236}">
+                <a16:creationId xmlns:a16="http://schemas.microsoft.com/office/drawing/2014/main" id="{BA86A382-B4F2-4C8D-B270-506AA0909158}"/>
+              </a:ext>
+            </a:extLst>
+          </p:cNvPr>
+          <p:cNvSpPr/>
+          <p:nvPr/>
+        </p:nvSpPr>
+        <p:spPr>
+          <a:xfrm>
+            <a:off x="7580245" y="5384384"/>
+            <a:ext cx="2361436" cy="1108491"/>
           </a:xfrm>
           <a:prstGeom prst="ellipse">
             <a:avLst/>
@@ -3511,358 +3872,52 @@
           <a:p>
             <a:pPr algn="ctr"/>
             <a:r>
-              <a:rPr lang="tr-TR" sz="1200" b="1" dirty="0">
+              <a:rPr lang="tr-TR" sz="2400" b="1" dirty="0">
                 <a:solidFill>
                   <a:schemeClr val="tx1"/>
                 </a:solidFill>
               </a:rPr>
-              <a:t>Commander &amp;</a:t>
-            </a:r>
-          </a:p>
-          <a:p>
-            <a:pPr algn="ctr"/>
-            <a:r>
-              <a:rPr lang="tr-TR" sz="1200" b="1" dirty="0">
-                <a:solidFill>
-                  <a:schemeClr val="tx1"/>
-                </a:solidFill>
-              </a:rPr>
-              <a:t> his army</a:t>
-            </a:r>
-          </a:p>
-        </p:txBody>
-      </p:sp>
-      <p:sp>
-        <p:nvSpPr>
-          <p:cNvPr id="7" name="Rectangle 6">
-            <a:extLst>
-              <a:ext uri="{FF2B5EF4-FFF2-40B4-BE49-F238E27FC236}">
-                <a16:creationId xmlns:a16="http://schemas.microsoft.com/office/drawing/2014/main" id="{ACFB5192-6DD7-4590-9A29-8FA9E7C9BEDE}"/>
-              </a:ext>
-            </a:extLst>
-          </p:cNvPr>
-          <p:cNvSpPr/>
+              <a:t>Render the enemy powerless</a:t>
+            </a:r>
+            <a:endParaRPr lang="tr-TR" sz="2200" b="1" dirty="0">
+              <a:solidFill>
+                <a:schemeClr val="tx1"/>
+              </a:solidFill>
+            </a:endParaRPr>
+          </a:p>
+        </p:txBody>
+      </p:sp>
+      <p:sp>
+        <p:nvSpPr>
+          <p:cNvPr id="22" name="TextBox 21">
+            <a:extLst>
+              <a:ext uri="{FF2B5EF4-FFF2-40B4-BE49-F238E27FC236}">
+                <a16:creationId xmlns:a16="http://schemas.microsoft.com/office/drawing/2014/main" id="{3E8B5B47-7D2F-40D3-BE4D-A415C8ED449F}"/>
+              </a:ext>
+            </a:extLst>
+          </p:cNvPr>
+          <p:cNvSpPr txBox="1"/>
           <p:nvPr/>
         </p:nvSpPr>
         <p:spPr>
           <a:xfrm>
-            <a:off x="3977692" y="2105820"/>
-            <a:ext cx="1245704" cy="503583"/>
+            <a:off x="7705826" y="4544013"/>
+            <a:ext cx="2175019" cy="369332"/>
           </a:xfrm>
           <a:prstGeom prst="rect">
             <a:avLst/>
           </a:prstGeom>
-          <a:solidFill>
-            <a:schemeClr val="bg1"/>
-          </a:solidFill>
-          <a:ln w="28575"/>
-        </p:spPr>
-        <p:style>
-          <a:lnRef idx="2">
-            <a:schemeClr val="accent1">
-              <a:shade val="50000"/>
-            </a:schemeClr>
-          </a:lnRef>
-          <a:fillRef idx="1">
-            <a:schemeClr val="accent1"/>
-          </a:fillRef>
-          <a:effectRef idx="0">
-            <a:schemeClr val="accent1"/>
-          </a:effectRef>
-          <a:fontRef idx="minor">
-            <a:schemeClr val="lt1"/>
-          </a:fontRef>
-        </p:style>
-        <p:txBody>
-          <a:bodyPr rtlCol="0" anchor="ctr"/>
-          <a:lstStyle/>
-          <a:p>
-            <a:pPr algn="ctr"/>
-            <a:r>
-              <a:rPr lang="tr-TR" b="1" dirty="0">
-                <a:solidFill>
-                  <a:schemeClr val="tx1"/>
-                </a:solidFill>
-              </a:rPr>
-              <a:t>War</a:t>
-            </a:r>
-          </a:p>
-        </p:txBody>
-      </p:sp>
-      <p:sp>
-        <p:nvSpPr>
-          <p:cNvPr id="8" name="Oval 7">
-            <a:extLst>
-              <a:ext uri="{FF2B5EF4-FFF2-40B4-BE49-F238E27FC236}">
-                <a16:creationId xmlns:a16="http://schemas.microsoft.com/office/drawing/2014/main" id="{A6FE9EE5-1883-4A5B-A13D-BD07EB113779}"/>
-              </a:ext>
-            </a:extLst>
-          </p:cNvPr>
-          <p:cNvSpPr/>
-          <p:nvPr/>
-        </p:nvSpPr>
-        <p:spPr>
-          <a:xfrm>
-            <a:off x="7986294" y="221106"/>
-            <a:ext cx="2169638" cy="2158882"/>
-          </a:xfrm>
-          <a:prstGeom prst="ellipse">
-            <a:avLst/>
-          </a:prstGeom>
           <a:noFill/>
-          <a:ln>
-            <a:prstDash val="sysDash"/>
-          </a:ln>
-        </p:spPr>
-        <p:style>
-          <a:lnRef idx="2">
-            <a:schemeClr val="accent1">
-              <a:shade val="50000"/>
-            </a:schemeClr>
-          </a:lnRef>
-          <a:fillRef idx="1">
-            <a:schemeClr val="accent1"/>
-          </a:fillRef>
-          <a:effectRef idx="0">
-            <a:schemeClr val="accent1"/>
-          </a:effectRef>
-          <a:fontRef idx="minor">
-            <a:schemeClr val="lt1"/>
-          </a:fontRef>
-        </p:style>
-        <p:txBody>
-          <a:bodyPr rtlCol="0" anchor="ctr"/>
-          <a:lstStyle/>
-          <a:p>
-            <a:pPr algn="ctr"/>
-            <a:endParaRPr lang="tr-TR"/>
-          </a:p>
-        </p:txBody>
-      </p:sp>
-      <p:sp>
-        <p:nvSpPr>
-          <p:cNvPr id="9" name="Rectangle 8">
-            <a:extLst>
-              <a:ext uri="{FF2B5EF4-FFF2-40B4-BE49-F238E27FC236}">
-                <a16:creationId xmlns:a16="http://schemas.microsoft.com/office/drawing/2014/main" id="{0EDCB81B-8841-4146-81F2-0C95F43D134D}"/>
-              </a:ext>
-            </a:extLst>
-          </p:cNvPr>
-          <p:cNvSpPr/>
-          <p:nvPr/>
-        </p:nvSpPr>
-        <p:spPr>
-          <a:xfrm>
-            <a:off x="5789623" y="2132221"/>
-            <a:ext cx="1245704" cy="503583"/>
-          </a:xfrm>
-          <a:prstGeom prst="rect">
-            <a:avLst/>
-          </a:prstGeom>
-          <a:solidFill>
-            <a:schemeClr val="bg1"/>
-          </a:solidFill>
-          <a:ln w="28575"/>
-        </p:spPr>
-        <p:style>
-          <a:lnRef idx="2">
-            <a:schemeClr val="accent1">
-              <a:shade val="50000"/>
-            </a:schemeClr>
-          </a:lnRef>
-          <a:fillRef idx="1">
-            <a:schemeClr val="accent1"/>
-          </a:fillRef>
-          <a:effectRef idx="0">
-            <a:schemeClr val="accent1"/>
-          </a:effectRef>
-          <a:fontRef idx="minor">
-            <a:schemeClr val="lt1"/>
-          </a:fontRef>
-        </p:style>
-        <p:txBody>
-          <a:bodyPr rtlCol="0" anchor="ctr"/>
-          <a:lstStyle/>
-          <a:p>
-            <a:pPr algn="ctr"/>
-            <a:r>
-              <a:rPr lang="tr-TR" b="1" dirty="0">
-                <a:solidFill>
-                  <a:schemeClr val="tx1"/>
-                </a:solidFill>
-              </a:rPr>
-              <a:t>Nature</a:t>
-            </a:r>
-          </a:p>
-        </p:txBody>
-      </p:sp>
-      <p:sp>
-        <p:nvSpPr>
-          <p:cNvPr id="10" name="Rectangle 9">
-            <a:extLst>
-              <a:ext uri="{FF2B5EF4-FFF2-40B4-BE49-F238E27FC236}">
-                <a16:creationId xmlns:a16="http://schemas.microsoft.com/office/drawing/2014/main" id="{F73D8EC9-A4B7-40EB-AA41-673B31D0ACF6}"/>
-              </a:ext>
-            </a:extLst>
-          </p:cNvPr>
-          <p:cNvSpPr/>
-          <p:nvPr/>
-        </p:nvSpPr>
-        <p:spPr>
-          <a:xfrm>
-            <a:off x="7363442" y="1069246"/>
-            <a:ext cx="1245704" cy="503583"/>
-          </a:xfrm>
-          <a:prstGeom prst="rect">
-            <a:avLst/>
-          </a:prstGeom>
-          <a:solidFill>
-            <a:schemeClr val="bg1"/>
-          </a:solidFill>
-          <a:ln w="28575"/>
-        </p:spPr>
-        <p:style>
-          <a:lnRef idx="2">
-            <a:schemeClr val="accent1">
-              <a:shade val="50000"/>
-            </a:schemeClr>
-          </a:lnRef>
-          <a:fillRef idx="1">
-            <a:schemeClr val="accent1"/>
-          </a:fillRef>
-          <a:effectRef idx="0">
-            <a:schemeClr val="accent1"/>
-          </a:effectRef>
-          <a:fontRef idx="minor">
-            <a:schemeClr val="lt1"/>
-          </a:fontRef>
-        </p:style>
-        <p:txBody>
-          <a:bodyPr rtlCol="0" anchor="ctr"/>
-          <a:lstStyle/>
-          <a:p>
-            <a:pPr algn="ctr"/>
-            <a:r>
-              <a:rPr lang="tr-TR" b="1" dirty="0">
-                <a:solidFill>
-                  <a:schemeClr val="tx1"/>
-                </a:solidFill>
-              </a:rPr>
-              <a:t>Objective</a:t>
-            </a:r>
-          </a:p>
-        </p:txBody>
-      </p:sp>
-      <p:sp>
-        <p:nvSpPr>
-          <p:cNvPr id="11" name="Rectangle 10">
-            <a:extLst>
-              <a:ext uri="{FF2B5EF4-FFF2-40B4-BE49-F238E27FC236}">
-                <a16:creationId xmlns:a16="http://schemas.microsoft.com/office/drawing/2014/main" id="{E3F718C6-F861-4E59-8AD3-38777ECA761B}"/>
-              </a:ext>
-            </a:extLst>
-          </p:cNvPr>
-          <p:cNvSpPr/>
-          <p:nvPr/>
-        </p:nvSpPr>
-        <p:spPr>
-          <a:xfrm>
-            <a:off x="7385179" y="3429000"/>
-            <a:ext cx="1245704" cy="503583"/>
-          </a:xfrm>
-          <a:prstGeom prst="rect">
-            <a:avLst/>
-          </a:prstGeom>
-          <a:solidFill>
-            <a:schemeClr val="bg1"/>
-          </a:solidFill>
-          <a:ln w="28575"/>
-        </p:spPr>
-        <p:style>
-          <a:lnRef idx="2">
-            <a:schemeClr val="accent1">
-              <a:shade val="50000"/>
-            </a:schemeClr>
-          </a:lnRef>
-          <a:fillRef idx="1">
-            <a:schemeClr val="accent1"/>
-          </a:fillRef>
-          <a:effectRef idx="0">
-            <a:schemeClr val="accent1"/>
-          </a:effectRef>
-          <a:fontRef idx="minor">
-            <a:schemeClr val="lt1"/>
-          </a:fontRef>
-        </p:style>
-        <p:txBody>
-          <a:bodyPr rtlCol="0" anchor="ctr"/>
-          <a:lstStyle/>
-          <a:p>
-            <a:pPr algn="ctr"/>
-            <a:r>
-              <a:rPr lang="tr-TR" b="1" dirty="0">
-                <a:solidFill>
-                  <a:schemeClr val="tx1"/>
-                </a:solidFill>
-              </a:rPr>
-              <a:t>Subjective</a:t>
-            </a:r>
-          </a:p>
-        </p:txBody>
-      </p:sp>
-      <p:sp>
-        <p:nvSpPr>
-          <p:cNvPr id="12" name="Rectangle 11">
-            <a:extLst>
-              <a:ext uri="{FF2B5EF4-FFF2-40B4-BE49-F238E27FC236}">
-                <a16:creationId xmlns:a16="http://schemas.microsoft.com/office/drawing/2014/main" id="{225B7E4D-B05D-4B7F-A4F8-AF69D9B91C25}"/>
-              </a:ext>
-            </a:extLst>
-          </p:cNvPr>
-          <p:cNvSpPr/>
-          <p:nvPr/>
-        </p:nvSpPr>
-        <p:spPr>
-          <a:xfrm>
-            <a:off x="7363442" y="5536962"/>
-            <a:ext cx="1245704" cy="503583"/>
-          </a:xfrm>
-          <a:prstGeom prst="rect">
-            <a:avLst/>
-          </a:prstGeom>
-          <a:solidFill>
-            <a:schemeClr val="bg1"/>
-          </a:solidFill>
-          <a:ln w="28575"/>
-        </p:spPr>
-        <p:style>
-          <a:lnRef idx="2">
-            <a:schemeClr val="accent1">
-              <a:shade val="50000"/>
-            </a:schemeClr>
-          </a:lnRef>
-          <a:fillRef idx="1">
-            <a:schemeClr val="accent1"/>
-          </a:fillRef>
-          <a:effectRef idx="0">
-            <a:schemeClr val="accent1"/>
-          </a:effectRef>
-          <a:fontRef idx="minor">
-            <a:schemeClr val="lt1"/>
-          </a:fontRef>
-        </p:style>
-        <p:txBody>
-          <a:bodyPr rtlCol="0" anchor="ctr"/>
-          <a:lstStyle/>
-          <a:p>
-            <a:pPr algn="ctr"/>
-            <a:r>
-              <a:rPr lang="tr-TR" b="1" dirty="0">
-                <a:solidFill>
-                  <a:schemeClr val="tx1"/>
-                </a:solidFill>
-              </a:rPr>
-              <a:t>Activation of feelings</a:t>
+        </p:spPr>
+        <p:txBody>
+          <a:bodyPr wrap="none" rtlCol="0">
+            <a:spAutoFit/>
+          </a:bodyPr>
+          <a:lstStyle/>
+          <a:p>
+            <a:r>
+              <a:rPr lang="tr-TR" b="1" dirty="0"/>
+              <a:t>To secure that object</a:t>
             </a:r>
           </a:p>
         </p:txBody>
@@ -3870,7 +3925,7 @@
     </p:spTree>
     <p:extLst>
       <p:ext uri="{BB962C8B-B14F-4D97-AF65-F5344CB8AC3E}">
-        <p14:creationId xmlns:p14="http://schemas.microsoft.com/office/powerpoint/2010/main" val="3963019486"/>
+        <p14:creationId xmlns:p14="http://schemas.microsoft.com/office/powerpoint/2010/main" val="1009845609"/>
       </p:ext>
     </p:extLst>
   </p:cSld>
@@ -3899,1141 +3954,255 @@
       </p:grpSpPr>
       <p:sp>
         <p:nvSpPr>
-          <p:cNvPr id="4" name="Rectangle 3">
-            <a:extLst>
-              <a:ext uri="{FF2B5EF4-FFF2-40B4-BE49-F238E27FC236}">
-                <a16:creationId xmlns:a16="http://schemas.microsoft.com/office/drawing/2014/main" id="{AA2D1CF6-8F57-4E67-AE75-5952EB65BFD4}"/>
-              </a:ext>
-            </a:extLst>
-          </p:cNvPr>
-          <p:cNvSpPr/>
-          <p:nvPr/>
+          <p:cNvPr id="2" name="Title 1">
+            <a:extLst>
+              <a:ext uri="{FF2B5EF4-FFF2-40B4-BE49-F238E27FC236}">
+                <a16:creationId xmlns:a16="http://schemas.microsoft.com/office/drawing/2014/main" id="{09612188-4283-4743-94FD-2C937163A47A}"/>
+              </a:ext>
+            </a:extLst>
+          </p:cNvPr>
+          <p:cNvSpPr>
+            <a:spLocks noGrp="1"/>
+          </p:cNvSpPr>
+          <p:nvPr>
+            <p:ph type="title"/>
+          </p:nvPr>
         </p:nvSpPr>
         <p:spPr>
           <a:xfrm>
-            <a:off x="3386033" y="2995603"/>
-            <a:ext cx="1194938" cy="367136"/>
-          </a:xfrm>
-          <a:prstGeom prst="rect">
-            <a:avLst/>
-          </a:prstGeom>
-          <a:solidFill>
-            <a:schemeClr val="bg1"/>
-          </a:solidFill>
-          <a:ln w="12700"/>
-        </p:spPr>
-        <p:style>
-          <a:lnRef idx="2">
-            <a:schemeClr val="accent1">
-              <a:shade val="50000"/>
-            </a:schemeClr>
-          </a:lnRef>
-          <a:fillRef idx="1">
-            <a:schemeClr val="accent1"/>
-          </a:fillRef>
-          <a:effectRef idx="0">
-            <a:schemeClr val="accent1"/>
-          </a:effectRef>
-          <a:fontRef idx="minor">
-            <a:schemeClr val="lt1"/>
-          </a:fontRef>
-        </p:style>
-        <p:txBody>
-          <a:bodyPr rtlCol="0" anchor="ctr"/>
-          <a:lstStyle/>
-          <a:p>
-            <a:pPr algn="ctr"/>
-            <a:r>
-              <a:rPr lang="tr-TR" sz="1200" b="1" dirty="0">
-                <a:solidFill>
-                  <a:schemeClr val="tx1"/>
-                </a:solidFill>
+            <a:off x="838200" y="365125"/>
+            <a:ext cx="10515600" cy="880579"/>
+          </a:xfrm>
+        </p:spPr>
+        <p:txBody>
+          <a:bodyPr>
+            <a:normAutofit/>
+          </a:bodyPr>
+          <a:lstStyle/>
+          <a:p>
+            <a:r>
+              <a:rPr lang="tr-TR" sz="4000" b="1" dirty="0"/>
+              <a:t>1st Extreme</a:t>
+            </a:r>
+          </a:p>
+        </p:txBody>
+      </p:sp>
+      <p:sp>
+        <p:nvSpPr>
+          <p:cNvPr id="3" name="Content Placeholder 2">
+            <a:extLst>
+              <a:ext uri="{FF2B5EF4-FFF2-40B4-BE49-F238E27FC236}">
+                <a16:creationId xmlns:a16="http://schemas.microsoft.com/office/drawing/2014/main" id="{1C01D6C8-B7DE-4907-BD5A-ECDDAD656C84}"/>
+              </a:ext>
+            </a:extLst>
+          </p:cNvPr>
+          <p:cNvSpPr>
+            <a:spLocks noGrp="1"/>
+          </p:cNvSpPr>
+          <p:nvPr>
+            <p:ph idx="1"/>
+          </p:nvPr>
+        </p:nvSpPr>
+        <p:spPr/>
+        <p:txBody>
+          <a:bodyPr/>
+          <a:lstStyle/>
+          <a:p>
+            <a:r>
+              <a:rPr lang="en-GB" sz="1800" dirty="0">
+                <a:effectLst/>
+                <a:latin typeface="Calibri" panose="020F0502020204030204" pitchFamily="34" charset="0"/>
+                <a:ea typeface="Calibri" panose="020F0502020204030204" pitchFamily="34" charset="0"/>
+                <a:cs typeface="Times New Roman" panose="02020603050405020304" pitchFamily="18" charset="0"/>
               </a:rPr>
-              <a:t>Maximum Use of Force</a:t>
-            </a:r>
-          </a:p>
-        </p:txBody>
-      </p:sp>
-      <p:sp>
-        <p:nvSpPr>
-          <p:cNvPr id="5" name="Rectangle 4">
-            <a:extLst>
-              <a:ext uri="{FF2B5EF4-FFF2-40B4-BE49-F238E27FC236}">
-                <a16:creationId xmlns:a16="http://schemas.microsoft.com/office/drawing/2014/main" id="{2BFB637E-1667-46AE-8289-6D444F01169D}"/>
-              </a:ext>
-            </a:extLst>
-          </p:cNvPr>
-          <p:cNvSpPr/>
-          <p:nvPr/>
-        </p:nvSpPr>
-        <p:spPr>
-          <a:xfrm>
-            <a:off x="4712269" y="2995603"/>
-            <a:ext cx="1194938" cy="367136"/>
-          </a:xfrm>
-          <a:prstGeom prst="rect">
-            <a:avLst/>
-          </a:prstGeom>
-          <a:solidFill>
-            <a:schemeClr val="bg1"/>
-          </a:solidFill>
-          <a:ln w="12700"/>
-        </p:spPr>
-        <p:style>
-          <a:lnRef idx="2">
-            <a:schemeClr val="accent1">
-              <a:shade val="50000"/>
-            </a:schemeClr>
-          </a:lnRef>
-          <a:fillRef idx="1">
-            <a:schemeClr val="accent1"/>
-          </a:fillRef>
-          <a:effectRef idx="0">
-            <a:schemeClr val="accent1"/>
-          </a:effectRef>
-          <a:fontRef idx="minor">
-            <a:schemeClr val="lt1"/>
-          </a:fontRef>
-        </p:style>
-        <p:txBody>
-          <a:bodyPr rtlCol="0" anchor="ctr"/>
-          <a:lstStyle/>
-          <a:p>
-            <a:pPr algn="ctr"/>
-            <a:r>
-              <a:rPr lang="tr-TR" sz="1200" b="1" dirty="0">
-                <a:solidFill>
-                  <a:schemeClr val="tx1"/>
-                </a:solidFill>
+              <a:t>To disarm or defeat an enemy one must use </a:t>
+            </a:r>
+            <a:r>
+              <a:rPr lang="en-GB" sz="1800" u="sng" dirty="0">
+                <a:effectLst/>
+                <a:latin typeface="Calibri" panose="020F0502020204030204" pitchFamily="34" charset="0"/>
+                <a:ea typeface="Calibri" panose="020F0502020204030204" pitchFamily="34" charset="0"/>
+                <a:cs typeface="Times New Roman" panose="02020603050405020304" pitchFamily="18" charset="0"/>
               </a:rPr>
-              <a:t>Aim (Disarm)</a:t>
-            </a:r>
-          </a:p>
-        </p:txBody>
-      </p:sp>
-      <p:sp>
-        <p:nvSpPr>
-          <p:cNvPr id="6" name="Rectangle 5">
-            <a:extLst>
-              <a:ext uri="{FF2B5EF4-FFF2-40B4-BE49-F238E27FC236}">
-                <a16:creationId xmlns:a16="http://schemas.microsoft.com/office/drawing/2014/main" id="{59321AD7-05DC-4EDD-B3AD-2ED6F8952805}"/>
-              </a:ext>
-            </a:extLst>
-          </p:cNvPr>
-          <p:cNvSpPr/>
-          <p:nvPr/>
-        </p:nvSpPr>
-        <p:spPr>
-          <a:xfrm>
-            <a:off x="6038505" y="2995603"/>
-            <a:ext cx="1194938" cy="367136"/>
-          </a:xfrm>
-          <a:prstGeom prst="rect">
-            <a:avLst/>
-          </a:prstGeom>
-          <a:solidFill>
-            <a:schemeClr val="bg1"/>
-          </a:solidFill>
-          <a:ln w="12700"/>
-        </p:spPr>
-        <p:style>
-          <a:lnRef idx="2">
-            <a:schemeClr val="accent1">
-              <a:shade val="50000"/>
-            </a:schemeClr>
-          </a:lnRef>
-          <a:fillRef idx="1">
-            <a:schemeClr val="accent1"/>
-          </a:fillRef>
-          <a:effectRef idx="0">
-            <a:schemeClr val="accent1"/>
-          </a:effectRef>
-          <a:fontRef idx="minor">
-            <a:schemeClr val="lt1"/>
-          </a:fontRef>
-        </p:style>
-        <p:txBody>
-          <a:bodyPr rtlCol="0" anchor="ctr"/>
-          <a:lstStyle/>
-          <a:p>
-            <a:pPr algn="ctr"/>
-            <a:r>
-              <a:rPr lang="tr-TR" sz="1200" b="1" dirty="0">
-                <a:solidFill>
-                  <a:schemeClr val="tx1"/>
-                </a:solidFill>
+              <a:t>maximum force possible</a:t>
+            </a:r>
+            <a:endParaRPr lang="tr-TR" sz="1800" u="sng" dirty="0">
+              <a:effectLst/>
+              <a:latin typeface="Calibri" panose="020F0502020204030204" pitchFamily="34" charset="0"/>
+              <a:ea typeface="Calibri" panose="020F0502020204030204" pitchFamily="34" charset="0"/>
+              <a:cs typeface="Times New Roman" panose="02020603050405020304" pitchFamily="18" charset="0"/>
+            </a:endParaRPr>
+          </a:p>
+          <a:p>
+            <a:r>
+              <a:rPr lang="en-GB" sz="1800" dirty="0">
+                <a:effectLst/>
+                <a:latin typeface="Calibri" panose="020F0502020204030204" pitchFamily="34" charset="0"/>
+                <a:ea typeface="Calibri" panose="020F0502020204030204" pitchFamily="34" charset="0"/>
+                <a:cs typeface="Times New Roman" panose="02020603050405020304" pitchFamily="18" charset="0"/>
               </a:rPr>
-              <a:t>Overcome</a:t>
-            </a:r>
-          </a:p>
-        </p:txBody>
-      </p:sp>
-      <p:sp>
-        <p:nvSpPr>
-          <p:cNvPr id="7" name="Rectangle 6">
-            <a:extLst>
-              <a:ext uri="{FF2B5EF4-FFF2-40B4-BE49-F238E27FC236}">
-                <a16:creationId xmlns:a16="http://schemas.microsoft.com/office/drawing/2014/main" id="{6C56010F-112B-4218-99C7-DB24C1C6C78A}"/>
-              </a:ext>
-            </a:extLst>
-          </p:cNvPr>
-          <p:cNvSpPr/>
-          <p:nvPr/>
-        </p:nvSpPr>
-        <p:spPr>
-          <a:xfrm>
-            <a:off x="7364741" y="2995603"/>
-            <a:ext cx="1194938" cy="367136"/>
-          </a:xfrm>
-          <a:prstGeom prst="rect">
-            <a:avLst/>
-          </a:prstGeom>
-          <a:solidFill>
-            <a:schemeClr val="bg1"/>
-          </a:solidFill>
-          <a:ln w="12700"/>
-        </p:spPr>
-        <p:style>
-          <a:lnRef idx="2">
-            <a:schemeClr val="accent1">
-              <a:shade val="50000"/>
-            </a:schemeClr>
-          </a:lnRef>
-          <a:fillRef idx="1">
-            <a:schemeClr val="accent1"/>
-          </a:fillRef>
-          <a:effectRef idx="0">
-            <a:schemeClr val="accent1"/>
-          </a:effectRef>
-          <a:fontRef idx="minor">
-            <a:schemeClr val="lt1"/>
-          </a:fontRef>
-        </p:style>
-        <p:txBody>
-          <a:bodyPr rtlCol="0" anchor="ctr"/>
-          <a:lstStyle/>
-          <a:p>
-            <a:pPr algn="ctr"/>
-            <a:r>
-              <a:rPr lang="tr-TR" sz="1200" b="1" dirty="0">
-                <a:solidFill>
-                  <a:schemeClr val="tx1"/>
-                </a:solidFill>
+              <a:t>Not be deterred by the bloodshed, which </a:t>
+            </a:r>
+            <a:r>
+              <a:rPr lang="en-GB" sz="1800" b="1" dirty="0">
+                <a:effectLst/>
+                <a:latin typeface="Calibri" panose="020F0502020204030204" pitchFamily="34" charset="0"/>
+                <a:ea typeface="Calibri" panose="020F0502020204030204" pitchFamily="34" charset="0"/>
+                <a:cs typeface="Times New Roman" panose="02020603050405020304" pitchFamily="18" charset="0"/>
               </a:rPr>
-              <a:t>Hostilities</a:t>
-            </a:r>
-          </a:p>
-        </p:txBody>
-      </p:sp>
-      <p:sp>
-        <p:nvSpPr>
-          <p:cNvPr id="8" name="Rectangle 7">
-            <a:extLst>
-              <a:ext uri="{FF2B5EF4-FFF2-40B4-BE49-F238E27FC236}">
-                <a16:creationId xmlns:a16="http://schemas.microsoft.com/office/drawing/2014/main" id="{76733B80-70D1-4C7D-94CE-B3277EFBCBBC}"/>
-              </a:ext>
-            </a:extLst>
-          </p:cNvPr>
-          <p:cNvSpPr/>
-          <p:nvPr/>
-        </p:nvSpPr>
-        <p:spPr>
-          <a:xfrm>
-            <a:off x="5284355" y="3853731"/>
-            <a:ext cx="1245704" cy="503583"/>
-          </a:xfrm>
-          <a:prstGeom prst="rect">
-            <a:avLst/>
-          </a:prstGeom>
-          <a:solidFill>
-            <a:schemeClr val="bg1"/>
-          </a:solidFill>
-          <a:ln w="28575"/>
-        </p:spPr>
-        <p:style>
-          <a:lnRef idx="2">
-            <a:schemeClr val="accent1">
-              <a:shade val="50000"/>
-            </a:schemeClr>
-          </a:lnRef>
-          <a:fillRef idx="1">
-            <a:schemeClr val="accent1"/>
-          </a:fillRef>
-          <a:effectRef idx="0">
-            <a:schemeClr val="accent1"/>
-          </a:effectRef>
-          <a:fontRef idx="minor">
-            <a:schemeClr val="lt1"/>
-          </a:fontRef>
-        </p:style>
-        <p:txBody>
-          <a:bodyPr rtlCol="0" anchor="ctr"/>
-          <a:lstStyle/>
-          <a:p>
-            <a:pPr algn="ctr"/>
-            <a:r>
-              <a:rPr lang="tr-TR" b="1" dirty="0">
-                <a:solidFill>
-                  <a:schemeClr val="tx1"/>
-                </a:solidFill>
+              <a:t>nature of the war</a:t>
+            </a:r>
+            <a:r>
+              <a:rPr lang="en-GB" sz="1800" dirty="0">
+                <a:effectLst/>
+                <a:latin typeface="Calibri" panose="020F0502020204030204" pitchFamily="34" charset="0"/>
+                <a:ea typeface="Calibri" panose="020F0502020204030204" pitchFamily="34" charset="0"/>
+                <a:cs typeface="Times New Roman" panose="02020603050405020304" pitchFamily="18" charset="0"/>
               </a:rPr>
-              <a:t>Laws of Extremes</a:t>
-            </a:r>
-          </a:p>
-        </p:txBody>
-      </p:sp>
-      <p:cxnSp>
-        <p:nvCxnSpPr>
-          <p:cNvPr id="10" name="Connector: Curved 9">
-            <a:extLst>
-              <a:ext uri="{FF2B5EF4-FFF2-40B4-BE49-F238E27FC236}">
-                <a16:creationId xmlns:a16="http://schemas.microsoft.com/office/drawing/2014/main" id="{5D7FCE82-8E4A-48EC-AD48-F88C675FECAA}"/>
-              </a:ext>
-            </a:extLst>
-          </p:cNvPr>
-          <p:cNvCxnSpPr>
-            <a:stCxn id="8" idx="1"/>
-            <a:endCxn id="4" idx="2"/>
-          </p:cNvCxnSpPr>
-          <p:nvPr/>
-        </p:nvCxnSpPr>
-        <p:spPr>
-          <a:xfrm rot="10800000">
-            <a:off x="3983503" y="3362739"/>
-            <a:ext cx="1300853" cy="742784"/>
-          </a:xfrm>
-          <a:prstGeom prst="curvedConnector2">
-            <a:avLst/>
-          </a:prstGeom>
-          <a:ln>
-            <a:tailEnd type="triangle"/>
-          </a:ln>
-        </p:spPr>
-        <p:style>
-          <a:lnRef idx="1">
-            <a:schemeClr val="accent1"/>
-          </a:lnRef>
-          <a:fillRef idx="0">
-            <a:schemeClr val="accent1"/>
-          </a:fillRef>
-          <a:effectRef idx="0">
-            <a:schemeClr val="accent1"/>
-          </a:effectRef>
-          <a:fontRef idx="minor">
-            <a:schemeClr val="tx1"/>
-          </a:fontRef>
-        </p:style>
-      </p:cxnSp>
-      <p:cxnSp>
-        <p:nvCxnSpPr>
-          <p:cNvPr id="12" name="Connector: Curved 11">
-            <a:extLst>
-              <a:ext uri="{FF2B5EF4-FFF2-40B4-BE49-F238E27FC236}">
-                <a16:creationId xmlns:a16="http://schemas.microsoft.com/office/drawing/2014/main" id="{B442D092-15A1-4393-BB62-F4AEF68CA6AE}"/>
-              </a:ext>
-            </a:extLst>
-          </p:cNvPr>
-          <p:cNvCxnSpPr>
-            <a:stCxn id="8" idx="0"/>
-            <a:endCxn id="5" idx="2"/>
-          </p:cNvCxnSpPr>
-          <p:nvPr/>
-        </p:nvCxnSpPr>
-        <p:spPr>
-          <a:xfrm rot="16200000" flipV="1">
-            <a:off x="5362977" y="3309500"/>
-            <a:ext cx="490992" cy="597469"/>
-          </a:xfrm>
-          <a:prstGeom prst="curvedConnector3">
-            <a:avLst/>
-          </a:prstGeom>
-          <a:ln>
-            <a:tailEnd type="triangle"/>
-          </a:ln>
-        </p:spPr>
-        <p:style>
-          <a:lnRef idx="1">
-            <a:schemeClr val="accent1"/>
-          </a:lnRef>
-          <a:fillRef idx="0">
-            <a:schemeClr val="accent1"/>
-          </a:fillRef>
-          <a:effectRef idx="0">
-            <a:schemeClr val="accent1"/>
-          </a:effectRef>
-          <a:fontRef idx="minor">
-            <a:schemeClr val="tx1"/>
-          </a:fontRef>
-        </p:style>
-      </p:cxnSp>
-      <p:cxnSp>
-        <p:nvCxnSpPr>
-          <p:cNvPr id="15" name="Connector: Curved 14">
-            <a:extLst>
-              <a:ext uri="{FF2B5EF4-FFF2-40B4-BE49-F238E27FC236}">
-                <a16:creationId xmlns:a16="http://schemas.microsoft.com/office/drawing/2014/main" id="{CCE18D85-5A74-4462-A39F-E474636923A2}"/>
-              </a:ext>
-            </a:extLst>
-          </p:cNvPr>
-          <p:cNvCxnSpPr>
-            <a:stCxn id="8" idx="0"/>
-            <a:endCxn id="6" idx="2"/>
-          </p:cNvCxnSpPr>
-          <p:nvPr/>
-        </p:nvCxnSpPr>
-        <p:spPr>
-          <a:xfrm rot="5400000" flipH="1" flipV="1">
-            <a:off x="6026094" y="3243852"/>
-            <a:ext cx="490992" cy="728767"/>
-          </a:xfrm>
-          <a:prstGeom prst="curvedConnector3">
-            <a:avLst/>
-          </a:prstGeom>
-          <a:ln>
-            <a:tailEnd type="triangle"/>
-          </a:ln>
-        </p:spPr>
-        <p:style>
-          <a:lnRef idx="1">
-            <a:schemeClr val="accent1"/>
-          </a:lnRef>
-          <a:fillRef idx="0">
-            <a:schemeClr val="accent1"/>
-          </a:fillRef>
-          <a:effectRef idx="0">
-            <a:schemeClr val="accent1"/>
-          </a:effectRef>
-          <a:fontRef idx="minor">
-            <a:schemeClr val="tx1"/>
-          </a:fontRef>
-        </p:style>
-      </p:cxnSp>
-      <p:cxnSp>
-        <p:nvCxnSpPr>
-          <p:cNvPr id="17" name="Connector: Curved 16">
-            <a:extLst>
-              <a:ext uri="{FF2B5EF4-FFF2-40B4-BE49-F238E27FC236}">
-                <a16:creationId xmlns:a16="http://schemas.microsoft.com/office/drawing/2014/main" id="{1F3E6BF7-D931-4666-90FF-336E50A8EDF0}"/>
-              </a:ext>
-            </a:extLst>
-          </p:cNvPr>
-          <p:cNvCxnSpPr>
-            <a:stCxn id="8" idx="3"/>
-            <a:endCxn id="7" idx="2"/>
-          </p:cNvCxnSpPr>
-          <p:nvPr/>
-        </p:nvCxnSpPr>
-        <p:spPr>
-          <a:xfrm flipV="1">
-            <a:off x="6530059" y="3362739"/>
-            <a:ext cx="1432151" cy="742784"/>
-          </a:xfrm>
-          <a:prstGeom prst="curvedConnector2">
-            <a:avLst/>
-          </a:prstGeom>
-          <a:ln>
-            <a:tailEnd type="triangle"/>
-          </a:ln>
-        </p:spPr>
-        <p:style>
-          <a:lnRef idx="1">
-            <a:schemeClr val="accent1"/>
-          </a:lnRef>
-          <a:fillRef idx="0">
-            <a:schemeClr val="accent1"/>
-          </a:fillRef>
-          <a:effectRef idx="0">
-            <a:schemeClr val="accent1"/>
-          </a:effectRef>
-          <a:fontRef idx="minor">
-            <a:schemeClr val="tx1"/>
-          </a:fontRef>
-        </p:style>
-      </p:cxnSp>
-      <p:sp>
-        <p:nvSpPr>
-          <p:cNvPr id="18" name="Rectangle 17">
-            <a:extLst>
-              <a:ext uri="{FF2B5EF4-FFF2-40B4-BE49-F238E27FC236}">
-                <a16:creationId xmlns:a16="http://schemas.microsoft.com/office/drawing/2014/main" id="{531F8D98-86D3-4642-A0B3-09C0EBF0E152}"/>
-              </a:ext>
-            </a:extLst>
-          </p:cNvPr>
-          <p:cNvSpPr/>
-          <p:nvPr/>
-        </p:nvSpPr>
-        <p:spPr>
-          <a:xfrm>
-            <a:off x="3397753" y="2318010"/>
-            <a:ext cx="1194938" cy="367136"/>
-          </a:xfrm>
-          <a:prstGeom prst="rect">
-            <a:avLst/>
-          </a:prstGeom>
-          <a:solidFill>
-            <a:schemeClr val="bg1"/>
-          </a:solidFill>
-          <a:ln w="12700"/>
-        </p:spPr>
-        <p:style>
-          <a:lnRef idx="2">
-            <a:schemeClr val="accent1">
-              <a:shade val="50000"/>
-            </a:schemeClr>
-          </a:lnRef>
-          <a:fillRef idx="1">
-            <a:schemeClr val="accent1"/>
-          </a:fillRef>
-          <a:effectRef idx="0">
-            <a:schemeClr val="accent1"/>
-          </a:effectRef>
-          <a:fontRef idx="minor">
-            <a:schemeClr val="lt1"/>
-          </a:fontRef>
-        </p:style>
-        <p:txBody>
-          <a:bodyPr rtlCol="0" anchor="ctr"/>
-          <a:lstStyle/>
-          <a:p>
-            <a:pPr algn="ctr"/>
-            <a:r>
-              <a:rPr lang="tr-TR" sz="1200" b="1" dirty="0">
-                <a:solidFill>
-                  <a:schemeClr val="tx1"/>
-                </a:solidFill>
+              <a:t> necessitates. </a:t>
+            </a:r>
+            <a:endParaRPr lang="tr-TR" sz="1800" dirty="0">
+              <a:effectLst/>
+              <a:latin typeface="Calibri" panose="020F0502020204030204" pitchFamily="34" charset="0"/>
+              <a:ea typeface="Calibri" panose="020F0502020204030204" pitchFamily="34" charset="0"/>
+              <a:cs typeface="Times New Roman" panose="02020603050405020304" pitchFamily="18" charset="0"/>
+            </a:endParaRPr>
+          </a:p>
+          <a:p>
+            <a:r>
+              <a:rPr lang="tr-TR" sz="1800" u="sng" dirty="0">
+                <a:latin typeface="Calibri" panose="020F0502020204030204" pitchFamily="34" charset="0"/>
+                <a:cs typeface="Times New Roman" panose="02020603050405020304" pitchFamily="18" charset="0"/>
               </a:rPr>
-              <a:t>Not a single action</a:t>
-            </a:r>
-          </a:p>
-        </p:txBody>
-      </p:sp>
-      <p:sp>
-        <p:nvSpPr>
-          <p:cNvPr id="19" name="Rectangle 18">
-            <a:extLst>
-              <a:ext uri="{FF2B5EF4-FFF2-40B4-BE49-F238E27FC236}">
-                <a16:creationId xmlns:a16="http://schemas.microsoft.com/office/drawing/2014/main" id="{CF0A43B7-2C6F-45A5-B3CF-227E933BCF7C}"/>
-              </a:ext>
-            </a:extLst>
-          </p:cNvPr>
-          <p:cNvSpPr/>
-          <p:nvPr/>
-        </p:nvSpPr>
-        <p:spPr>
-          <a:xfrm>
-            <a:off x="4723989" y="2318010"/>
-            <a:ext cx="1194938" cy="367136"/>
-          </a:xfrm>
-          <a:prstGeom prst="rect">
-            <a:avLst/>
-          </a:prstGeom>
-          <a:solidFill>
-            <a:schemeClr val="bg1"/>
-          </a:solidFill>
-          <a:ln w="12700"/>
-        </p:spPr>
-        <p:style>
-          <a:lnRef idx="2">
-            <a:schemeClr val="accent1">
-              <a:shade val="50000"/>
-            </a:schemeClr>
-          </a:lnRef>
-          <a:fillRef idx="1">
-            <a:schemeClr val="accent1"/>
-          </a:fillRef>
-          <a:effectRef idx="0">
-            <a:schemeClr val="accent1"/>
-          </a:effectRef>
-          <a:fontRef idx="minor">
-            <a:schemeClr val="lt1"/>
-          </a:fontRef>
-        </p:style>
-        <p:txBody>
-          <a:bodyPr rtlCol="0" anchor="ctr"/>
-          <a:lstStyle/>
-          <a:p>
-            <a:pPr algn="ctr"/>
-            <a:r>
-              <a:rPr lang="tr-TR" sz="1200" b="1" dirty="0">
-                <a:solidFill>
-                  <a:schemeClr val="tx1"/>
-                </a:solidFill>
+              <a:t>Severity may be modarated by the social conditions of the states. </a:t>
+            </a:r>
+          </a:p>
+          <a:p>
+            <a:r>
+              <a:rPr lang="en-GB" sz="1800" b="1" dirty="0">
+                <a:effectLst/>
+                <a:latin typeface="Calibri" panose="020F0502020204030204" pitchFamily="34" charset="0"/>
+                <a:ea typeface="Calibri" panose="020F0502020204030204" pitchFamily="34" charset="0"/>
+                <a:cs typeface="Times New Roman" panose="02020603050405020304" pitchFamily="18" charset="0"/>
               </a:rPr>
-              <a:t>Result is never final</a:t>
-            </a:r>
-          </a:p>
-        </p:txBody>
-      </p:sp>
-      <p:sp>
-        <p:nvSpPr>
-          <p:cNvPr id="20" name="Rectangle 19">
-            <a:extLst>
-              <a:ext uri="{FF2B5EF4-FFF2-40B4-BE49-F238E27FC236}">
-                <a16:creationId xmlns:a16="http://schemas.microsoft.com/office/drawing/2014/main" id="{27E64D89-0E48-4419-9C0E-0E5DDDAA62A7}"/>
-              </a:ext>
-            </a:extLst>
-          </p:cNvPr>
-          <p:cNvSpPr/>
-          <p:nvPr/>
-        </p:nvSpPr>
-        <p:spPr>
-          <a:xfrm>
-            <a:off x="6050225" y="2318010"/>
-            <a:ext cx="1194938" cy="367136"/>
-          </a:xfrm>
-          <a:prstGeom prst="rect">
-            <a:avLst/>
-          </a:prstGeom>
-          <a:solidFill>
-            <a:schemeClr val="bg1"/>
-          </a:solidFill>
-          <a:ln w="12700"/>
-        </p:spPr>
-        <p:style>
-          <a:lnRef idx="2">
-            <a:schemeClr val="accent1">
-              <a:shade val="50000"/>
-            </a:schemeClr>
-          </a:lnRef>
-          <a:fillRef idx="1">
-            <a:schemeClr val="accent1"/>
-          </a:fillRef>
-          <a:effectRef idx="0">
-            <a:schemeClr val="accent1"/>
-          </a:effectRef>
-          <a:fontRef idx="minor">
-            <a:schemeClr val="lt1"/>
-          </a:fontRef>
-        </p:style>
-        <p:txBody>
-          <a:bodyPr rtlCol="0" anchor="ctr"/>
-          <a:lstStyle/>
-          <a:p>
-            <a:pPr algn="ctr"/>
-            <a:r>
-              <a:rPr lang="tr-TR" sz="1200" b="1" dirty="0">
-                <a:solidFill>
-                  <a:schemeClr val="tx1"/>
-                </a:solidFill>
+              <a:t>Wars are not resulted from rational act only; these feelings play its role also.</a:t>
+            </a:r>
+            <a:r>
+              <a:rPr lang="en-GB" sz="1800" dirty="0">
+                <a:effectLst/>
+                <a:latin typeface="Calibri" panose="020F0502020204030204" pitchFamily="34" charset="0"/>
+                <a:ea typeface="Calibri" panose="020F0502020204030204" pitchFamily="34" charset="0"/>
+                <a:cs typeface="Times New Roman" panose="02020603050405020304" pitchFamily="18" charset="0"/>
               </a:rPr>
-              <a:t>PoR depends on external</a:t>
-            </a:r>
-          </a:p>
-        </p:txBody>
-      </p:sp>
-      <p:sp>
-        <p:nvSpPr>
-          <p:cNvPr id="21" name="Rectangle 20">
-            <a:extLst>
-              <a:ext uri="{FF2B5EF4-FFF2-40B4-BE49-F238E27FC236}">
-                <a16:creationId xmlns:a16="http://schemas.microsoft.com/office/drawing/2014/main" id="{A3E653FB-CB4F-47C6-B777-93030FFAC395}"/>
-              </a:ext>
-            </a:extLst>
-          </p:cNvPr>
-          <p:cNvSpPr/>
-          <p:nvPr/>
-        </p:nvSpPr>
-        <p:spPr>
-          <a:xfrm>
-            <a:off x="7376461" y="2318010"/>
-            <a:ext cx="1194938" cy="367136"/>
-          </a:xfrm>
-          <a:prstGeom prst="rect">
-            <a:avLst/>
-          </a:prstGeom>
-          <a:solidFill>
-            <a:schemeClr val="bg1"/>
-          </a:solidFill>
-          <a:ln w="12700"/>
-        </p:spPr>
-        <p:style>
-          <a:lnRef idx="2">
-            <a:schemeClr val="accent1">
-              <a:shade val="50000"/>
-            </a:schemeClr>
-          </a:lnRef>
-          <a:fillRef idx="1">
-            <a:schemeClr val="accent1"/>
-          </a:fillRef>
-          <a:effectRef idx="0">
-            <a:schemeClr val="accent1"/>
-          </a:effectRef>
-          <a:fontRef idx="minor">
-            <a:schemeClr val="lt1"/>
-          </a:fontRef>
-        </p:style>
-        <p:txBody>
-          <a:bodyPr rtlCol="0" anchor="ctr"/>
-          <a:lstStyle/>
-          <a:p>
-            <a:pPr algn="ctr"/>
-            <a:r>
-              <a:rPr lang="tr-TR" sz="1200" b="1" dirty="0">
-                <a:solidFill>
-                  <a:schemeClr val="tx1"/>
-                </a:solidFill>
+              <a:t> </a:t>
+            </a:r>
+            <a:endParaRPr lang="tr-TR" sz="1800" dirty="0">
+              <a:effectLst/>
+              <a:latin typeface="Calibri" panose="020F0502020204030204" pitchFamily="34" charset="0"/>
+              <a:ea typeface="Calibri" panose="020F0502020204030204" pitchFamily="34" charset="0"/>
+              <a:cs typeface="Times New Roman" panose="02020603050405020304" pitchFamily="18" charset="0"/>
+            </a:endParaRPr>
+          </a:p>
+          <a:p>
+            <a:r>
+              <a:rPr lang="en-GB" sz="1800" dirty="0">
+                <a:effectLst/>
+                <a:latin typeface="Calibri" panose="020F0502020204030204" pitchFamily="34" charset="0"/>
+                <a:ea typeface="Calibri" panose="020F0502020204030204" pitchFamily="34" charset="0"/>
+                <a:cs typeface="Times New Roman" panose="02020603050405020304" pitchFamily="18" charset="0"/>
               </a:rPr>
-              <a:t>Inaction</a:t>
-            </a:r>
-          </a:p>
-        </p:txBody>
-      </p:sp>
-      <p:sp>
-        <p:nvSpPr>
-          <p:cNvPr id="22" name="Rectangle 21">
-            <a:extLst>
-              <a:ext uri="{FF2B5EF4-FFF2-40B4-BE49-F238E27FC236}">
-                <a16:creationId xmlns:a16="http://schemas.microsoft.com/office/drawing/2014/main" id="{13F14650-BFD3-4BDE-BF75-4CC72F6D02E1}"/>
-              </a:ext>
-            </a:extLst>
-          </p:cNvPr>
-          <p:cNvSpPr/>
-          <p:nvPr/>
-        </p:nvSpPr>
-        <p:spPr>
-          <a:xfrm>
-            <a:off x="5296075" y="1248863"/>
-            <a:ext cx="1245704" cy="503583"/>
-          </a:xfrm>
-          <a:prstGeom prst="rect">
-            <a:avLst/>
-          </a:prstGeom>
-          <a:solidFill>
-            <a:schemeClr val="bg1"/>
-          </a:solidFill>
-          <a:ln w="28575"/>
-        </p:spPr>
-        <p:style>
-          <a:lnRef idx="2">
-            <a:schemeClr val="accent1">
-              <a:shade val="50000"/>
-            </a:schemeClr>
-          </a:lnRef>
-          <a:fillRef idx="1">
-            <a:schemeClr val="accent1"/>
-          </a:fillRef>
-          <a:effectRef idx="0">
-            <a:schemeClr val="accent1"/>
-          </a:effectRef>
-          <a:fontRef idx="minor">
-            <a:schemeClr val="lt1"/>
-          </a:fontRef>
-        </p:style>
-        <p:txBody>
-          <a:bodyPr rtlCol="0" anchor="ctr"/>
-          <a:lstStyle/>
-          <a:p>
-            <a:pPr algn="ctr"/>
-            <a:r>
-              <a:rPr lang="tr-TR" b="1" dirty="0">
-                <a:solidFill>
-                  <a:schemeClr val="tx1"/>
-                </a:solidFill>
+              <a:t>Without these feelings, it would be enough to compare physical forces to decide who wins and war would be termed as “</a:t>
+            </a:r>
+            <a:r>
+              <a:rPr lang="en-GB" sz="1800" u="sng" dirty="0">
+                <a:effectLst/>
+                <a:latin typeface="Calibri" panose="020F0502020204030204" pitchFamily="34" charset="0"/>
+                <a:ea typeface="Calibri" panose="020F0502020204030204" pitchFamily="34" charset="0"/>
+                <a:cs typeface="Times New Roman" panose="02020603050405020304" pitchFamily="18" charset="0"/>
               </a:rPr>
-              <a:t>assessing probs</a:t>
-            </a:r>
-          </a:p>
-        </p:txBody>
-      </p:sp>
-      <p:cxnSp>
-        <p:nvCxnSpPr>
-          <p:cNvPr id="24" name="Connector: Curved 23">
-            <a:extLst>
-              <a:ext uri="{FF2B5EF4-FFF2-40B4-BE49-F238E27FC236}">
-                <a16:creationId xmlns:a16="http://schemas.microsoft.com/office/drawing/2014/main" id="{15C5619D-BEFA-4A1C-8BF2-1FB6F1B40884}"/>
-              </a:ext>
-            </a:extLst>
-          </p:cNvPr>
-          <p:cNvCxnSpPr>
-            <a:stCxn id="18" idx="0"/>
-            <a:endCxn id="22" idx="1"/>
-          </p:cNvCxnSpPr>
-          <p:nvPr/>
-        </p:nvCxnSpPr>
-        <p:spPr>
-          <a:xfrm rot="5400000" flipH="1" flipV="1">
-            <a:off x="4236971" y="1258907"/>
-            <a:ext cx="817355" cy="1300853"/>
-          </a:xfrm>
-          <a:prstGeom prst="curvedConnector2">
-            <a:avLst/>
-          </a:prstGeom>
-          <a:ln>
-            <a:tailEnd type="triangle"/>
-          </a:ln>
-        </p:spPr>
-        <p:style>
-          <a:lnRef idx="1">
-            <a:schemeClr val="accent1"/>
-          </a:lnRef>
-          <a:fillRef idx="0">
-            <a:schemeClr val="accent1"/>
-          </a:fillRef>
-          <a:effectRef idx="0">
-            <a:schemeClr val="accent1"/>
-          </a:effectRef>
-          <a:fontRef idx="minor">
-            <a:schemeClr val="tx1"/>
-          </a:fontRef>
-        </p:style>
-      </p:cxnSp>
-      <p:cxnSp>
-        <p:nvCxnSpPr>
-          <p:cNvPr id="26" name="Connector: Curved 25">
-            <a:extLst>
-              <a:ext uri="{FF2B5EF4-FFF2-40B4-BE49-F238E27FC236}">
-                <a16:creationId xmlns:a16="http://schemas.microsoft.com/office/drawing/2014/main" id="{BA7051FC-10D7-47C5-8560-6BC2A6206B24}"/>
-              </a:ext>
-            </a:extLst>
-          </p:cNvPr>
-          <p:cNvCxnSpPr>
-            <a:stCxn id="19" idx="0"/>
-            <a:endCxn id="22" idx="2"/>
-          </p:cNvCxnSpPr>
-          <p:nvPr/>
-        </p:nvCxnSpPr>
-        <p:spPr>
-          <a:xfrm rot="5400000" flipH="1" flipV="1">
-            <a:off x="5337410" y="1736494"/>
-            <a:ext cx="565564" cy="597469"/>
-          </a:xfrm>
-          <a:prstGeom prst="curvedConnector3">
-            <a:avLst/>
-          </a:prstGeom>
-          <a:ln>
-            <a:tailEnd type="triangle"/>
-          </a:ln>
-        </p:spPr>
-        <p:style>
-          <a:lnRef idx="1">
-            <a:schemeClr val="accent1"/>
-          </a:lnRef>
-          <a:fillRef idx="0">
-            <a:schemeClr val="accent1"/>
-          </a:fillRef>
-          <a:effectRef idx="0">
-            <a:schemeClr val="accent1"/>
-          </a:effectRef>
-          <a:fontRef idx="minor">
-            <a:schemeClr val="tx1"/>
-          </a:fontRef>
-        </p:style>
-      </p:cxnSp>
-      <p:cxnSp>
-        <p:nvCxnSpPr>
-          <p:cNvPr id="28" name="Connector: Curved 27">
-            <a:extLst>
-              <a:ext uri="{FF2B5EF4-FFF2-40B4-BE49-F238E27FC236}">
-                <a16:creationId xmlns:a16="http://schemas.microsoft.com/office/drawing/2014/main" id="{B2D4870C-DF73-47FC-9ED0-BF958C1D3EFB}"/>
-              </a:ext>
-            </a:extLst>
-          </p:cNvPr>
-          <p:cNvCxnSpPr>
-            <a:stCxn id="20" idx="0"/>
-            <a:endCxn id="22" idx="2"/>
-          </p:cNvCxnSpPr>
-          <p:nvPr/>
-        </p:nvCxnSpPr>
-        <p:spPr>
-          <a:xfrm rot="16200000" flipV="1">
-            <a:off x="6000529" y="1670844"/>
-            <a:ext cx="565564" cy="728767"/>
-          </a:xfrm>
-          <a:prstGeom prst="curvedConnector3">
-            <a:avLst/>
-          </a:prstGeom>
-          <a:ln>
-            <a:tailEnd type="triangle"/>
-          </a:ln>
-        </p:spPr>
-        <p:style>
-          <a:lnRef idx="1">
-            <a:schemeClr val="accent1"/>
-          </a:lnRef>
-          <a:fillRef idx="0">
-            <a:schemeClr val="accent1"/>
-          </a:fillRef>
-          <a:effectRef idx="0">
-            <a:schemeClr val="accent1"/>
-          </a:effectRef>
-          <a:fontRef idx="minor">
-            <a:schemeClr val="tx1"/>
-          </a:fontRef>
-        </p:style>
-      </p:cxnSp>
-      <p:cxnSp>
-        <p:nvCxnSpPr>
-          <p:cNvPr id="30" name="Connector: Curved 29">
-            <a:extLst>
-              <a:ext uri="{FF2B5EF4-FFF2-40B4-BE49-F238E27FC236}">
-                <a16:creationId xmlns:a16="http://schemas.microsoft.com/office/drawing/2014/main" id="{5D41BA06-59A5-4CC7-B46B-EAEC125566C9}"/>
-              </a:ext>
-            </a:extLst>
-          </p:cNvPr>
-          <p:cNvCxnSpPr>
-            <a:stCxn id="21" idx="0"/>
-            <a:endCxn id="22" idx="3"/>
-          </p:cNvCxnSpPr>
-          <p:nvPr/>
-        </p:nvCxnSpPr>
-        <p:spPr>
-          <a:xfrm rot="16200000" flipV="1">
-            <a:off x="6849178" y="1193257"/>
-            <a:ext cx="817355" cy="1432151"/>
-          </a:xfrm>
-          <a:prstGeom prst="curvedConnector2">
-            <a:avLst/>
-          </a:prstGeom>
-          <a:ln>
-            <a:tailEnd type="triangle"/>
-          </a:ln>
-        </p:spPr>
-        <p:style>
-          <a:lnRef idx="1">
-            <a:schemeClr val="accent1"/>
-          </a:lnRef>
-          <a:fillRef idx="0">
-            <a:schemeClr val="accent1"/>
-          </a:fillRef>
-          <a:effectRef idx="0">
-            <a:schemeClr val="accent1"/>
-          </a:effectRef>
-          <a:fontRef idx="minor">
-            <a:schemeClr val="tx1"/>
-          </a:fontRef>
-        </p:style>
-      </p:cxnSp>
-      <p:cxnSp>
-        <p:nvCxnSpPr>
-          <p:cNvPr id="34" name="Straight Arrow Connector 33">
-            <a:extLst>
-              <a:ext uri="{FF2B5EF4-FFF2-40B4-BE49-F238E27FC236}">
-                <a16:creationId xmlns:a16="http://schemas.microsoft.com/office/drawing/2014/main" id="{3AFB344E-A578-47F1-BA3F-26AD51454F41}"/>
-              </a:ext>
-            </a:extLst>
-          </p:cNvPr>
-          <p:cNvCxnSpPr>
-            <a:cxnSpLocks/>
-            <a:stCxn id="4" idx="0"/>
-            <a:endCxn id="18" idx="2"/>
-          </p:cNvCxnSpPr>
-          <p:nvPr/>
-        </p:nvCxnSpPr>
-        <p:spPr>
-          <a:xfrm flipV="1">
-            <a:off x="3983502" y="2685146"/>
-            <a:ext cx="11720" cy="310457"/>
-          </a:xfrm>
-          <a:prstGeom prst="straightConnector1">
-            <a:avLst/>
-          </a:prstGeom>
-          <a:ln w="6350">
-            <a:prstDash val="sysDash"/>
-            <a:tailEnd type="triangle"/>
-          </a:ln>
-        </p:spPr>
-        <p:style>
-          <a:lnRef idx="1">
-            <a:schemeClr val="accent1"/>
-          </a:lnRef>
-          <a:fillRef idx="0">
-            <a:schemeClr val="accent1"/>
-          </a:fillRef>
-          <a:effectRef idx="0">
-            <a:schemeClr val="accent1"/>
-          </a:effectRef>
-          <a:fontRef idx="minor">
-            <a:schemeClr val="tx1"/>
-          </a:fontRef>
-        </p:style>
-      </p:cxnSp>
-      <p:cxnSp>
-        <p:nvCxnSpPr>
-          <p:cNvPr id="37" name="Straight Arrow Connector 36">
-            <a:extLst>
-              <a:ext uri="{FF2B5EF4-FFF2-40B4-BE49-F238E27FC236}">
-                <a16:creationId xmlns:a16="http://schemas.microsoft.com/office/drawing/2014/main" id="{4D7807FF-AB48-4CB3-BDD3-4D029240DABD}"/>
-              </a:ext>
-            </a:extLst>
-          </p:cNvPr>
-          <p:cNvCxnSpPr>
-            <a:cxnSpLocks/>
-          </p:cNvCxnSpPr>
-          <p:nvPr/>
-        </p:nvCxnSpPr>
-        <p:spPr>
-          <a:xfrm flipV="1">
-            <a:off x="5317583" y="2682798"/>
-            <a:ext cx="11720" cy="310457"/>
-          </a:xfrm>
-          <a:prstGeom prst="straightConnector1">
-            <a:avLst/>
-          </a:prstGeom>
-          <a:ln w="6350">
-            <a:prstDash val="sysDash"/>
-            <a:tailEnd type="triangle"/>
-          </a:ln>
-        </p:spPr>
-        <p:style>
-          <a:lnRef idx="1">
-            <a:schemeClr val="accent1"/>
-          </a:lnRef>
-          <a:fillRef idx="0">
-            <a:schemeClr val="accent1"/>
-          </a:fillRef>
-          <a:effectRef idx="0">
-            <a:schemeClr val="accent1"/>
-          </a:effectRef>
-          <a:fontRef idx="minor">
-            <a:schemeClr val="tx1"/>
-          </a:fontRef>
-        </p:style>
-      </p:cxnSp>
-      <p:cxnSp>
-        <p:nvCxnSpPr>
-          <p:cNvPr id="38" name="Straight Arrow Connector 37">
-            <a:extLst>
-              <a:ext uri="{FF2B5EF4-FFF2-40B4-BE49-F238E27FC236}">
-                <a16:creationId xmlns:a16="http://schemas.microsoft.com/office/drawing/2014/main" id="{E043BA92-625E-4BB5-944C-12C257A96B56}"/>
-              </a:ext>
-            </a:extLst>
-          </p:cNvPr>
-          <p:cNvCxnSpPr>
-            <a:cxnSpLocks/>
-          </p:cNvCxnSpPr>
-          <p:nvPr/>
-        </p:nvCxnSpPr>
-        <p:spPr>
-          <a:xfrm flipV="1">
-            <a:off x="6639950" y="2682798"/>
-            <a:ext cx="11720" cy="310457"/>
-          </a:xfrm>
-          <a:prstGeom prst="straightConnector1">
-            <a:avLst/>
-          </a:prstGeom>
-          <a:ln w="6350">
-            <a:prstDash val="sysDash"/>
-            <a:tailEnd type="triangle"/>
-          </a:ln>
-        </p:spPr>
-        <p:style>
-          <a:lnRef idx="1">
-            <a:schemeClr val="accent1"/>
-          </a:lnRef>
-          <a:fillRef idx="0">
-            <a:schemeClr val="accent1"/>
-          </a:fillRef>
-          <a:effectRef idx="0">
-            <a:schemeClr val="accent1"/>
-          </a:effectRef>
-          <a:fontRef idx="minor">
-            <a:schemeClr val="tx1"/>
-          </a:fontRef>
-        </p:style>
-      </p:cxnSp>
-      <p:cxnSp>
-        <p:nvCxnSpPr>
-          <p:cNvPr id="39" name="Straight Arrow Connector 38">
-            <a:extLst>
-              <a:ext uri="{FF2B5EF4-FFF2-40B4-BE49-F238E27FC236}">
-                <a16:creationId xmlns:a16="http://schemas.microsoft.com/office/drawing/2014/main" id="{80AB9009-8F5C-4209-A9D3-5B868C90AAA8}"/>
-              </a:ext>
-            </a:extLst>
-          </p:cNvPr>
-          <p:cNvCxnSpPr>
-            <a:cxnSpLocks/>
-          </p:cNvCxnSpPr>
-          <p:nvPr/>
-        </p:nvCxnSpPr>
-        <p:spPr>
-          <a:xfrm flipV="1">
-            <a:off x="7964558" y="2669881"/>
-            <a:ext cx="11720" cy="310457"/>
-          </a:xfrm>
-          <a:prstGeom prst="straightConnector1">
-            <a:avLst/>
-          </a:prstGeom>
-          <a:ln w="6350">
-            <a:prstDash val="sysDash"/>
-            <a:tailEnd type="triangle"/>
-          </a:ln>
-        </p:spPr>
-        <p:style>
-          <a:lnRef idx="1">
-            <a:schemeClr val="accent1"/>
-          </a:lnRef>
-          <a:fillRef idx="0">
-            <a:schemeClr val="accent1"/>
-          </a:fillRef>
-          <a:effectRef idx="0">
-            <a:schemeClr val="accent1"/>
-          </a:effectRef>
-          <a:fontRef idx="minor">
-            <a:schemeClr val="tx1"/>
-          </a:fontRef>
-        </p:style>
-      </p:cxnSp>
-      <p:sp>
-        <p:nvSpPr>
-          <p:cNvPr id="40" name="Rectangle 39">
-            <a:extLst>
-              <a:ext uri="{FF2B5EF4-FFF2-40B4-BE49-F238E27FC236}">
-                <a16:creationId xmlns:a16="http://schemas.microsoft.com/office/drawing/2014/main" id="{EADD8FC8-3A6A-4084-B189-B8D62C8CD5E1}"/>
-              </a:ext>
-            </a:extLst>
-          </p:cNvPr>
-          <p:cNvSpPr/>
-          <p:nvPr/>
-        </p:nvSpPr>
-        <p:spPr>
-          <a:xfrm>
-            <a:off x="5110034" y="4646667"/>
-            <a:ext cx="1617786" cy="503583"/>
-          </a:xfrm>
-          <a:prstGeom prst="rect">
-            <a:avLst/>
-          </a:prstGeom>
-          <a:solidFill>
-            <a:schemeClr val="bg1"/>
-          </a:solidFill>
-          <a:ln w="28575"/>
-        </p:spPr>
-        <p:style>
-          <a:lnRef idx="2">
-            <a:schemeClr val="accent1">
-              <a:shade val="50000"/>
-            </a:schemeClr>
-          </a:lnRef>
-          <a:fillRef idx="1">
-            <a:schemeClr val="accent1"/>
-          </a:fillRef>
-          <a:effectRef idx="0">
-            <a:schemeClr val="accent1"/>
-          </a:effectRef>
-          <a:fontRef idx="minor">
-            <a:schemeClr val="lt1"/>
-          </a:fontRef>
-        </p:style>
-        <p:txBody>
-          <a:bodyPr rtlCol="0" anchor="ctr"/>
-          <a:lstStyle/>
-          <a:p>
-            <a:pPr algn="ctr"/>
-            <a:r>
-              <a:rPr lang="tr-TR" b="1" dirty="0">
-                <a:solidFill>
-                  <a:srgbClr val="FF0000"/>
-                </a:solidFill>
+              <a:t>algebra war</a:t>
+            </a:r>
+            <a:r>
+              <a:rPr lang="en-GB" sz="1800" dirty="0">
+                <a:effectLst/>
+                <a:latin typeface="Calibri" panose="020F0502020204030204" pitchFamily="34" charset="0"/>
+                <a:ea typeface="Calibri" panose="020F0502020204030204" pitchFamily="34" charset="0"/>
+                <a:cs typeface="Times New Roman" panose="02020603050405020304" pitchFamily="18" charset="0"/>
               </a:rPr>
-              <a:t>Modifications</a:t>
-            </a:r>
+              <a:t>”, which never happens.</a:t>
+            </a:r>
+            <a:endParaRPr lang="tr-TR" sz="1800" dirty="0">
+              <a:effectLst/>
+              <a:latin typeface="Calibri" panose="020F0502020204030204" pitchFamily="34" charset="0"/>
+              <a:ea typeface="Calibri" panose="020F0502020204030204" pitchFamily="34" charset="0"/>
+              <a:cs typeface="Times New Roman" panose="02020603050405020304" pitchFamily="18" charset="0"/>
+            </a:endParaRPr>
+          </a:p>
+          <a:p>
+            <a:r>
+              <a:rPr lang="en-GB" sz="1800" dirty="0">
+                <a:effectLst/>
+                <a:latin typeface="Calibri" panose="020F0502020204030204" pitchFamily="34" charset="0"/>
+                <a:ea typeface="Calibri" panose="020F0502020204030204" pitchFamily="34" charset="0"/>
+                <a:cs typeface="Times New Roman" panose="02020603050405020304" pitchFamily="18" charset="0"/>
+              </a:rPr>
+              <a:t>War is an act of force, and there is no logical limit to the application of that force. Each side, therefore, compels its opponent to follow suit; a reciprocal action is started which must lead, in theory, to extremes. This is the first case of interaction and the </a:t>
+            </a:r>
+            <a:r>
+              <a:rPr lang="en-GB" sz="1800" b="1" dirty="0">
+                <a:effectLst/>
+                <a:latin typeface="Calibri" panose="020F0502020204030204" pitchFamily="34" charset="0"/>
+                <a:ea typeface="Calibri" panose="020F0502020204030204" pitchFamily="34" charset="0"/>
+                <a:cs typeface="Times New Roman" panose="02020603050405020304" pitchFamily="18" charset="0"/>
+              </a:rPr>
+              <a:t>first "</a:t>
+            </a:r>
+            <a:r>
+              <a:rPr lang="en-GB" sz="1800" b="1" u="sng" dirty="0">
+                <a:effectLst/>
+                <a:latin typeface="Calibri" panose="020F0502020204030204" pitchFamily="34" charset="0"/>
+                <a:ea typeface="Calibri" panose="020F0502020204030204" pitchFamily="34" charset="0"/>
+                <a:cs typeface="Times New Roman" panose="02020603050405020304" pitchFamily="18" charset="0"/>
+              </a:rPr>
+              <a:t>extreme</a:t>
+            </a:r>
+            <a:r>
+              <a:rPr lang="en-GB" sz="1800" b="1" dirty="0">
+                <a:effectLst/>
+                <a:latin typeface="Calibri" panose="020F0502020204030204" pitchFamily="34" charset="0"/>
+                <a:ea typeface="Calibri" panose="020F0502020204030204" pitchFamily="34" charset="0"/>
+                <a:cs typeface="Times New Roman" panose="02020603050405020304" pitchFamily="18" charset="0"/>
+              </a:rPr>
+              <a:t>"</a:t>
+            </a:r>
+            <a:r>
+              <a:rPr lang="en-GB" sz="1800" dirty="0">
+                <a:effectLst/>
+                <a:latin typeface="Calibri" panose="020F0502020204030204" pitchFamily="34" charset="0"/>
+                <a:ea typeface="Calibri" panose="020F0502020204030204" pitchFamily="34" charset="0"/>
+                <a:cs typeface="Times New Roman" panose="02020603050405020304" pitchFamily="18" charset="0"/>
+              </a:rPr>
+              <a:t> we meet with.</a:t>
+            </a:r>
+            <a:endParaRPr lang="tr-TR" sz="1800">
+              <a:effectLst/>
+              <a:latin typeface="Calibri" panose="020F0502020204030204" pitchFamily="34" charset="0"/>
+              <a:ea typeface="Calibri" panose="020F0502020204030204" pitchFamily="34" charset="0"/>
+              <a:cs typeface="Times New Roman" panose="02020603050405020304" pitchFamily="18" charset="0"/>
+            </a:endParaRPr>
+          </a:p>
+          <a:p>
+            <a:endParaRPr lang="tr-TR" sz="1800" u="sng">
+              <a:latin typeface="Calibri" panose="020F0502020204030204" pitchFamily="34" charset="0"/>
+              <a:cs typeface="Times New Roman" panose="02020603050405020304" pitchFamily="18" charset="0"/>
+            </a:endParaRPr>
           </a:p>
         </p:txBody>
       </p:sp>
     </p:spTree>
     <p:extLst>
       <p:ext uri="{BB962C8B-B14F-4D97-AF65-F5344CB8AC3E}">
-        <p14:creationId xmlns:p14="http://schemas.microsoft.com/office/powerpoint/2010/main" val="3025094090"/>
+        <p14:creationId xmlns:p14="http://schemas.microsoft.com/office/powerpoint/2010/main" val="3415617531"/>
       </p:ext>
     </p:extLst>
   </p:cSld>
@@ -5062,45 +4231,10 @@
       </p:grpSpPr>
       <p:sp>
         <p:nvSpPr>
-          <p:cNvPr id="2" name="Title 1">
-            <a:extLst>
-              <a:ext uri="{FF2B5EF4-FFF2-40B4-BE49-F238E27FC236}">
-                <a16:creationId xmlns:a16="http://schemas.microsoft.com/office/drawing/2014/main" id="{ABCD39DF-FDC2-4973-8086-8B25538797A9}"/>
-              </a:ext>
-            </a:extLst>
-          </p:cNvPr>
-          <p:cNvSpPr>
-            <a:spLocks noGrp="1"/>
-          </p:cNvSpPr>
-          <p:nvPr>
-            <p:ph type="title"/>
-          </p:nvPr>
-        </p:nvSpPr>
-        <p:spPr>
-          <a:xfrm>
-            <a:off x="838200" y="365125"/>
-            <a:ext cx="10515600" cy="840823"/>
-          </a:xfrm>
-        </p:spPr>
-        <p:txBody>
-          <a:bodyPr>
-            <a:normAutofit/>
-          </a:bodyPr>
-          <a:lstStyle/>
-          <a:p>
-            <a:r>
-              <a:rPr lang="tr-TR" sz="3200" b="1" dirty="0"/>
-              <a:t>Definition</a:t>
-            </a:r>
-          </a:p>
-        </p:txBody>
-      </p:sp>
-      <p:sp>
-        <p:nvSpPr>
           <p:cNvPr id="4" name="Rectangle 3">
             <a:extLst>
               <a:ext uri="{FF2B5EF4-FFF2-40B4-BE49-F238E27FC236}">
-                <a16:creationId xmlns:a16="http://schemas.microsoft.com/office/drawing/2014/main" id="{5AC11450-A6A7-436F-885E-E1E2BB7FEAEA}"/>
+                <a16:creationId xmlns:a16="http://schemas.microsoft.com/office/drawing/2014/main" id="{AA2D1CF6-8F57-4E67-AE75-5952EB65BFD4}"/>
               </a:ext>
             </a:extLst>
           </p:cNvPr>
@@ -5109,8 +4243,236 @@
         </p:nvSpPr>
         <p:spPr>
           <a:xfrm>
-            <a:off x="2107095" y="1079139"/>
-            <a:ext cx="7977809" cy="503583"/>
+            <a:off x="3212735" y="2749993"/>
+            <a:ext cx="1194938" cy="367136"/>
+          </a:xfrm>
+          <a:prstGeom prst="rect">
+            <a:avLst/>
+          </a:prstGeom>
+          <a:solidFill>
+            <a:schemeClr val="bg1"/>
+          </a:solidFill>
+          <a:ln w="12700"/>
+        </p:spPr>
+        <p:style>
+          <a:lnRef idx="2">
+            <a:schemeClr val="accent1">
+              <a:shade val="50000"/>
+            </a:schemeClr>
+          </a:lnRef>
+          <a:fillRef idx="1">
+            <a:schemeClr val="accent1"/>
+          </a:fillRef>
+          <a:effectRef idx="0">
+            <a:schemeClr val="accent1"/>
+          </a:effectRef>
+          <a:fontRef idx="minor">
+            <a:schemeClr val="lt1"/>
+          </a:fontRef>
+        </p:style>
+        <p:txBody>
+          <a:bodyPr rtlCol="0" anchor="ctr"/>
+          <a:lstStyle/>
+          <a:p>
+            <a:pPr algn="ctr"/>
+            <a:r>
+              <a:rPr lang="tr-TR" sz="1200" b="1" dirty="0">
+                <a:solidFill>
+                  <a:schemeClr val="tx1"/>
+                </a:solidFill>
+              </a:rPr>
+              <a:t>Maximum Use of Force</a:t>
+            </a:r>
+          </a:p>
+        </p:txBody>
+      </p:sp>
+      <p:sp>
+        <p:nvSpPr>
+          <p:cNvPr id="5" name="Rectangle 4">
+            <a:extLst>
+              <a:ext uri="{FF2B5EF4-FFF2-40B4-BE49-F238E27FC236}">
+                <a16:creationId xmlns:a16="http://schemas.microsoft.com/office/drawing/2014/main" id="{2BFB637E-1667-46AE-8289-6D444F01169D}"/>
+              </a:ext>
+            </a:extLst>
+          </p:cNvPr>
+          <p:cNvSpPr/>
+          <p:nvPr/>
+        </p:nvSpPr>
+        <p:spPr>
+          <a:xfrm>
+            <a:off x="4538971" y="2749993"/>
+            <a:ext cx="1194938" cy="367136"/>
+          </a:xfrm>
+          <a:prstGeom prst="rect">
+            <a:avLst/>
+          </a:prstGeom>
+          <a:solidFill>
+            <a:schemeClr val="bg1"/>
+          </a:solidFill>
+          <a:ln w="12700"/>
+        </p:spPr>
+        <p:style>
+          <a:lnRef idx="2">
+            <a:schemeClr val="accent1">
+              <a:shade val="50000"/>
+            </a:schemeClr>
+          </a:lnRef>
+          <a:fillRef idx="1">
+            <a:schemeClr val="accent1"/>
+          </a:fillRef>
+          <a:effectRef idx="0">
+            <a:schemeClr val="accent1"/>
+          </a:effectRef>
+          <a:fontRef idx="minor">
+            <a:schemeClr val="lt1"/>
+          </a:fontRef>
+        </p:style>
+        <p:txBody>
+          <a:bodyPr rtlCol="0" anchor="ctr"/>
+          <a:lstStyle/>
+          <a:p>
+            <a:pPr algn="ctr"/>
+            <a:r>
+              <a:rPr lang="tr-TR" sz="1200" b="1" dirty="0">
+                <a:solidFill>
+                  <a:schemeClr val="tx1"/>
+                </a:solidFill>
+              </a:rPr>
+              <a:t>Aim (Disarm)</a:t>
+            </a:r>
+          </a:p>
+        </p:txBody>
+      </p:sp>
+      <p:sp>
+        <p:nvSpPr>
+          <p:cNvPr id="6" name="Rectangle 5">
+            <a:extLst>
+              <a:ext uri="{FF2B5EF4-FFF2-40B4-BE49-F238E27FC236}">
+                <a16:creationId xmlns:a16="http://schemas.microsoft.com/office/drawing/2014/main" id="{59321AD7-05DC-4EDD-B3AD-2ED6F8952805}"/>
+              </a:ext>
+            </a:extLst>
+          </p:cNvPr>
+          <p:cNvSpPr/>
+          <p:nvPr/>
+        </p:nvSpPr>
+        <p:spPr>
+          <a:xfrm>
+            <a:off x="5865207" y="2749993"/>
+            <a:ext cx="1194938" cy="367136"/>
+          </a:xfrm>
+          <a:prstGeom prst="rect">
+            <a:avLst/>
+          </a:prstGeom>
+          <a:solidFill>
+            <a:schemeClr val="bg1"/>
+          </a:solidFill>
+          <a:ln w="12700"/>
+        </p:spPr>
+        <p:style>
+          <a:lnRef idx="2">
+            <a:schemeClr val="accent1">
+              <a:shade val="50000"/>
+            </a:schemeClr>
+          </a:lnRef>
+          <a:fillRef idx="1">
+            <a:schemeClr val="accent1"/>
+          </a:fillRef>
+          <a:effectRef idx="0">
+            <a:schemeClr val="accent1"/>
+          </a:effectRef>
+          <a:fontRef idx="minor">
+            <a:schemeClr val="lt1"/>
+          </a:fontRef>
+        </p:style>
+        <p:txBody>
+          <a:bodyPr rtlCol="0" anchor="ctr"/>
+          <a:lstStyle/>
+          <a:p>
+            <a:pPr algn="ctr"/>
+            <a:r>
+              <a:rPr lang="tr-TR" sz="1200" b="1" dirty="0">
+                <a:solidFill>
+                  <a:schemeClr val="tx1"/>
+                </a:solidFill>
+              </a:rPr>
+              <a:t>Overcome</a:t>
+            </a:r>
+          </a:p>
+        </p:txBody>
+      </p:sp>
+      <p:sp>
+        <p:nvSpPr>
+          <p:cNvPr id="7" name="Rectangle 6">
+            <a:extLst>
+              <a:ext uri="{FF2B5EF4-FFF2-40B4-BE49-F238E27FC236}">
+                <a16:creationId xmlns:a16="http://schemas.microsoft.com/office/drawing/2014/main" id="{6C56010F-112B-4218-99C7-DB24C1C6C78A}"/>
+              </a:ext>
+            </a:extLst>
+          </p:cNvPr>
+          <p:cNvSpPr/>
+          <p:nvPr/>
+        </p:nvSpPr>
+        <p:spPr>
+          <a:xfrm>
+            <a:off x="7191443" y="2749993"/>
+            <a:ext cx="1194938" cy="367136"/>
+          </a:xfrm>
+          <a:prstGeom prst="rect">
+            <a:avLst/>
+          </a:prstGeom>
+          <a:solidFill>
+            <a:schemeClr val="bg1"/>
+          </a:solidFill>
+          <a:ln w="12700"/>
+        </p:spPr>
+        <p:style>
+          <a:lnRef idx="2">
+            <a:schemeClr val="accent1">
+              <a:shade val="50000"/>
+            </a:schemeClr>
+          </a:lnRef>
+          <a:fillRef idx="1">
+            <a:schemeClr val="accent1"/>
+          </a:fillRef>
+          <a:effectRef idx="0">
+            <a:schemeClr val="accent1"/>
+          </a:effectRef>
+          <a:fontRef idx="minor">
+            <a:schemeClr val="lt1"/>
+          </a:fontRef>
+        </p:style>
+        <p:txBody>
+          <a:bodyPr rtlCol="0" anchor="ctr"/>
+          <a:lstStyle/>
+          <a:p>
+            <a:pPr algn="ctr"/>
+            <a:r>
+              <a:rPr lang="tr-TR" sz="1200" b="1" dirty="0">
+                <a:solidFill>
+                  <a:schemeClr val="tx1"/>
+                </a:solidFill>
+              </a:rPr>
+              <a:t>Hostilities</a:t>
+            </a:r>
+          </a:p>
+        </p:txBody>
+      </p:sp>
+      <p:sp>
+        <p:nvSpPr>
+          <p:cNvPr id="8" name="Rectangle 7">
+            <a:extLst>
+              <a:ext uri="{FF2B5EF4-FFF2-40B4-BE49-F238E27FC236}">
+                <a16:creationId xmlns:a16="http://schemas.microsoft.com/office/drawing/2014/main" id="{76733B80-70D1-4C7D-94CE-B3277EFBCBBC}"/>
+              </a:ext>
+            </a:extLst>
+          </p:cNvPr>
+          <p:cNvSpPr/>
+          <p:nvPr/>
+        </p:nvSpPr>
+        <p:spPr>
+          <a:xfrm>
+            <a:off x="5242355" y="1551386"/>
+            <a:ext cx="1245704" cy="503583"/>
           </a:xfrm>
           <a:prstGeom prst="rect">
             <a:avLst/>
@@ -5144,49 +4506,20 @@
             <a:r>
               <a:rPr lang="tr-TR" b="1" dirty="0">
                 <a:solidFill>
-                  <a:srgbClr val="FF0000"/>
-                </a:solidFill>
-              </a:rPr>
-              <a:t>1st Definition of War: </a:t>
-            </a:r>
-            <a:r>
-              <a:rPr lang="en-US" b="1" dirty="0">
-                <a:solidFill>
                   <a:schemeClr val="tx1"/>
                 </a:solidFill>
               </a:rPr>
-              <a:t>War is an act of force to compel </a:t>
-            </a:r>
-            <a:r>
-              <a:rPr lang="tr-TR" b="1" dirty="0">
-                <a:solidFill>
-                  <a:schemeClr val="tx1"/>
-                </a:solidFill>
-              </a:rPr>
-              <a:t>enemy </a:t>
-            </a:r>
-            <a:r>
-              <a:rPr lang="en-US" b="1" dirty="0">
-                <a:solidFill>
-                  <a:schemeClr val="tx1"/>
-                </a:solidFill>
-              </a:rPr>
-              <a:t>to do our will</a:t>
-            </a:r>
-            <a:endParaRPr lang="tr-TR" b="1" dirty="0">
-              <a:solidFill>
-                <a:schemeClr val="tx1"/>
-              </a:solidFill>
-            </a:endParaRPr>
-          </a:p>
-        </p:txBody>
-      </p:sp>
-      <p:sp>
-        <p:nvSpPr>
-          <p:cNvPr id="5" name="Oval 4">
-            <a:extLst>
-              <a:ext uri="{FF2B5EF4-FFF2-40B4-BE49-F238E27FC236}">
-                <a16:creationId xmlns:a16="http://schemas.microsoft.com/office/drawing/2014/main" id="{42B4ED18-AC16-4183-A2AA-B705469B580E}"/>
+              <a:t>Laws of Extremes</a:t>
+            </a:r>
+          </a:p>
+        </p:txBody>
+      </p:sp>
+      <p:sp>
+        <p:nvSpPr>
+          <p:cNvPr id="18" name="Rectangle 17">
+            <a:extLst>
+              <a:ext uri="{FF2B5EF4-FFF2-40B4-BE49-F238E27FC236}">
+                <a16:creationId xmlns:a16="http://schemas.microsoft.com/office/drawing/2014/main" id="{531F8D98-86D3-4642-A0B3-09C0EBF0E152}"/>
               </a:ext>
             </a:extLst>
           </p:cNvPr>
@@ -5195,16 +4528,16 @@
         </p:nvSpPr>
         <p:spPr>
           <a:xfrm>
-            <a:off x="2451650" y="2964483"/>
-            <a:ext cx="2173359" cy="1108491"/>
-          </a:xfrm>
-          <a:prstGeom prst="ellipse">
+            <a:off x="3212735" y="3503267"/>
+            <a:ext cx="1194938" cy="367136"/>
+          </a:xfrm>
+          <a:prstGeom prst="rect">
             <a:avLst/>
           </a:prstGeom>
           <a:solidFill>
             <a:schemeClr val="bg1"/>
           </a:solidFill>
-          <a:ln w="28575"/>
+          <a:ln w="12700"/>
         </p:spPr>
         <p:style>
           <a:lnRef idx="2">
@@ -5228,22 +4561,22 @@
           <a:p>
             <a:pPr algn="ctr"/>
             <a:r>
-              <a:rPr lang="tr-TR" sz="2200" b="1" dirty="0">
+              <a:rPr lang="tr-TR" sz="1200" b="1" dirty="0">
                 <a:solidFill>
                   <a:schemeClr val="tx1"/>
                 </a:solidFill>
               </a:rPr>
-              <a:t>Force</a:t>
-            </a:r>
-          </a:p>
-        </p:txBody>
-      </p:sp>
-      <p:sp>
-        <p:nvSpPr>
-          <p:cNvPr id="7" name="Oval 6">
-            <a:extLst>
-              <a:ext uri="{FF2B5EF4-FFF2-40B4-BE49-F238E27FC236}">
-                <a16:creationId xmlns:a16="http://schemas.microsoft.com/office/drawing/2014/main" id="{EA1E00F6-B7FE-4290-B043-FDEC28586C4C}"/>
+              <a:t>Not a single action</a:t>
+            </a:r>
+          </a:p>
+        </p:txBody>
+      </p:sp>
+      <p:sp>
+        <p:nvSpPr>
+          <p:cNvPr id="19" name="Rectangle 18">
+            <a:extLst>
+              <a:ext uri="{FF2B5EF4-FFF2-40B4-BE49-F238E27FC236}">
+                <a16:creationId xmlns:a16="http://schemas.microsoft.com/office/drawing/2014/main" id="{CF0A43B7-2C6F-45A5-B3CF-227E933BCF7C}"/>
               </a:ext>
             </a:extLst>
           </p:cNvPr>
@@ -5252,16 +4585,16 @@
         </p:nvSpPr>
         <p:spPr>
           <a:xfrm>
-            <a:off x="7580245" y="2964483"/>
-            <a:ext cx="2361436" cy="1108491"/>
-          </a:xfrm>
-          <a:prstGeom prst="ellipse">
+            <a:off x="4538971" y="3503267"/>
+            <a:ext cx="1194938" cy="367136"/>
+          </a:xfrm>
+          <a:prstGeom prst="rect">
             <a:avLst/>
           </a:prstGeom>
           <a:solidFill>
             <a:schemeClr val="bg1"/>
           </a:solidFill>
-          <a:ln w="28575"/>
+          <a:ln w="12700"/>
         </p:spPr>
         <p:style>
           <a:lnRef idx="2">
@@ -5285,42 +4618,265 @@
           <a:p>
             <a:pPr algn="ctr"/>
             <a:r>
-              <a:rPr lang="tr-TR" sz="2400" b="1" dirty="0">
+              <a:rPr lang="tr-TR" sz="1200" b="1" dirty="0">
                 <a:solidFill>
                   <a:schemeClr val="tx1"/>
                 </a:solidFill>
               </a:rPr>
-              <a:t>Impose the will</a:t>
-            </a:r>
-            <a:endParaRPr lang="tr-TR" sz="2200" b="1" dirty="0">
-              <a:solidFill>
-                <a:schemeClr val="tx1"/>
-              </a:solidFill>
-            </a:endParaRPr>
+              <a:t>Result is never final</a:t>
+            </a:r>
+          </a:p>
+        </p:txBody>
+      </p:sp>
+      <p:sp>
+        <p:nvSpPr>
+          <p:cNvPr id="20" name="Rectangle 19">
+            <a:extLst>
+              <a:ext uri="{FF2B5EF4-FFF2-40B4-BE49-F238E27FC236}">
+                <a16:creationId xmlns:a16="http://schemas.microsoft.com/office/drawing/2014/main" id="{27E64D89-0E48-4419-9C0E-0E5DDDAA62A7}"/>
+              </a:ext>
+            </a:extLst>
+          </p:cNvPr>
+          <p:cNvSpPr/>
+          <p:nvPr/>
+        </p:nvSpPr>
+        <p:spPr>
+          <a:xfrm>
+            <a:off x="5865207" y="3503267"/>
+            <a:ext cx="1194938" cy="367136"/>
+          </a:xfrm>
+          <a:prstGeom prst="rect">
+            <a:avLst/>
+          </a:prstGeom>
+          <a:solidFill>
+            <a:schemeClr val="bg1"/>
+          </a:solidFill>
+          <a:ln w="12700"/>
+        </p:spPr>
+        <p:style>
+          <a:lnRef idx="2">
+            <a:schemeClr val="accent1">
+              <a:shade val="50000"/>
+            </a:schemeClr>
+          </a:lnRef>
+          <a:fillRef idx="1">
+            <a:schemeClr val="accent1"/>
+          </a:fillRef>
+          <a:effectRef idx="0">
+            <a:schemeClr val="accent1"/>
+          </a:effectRef>
+          <a:fontRef idx="minor">
+            <a:schemeClr val="lt1"/>
+          </a:fontRef>
+        </p:style>
+        <p:txBody>
+          <a:bodyPr rtlCol="0" anchor="ctr"/>
+          <a:lstStyle/>
+          <a:p>
+            <a:pPr algn="ctr"/>
+            <a:r>
+              <a:rPr lang="tr-TR" sz="1200" b="1" dirty="0">
+                <a:solidFill>
+                  <a:schemeClr val="tx1"/>
+                </a:solidFill>
+              </a:rPr>
+              <a:t>PoR depends on external</a:t>
+            </a:r>
+          </a:p>
+        </p:txBody>
+      </p:sp>
+      <p:sp>
+        <p:nvSpPr>
+          <p:cNvPr id="21" name="Rectangle 20">
+            <a:extLst>
+              <a:ext uri="{FF2B5EF4-FFF2-40B4-BE49-F238E27FC236}">
+                <a16:creationId xmlns:a16="http://schemas.microsoft.com/office/drawing/2014/main" id="{A3E653FB-CB4F-47C6-B777-93030FFAC395}"/>
+              </a:ext>
+            </a:extLst>
+          </p:cNvPr>
+          <p:cNvSpPr/>
+          <p:nvPr/>
+        </p:nvSpPr>
+        <p:spPr>
+          <a:xfrm>
+            <a:off x="7191443" y="3503267"/>
+            <a:ext cx="1194938" cy="367136"/>
+          </a:xfrm>
+          <a:prstGeom prst="rect">
+            <a:avLst/>
+          </a:prstGeom>
+          <a:solidFill>
+            <a:schemeClr val="bg1"/>
+          </a:solidFill>
+          <a:ln w="12700"/>
+        </p:spPr>
+        <p:style>
+          <a:lnRef idx="2">
+            <a:schemeClr val="accent1">
+              <a:shade val="50000"/>
+            </a:schemeClr>
+          </a:lnRef>
+          <a:fillRef idx="1">
+            <a:schemeClr val="accent1"/>
+          </a:fillRef>
+          <a:effectRef idx="0">
+            <a:schemeClr val="accent1"/>
+          </a:effectRef>
+          <a:fontRef idx="minor">
+            <a:schemeClr val="lt1"/>
+          </a:fontRef>
+        </p:style>
+        <p:txBody>
+          <a:bodyPr rtlCol="0" anchor="ctr"/>
+          <a:lstStyle/>
+          <a:p>
+            <a:pPr algn="ctr"/>
+            <a:r>
+              <a:rPr lang="tr-TR" sz="1200" b="1" dirty="0">
+                <a:solidFill>
+                  <a:schemeClr val="tx1"/>
+                </a:solidFill>
+              </a:rPr>
+              <a:t>Inaction</a:t>
+            </a:r>
+          </a:p>
+        </p:txBody>
+      </p:sp>
+      <p:sp>
+        <p:nvSpPr>
+          <p:cNvPr id="22" name="Rectangle 21">
+            <a:extLst>
+              <a:ext uri="{FF2B5EF4-FFF2-40B4-BE49-F238E27FC236}">
+                <a16:creationId xmlns:a16="http://schemas.microsoft.com/office/drawing/2014/main" id="{13F14650-BFD3-4BDE-BF75-4CC72F6D02E1}"/>
+              </a:ext>
+            </a:extLst>
+          </p:cNvPr>
+          <p:cNvSpPr/>
+          <p:nvPr/>
+        </p:nvSpPr>
+        <p:spPr>
+          <a:xfrm>
+            <a:off x="5203309" y="4304917"/>
+            <a:ext cx="1245704" cy="503583"/>
+          </a:xfrm>
+          <a:prstGeom prst="rect">
+            <a:avLst/>
+          </a:prstGeom>
+          <a:solidFill>
+            <a:schemeClr val="bg1"/>
+          </a:solidFill>
+          <a:ln w="28575"/>
+        </p:spPr>
+        <p:style>
+          <a:lnRef idx="2">
+            <a:schemeClr val="accent1">
+              <a:shade val="50000"/>
+            </a:schemeClr>
+          </a:lnRef>
+          <a:fillRef idx="1">
+            <a:schemeClr val="accent1"/>
+          </a:fillRef>
+          <a:effectRef idx="0">
+            <a:schemeClr val="accent1"/>
+          </a:effectRef>
+          <a:fontRef idx="minor">
+            <a:schemeClr val="lt1"/>
+          </a:fontRef>
+        </p:style>
+        <p:txBody>
+          <a:bodyPr rtlCol="0" anchor="ctr"/>
+          <a:lstStyle/>
+          <a:p>
+            <a:pPr algn="ctr"/>
+            <a:r>
+              <a:rPr lang="tr-TR" b="1" dirty="0">
+                <a:solidFill>
+                  <a:schemeClr val="tx1"/>
+                </a:solidFill>
+              </a:rPr>
+              <a:t>assessing probs</a:t>
+            </a:r>
+          </a:p>
+        </p:txBody>
+      </p:sp>
+      <p:sp>
+        <p:nvSpPr>
+          <p:cNvPr id="40" name="Rectangle 39">
+            <a:extLst>
+              <a:ext uri="{FF2B5EF4-FFF2-40B4-BE49-F238E27FC236}">
+                <a16:creationId xmlns:a16="http://schemas.microsoft.com/office/drawing/2014/main" id="{EADD8FC8-3A6A-4084-B189-B8D62C8CD5E1}"/>
+              </a:ext>
+            </a:extLst>
+          </p:cNvPr>
+          <p:cNvSpPr/>
+          <p:nvPr/>
+        </p:nvSpPr>
+        <p:spPr>
+          <a:xfrm>
+            <a:off x="9044502" y="2999684"/>
+            <a:ext cx="1617786" cy="503583"/>
+          </a:xfrm>
+          <a:prstGeom prst="rect">
+            <a:avLst/>
+          </a:prstGeom>
+          <a:solidFill>
+            <a:schemeClr val="bg1"/>
+          </a:solidFill>
+          <a:ln w="28575"/>
+        </p:spPr>
+        <p:style>
+          <a:lnRef idx="2">
+            <a:schemeClr val="accent1">
+              <a:shade val="50000"/>
+            </a:schemeClr>
+          </a:lnRef>
+          <a:fillRef idx="1">
+            <a:schemeClr val="accent1"/>
+          </a:fillRef>
+          <a:effectRef idx="0">
+            <a:schemeClr val="accent1"/>
+          </a:effectRef>
+          <a:fontRef idx="minor">
+            <a:schemeClr val="lt1"/>
+          </a:fontRef>
+        </p:style>
+        <p:txBody>
+          <a:bodyPr rtlCol="0" anchor="ctr"/>
+          <a:lstStyle/>
+          <a:p>
+            <a:pPr algn="ctr"/>
+            <a:r>
+              <a:rPr lang="tr-TR" b="1" dirty="0">
+                <a:solidFill>
+                  <a:srgbClr val="FF0000"/>
+                </a:solidFill>
+              </a:rPr>
+              <a:t>Modifications</a:t>
+            </a:r>
           </a:p>
         </p:txBody>
       </p:sp>
       <p:cxnSp>
         <p:nvCxnSpPr>
-          <p:cNvPr id="9" name="Connector: Curved 8">
-            <a:extLst>
-              <a:ext uri="{FF2B5EF4-FFF2-40B4-BE49-F238E27FC236}">
-                <a16:creationId xmlns:a16="http://schemas.microsoft.com/office/drawing/2014/main" id="{26264ECF-510B-4CE3-A86F-1FD69B7C217C}"/>
+          <p:cNvPr id="35" name="Connector: Curved 34">
+            <a:extLst>
+              <a:ext uri="{FF2B5EF4-FFF2-40B4-BE49-F238E27FC236}">
+                <a16:creationId xmlns:a16="http://schemas.microsoft.com/office/drawing/2014/main" id="{6D49F7F7-3272-4C69-8E47-E24D590A41F3}"/>
               </a:ext>
             </a:extLst>
           </p:cNvPr>
           <p:cNvCxnSpPr>
-            <a:stCxn id="4" idx="2"/>
-            <a:endCxn id="5" idx="0"/>
+            <a:stCxn id="8" idx="1"/>
+            <a:endCxn id="4" idx="0"/>
           </p:cNvCxnSpPr>
           <p:nvPr/>
         </p:nvCxnSpPr>
         <p:spPr>
-          <a:xfrm rot="5400000">
-            <a:off x="4126285" y="994767"/>
-            <a:ext cx="1381761" cy="2557670"/>
-          </a:xfrm>
-          <a:prstGeom prst="curvedConnector3">
+          <a:xfrm rot="10800000" flipV="1">
+            <a:off x="3810205" y="1803177"/>
+            <a:ext cx="1432151" cy="946815"/>
+          </a:xfrm>
+          <a:prstGeom prst="curvedConnector2">
             <a:avLst/>
           </a:prstGeom>
           <a:ln>
@@ -5344,23 +4900,23 @@
       </p:cxnSp>
       <p:cxnSp>
         <p:nvCxnSpPr>
-          <p:cNvPr id="11" name="Connector: Curved 10">
-            <a:extLst>
-              <a:ext uri="{FF2B5EF4-FFF2-40B4-BE49-F238E27FC236}">
-                <a16:creationId xmlns:a16="http://schemas.microsoft.com/office/drawing/2014/main" id="{2CF34879-B4AF-40BC-A88C-820396823C5A}"/>
+          <p:cNvPr id="41" name="Connector: Curved 40">
+            <a:extLst>
+              <a:ext uri="{FF2B5EF4-FFF2-40B4-BE49-F238E27FC236}">
+                <a16:creationId xmlns:a16="http://schemas.microsoft.com/office/drawing/2014/main" id="{80FE0119-A585-427E-9407-38E976CA9C83}"/>
               </a:ext>
             </a:extLst>
           </p:cNvPr>
           <p:cNvCxnSpPr>
-            <a:stCxn id="4" idx="2"/>
-            <a:endCxn id="7" idx="0"/>
+            <a:stCxn id="8" idx="2"/>
+            <a:endCxn id="5" idx="0"/>
           </p:cNvCxnSpPr>
           <p:nvPr/>
         </p:nvCxnSpPr>
         <p:spPr>
-          <a:xfrm rot="16200000" flipH="1">
-            <a:off x="6737601" y="941120"/>
-            <a:ext cx="1381761" cy="2664963"/>
+          <a:xfrm rot="5400000">
+            <a:off x="5153312" y="2038098"/>
+            <a:ext cx="695024" cy="728767"/>
           </a:xfrm>
           <a:prstGeom prst="curvedConnector3">
             <a:avLst/>
@@ -5384,96 +4940,445 @@
           </a:fontRef>
         </p:style>
       </p:cxnSp>
-      <p:sp>
-        <p:nvSpPr>
-          <p:cNvPr id="12" name="TextBox 11">
-            <a:extLst>
-              <a:ext uri="{FF2B5EF4-FFF2-40B4-BE49-F238E27FC236}">
-                <a16:creationId xmlns:a16="http://schemas.microsoft.com/office/drawing/2014/main" id="{BC93DCD8-31D6-4EC2-8C0E-C25051A4D495}"/>
-              </a:ext>
-            </a:extLst>
-          </p:cNvPr>
-          <p:cNvSpPr txBox="1"/>
+      <p:cxnSp>
+        <p:nvCxnSpPr>
+          <p:cNvPr id="43" name="Connector: Curved 42">
+            <a:extLst>
+              <a:ext uri="{FF2B5EF4-FFF2-40B4-BE49-F238E27FC236}">
+                <a16:creationId xmlns:a16="http://schemas.microsoft.com/office/drawing/2014/main" id="{D3D4CC1D-B9F6-49B4-8998-829B9F9FEF04}"/>
+              </a:ext>
+            </a:extLst>
+          </p:cNvPr>
+          <p:cNvCxnSpPr>
+            <a:stCxn id="8" idx="2"/>
+            <a:endCxn id="6" idx="0"/>
+          </p:cNvCxnSpPr>
           <p:nvPr/>
-        </p:nvSpPr>
+        </p:nvCxnSpPr>
+        <p:spPr>
+          <a:xfrm rot="16200000" flipH="1">
+            <a:off x="5816429" y="2103746"/>
+            <a:ext cx="695024" cy="597469"/>
+          </a:xfrm>
+          <a:prstGeom prst="curvedConnector3">
+            <a:avLst/>
+          </a:prstGeom>
+          <a:ln>
+            <a:tailEnd type="triangle"/>
+          </a:ln>
+        </p:spPr>
+        <p:style>
+          <a:lnRef idx="1">
+            <a:schemeClr val="accent1"/>
+          </a:lnRef>
+          <a:fillRef idx="0">
+            <a:schemeClr val="accent1"/>
+          </a:fillRef>
+          <a:effectRef idx="0">
+            <a:schemeClr val="accent1"/>
+          </a:effectRef>
+          <a:fontRef idx="minor">
+            <a:schemeClr val="tx1"/>
+          </a:fontRef>
+        </p:style>
+      </p:cxnSp>
+      <p:cxnSp>
+        <p:nvCxnSpPr>
+          <p:cNvPr id="45" name="Connector: Curved 44">
+            <a:extLst>
+              <a:ext uri="{FF2B5EF4-FFF2-40B4-BE49-F238E27FC236}">
+                <a16:creationId xmlns:a16="http://schemas.microsoft.com/office/drawing/2014/main" id="{4CEB317F-BE1A-4BA2-A904-ED8E5B460ED3}"/>
+              </a:ext>
+            </a:extLst>
+          </p:cNvPr>
+          <p:cNvCxnSpPr>
+            <a:stCxn id="8" idx="3"/>
+            <a:endCxn id="7" idx="0"/>
+          </p:cNvCxnSpPr>
+          <p:nvPr/>
+        </p:nvCxnSpPr>
         <p:spPr>
           <a:xfrm>
-            <a:off x="1511014" y="3298887"/>
-            <a:ext cx="739305" cy="369332"/>
+            <a:off x="6488059" y="1803178"/>
+            <a:ext cx="1300853" cy="946815"/>
+          </a:xfrm>
+          <a:prstGeom prst="curvedConnector2">
+            <a:avLst/>
+          </a:prstGeom>
+          <a:ln>
+            <a:tailEnd type="triangle"/>
+          </a:ln>
+        </p:spPr>
+        <p:style>
+          <a:lnRef idx="1">
+            <a:schemeClr val="accent1"/>
+          </a:lnRef>
+          <a:fillRef idx="0">
+            <a:schemeClr val="accent1"/>
+          </a:fillRef>
+          <a:effectRef idx="0">
+            <a:schemeClr val="accent1"/>
+          </a:effectRef>
+          <a:fontRef idx="minor">
+            <a:schemeClr val="tx1"/>
+          </a:fontRef>
+        </p:style>
+      </p:cxnSp>
+      <p:cxnSp>
+        <p:nvCxnSpPr>
+          <p:cNvPr id="47" name="Connector: Curved 46">
+            <a:extLst>
+              <a:ext uri="{FF2B5EF4-FFF2-40B4-BE49-F238E27FC236}">
+                <a16:creationId xmlns:a16="http://schemas.microsoft.com/office/drawing/2014/main" id="{DD58259F-DEC1-458E-90AB-258D7E045DF9}"/>
+              </a:ext>
+            </a:extLst>
+          </p:cNvPr>
+          <p:cNvCxnSpPr>
+            <a:stCxn id="18" idx="2"/>
+            <a:endCxn id="22" idx="1"/>
+          </p:cNvCxnSpPr>
+          <p:nvPr/>
+        </p:nvCxnSpPr>
+        <p:spPr>
+          <a:xfrm rot="16200000" flipH="1">
+            <a:off x="4163603" y="3517003"/>
+            <a:ext cx="686306" cy="1393105"/>
+          </a:xfrm>
+          <a:prstGeom prst="curvedConnector2">
+            <a:avLst/>
+          </a:prstGeom>
+          <a:ln>
+            <a:tailEnd type="triangle"/>
+          </a:ln>
+        </p:spPr>
+        <p:style>
+          <a:lnRef idx="1">
+            <a:schemeClr val="accent1"/>
+          </a:lnRef>
+          <a:fillRef idx="0">
+            <a:schemeClr val="accent1"/>
+          </a:fillRef>
+          <a:effectRef idx="0">
+            <a:schemeClr val="accent1"/>
+          </a:effectRef>
+          <a:fontRef idx="minor">
+            <a:schemeClr val="tx1"/>
+          </a:fontRef>
+        </p:style>
+      </p:cxnSp>
+      <p:cxnSp>
+        <p:nvCxnSpPr>
+          <p:cNvPr id="49" name="Connector: Curved 48">
+            <a:extLst>
+              <a:ext uri="{FF2B5EF4-FFF2-40B4-BE49-F238E27FC236}">
+                <a16:creationId xmlns:a16="http://schemas.microsoft.com/office/drawing/2014/main" id="{3D0922D9-3667-42D2-8CB1-F30FC979943E}"/>
+              </a:ext>
+            </a:extLst>
+          </p:cNvPr>
+          <p:cNvCxnSpPr>
+            <a:stCxn id="21" idx="2"/>
+            <a:endCxn id="22" idx="3"/>
+          </p:cNvCxnSpPr>
+          <p:nvPr/>
+        </p:nvCxnSpPr>
+        <p:spPr>
+          <a:xfrm rot="5400000">
+            <a:off x="6775810" y="3543607"/>
+            <a:ext cx="686306" cy="1339899"/>
+          </a:xfrm>
+          <a:prstGeom prst="curvedConnector2">
+            <a:avLst/>
+          </a:prstGeom>
+          <a:ln>
+            <a:tailEnd type="triangle"/>
+          </a:ln>
+        </p:spPr>
+        <p:style>
+          <a:lnRef idx="1">
+            <a:schemeClr val="accent1"/>
+          </a:lnRef>
+          <a:fillRef idx="0">
+            <a:schemeClr val="accent1"/>
+          </a:fillRef>
+          <a:effectRef idx="0">
+            <a:schemeClr val="accent1"/>
+          </a:effectRef>
+          <a:fontRef idx="minor">
+            <a:schemeClr val="tx1"/>
+          </a:fontRef>
+        </p:style>
+      </p:cxnSp>
+      <p:cxnSp>
+        <p:nvCxnSpPr>
+          <p:cNvPr id="51" name="Connector: Curved 50">
+            <a:extLst>
+              <a:ext uri="{FF2B5EF4-FFF2-40B4-BE49-F238E27FC236}">
+                <a16:creationId xmlns:a16="http://schemas.microsoft.com/office/drawing/2014/main" id="{B4581BB5-872B-439A-88C2-328A33C99A12}"/>
+              </a:ext>
+            </a:extLst>
+          </p:cNvPr>
+          <p:cNvCxnSpPr>
+            <a:stCxn id="19" idx="2"/>
+            <a:endCxn id="22" idx="0"/>
+          </p:cNvCxnSpPr>
+          <p:nvPr/>
+        </p:nvCxnSpPr>
+        <p:spPr>
+          <a:xfrm rot="16200000" flipH="1">
+            <a:off x="5264043" y="3742799"/>
+            <a:ext cx="434514" cy="689721"/>
+          </a:xfrm>
+          <a:prstGeom prst="curvedConnector3">
+            <a:avLst/>
+          </a:prstGeom>
+          <a:ln>
+            <a:tailEnd type="triangle"/>
+          </a:ln>
+        </p:spPr>
+        <p:style>
+          <a:lnRef idx="1">
+            <a:schemeClr val="accent1"/>
+          </a:lnRef>
+          <a:fillRef idx="0">
+            <a:schemeClr val="accent1"/>
+          </a:fillRef>
+          <a:effectRef idx="0">
+            <a:schemeClr val="accent1"/>
+          </a:effectRef>
+          <a:fontRef idx="minor">
+            <a:schemeClr val="tx1"/>
+          </a:fontRef>
+        </p:style>
+      </p:cxnSp>
+      <p:cxnSp>
+        <p:nvCxnSpPr>
+          <p:cNvPr id="53" name="Connector: Curved 52">
+            <a:extLst>
+              <a:ext uri="{FF2B5EF4-FFF2-40B4-BE49-F238E27FC236}">
+                <a16:creationId xmlns:a16="http://schemas.microsoft.com/office/drawing/2014/main" id="{432E972F-11ED-47F2-B363-157C1BCCC9A4}"/>
+              </a:ext>
+            </a:extLst>
+          </p:cNvPr>
+          <p:cNvCxnSpPr>
+            <a:stCxn id="20" idx="2"/>
+            <a:endCxn id="22" idx="0"/>
+          </p:cNvCxnSpPr>
+          <p:nvPr/>
+        </p:nvCxnSpPr>
+        <p:spPr>
+          <a:xfrm rot="5400000">
+            <a:off x="5927162" y="3769403"/>
+            <a:ext cx="434514" cy="636515"/>
+          </a:xfrm>
+          <a:prstGeom prst="curvedConnector3">
+            <a:avLst/>
+          </a:prstGeom>
+          <a:ln>
+            <a:tailEnd type="triangle"/>
+          </a:ln>
+        </p:spPr>
+        <p:style>
+          <a:lnRef idx="1">
+            <a:schemeClr val="accent1"/>
+          </a:lnRef>
+          <a:fillRef idx="0">
+            <a:schemeClr val="accent1"/>
+          </a:fillRef>
+          <a:effectRef idx="0">
+            <a:schemeClr val="accent1"/>
+          </a:effectRef>
+          <a:fontRef idx="minor">
+            <a:schemeClr val="tx1"/>
+          </a:fontRef>
+        </p:style>
+      </p:cxnSp>
+      <p:cxnSp>
+        <p:nvCxnSpPr>
+          <p:cNvPr id="55" name="Straight Arrow Connector 54">
+            <a:extLst>
+              <a:ext uri="{FF2B5EF4-FFF2-40B4-BE49-F238E27FC236}">
+                <a16:creationId xmlns:a16="http://schemas.microsoft.com/office/drawing/2014/main" id="{6DCD8785-9816-42AD-A853-D813DAE2B0A8}"/>
+              </a:ext>
+            </a:extLst>
+          </p:cNvPr>
+          <p:cNvCxnSpPr>
+            <a:stCxn id="4" idx="2"/>
+            <a:endCxn id="18" idx="0"/>
+          </p:cNvCxnSpPr>
+          <p:nvPr/>
+        </p:nvCxnSpPr>
+        <p:spPr>
+          <a:xfrm>
+            <a:off x="3810204" y="3117129"/>
+            <a:ext cx="0" cy="386138"/>
+          </a:xfrm>
+          <a:prstGeom prst="straightConnector1">
+            <a:avLst/>
+          </a:prstGeom>
+          <a:ln w="19050">
+            <a:prstDash val="sysDash"/>
+            <a:tailEnd type="triangle"/>
+          </a:ln>
+        </p:spPr>
+        <p:style>
+          <a:lnRef idx="1">
+            <a:schemeClr val="accent1"/>
+          </a:lnRef>
+          <a:fillRef idx="0">
+            <a:schemeClr val="accent1"/>
+          </a:fillRef>
+          <a:effectRef idx="0">
+            <a:schemeClr val="accent1"/>
+          </a:effectRef>
+          <a:fontRef idx="minor">
+            <a:schemeClr val="tx1"/>
+          </a:fontRef>
+        </p:style>
+      </p:cxnSp>
+      <p:cxnSp>
+        <p:nvCxnSpPr>
+          <p:cNvPr id="56" name="Straight Arrow Connector 55">
+            <a:extLst>
+              <a:ext uri="{FF2B5EF4-FFF2-40B4-BE49-F238E27FC236}">
+                <a16:creationId xmlns:a16="http://schemas.microsoft.com/office/drawing/2014/main" id="{F9248320-43D3-420B-9888-55AC8FA230C0}"/>
+              </a:ext>
+            </a:extLst>
+          </p:cNvPr>
+          <p:cNvCxnSpPr/>
+          <p:nvPr/>
+        </p:nvCxnSpPr>
+        <p:spPr>
+          <a:xfrm>
+            <a:off x="5203309" y="3117129"/>
+            <a:ext cx="0" cy="386138"/>
+          </a:xfrm>
+          <a:prstGeom prst="straightConnector1">
+            <a:avLst/>
+          </a:prstGeom>
+          <a:ln w="19050">
+            <a:prstDash val="sysDash"/>
+            <a:tailEnd type="triangle"/>
+          </a:ln>
+        </p:spPr>
+        <p:style>
+          <a:lnRef idx="1">
+            <a:schemeClr val="accent1"/>
+          </a:lnRef>
+          <a:fillRef idx="0">
+            <a:schemeClr val="accent1"/>
+          </a:fillRef>
+          <a:effectRef idx="0">
+            <a:schemeClr val="accent1"/>
+          </a:effectRef>
+          <a:fontRef idx="minor">
+            <a:schemeClr val="tx1"/>
+          </a:fontRef>
+        </p:style>
+      </p:cxnSp>
+      <p:cxnSp>
+        <p:nvCxnSpPr>
+          <p:cNvPr id="57" name="Straight Arrow Connector 56">
+            <a:extLst>
+              <a:ext uri="{FF2B5EF4-FFF2-40B4-BE49-F238E27FC236}">
+                <a16:creationId xmlns:a16="http://schemas.microsoft.com/office/drawing/2014/main" id="{88EF90FE-1B64-489D-876D-BF7484C21E78}"/>
+              </a:ext>
+            </a:extLst>
+          </p:cNvPr>
+          <p:cNvCxnSpPr/>
+          <p:nvPr/>
+        </p:nvCxnSpPr>
+        <p:spPr>
+          <a:xfrm>
+            <a:off x="6488059" y="3117129"/>
+            <a:ext cx="0" cy="386138"/>
+          </a:xfrm>
+          <a:prstGeom prst="straightConnector1">
+            <a:avLst/>
+          </a:prstGeom>
+          <a:ln w="19050">
+            <a:prstDash val="sysDash"/>
+            <a:tailEnd type="triangle"/>
+          </a:ln>
+        </p:spPr>
+        <p:style>
+          <a:lnRef idx="1">
+            <a:schemeClr val="accent1"/>
+          </a:lnRef>
+          <a:fillRef idx="0">
+            <a:schemeClr val="accent1"/>
+          </a:fillRef>
+          <a:effectRef idx="0">
+            <a:schemeClr val="accent1"/>
+          </a:effectRef>
+          <a:fontRef idx="minor">
+            <a:schemeClr val="tx1"/>
+          </a:fontRef>
+        </p:style>
+      </p:cxnSp>
+      <p:cxnSp>
+        <p:nvCxnSpPr>
+          <p:cNvPr id="58" name="Straight Arrow Connector 57">
+            <a:extLst>
+              <a:ext uri="{FF2B5EF4-FFF2-40B4-BE49-F238E27FC236}">
+                <a16:creationId xmlns:a16="http://schemas.microsoft.com/office/drawing/2014/main" id="{EDA8A80C-DBE9-44F4-846D-AD7B794611A8}"/>
+              </a:ext>
+            </a:extLst>
+          </p:cNvPr>
+          <p:cNvCxnSpPr/>
+          <p:nvPr/>
+        </p:nvCxnSpPr>
+        <p:spPr>
+          <a:xfrm>
+            <a:off x="7788912" y="3117129"/>
+            <a:ext cx="0" cy="386138"/>
+          </a:xfrm>
+          <a:prstGeom prst="straightConnector1">
+            <a:avLst/>
+          </a:prstGeom>
+          <a:ln w="19050">
+            <a:prstDash val="sysDash"/>
+            <a:tailEnd type="triangle"/>
+          </a:ln>
+        </p:spPr>
+        <p:style>
+          <a:lnRef idx="1">
+            <a:schemeClr val="accent1"/>
+          </a:lnRef>
+          <a:fillRef idx="0">
+            <a:schemeClr val="accent1"/>
+          </a:fillRef>
+          <a:effectRef idx="0">
+            <a:schemeClr val="accent1"/>
+          </a:effectRef>
+          <a:fontRef idx="minor">
+            <a:schemeClr val="tx1"/>
+          </a:fontRef>
+        </p:style>
+      </p:cxnSp>
+      <p:sp>
+        <p:nvSpPr>
+          <p:cNvPr id="61" name="Rectangle 60">
+            <a:extLst>
+              <a:ext uri="{FF2B5EF4-FFF2-40B4-BE49-F238E27FC236}">
+                <a16:creationId xmlns:a16="http://schemas.microsoft.com/office/drawing/2014/main" id="{4F978FE0-3541-49C8-A4CD-5E37938A7D85}"/>
+              </a:ext>
+            </a:extLst>
+          </p:cNvPr>
+          <p:cNvSpPr/>
+          <p:nvPr/>
+        </p:nvSpPr>
+        <p:spPr>
+          <a:xfrm>
+            <a:off x="1876302" y="500046"/>
+            <a:ext cx="7977809" cy="503583"/>
           </a:xfrm>
           <a:prstGeom prst="rect">
             <a:avLst/>
           </a:prstGeom>
-          <a:noFill/>
-        </p:spPr>
-        <p:txBody>
-          <a:bodyPr wrap="none" rtlCol="0">
-            <a:spAutoFit/>
-          </a:bodyPr>
-          <a:lstStyle/>
-          <a:p>
-            <a:r>
-              <a:rPr lang="tr-TR" b="1" dirty="0"/>
-              <a:t>Mean</a:t>
-            </a:r>
-          </a:p>
-        </p:txBody>
-      </p:sp>
-      <p:sp>
-        <p:nvSpPr>
-          <p:cNvPr id="13" name="TextBox 12">
-            <a:extLst>
-              <a:ext uri="{FF2B5EF4-FFF2-40B4-BE49-F238E27FC236}">
-                <a16:creationId xmlns:a16="http://schemas.microsoft.com/office/drawing/2014/main" id="{8BE7C9E7-517D-400D-BC81-161C9D2F937B}"/>
-              </a:ext>
-            </a:extLst>
-          </p:cNvPr>
-          <p:cNvSpPr txBox="1"/>
-          <p:nvPr/>
-        </p:nvSpPr>
-        <p:spPr>
-          <a:xfrm>
-            <a:off x="10084904" y="3167516"/>
-            <a:ext cx="814647" cy="369332"/>
-          </a:xfrm>
-          <a:prstGeom prst="rect">
-            <a:avLst/>
-          </a:prstGeom>
-          <a:noFill/>
-        </p:spPr>
-        <p:txBody>
-          <a:bodyPr wrap="none" rtlCol="0">
-            <a:spAutoFit/>
-          </a:bodyPr>
-          <a:lstStyle/>
-          <a:p>
-            <a:r>
-              <a:rPr lang="tr-TR" b="1" dirty="0"/>
-              <a:t>Object</a:t>
-            </a:r>
-          </a:p>
-        </p:txBody>
-      </p:sp>
-      <p:sp>
-        <p:nvSpPr>
-          <p:cNvPr id="14" name="Arrow: Down 13">
-            <a:extLst>
-              <a:ext uri="{FF2B5EF4-FFF2-40B4-BE49-F238E27FC236}">
-                <a16:creationId xmlns:a16="http://schemas.microsoft.com/office/drawing/2014/main" id="{B8A3B436-FD34-41FF-883F-039AFED6C16D}"/>
-              </a:ext>
-            </a:extLst>
-          </p:cNvPr>
-          <p:cNvSpPr/>
-          <p:nvPr/>
-        </p:nvSpPr>
-        <p:spPr>
-          <a:xfrm>
-            <a:off x="8518647" y="4346243"/>
-            <a:ext cx="484632" cy="978408"/>
-          </a:xfrm>
-          <a:prstGeom prst="downArrow">
-            <a:avLst/>
-          </a:prstGeom>
+          <a:solidFill>
+            <a:schemeClr val="bg1"/>
+          </a:solidFill>
+          <a:ln w="28575"/>
         </p:spPr>
         <p:style>
           <a:lnRef idx="2">
@@ -5496,16 +5401,52 @@
           <a:lstStyle/>
           <a:p>
             <a:pPr algn="ctr"/>
-            <a:endParaRPr lang="tr-TR"/>
-          </a:p>
-        </p:txBody>
-      </p:sp>
-      <p:sp>
-        <p:nvSpPr>
-          <p:cNvPr id="17" name="TextBox 16">
-            <a:extLst>
-              <a:ext uri="{FF2B5EF4-FFF2-40B4-BE49-F238E27FC236}">
-                <a16:creationId xmlns:a16="http://schemas.microsoft.com/office/drawing/2014/main" id="{02772E64-9CCF-44E9-B6DE-DAE069F2B087}"/>
+            <a:r>
+              <a:rPr lang="tr-TR" b="1" dirty="0">
+                <a:solidFill>
+                  <a:srgbClr val="FF0000"/>
+                </a:solidFill>
+              </a:rPr>
+              <a:t>1st Definition of War: </a:t>
+            </a:r>
+            <a:r>
+              <a:rPr lang="en-US" b="1" dirty="0">
+                <a:solidFill>
+                  <a:schemeClr val="tx1"/>
+                </a:solidFill>
+              </a:rPr>
+              <a:t>War is an act of force to compel </a:t>
+            </a:r>
+            <a:r>
+              <a:rPr lang="tr-TR" b="1" dirty="0">
+                <a:solidFill>
+                  <a:schemeClr val="tx1"/>
+                </a:solidFill>
+              </a:rPr>
+              <a:t>enemy </a:t>
+            </a:r>
+            <a:r>
+              <a:rPr lang="en-US" b="1" dirty="0">
+                <a:solidFill>
+                  <a:schemeClr val="tx1"/>
+                </a:solidFill>
+              </a:rPr>
+              <a:t>to do our will</a:t>
+            </a:r>
+            <a:endParaRPr lang="tr-TR" b="1" dirty="0">
+              <a:solidFill>
+                <a:schemeClr val="tx1"/>
+              </a:solidFill>
+            </a:endParaRPr>
+          </a:p>
+        </p:txBody>
+      </p:sp>
+      <p:sp>
+        <p:nvSpPr>
+          <p:cNvPr id="62" name="TextBox 61">
+            <a:extLst>
+              <a:ext uri="{FF2B5EF4-FFF2-40B4-BE49-F238E27FC236}">
+                <a16:creationId xmlns:a16="http://schemas.microsoft.com/office/drawing/2014/main" id="{8C01BDAC-B907-4817-B701-487A7F4C05FC}"/>
               </a:ext>
             </a:extLst>
           </p:cNvPr>
@@ -5514,8 +5455,8 @@
         </p:nvSpPr>
         <p:spPr>
           <a:xfrm>
-            <a:off x="10084904" y="5753963"/>
-            <a:ext cx="2063578" cy="369332"/>
+            <a:off x="3212735" y="10612659"/>
+            <a:ext cx="6370651" cy="369332"/>
           </a:xfrm>
           <a:prstGeom prst="rect">
             <a:avLst/>
@@ -5523,24 +5464,29 @@
           <a:noFill/>
         </p:spPr>
         <p:txBody>
-          <a:bodyPr wrap="none" rtlCol="0">
+          <a:bodyPr wrap="square" rtlCol="0">
             <a:spAutoFit/>
           </a:bodyPr>
           <a:lstStyle/>
           <a:p>
             <a:r>
-              <a:rPr lang="tr-TR" b="1" dirty="0"/>
-              <a:t>True aim of warfare</a:t>
-            </a:r>
-          </a:p>
-        </p:txBody>
-      </p:sp>
-      <p:sp>
-        <p:nvSpPr>
-          <p:cNvPr id="21" name="Oval 20">
-            <a:extLst>
-              <a:ext uri="{FF2B5EF4-FFF2-40B4-BE49-F238E27FC236}">
-                <a16:creationId xmlns:a16="http://schemas.microsoft.com/office/drawing/2014/main" id="{BA86A382-B4F2-4C8D-B270-506AA0909158}"/>
+              <a:rPr lang="tr-TR" dirty="0"/>
+              <a:t>War is </a:t>
+            </a:r>
+            <a:r>
+              <a:rPr lang="en-US" dirty="0"/>
+              <a:t>War is merely the continuation of policy by other means</a:t>
+            </a:r>
+            <a:endParaRPr lang="tr-TR" dirty="0"/>
+          </a:p>
+        </p:txBody>
+      </p:sp>
+      <p:sp>
+        <p:nvSpPr>
+          <p:cNvPr id="63" name="Rectangle 62">
+            <a:extLst>
+              <a:ext uri="{FF2B5EF4-FFF2-40B4-BE49-F238E27FC236}">
+                <a16:creationId xmlns:a16="http://schemas.microsoft.com/office/drawing/2014/main" id="{59EFEAB5-C406-4EE1-BBD1-055B497DA6E8}"/>
               </a:ext>
             </a:extLst>
           </p:cNvPr>
@@ -5549,10 +5495,10 @@
         </p:nvSpPr>
         <p:spPr>
           <a:xfrm>
-            <a:off x="7580245" y="5384384"/>
-            <a:ext cx="2361436" cy="1108491"/>
-          </a:xfrm>
-          <a:prstGeom prst="ellipse">
+            <a:off x="1665742" y="5425325"/>
+            <a:ext cx="8604694" cy="503583"/>
+          </a:xfrm>
+          <a:prstGeom prst="rect">
             <a:avLst/>
           </a:prstGeom>
           <a:solidFill>
@@ -5582,14 +5528,30 @@
           <a:p>
             <a:pPr algn="ctr"/>
             <a:r>
-              <a:rPr lang="tr-TR" sz="2400" b="1" dirty="0">
+              <a:rPr lang="tr-TR" b="1" dirty="0">
+                <a:solidFill>
+                  <a:srgbClr val="FF0000"/>
+                </a:solidFill>
+              </a:rPr>
+              <a:t>2nd Definition of War</a:t>
+            </a:r>
+            <a:r>
+              <a:rPr lang="tr-TR" b="1" dirty="0">
                 <a:solidFill>
                   <a:schemeClr val="tx1"/>
                 </a:solidFill>
               </a:rPr>
-              <a:t>Render the enemy powerless</a:t>
-            </a:r>
-            <a:endParaRPr lang="tr-TR" sz="2200" b="1" dirty="0">
+              <a:t>: </a:t>
+            </a:r>
+            <a:r>
+              <a:rPr lang="en-US" b="1" dirty="0">
+                <a:solidFill>
+                  <a:schemeClr val="tx1"/>
+                </a:solidFill>
+              </a:rPr>
+              <a:t>War is merely the continuation of policy by other means</a:t>
+            </a:r>
+            <a:endParaRPr lang="tr-TR" b="1" dirty="0">
               <a:solidFill>
                 <a:schemeClr val="tx1"/>
               </a:solidFill>
@@ -5599,43 +5561,100 @@
       </p:sp>
       <p:sp>
         <p:nvSpPr>
-          <p:cNvPr id="22" name="TextBox 21">
-            <a:extLst>
-              <a:ext uri="{FF2B5EF4-FFF2-40B4-BE49-F238E27FC236}">
-                <a16:creationId xmlns:a16="http://schemas.microsoft.com/office/drawing/2014/main" id="{3E8B5B47-7D2F-40D3-BE4D-A415C8ED449F}"/>
-              </a:ext>
-            </a:extLst>
-          </p:cNvPr>
-          <p:cNvSpPr txBox="1"/>
+          <p:cNvPr id="2" name="Arrow: Down 1">
+            <a:extLst>
+              <a:ext uri="{FF2B5EF4-FFF2-40B4-BE49-F238E27FC236}">
+                <a16:creationId xmlns:a16="http://schemas.microsoft.com/office/drawing/2014/main" id="{0CE6A595-1EF1-452E-B9B6-8D783E4FDB23}"/>
+              </a:ext>
+            </a:extLst>
+          </p:cNvPr>
+          <p:cNvSpPr/>
           <p:nvPr/>
         </p:nvSpPr>
         <p:spPr>
           <a:xfrm>
-            <a:off x="7705826" y="4544013"/>
-            <a:ext cx="2175019" cy="369332"/>
-          </a:xfrm>
-          <a:prstGeom prst="rect">
+            <a:off x="5679675" y="1049159"/>
+            <a:ext cx="371061" cy="458052"/>
+          </a:xfrm>
+          <a:prstGeom prst="downArrow">
             <a:avLst/>
           </a:prstGeom>
-          <a:noFill/>
-        </p:spPr>
-        <p:txBody>
-          <a:bodyPr wrap="none" rtlCol="0">
-            <a:spAutoFit/>
-          </a:bodyPr>
-          <a:lstStyle/>
-          <a:p>
-            <a:r>
-              <a:rPr lang="tr-TR" b="1" dirty="0"/>
-              <a:t>To secure that object</a:t>
-            </a:r>
+        </p:spPr>
+        <p:style>
+          <a:lnRef idx="2">
+            <a:schemeClr val="accent1">
+              <a:shade val="50000"/>
+            </a:schemeClr>
+          </a:lnRef>
+          <a:fillRef idx="1">
+            <a:schemeClr val="accent1"/>
+          </a:fillRef>
+          <a:effectRef idx="0">
+            <a:schemeClr val="accent1"/>
+          </a:effectRef>
+          <a:fontRef idx="minor">
+            <a:schemeClr val="lt1"/>
+          </a:fontRef>
+        </p:style>
+        <p:txBody>
+          <a:bodyPr rtlCol="0" anchor="ctr"/>
+          <a:lstStyle/>
+          <a:p>
+            <a:pPr algn="ctr"/>
+            <a:endParaRPr lang="tr-TR"/>
+          </a:p>
+        </p:txBody>
+      </p:sp>
+      <p:sp>
+        <p:nvSpPr>
+          <p:cNvPr id="31" name="Arrow: Down 30">
+            <a:extLst>
+              <a:ext uri="{FF2B5EF4-FFF2-40B4-BE49-F238E27FC236}">
+                <a16:creationId xmlns:a16="http://schemas.microsoft.com/office/drawing/2014/main" id="{0D0EA8F8-EBE6-4407-B3E0-BCEC95803A50}"/>
+              </a:ext>
+            </a:extLst>
+          </p:cNvPr>
+          <p:cNvSpPr/>
+          <p:nvPr/>
+        </p:nvSpPr>
+        <p:spPr>
+          <a:xfrm>
+            <a:off x="5597028" y="4887886"/>
+            <a:ext cx="371061" cy="458052"/>
+          </a:xfrm>
+          <a:prstGeom prst="downArrow">
+            <a:avLst/>
+          </a:prstGeom>
+        </p:spPr>
+        <p:style>
+          <a:lnRef idx="2">
+            <a:schemeClr val="accent1">
+              <a:shade val="50000"/>
+            </a:schemeClr>
+          </a:lnRef>
+          <a:fillRef idx="1">
+            <a:schemeClr val="accent1"/>
+          </a:fillRef>
+          <a:effectRef idx="0">
+            <a:schemeClr val="accent1"/>
+          </a:effectRef>
+          <a:fontRef idx="minor">
+            <a:schemeClr val="lt1"/>
+          </a:fontRef>
+        </p:style>
+        <p:txBody>
+          <a:bodyPr rtlCol="0" anchor="ctr"/>
+          <a:lstStyle/>
+          <a:p>
+            <a:pPr algn="ctr"/>
+            <a:endParaRPr lang="tr-TR"/>
           </a:p>
         </p:txBody>
       </p:sp>
     </p:spTree>
     <p:extLst>
       <p:ext uri="{BB962C8B-B14F-4D97-AF65-F5344CB8AC3E}">
-        <p14:creationId xmlns:p14="http://schemas.microsoft.com/office/powerpoint/2010/main" val="1009845609"/>
+        <p14:creationId xmlns:p14="http://schemas.microsoft.com/office/powerpoint/2010/main" val="1934757000"/>
       </p:ext>
     </p:extLst>
   </p:cSld>
@@ -5676,7 +5695,7 @@
         </p:nvSpPr>
         <p:spPr>
           <a:xfrm>
-            <a:off x="3212735" y="2749993"/>
+            <a:off x="3386033" y="2995603"/>
             <a:ext cx="1194938" cy="367136"/>
           </a:xfrm>
           <a:prstGeom prst="rect">
@@ -5733,7 +5752,7 @@
         </p:nvSpPr>
         <p:spPr>
           <a:xfrm>
-            <a:off x="4538971" y="2749993"/>
+            <a:off x="4712269" y="2995603"/>
             <a:ext cx="1194938" cy="367136"/>
           </a:xfrm>
           <a:prstGeom prst="rect">
@@ -5790,7 +5809,7 @@
         </p:nvSpPr>
         <p:spPr>
           <a:xfrm>
-            <a:off x="5865207" y="2749993"/>
+            <a:off x="6038505" y="2995603"/>
             <a:ext cx="1194938" cy="367136"/>
           </a:xfrm>
           <a:prstGeom prst="rect">
@@ -5847,7 +5866,7 @@
         </p:nvSpPr>
         <p:spPr>
           <a:xfrm>
-            <a:off x="7191443" y="2749993"/>
+            <a:off x="7364741" y="2995603"/>
             <a:ext cx="1194938" cy="367136"/>
           </a:xfrm>
           <a:prstGeom prst="rect">
@@ -5904,7 +5923,7 @@
         </p:nvSpPr>
         <p:spPr>
           <a:xfrm>
-            <a:off x="5242355" y="1551386"/>
+            <a:off x="5284355" y="3853731"/>
             <a:ext cx="1245704" cy="503583"/>
           </a:xfrm>
           <a:prstGeom prst="rect">
@@ -5947,367 +5966,25 @@
           </a:p>
         </p:txBody>
       </p:sp>
-      <p:sp>
-        <p:nvSpPr>
-          <p:cNvPr id="18" name="Rectangle 17">
-            <a:extLst>
-              <a:ext uri="{FF2B5EF4-FFF2-40B4-BE49-F238E27FC236}">
-                <a16:creationId xmlns:a16="http://schemas.microsoft.com/office/drawing/2014/main" id="{531F8D98-86D3-4642-A0B3-09C0EBF0E152}"/>
-              </a:ext>
-            </a:extLst>
-          </p:cNvPr>
-          <p:cNvSpPr/>
-          <p:nvPr/>
-        </p:nvSpPr>
-        <p:spPr>
-          <a:xfrm>
-            <a:off x="3212735" y="3503267"/>
-            <a:ext cx="1194938" cy="367136"/>
-          </a:xfrm>
-          <a:prstGeom prst="rect">
-            <a:avLst/>
-          </a:prstGeom>
-          <a:solidFill>
-            <a:schemeClr val="bg1"/>
-          </a:solidFill>
-          <a:ln w="12700"/>
-        </p:spPr>
-        <p:style>
-          <a:lnRef idx="2">
-            <a:schemeClr val="accent1">
-              <a:shade val="50000"/>
-            </a:schemeClr>
-          </a:lnRef>
-          <a:fillRef idx="1">
-            <a:schemeClr val="accent1"/>
-          </a:fillRef>
-          <a:effectRef idx="0">
-            <a:schemeClr val="accent1"/>
-          </a:effectRef>
-          <a:fontRef idx="minor">
-            <a:schemeClr val="lt1"/>
-          </a:fontRef>
-        </p:style>
-        <p:txBody>
-          <a:bodyPr rtlCol="0" anchor="ctr"/>
-          <a:lstStyle/>
-          <a:p>
-            <a:pPr algn="ctr"/>
-            <a:r>
-              <a:rPr lang="tr-TR" sz="1200" b="1" dirty="0">
-                <a:solidFill>
-                  <a:schemeClr val="tx1"/>
-                </a:solidFill>
-              </a:rPr>
-              <a:t>Not a single action</a:t>
-            </a:r>
-          </a:p>
-        </p:txBody>
-      </p:sp>
-      <p:sp>
-        <p:nvSpPr>
-          <p:cNvPr id="19" name="Rectangle 18">
-            <a:extLst>
-              <a:ext uri="{FF2B5EF4-FFF2-40B4-BE49-F238E27FC236}">
-                <a16:creationId xmlns:a16="http://schemas.microsoft.com/office/drawing/2014/main" id="{CF0A43B7-2C6F-45A5-B3CF-227E933BCF7C}"/>
-              </a:ext>
-            </a:extLst>
-          </p:cNvPr>
-          <p:cNvSpPr/>
-          <p:nvPr/>
-        </p:nvSpPr>
-        <p:spPr>
-          <a:xfrm>
-            <a:off x="4538971" y="3503267"/>
-            <a:ext cx="1194938" cy="367136"/>
-          </a:xfrm>
-          <a:prstGeom prst="rect">
-            <a:avLst/>
-          </a:prstGeom>
-          <a:solidFill>
-            <a:schemeClr val="bg1"/>
-          </a:solidFill>
-          <a:ln w="12700"/>
-        </p:spPr>
-        <p:style>
-          <a:lnRef idx="2">
-            <a:schemeClr val="accent1">
-              <a:shade val="50000"/>
-            </a:schemeClr>
-          </a:lnRef>
-          <a:fillRef idx="1">
-            <a:schemeClr val="accent1"/>
-          </a:fillRef>
-          <a:effectRef idx="0">
-            <a:schemeClr val="accent1"/>
-          </a:effectRef>
-          <a:fontRef idx="minor">
-            <a:schemeClr val="lt1"/>
-          </a:fontRef>
-        </p:style>
-        <p:txBody>
-          <a:bodyPr rtlCol="0" anchor="ctr"/>
-          <a:lstStyle/>
-          <a:p>
-            <a:pPr algn="ctr"/>
-            <a:r>
-              <a:rPr lang="tr-TR" sz="1200" b="1" dirty="0">
-                <a:solidFill>
-                  <a:schemeClr val="tx1"/>
-                </a:solidFill>
-              </a:rPr>
-              <a:t>Result is never final</a:t>
-            </a:r>
-          </a:p>
-        </p:txBody>
-      </p:sp>
-      <p:sp>
-        <p:nvSpPr>
-          <p:cNvPr id="20" name="Rectangle 19">
-            <a:extLst>
-              <a:ext uri="{FF2B5EF4-FFF2-40B4-BE49-F238E27FC236}">
-                <a16:creationId xmlns:a16="http://schemas.microsoft.com/office/drawing/2014/main" id="{27E64D89-0E48-4419-9C0E-0E5DDDAA62A7}"/>
-              </a:ext>
-            </a:extLst>
-          </p:cNvPr>
-          <p:cNvSpPr/>
-          <p:nvPr/>
-        </p:nvSpPr>
-        <p:spPr>
-          <a:xfrm>
-            <a:off x="5865207" y="3503267"/>
-            <a:ext cx="1194938" cy="367136"/>
-          </a:xfrm>
-          <a:prstGeom prst="rect">
-            <a:avLst/>
-          </a:prstGeom>
-          <a:solidFill>
-            <a:schemeClr val="bg1"/>
-          </a:solidFill>
-          <a:ln w="12700"/>
-        </p:spPr>
-        <p:style>
-          <a:lnRef idx="2">
-            <a:schemeClr val="accent1">
-              <a:shade val="50000"/>
-            </a:schemeClr>
-          </a:lnRef>
-          <a:fillRef idx="1">
-            <a:schemeClr val="accent1"/>
-          </a:fillRef>
-          <a:effectRef idx="0">
-            <a:schemeClr val="accent1"/>
-          </a:effectRef>
-          <a:fontRef idx="minor">
-            <a:schemeClr val="lt1"/>
-          </a:fontRef>
-        </p:style>
-        <p:txBody>
-          <a:bodyPr rtlCol="0" anchor="ctr"/>
-          <a:lstStyle/>
-          <a:p>
-            <a:pPr algn="ctr"/>
-            <a:r>
-              <a:rPr lang="tr-TR" sz="1200" b="1" dirty="0">
-                <a:solidFill>
-                  <a:schemeClr val="tx1"/>
-                </a:solidFill>
-              </a:rPr>
-              <a:t>PoR depends on external</a:t>
-            </a:r>
-          </a:p>
-        </p:txBody>
-      </p:sp>
-      <p:sp>
-        <p:nvSpPr>
-          <p:cNvPr id="21" name="Rectangle 20">
-            <a:extLst>
-              <a:ext uri="{FF2B5EF4-FFF2-40B4-BE49-F238E27FC236}">
-                <a16:creationId xmlns:a16="http://schemas.microsoft.com/office/drawing/2014/main" id="{A3E653FB-CB4F-47C6-B777-93030FFAC395}"/>
-              </a:ext>
-            </a:extLst>
-          </p:cNvPr>
-          <p:cNvSpPr/>
-          <p:nvPr/>
-        </p:nvSpPr>
-        <p:spPr>
-          <a:xfrm>
-            <a:off x="7191443" y="3503267"/>
-            <a:ext cx="1194938" cy="367136"/>
-          </a:xfrm>
-          <a:prstGeom prst="rect">
-            <a:avLst/>
-          </a:prstGeom>
-          <a:solidFill>
-            <a:schemeClr val="bg1"/>
-          </a:solidFill>
-          <a:ln w="12700"/>
-        </p:spPr>
-        <p:style>
-          <a:lnRef idx="2">
-            <a:schemeClr val="accent1">
-              <a:shade val="50000"/>
-            </a:schemeClr>
-          </a:lnRef>
-          <a:fillRef idx="1">
-            <a:schemeClr val="accent1"/>
-          </a:fillRef>
-          <a:effectRef idx="0">
-            <a:schemeClr val="accent1"/>
-          </a:effectRef>
-          <a:fontRef idx="minor">
-            <a:schemeClr val="lt1"/>
-          </a:fontRef>
-        </p:style>
-        <p:txBody>
-          <a:bodyPr rtlCol="0" anchor="ctr"/>
-          <a:lstStyle/>
-          <a:p>
-            <a:pPr algn="ctr"/>
-            <a:r>
-              <a:rPr lang="tr-TR" sz="1200" b="1" dirty="0">
-                <a:solidFill>
-                  <a:schemeClr val="tx1"/>
-                </a:solidFill>
-              </a:rPr>
-              <a:t>Inaction</a:t>
-            </a:r>
-          </a:p>
-        </p:txBody>
-      </p:sp>
-      <p:sp>
-        <p:nvSpPr>
-          <p:cNvPr id="22" name="Rectangle 21">
-            <a:extLst>
-              <a:ext uri="{FF2B5EF4-FFF2-40B4-BE49-F238E27FC236}">
-                <a16:creationId xmlns:a16="http://schemas.microsoft.com/office/drawing/2014/main" id="{13F14650-BFD3-4BDE-BF75-4CC72F6D02E1}"/>
-              </a:ext>
-            </a:extLst>
-          </p:cNvPr>
-          <p:cNvSpPr/>
-          <p:nvPr/>
-        </p:nvSpPr>
-        <p:spPr>
-          <a:xfrm>
-            <a:off x="5203309" y="4304917"/>
-            <a:ext cx="1245704" cy="503583"/>
-          </a:xfrm>
-          <a:prstGeom prst="rect">
-            <a:avLst/>
-          </a:prstGeom>
-          <a:solidFill>
-            <a:schemeClr val="bg1"/>
-          </a:solidFill>
-          <a:ln w="28575"/>
-        </p:spPr>
-        <p:style>
-          <a:lnRef idx="2">
-            <a:schemeClr val="accent1">
-              <a:shade val="50000"/>
-            </a:schemeClr>
-          </a:lnRef>
-          <a:fillRef idx="1">
-            <a:schemeClr val="accent1"/>
-          </a:fillRef>
-          <a:effectRef idx="0">
-            <a:schemeClr val="accent1"/>
-          </a:effectRef>
-          <a:fontRef idx="minor">
-            <a:schemeClr val="lt1"/>
-          </a:fontRef>
-        </p:style>
-        <p:txBody>
-          <a:bodyPr rtlCol="0" anchor="ctr"/>
-          <a:lstStyle/>
-          <a:p>
-            <a:pPr algn="ctr"/>
-            <a:r>
-              <a:rPr lang="tr-TR" b="1" dirty="0">
-                <a:solidFill>
-                  <a:schemeClr val="tx1"/>
-                </a:solidFill>
-              </a:rPr>
-              <a:t>assessing probs</a:t>
-            </a:r>
-          </a:p>
-        </p:txBody>
-      </p:sp>
-      <p:sp>
-        <p:nvSpPr>
-          <p:cNvPr id="40" name="Rectangle 39">
-            <a:extLst>
-              <a:ext uri="{FF2B5EF4-FFF2-40B4-BE49-F238E27FC236}">
-                <a16:creationId xmlns:a16="http://schemas.microsoft.com/office/drawing/2014/main" id="{EADD8FC8-3A6A-4084-B189-B8D62C8CD5E1}"/>
-              </a:ext>
-            </a:extLst>
-          </p:cNvPr>
-          <p:cNvSpPr/>
-          <p:nvPr/>
-        </p:nvSpPr>
-        <p:spPr>
-          <a:xfrm>
-            <a:off x="9044502" y="2999684"/>
-            <a:ext cx="1617786" cy="503583"/>
-          </a:xfrm>
-          <a:prstGeom prst="rect">
-            <a:avLst/>
-          </a:prstGeom>
-          <a:solidFill>
-            <a:schemeClr val="bg1"/>
-          </a:solidFill>
-          <a:ln w="28575"/>
-        </p:spPr>
-        <p:style>
-          <a:lnRef idx="2">
-            <a:schemeClr val="accent1">
-              <a:shade val="50000"/>
-            </a:schemeClr>
-          </a:lnRef>
-          <a:fillRef idx="1">
-            <a:schemeClr val="accent1"/>
-          </a:fillRef>
-          <a:effectRef idx="0">
-            <a:schemeClr val="accent1"/>
-          </a:effectRef>
-          <a:fontRef idx="minor">
-            <a:schemeClr val="lt1"/>
-          </a:fontRef>
-        </p:style>
-        <p:txBody>
-          <a:bodyPr rtlCol="0" anchor="ctr"/>
-          <a:lstStyle/>
-          <a:p>
-            <a:pPr algn="ctr"/>
-            <a:r>
-              <a:rPr lang="tr-TR" b="1" dirty="0">
-                <a:solidFill>
-                  <a:srgbClr val="FF0000"/>
-                </a:solidFill>
-              </a:rPr>
-              <a:t>Modifications</a:t>
-            </a:r>
-          </a:p>
-        </p:txBody>
-      </p:sp>
       <p:cxnSp>
         <p:nvCxnSpPr>
-          <p:cNvPr id="35" name="Connector: Curved 34">
-            <a:extLst>
-              <a:ext uri="{FF2B5EF4-FFF2-40B4-BE49-F238E27FC236}">
-                <a16:creationId xmlns:a16="http://schemas.microsoft.com/office/drawing/2014/main" id="{6D49F7F7-3272-4C69-8E47-E24D590A41F3}"/>
+          <p:cNvPr id="10" name="Connector: Curved 9">
+            <a:extLst>
+              <a:ext uri="{FF2B5EF4-FFF2-40B4-BE49-F238E27FC236}">
+                <a16:creationId xmlns:a16="http://schemas.microsoft.com/office/drawing/2014/main" id="{5D7FCE82-8E4A-48EC-AD48-F88C675FECAA}"/>
               </a:ext>
             </a:extLst>
           </p:cNvPr>
           <p:cNvCxnSpPr>
             <a:stCxn id="8" idx="1"/>
-            <a:endCxn id="4" idx="0"/>
+            <a:endCxn id="4" idx="2"/>
           </p:cNvCxnSpPr>
           <p:nvPr/>
         </p:nvCxnSpPr>
         <p:spPr>
-          <a:xfrm rot="10800000" flipV="1">
-            <a:off x="3810205" y="1803177"/>
-            <a:ext cx="1432151" cy="946815"/>
+          <a:xfrm rot="10800000">
+            <a:off x="3983503" y="3362739"/>
+            <a:ext cx="1300853" cy="742784"/>
           </a:xfrm>
           <a:prstGeom prst="curvedConnector2">
             <a:avLst/>
@@ -6333,23 +6010,23 @@
       </p:cxnSp>
       <p:cxnSp>
         <p:nvCxnSpPr>
-          <p:cNvPr id="41" name="Connector: Curved 40">
-            <a:extLst>
-              <a:ext uri="{FF2B5EF4-FFF2-40B4-BE49-F238E27FC236}">
-                <a16:creationId xmlns:a16="http://schemas.microsoft.com/office/drawing/2014/main" id="{80FE0119-A585-427E-9407-38E976CA9C83}"/>
+          <p:cNvPr id="12" name="Connector: Curved 11">
+            <a:extLst>
+              <a:ext uri="{FF2B5EF4-FFF2-40B4-BE49-F238E27FC236}">
+                <a16:creationId xmlns:a16="http://schemas.microsoft.com/office/drawing/2014/main" id="{B442D092-15A1-4393-BB62-F4AEF68CA6AE}"/>
               </a:ext>
             </a:extLst>
           </p:cNvPr>
           <p:cNvCxnSpPr>
-            <a:stCxn id="8" idx="2"/>
-            <a:endCxn id="5" idx="0"/>
+            <a:stCxn id="8" idx="0"/>
+            <a:endCxn id="5" idx="2"/>
           </p:cNvCxnSpPr>
           <p:nvPr/>
         </p:nvCxnSpPr>
         <p:spPr>
-          <a:xfrm rot="5400000">
-            <a:off x="5153312" y="2038098"/>
-            <a:ext cx="695024" cy="728767"/>
+          <a:xfrm rot="16200000" flipV="1">
+            <a:off x="5362977" y="3309500"/>
+            <a:ext cx="490992" cy="597469"/>
           </a:xfrm>
           <a:prstGeom prst="curvedConnector3">
             <a:avLst/>
@@ -6375,23 +6052,23 @@
       </p:cxnSp>
       <p:cxnSp>
         <p:nvCxnSpPr>
-          <p:cNvPr id="43" name="Connector: Curved 42">
-            <a:extLst>
-              <a:ext uri="{FF2B5EF4-FFF2-40B4-BE49-F238E27FC236}">
-                <a16:creationId xmlns:a16="http://schemas.microsoft.com/office/drawing/2014/main" id="{D3D4CC1D-B9F6-49B4-8998-829B9F9FEF04}"/>
+          <p:cNvPr id="15" name="Connector: Curved 14">
+            <a:extLst>
+              <a:ext uri="{FF2B5EF4-FFF2-40B4-BE49-F238E27FC236}">
+                <a16:creationId xmlns:a16="http://schemas.microsoft.com/office/drawing/2014/main" id="{CCE18D85-5A74-4462-A39F-E474636923A2}"/>
               </a:ext>
             </a:extLst>
           </p:cNvPr>
           <p:cNvCxnSpPr>
-            <a:stCxn id="8" idx="2"/>
-            <a:endCxn id="6" idx="0"/>
+            <a:stCxn id="8" idx="0"/>
+            <a:endCxn id="6" idx="2"/>
           </p:cNvCxnSpPr>
           <p:nvPr/>
         </p:nvCxnSpPr>
         <p:spPr>
-          <a:xfrm rot="16200000" flipH="1">
-            <a:off x="5816429" y="2103746"/>
-            <a:ext cx="695024" cy="597469"/>
+          <a:xfrm rot="5400000" flipH="1" flipV="1">
+            <a:off x="6026094" y="3243852"/>
+            <a:ext cx="490992" cy="728767"/>
           </a:xfrm>
           <a:prstGeom prst="curvedConnector3">
             <a:avLst/>
@@ -6417,23 +6094,350 @@
       </p:cxnSp>
       <p:cxnSp>
         <p:nvCxnSpPr>
-          <p:cNvPr id="45" name="Connector: Curved 44">
-            <a:extLst>
-              <a:ext uri="{FF2B5EF4-FFF2-40B4-BE49-F238E27FC236}">
-                <a16:creationId xmlns:a16="http://schemas.microsoft.com/office/drawing/2014/main" id="{4CEB317F-BE1A-4BA2-A904-ED8E5B460ED3}"/>
+          <p:cNvPr id="17" name="Connector: Curved 16">
+            <a:extLst>
+              <a:ext uri="{FF2B5EF4-FFF2-40B4-BE49-F238E27FC236}">
+                <a16:creationId xmlns:a16="http://schemas.microsoft.com/office/drawing/2014/main" id="{1F3E6BF7-D931-4666-90FF-336E50A8EDF0}"/>
               </a:ext>
             </a:extLst>
           </p:cNvPr>
           <p:cNvCxnSpPr>
             <a:stCxn id="8" idx="3"/>
-            <a:endCxn id="7" idx="0"/>
+            <a:endCxn id="7" idx="2"/>
           </p:cNvCxnSpPr>
           <p:nvPr/>
         </p:nvCxnSpPr>
         <p:spPr>
+          <a:xfrm flipV="1">
+            <a:off x="6530059" y="3362739"/>
+            <a:ext cx="1432151" cy="742784"/>
+          </a:xfrm>
+          <a:prstGeom prst="curvedConnector2">
+            <a:avLst/>
+          </a:prstGeom>
+          <a:ln>
+            <a:tailEnd type="triangle"/>
+          </a:ln>
+        </p:spPr>
+        <p:style>
+          <a:lnRef idx="1">
+            <a:schemeClr val="accent1"/>
+          </a:lnRef>
+          <a:fillRef idx="0">
+            <a:schemeClr val="accent1"/>
+          </a:fillRef>
+          <a:effectRef idx="0">
+            <a:schemeClr val="accent1"/>
+          </a:effectRef>
+          <a:fontRef idx="minor">
+            <a:schemeClr val="tx1"/>
+          </a:fontRef>
+        </p:style>
+      </p:cxnSp>
+      <p:sp>
+        <p:nvSpPr>
+          <p:cNvPr id="18" name="Rectangle 17">
+            <a:extLst>
+              <a:ext uri="{FF2B5EF4-FFF2-40B4-BE49-F238E27FC236}">
+                <a16:creationId xmlns:a16="http://schemas.microsoft.com/office/drawing/2014/main" id="{531F8D98-86D3-4642-A0B3-09C0EBF0E152}"/>
+              </a:ext>
+            </a:extLst>
+          </p:cNvPr>
+          <p:cNvSpPr/>
+          <p:nvPr/>
+        </p:nvSpPr>
+        <p:spPr>
           <a:xfrm>
-            <a:off x="6488059" y="1803178"/>
-            <a:ext cx="1300853" cy="946815"/>
+            <a:off x="3397753" y="2318010"/>
+            <a:ext cx="1194938" cy="367136"/>
+          </a:xfrm>
+          <a:prstGeom prst="rect">
+            <a:avLst/>
+          </a:prstGeom>
+          <a:solidFill>
+            <a:schemeClr val="bg1"/>
+          </a:solidFill>
+          <a:ln w="12700"/>
+        </p:spPr>
+        <p:style>
+          <a:lnRef idx="2">
+            <a:schemeClr val="accent1">
+              <a:shade val="50000"/>
+            </a:schemeClr>
+          </a:lnRef>
+          <a:fillRef idx="1">
+            <a:schemeClr val="accent1"/>
+          </a:fillRef>
+          <a:effectRef idx="0">
+            <a:schemeClr val="accent1"/>
+          </a:effectRef>
+          <a:fontRef idx="minor">
+            <a:schemeClr val="lt1"/>
+          </a:fontRef>
+        </p:style>
+        <p:txBody>
+          <a:bodyPr rtlCol="0" anchor="ctr"/>
+          <a:lstStyle/>
+          <a:p>
+            <a:pPr algn="ctr"/>
+            <a:r>
+              <a:rPr lang="tr-TR" sz="1200" b="1" dirty="0">
+                <a:solidFill>
+                  <a:schemeClr val="tx1"/>
+                </a:solidFill>
+              </a:rPr>
+              <a:t>Not a single action</a:t>
+            </a:r>
+          </a:p>
+        </p:txBody>
+      </p:sp>
+      <p:sp>
+        <p:nvSpPr>
+          <p:cNvPr id="19" name="Rectangle 18">
+            <a:extLst>
+              <a:ext uri="{FF2B5EF4-FFF2-40B4-BE49-F238E27FC236}">
+                <a16:creationId xmlns:a16="http://schemas.microsoft.com/office/drawing/2014/main" id="{CF0A43B7-2C6F-45A5-B3CF-227E933BCF7C}"/>
+              </a:ext>
+            </a:extLst>
+          </p:cNvPr>
+          <p:cNvSpPr/>
+          <p:nvPr/>
+        </p:nvSpPr>
+        <p:spPr>
+          <a:xfrm>
+            <a:off x="4723989" y="2318010"/>
+            <a:ext cx="1194938" cy="367136"/>
+          </a:xfrm>
+          <a:prstGeom prst="rect">
+            <a:avLst/>
+          </a:prstGeom>
+          <a:solidFill>
+            <a:schemeClr val="bg1"/>
+          </a:solidFill>
+          <a:ln w="12700"/>
+        </p:spPr>
+        <p:style>
+          <a:lnRef idx="2">
+            <a:schemeClr val="accent1">
+              <a:shade val="50000"/>
+            </a:schemeClr>
+          </a:lnRef>
+          <a:fillRef idx="1">
+            <a:schemeClr val="accent1"/>
+          </a:fillRef>
+          <a:effectRef idx="0">
+            <a:schemeClr val="accent1"/>
+          </a:effectRef>
+          <a:fontRef idx="minor">
+            <a:schemeClr val="lt1"/>
+          </a:fontRef>
+        </p:style>
+        <p:txBody>
+          <a:bodyPr rtlCol="0" anchor="ctr"/>
+          <a:lstStyle/>
+          <a:p>
+            <a:pPr algn="ctr"/>
+            <a:r>
+              <a:rPr lang="tr-TR" sz="1200" b="1" dirty="0">
+                <a:solidFill>
+                  <a:schemeClr val="tx1"/>
+                </a:solidFill>
+              </a:rPr>
+              <a:t>Result is never final</a:t>
+            </a:r>
+          </a:p>
+        </p:txBody>
+      </p:sp>
+      <p:sp>
+        <p:nvSpPr>
+          <p:cNvPr id="20" name="Rectangle 19">
+            <a:extLst>
+              <a:ext uri="{FF2B5EF4-FFF2-40B4-BE49-F238E27FC236}">
+                <a16:creationId xmlns:a16="http://schemas.microsoft.com/office/drawing/2014/main" id="{27E64D89-0E48-4419-9C0E-0E5DDDAA62A7}"/>
+              </a:ext>
+            </a:extLst>
+          </p:cNvPr>
+          <p:cNvSpPr/>
+          <p:nvPr/>
+        </p:nvSpPr>
+        <p:spPr>
+          <a:xfrm>
+            <a:off x="6050225" y="2318010"/>
+            <a:ext cx="1194938" cy="367136"/>
+          </a:xfrm>
+          <a:prstGeom prst="rect">
+            <a:avLst/>
+          </a:prstGeom>
+          <a:solidFill>
+            <a:schemeClr val="bg1"/>
+          </a:solidFill>
+          <a:ln w="12700"/>
+        </p:spPr>
+        <p:style>
+          <a:lnRef idx="2">
+            <a:schemeClr val="accent1">
+              <a:shade val="50000"/>
+            </a:schemeClr>
+          </a:lnRef>
+          <a:fillRef idx="1">
+            <a:schemeClr val="accent1"/>
+          </a:fillRef>
+          <a:effectRef idx="0">
+            <a:schemeClr val="accent1"/>
+          </a:effectRef>
+          <a:fontRef idx="minor">
+            <a:schemeClr val="lt1"/>
+          </a:fontRef>
+        </p:style>
+        <p:txBody>
+          <a:bodyPr rtlCol="0" anchor="ctr"/>
+          <a:lstStyle/>
+          <a:p>
+            <a:pPr algn="ctr"/>
+            <a:r>
+              <a:rPr lang="tr-TR" sz="1200" b="1" dirty="0">
+                <a:solidFill>
+                  <a:schemeClr val="tx1"/>
+                </a:solidFill>
+              </a:rPr>
+              <a:t>PoR depends on external</a:t>
+            </a:r>
+          </a:p>
+        </p:txBody>
+      </p:sp>
+      <p:sp>
+        <p:nvSpPr>
+          <p:cNvPr id="21" name="Rectangle 20">
+            <a:extLst>
+              <a:ext uri="{FF2B5EF4-FFF2-40B4-BE49-F238E27FC236}">
+                <a16:creationId xmlns:a16="http://schemas.microsoft.com/office/drawing/2014/main" id="{A3E653FB-CB4F-47C6-B777-93030FFAC395}"/>
+              </a:ext>
+            </a:extLst>
+          </p:cNvPr>
+          <p:cNvSpPr/>
+          <p:nvPr/>
+        </p:nvSpPr>
+        <p:spPr>
+          <a:xfrm>
+            <a:off x="7376461" y="2318010"/>
+            <a:ext cx="1194938" cy="367136"/>
+          </a:xfrm>
+          <a:prstGeom prst="rect">
+            <a:avLst/>
+          </a:prstGeom>
+          <a:solidFill>
+            <a:schemeClr val="bg1"/>
+          </a:solidFill>
+          <a:ln w="12700"/>
+        </p:spPr>
+        <p:style>
+          <a:lnRef idx="2">
+            <a:schemeClr val="accent1">
+              <a:shade val="50000"/>
+            </a:schemeClr>
+          </a:lnRef>
+          <a:fillRef idx="1">
+            <a:schemeClr val="accent1"/>
+          </a:fillRef>
+          <a:effectRef idx="0">
+            <a:schemeClr val="accent1"/>
+          </a:effectRef>
+          <a:fontRef idx="minor">
+            <a:schemeClr val="lt1"/>
+          </a:fontRef>
+        </p:style>
+        <p:txBody>
+          <a:bodyPr rtlCol="0" anchor="ctr"/>
+          <a:lstStyle/>
+          <a:p>
+            <a:pPr algn="ctr"/>
+            <a:r>
+              <a:rPr lang="tr-TR" sz="1200" b="1" dirty="0">
+                <a:solidFill>
+                  <a:schemeClr val="tx1"/>
+                </a:solidFill>
+              </a:rPr>
+              <a:t>Inaction</a:t>
+            </a:r>
+          </a:p>
+        </p:txBody>
+      </p:sp>
+      <p:sp>
+        <p:nvSpPr>
+          <p:cNvPr id="22" name="Rectangle 21">
+            <a:extLst>
+              <a:ext uri="{FF2B5EF4-FFF2-40B4-BE49-F238E27FC236}">
+                <a16:creationId xmlns:a16="http://schemas.microsoft.com/office/drawing/2014/main" id="{13F14650-BFD3-4BDE-BF75-4CC72F6D02E1}"/>
+              </a:ext>
+            </a:extLst>
+          </p:cNvPr>
+          <p:cNvSpPr/>
+          <p:nvPr/>
+        </p:nvSpPr>
+        <p:spPr>
+          <a:xfrm>
+            <a:off x="5296075" y="1248863"/>
+            <a:ext cx="1245704" cy="503583"/>
+          </a:xfrm>
+          <a:prstGeom prst="rect">
+            <a:avLst/>
+          </a:prstGeom>
+          <a:solidFill>
+            <a:schemeClr val="bg1"/>
+          </a:solidFill>
+          <a:ln w="28575"/>
+        </p:spPr>
+        <p:style>
+          <a:lnRef idx="2">
+            <a:schemeClr val="accent1">
+              <a:shade val="50000"/>
+            </a:schemeClr>
+          </a:lnRef>
+          <a:fillRef idx="1">
+            <a:schemeClr val="accent1"/>
+          </a:fillRef>
+          <a:effectRef idx="0">
+            <a:schemeClr val="accent1"/>
+          </a:effectRef>
+          <a:fontRef idx="minor">
+            <a:schemeClr val="lt1"/>
+          </a:fontRef>
+        </p:style>
+        <p:txBody>
+          <a:bodyPr rtlCol="0" anchor="ctr"/>
+          <a:lstStyle/>
+          <a:p>
+            <a:pPr algn="ctr"/>
+            <a:r>
+              <a:rPr lang="tr-TR" b="1" dirty="0">
+                <a:solidFill>
+                  <a:schemeClr val="tx1"/>
+                </a:solidFill>
+              </a:rPr>
+              <a:t>assessing probs</a:t>
+            </a:r>
+          </a:p>
+        </p:txBody>
+      </p:sp>
+      <p:cxnSp>
+        <p:nvCxnSpPr>
+          <p:cNvPr id="24" name="Connector: Curved 23">
+            <a:extLst>
+              <a:ext uri="{FF2B5EF4-FFF2-40B4-BE49-F238E27FC236}">
+                <a16:creationId xmlns:a16="http://schemas.microsoft.com/office/drawing/2014/main" id="{15C5619D-BEFA-4A1C-8BF2-1FB6F1B40884}"/>
+              </a:ext>
+            </a:extLst>
+          </p:cNvPr>
+          <p:cNvCxnSpPr>
+            <a:stCxn id="18" idx="0"/>
+            <a:endCxn id="22" idx="1"/>
+          </p:cNvCxnSpPr>
+          <p:nvPr/>
+        </p:nvCxnSpPr>
+        <p:spPr>
+          <a:xfrm rot="5400000" flipH="1" flipV="1">
+            <a:off x="4236971" y="1258907"/>
+            <a:ext cx="817355" cy="1300853"/>
           </a:xfrm>
           <a:prstGeom prst="curvedConnector2">
             <a:avLst/>
@@ -6459,25 +6463,25 @@
       </p:cxnSp>
       <p:cxnSp>
         <p:nvCxnSpPr>
-          <p:cNvPr id="47" name="Connector: Curved 46">
-            <a:extLst>
-              <a:ext uri="{FF2B5EF4-FFF2-40B4-BE49-F238E27FC236}">
-                <a16:creationId xmlns:a16="http://schemas.microsoft.com/office/drawing/2014/main" id="{DD58259F-DEC1-458E-90AB-258D7E045DF9}"/>
+          <p:cNvPr id="26" name="Connector: Curved 25">
+            <a:extLst>
+              <a:ext uri="{FF2B5EF4-FFF2-40B4-BE49-F238E27FC236}">
+                <a16:creationId xmlns:a16="http://schemas.microsoft.com/office/drawing/2014/main" id="{BA7051FC-10D7-47C5-8560-6BC2A6206B24}"/>
               </a:ext>
             </a:extLst>
           </p:cNvPr>
           <p:cNvCxnSpPr>
-            <a:stCxn id="18" idx="2"/>
-            <a:endCxn id="22" idx="1"/>
+            <a:stCxn id="19" idx="0"/>
+            <a:endCxn id="22" idx="2"/>
           </p:cNvCxnSpPr>
           <p:nvPr/>
         </p:nvCxnSpPr>
         <p:spPr>
-          <a:xfrm rot="16200000" flipH="1">
-            <a:off x="4163603" y="3517003"/>
-            <a:ext cx="686306" cy="1393105"/>
-          </a:xfrm>
-          <a:prstGeom prst="curvedConnector2">
+          <a:xfrm rot="5400000" flipH="1" flipV="1">
+            <a:off x="5337410" y="1736494"/>
+            <a:ext cx="565564" cy="597469"/>
+          </a:xfrm>
+          <a:prstGeom prst="curvedConnector3">
             <a:avLst/>
           </a:prstGeom>
           <a:ln>
@@ -6501,25 +6505,25 @@
       </p:cxnSp>
       <p:cxnSp>
         <p:nvCxnSpPr>
-          <p:cNvPr id="49" name="Connector: Curved 48">
-            <a:extLst>
-              <a:ext uri="{FF2B5EF4-FFF2-40B4-BE49-F238E27FC236}">
-                <a16:creationId xmlns:a16="http://schemas.microsoft.com/office/drawing/2014/main" id="{3D0922D9-3667-42D2-8CB1-F30FC979943E}"/>
+          <p:cNvPr id="28" name="Connector: Curved 27">
+            <a:extLst>
+              <a:ext uri="{FF2B5EF4-FFF2-40B4-BE49-F238E27FC236}">
+                <a16:creationId xmlns:a16="http://schemas.microsoft.com/office/drawing/2014/main" id="{B2D4870C-DF73-47FC-9ED0-BF958C1D3EFB}"/>
               </a:ext>
             </a:extLst>
           </p:cNvPr>
           <p:cNvCxnSpPr>
-            <a:stCxn id="21" idx="2"/>
-            <a:endCxn id="22" idx="3"/>
+            <a:stCxn id="20" idx="0"/>
+            <a:endCxn id="22" idx="2"/>
           </p:cNvCxnSpPr>
           <p:nvPr/>
         </p:nvCxnSpPr>
         <p:spPr>
-          <a:xfrm rot="5400000">
-            <a:off x="6775810" y="3543607"/>
-            <a:ext cx="686306" cy="1339899"/>
-          </a:xfrm>
-          <a:prstGeom prst="curvedConnector2">
+          <a:xfrm rot="16200000" flipV="1">
+            <a:off x="6000529" y="1670844"/>
+            <a:ext cx="565564" cy="728767"/>
+          </a:xfrm>
+          <a:prstGeom prst="curvedConnector3">
             <a:avLst/>
           </a:prstGeom>
           <a:ln>
@@ -6543,25 +6547,25 @@
       </p:cxnSp>
       <p:cxnSp>
         <p:nvCxnSpPr>
-          <p:cNvPr id="51" name="Connector: Curved 50">
-            <a:extLst>
-              <a:ext uri="{FF2B5EF4-FFF2-40B4-BE49-F238E27FC236}">
-                <a16:creationId xmlns:a16="http://schemas.microsoft.com/office/drawing/2014/main" id="{B4581BB5-872B-439A-88C2-328A33C99A12}"/>
+          <p:cNvPr id="30" name="Connector: Curved 29">
+            <a:extLst>
+              <a:ext uri="{FF2B5EF4-FFF2-40B4-BE49-F238E27FC236}">
+                <a16:creationId xmlns:a16="http://schemas.microsoft.com/office/drawing/2014/main" id="{5D41BA06-59A5-4CC7-B46B-EAEC125566C9}"/>
               </a:ext>
             </a:extLst>
           </p:cNvPr>
           <p:cNvCxnSpPr>
-            <a:stCxn id="19" idx="2"/>
-            <a:endCxn id="22" idx="0"/>
+            <a:stCxn id="21" idx="0"/>
+            <a:endCxn id="22" idx="3"/>
           </p:cNvCxnSpPr>
           <p:nvPr/>
         </p:nvCxnSpPr>
         <p:spPr>
-          <a:xfrm rot="16200000" flipH="1">
-            <a:off x="5264043" y="3742799"/>
-            <a:ext cx="434514" cy="689721"/>
-          </a:xfrm>
-          <a:prstGeom prst="curvedConnector3">
+          <a:xfrm rot="16200000" flipV="1">
+            <a:off x="6849178" y="1193257"/>
+            <a:ext cx="817355" cy="1432151"/>
+          </a:xfrm>
+          <a:prstGeom prst="curvedConnector2">
             <a:avLst/>
           </a:prstGeom>
           <a:ln>
@@ -6585,28 +6589,30 @@
       </p:cxnSp>
       <p:cxnSp>
         <p:nvCxnSpPr>
-          <p:cNvPr id="53" name="Connector: Curved 52">
-            <a:extLst>
-              <a:ext uri="{FF2B5EF4-FFF2-40B4-BE49-F238E27FC236}">
-                <a16:creationId xmlns:a16="http://schemas.microsoft.com/office/drawing/2014/main" id="{432E972F-11ED-47F2-B363-157C1BCCC9A4}"/>
+          <p:cNvPr id="34" name="Straight Arrow Connector 33">
+            <a:extLst>
+              <a:ext uri="{FF2B5EF4-FFF2-40B4-BE49-F238E27FC236}">
+                <a16:creationId xmlns:a16="http://schemas.microsoft.com/office/drawing/2014/main" id="{3AFB344E-A578-47F1-BA3F-26AD51454F41}"/>
               </a:ext>
             </a:extLst>
           </p:cNvPr>
           <p:cNvCxnSpPr>
-            <a:stCxn id="20" idx="2"/>
-            <a:endCxn id="22" idx="0"/>
+            <a:cxnSpLocks/>
+            <a:stCxn id="4" idx="0"/>
+            <a:endCxn id="18" idx="2"/>
           </p:cNvCxnSpPr>
           <p:nvPr/>
         </p:nvCxnSpPr>
         <p:spPr>
-          <a:xfrm rot="5400000">
-            <a:off x="5927162" y="3769403"/>
-            <a:ext cx="434514" cy="636515"/>
-          </a:xfrm>
-          <a:prstGeom prst="curvedConnector3">
+          <a:xfrm flipV="1">
+            <a:off x="3983502" y="2685146"/>
+            <a:ext cx="11720" cy="310457"/>
+          </a:xfrm>
+          <a:prstGeom prst="straightConnector1">
             <a:avLst/>
           </a:prstGeom>
-          <a:ln>
+          <a:ln w="6350">
+            <a:prstDash val="sysDash"/>
             <a:tailEnd type="triangle"/>
           </a:ln>
         </p:spPr>
@@ -6627,28 +6633,27 @@
       </p:cxnSp>
       <p:cxnSp>
         <p:nvCxnSpPr>
-          <p:cNvPr id="55" name="Straight Arrow Connector 54">
-            <a:extLst>
-              <a:ext uri="{FF2B5EF4-FFF2-40B4-BE49-F238E27FC236}">
-                <a16:creationId xmlns:a16="http://schemas.microsoft.com/office/drawing/2014/main" id="{6DCD8785-9816-42AD-A853-D813DAE2B0A8}"/>
+          <p:cNvPr id="37" name="Straight Arrow Connector 36">
+            <a:extLst>
+              <a:ext uri="{FF2B5EF4-FFF2-40B4-BE49-F238E27FC236}">
+                <a16:creationId xmlns:a16="http://schemas.microsoft.com/office/drawing/2014/main" id="{4D7807FF-AB48-4CB3-BDD3-4D029240DABD}"/>
               </a:ext>
             </a:extLst>
           </p:cNvPr>
           <p:cNvCxnSpPr>
-            <a:stCxn id="4" idx="2"/>
-            <a:endCxn id="18" idx="0"/>
+            <a:cxnSpLocks/>
           </p:cNvCxnSpPr>
           <p:nvPr/>
         </p:nvCxnSpPr>
         <p:spPr>
-          <a:xfrm>
-            <a:off x="3810204" y="3117129"/>
-            <a:ext cx="0" cy="386138"/>
+          <a:xfrm flipV="1">
+            <a:off x="5317583" y="2682798"/>
+            <a:ext cx="11720" cy="310457"/>
           </a:xfrm>
           <a:prstGeom prst="straightConnector1">
             <a:avLst/>
           </a:prstGeom>
-          <a:ln w="19050">
+          <a:ln w="6350">
             <a:prstDash val="sysDash"/>
             <a:tailEnd type="triangle"/>
           </a:ln>
@@ -6670,25 +6675,27 @@
       </p:cxnSp>
       <p:cxnSp>
         <p:nvCxnSpPr>
-          <p:cNvPr id="56" name="Straight Arrow Connector 55">
-            <a:extLst>
-              <a:ext uri="{FF2B5EF4-FFF2-40B4-BE49-F238E27FC236}">
-                <a16:creationId xmlns:a16="http://schemas.microsoft.com/office/drawing/2014/main" id="{F9248320-43D3-420B-9888-55AC8FA230C0}"/>
-              </a:ext>
-            </a:extLst>
-          </p:cNvPr>
-          <p:cNvCxnSpPr/>
+          <p:cNvPr id="38" name="Straight Arrow Connector 37">
+            <a:extLst>
+              <a:ext uri="{FF2B5EF4-FFF2-40B4-BE49-F238E27FC236}">
+                <a16:creationId xmlns:a16="http://schemas.microsoft.com/office/drawing/2014/main" id="{E043BA92-625E-4BB5-944C-12C257A96B56}"/>
+              </a:ext>
+            </a:extLst>
+          </p:cNvPr>
+          <p:cNvCxnSpPr>
+            <a:cxnSpLocks/>
+          </p:cNvCxnSpPr>
           <p:nvPr/>
         </p:nvCxnSpPr>
         <p:spPr>
-          <a:xfrm>
-            <a:off x="5203309" y="3117129"/>
-            <a:ext cx="0" cy="386138"/>
+          <a:xfrm flipV="1">
+            <a:off x="6639950" y="2682798"/>
+            <a:ext cx="11720" cy="310457"/>
           </a:xfrm>
           <a:prstGeom prst="straightConnector1">
             <a:avLst/>
           </a:prstGeom>
-          <a:ln w="19050">
+          <a:ln w="6350">
             <a:prstDash val="sysDash"/>
             <a:tailEnd type="triangle"/>
           </a:ln>
@@ -6710,25 +6717,27 @@
       </p:cxnSp>
       <p:cxnSp>
         <p:nvCxnSpPr>
-          <p:cNvPr id="57" name="Straight Arrow Connector 56">
-            <a:extLst>
-              <a:ext uri="{FF2B5EF4-FFF2-40B4-BE49-F238E27FC236}">
-                <a16:creationId xmlns:a16="http://schemas.microsoft.com/office/drawing/2014/main" id="{88EF90FE-1B64-489D-876D-BF7484C21E78}"/>
-              </a:ext>
-            </a:extLst>
-          </p:cNvPr>
-          <p:cNvCxnSpPr/>
+          <p:cNvPr id="39" name="Straight Arrow Connector 38">
+            <a:extLst>
+              <a:ext uri="{FF2B5EF4-FFF2-40B4-BE49-F238E27FC236}">
+                <a16:creationId xmlns:a16="http://schemas.microsoft.com/office/drawing/2014/main" id="{80AB9009-8F5C-4209-A9D3-5B868C90AAA8}"/>
+              </a:ext>
+            </a:extLst>
+          </p:cNvPr>
+          <p:cNvCxnSpPr>
+            <a:cxnSpLocks/>
+          </p:cNvCxnSpPr>
           <p:nvPr/>
         </p:nvCxnSpPr>
         <p:spPr>
-          <a:xfrm>
-            <a:off x="6488059" y="3117129"/>
-            <a:ext cx="0" cy="386138"/>
+          <a:xfrm flipV="1">
+            <a:off x="7964558" y="2669881"/>
+            <a:ext cx="11720" cy="310457"/>
           </a:xfrm>
           <a:prstGeom prst="straightConnector1">
             <a:avLst/>
           </a:prstGeom>
-          <a:ln w="19050">
+          <a:ln w="6350">
             <a:prstDash val="sysDash"/>
             <a:tailEnd type="triangle"/>
           </a:ln>
@@ -6748,52 +6757,12 @@
           </a:fontRef>
         </p:style>
       </p:cxnSp>
-      <p:cxnSp>
-        <p:nvCxnSpPr>
-          <p:cNvPr id="58" name="Straight Arrow Connector 57">
-            <a:extLst>
-              <a:ext uri="{FF2B5EF4-FFF2-40B4-BE49-F238E27FC236}">
-                <a16:creationId xmlns:a16="http://schemas.microsoft.com/office/drawing/2014/main" id="{EDA8A80C-DBE9-44F4-846D-AD7B794611A8}"/>
-              </a:ext>
-            </a:extLst>
-          </p:cNvPr>
-          <p:cNvCxnSpPr/>
-          <p:nvPr/>
-        </p:nvCxnSpPr>
-        <p:spPr>
-          <a:xfrm>
-            <a:off x="7788912" y="3117129"/>
-            <a:ext cx="0" cy="386138"/>
-          </a:xfrm>
-          <a:prstGeom prst="straightConnector1">
-            <a:avLst/>
-          </a:prstGeom>
-          <a:ln w="19050">
-            <a:prstDash val="sysDash"/>
-            <a:tailEnd type="triangle"/>
-          </a:ln>
-        </p:spPr>
-        <p:style>
-          <a:lnRef idx="1">
-            <a:schemeClr val="accent1"/>
-          </a:lnRef>
-          <a:fillRef idx="0">
-            <a:schemeClr val="accent1"/>
-          </a:fillRef>
-          <a:effectRef idx="0">
-            <a:schemeClr val="accent1"/>
-          </a:effectRef>
-          <a:fontRef idx="minor">
-            <a:schemeClr val="tx1"/>
-          </a:fontRef>
-        </p:style>
-      </p:cxnSp>
-      <p:sp>
-        <p:nvSpPr>
-          <p:cNvPr id="61" name="Rectangle 60">
-            <a:extLst>
-              <a:ext uri="{FF2B5EF4-FFF2-40B4-BE49-F238E27FC236}">
-                <a16:creationId xmlns:a16="http://schemas.microsoft.com/office/drawing/2014/main" id="{4F978FE0-3541-49C8-A4CD-5E37938A7D85}"/>
+      <p:sp>
+        <p:nvSpPr>
+          <p:cNvPr id="40" name="Rectangle 39">
+            <a:extLst>
+              <a:ext uri="{FF2B5EF4-FFF2-40B4-BE49-F238E27FC236}">
+                <a16:creationId xmlns:a16="http://schemas.microsoft.com/office/drawing/2014/main" id="{EADD8FC8-3A6A-4084-B189-B8D62C8CD5E1}"/>
               </a:ext>
             </a:extLst>
           </p:cNvPr>
@@ -6802,8 +6771,8 @@
         </p:nvSpPr>
         <p:spPr>
           <a:xfrm>
-            <a:off x="1876302" y="500046"/>
-            <a:ext cx="7977809" cy="503583"/>
+            <a:off x="5110034" y="4646667"/>
+            <a:ext cx="1617786" cy="503583"/>
           </a:xfrm>
           <a:prstGeom prst="rect">
             <a:avLst/>
@@ -6840,254 +6809,15 @@
                   <a:srgbClr val="FF0000"/>
                 </a:solidFill>
               </a:rPr>
-              <a:t>1st Definition of War: </a:t>
-            </a:r>
-            <a:r>
-              <a:rPr lang="en-US" b="1" dirty="0">
-                <a:solidFill>
-                  <a:schemeClr val="tx1"/>
-                </a:solidFill>
-              </a:rPr>
-              <a:t>War is an act of force to compel </a:t>
-            </a:r>
-            <a:r>
-              <a:rPr lang="tr-TR" b="1" dirty="0">
-                <a:solidFill>
-                  <a:schemeClr val="tx1"/>
-                </a:solidFill>
-              </a:rPr>
-              <a:t>enemy </a:t>
-            </a:r>
-            <a:r>
-              <a:rPr lang="en-US" b="1" dirty="0">
-                <a:solidFill>
-                  <a:schemeClr val="tx1"/>
-                </a:solidFill>
-              </a:rPr>
-              <a:t>to do our will</a:t>
-            </a:r>
-            <a:endParaRPr lang="tr-TR" b="1" dirty="0">
-              <a:solidFill>
-                <a:schemeClr val="tx1"/>
-              </a:solidFill>
-            </a:endParaRPr>
-          </a:p>
-        </p:txBody>
-      </p:sp>
-      <p:sp>
-        <p:nvSpPr>
-          <p:cNvPr id="62" name="TextBox 61">
-            <a:extLst>
-              <a:ext uri="{FF2B5EF4-FFF2-40B4-BE49-F238E27FC236}">
-                <a16:creationId xmlns:a16="http://schemas.microsoft.com/office/drawing/2014/main" id="{8C01BDAC-B907-4817-B701-487A7F4C05FC}"/>
-              </a:ext>
-            </a:extLst>
-          </p:cNvPr>
-          <p:cNvSpPr txBox="1"/>
-          <p:nvPr/>
-        </p:nvSpPr>
-        <p:spPr>
-          <a:xfrm>
-            <a:off x="3212735" y="10612659"/>
-            <a:ext cx="6370651" cy="369332"/>
-          </a:xfrm>
-          <a:prstGeom prst="rect">
-            <a:avLst/>
-          </a:prstGeom>
-          <a:noFill/>
-        </p:spPr>
-        <p:txBody>
-          <a:bodyPr wrap="square" rtlCol="0">
-            <a:spAutoFit/>
-          </a:bodyPr>
-          <a:lstStyle/>
-          <a:p>
-            <a:r>
-              <a:rPr lang="tr-TR" dirty="0"/>
-              <a:t>War is </a:t>
-            </a:r>
-            <a:r>
-              <a:rPr lang="en-US" dirty="0"/>
-              <a:t>War is merely the continuation of policy by other means</a:t>
-            </a:r>
-            <a:endParaRPr lang="tr-TR" dirty="0"/>
-          </a:p>
-        </p:txBody>
-      </p:sp>
-      <p:sp>
-        <p:nvSpPr>
-          <p:cNvPr id="63" name="Rectangle 62">
-            <a:extLst>
-              <a:ext uri="{FF2B5EF4-FFF2-40B4-BE49-F238E27FC236}">
-                <a16:creationId xmlns:a16="http://schemas.microsoft.com/office/drawing/2014/main" id="{59EFEAB5-C406-4EE1-BBD1-055B497DA6E8}"/>
-              </a:ext>
-            </a:extLst>
-          </p:cNvPr>
-          <p:cNvSpPr/>
-          <p:nvPr/>
-        </p:nvSpPr>
-        <p:spPr>
-          <a:xfrm>
-            <a:off x="1665742" y="5425325"/>
-            <a:ext cx="8604694" cy="503583"/>
-          </a:xfrm>
-          <a:prstGeom prst="rect">
-            <a:avLst/>
-          </a:prstGeom>
-          <a:solidFill>
-            <a:schemeClr val="bg1"/>
-          </a:solidFill>
-          <a:ln w="28575"/>
-        </p:spPr>
-        <p:style>
-          <a:lnRef idx="2">
-            <a:schemeClr val="accent1">
-              <a:shade val="50000"/>
-            </a:schemeClr>
-          </a:lnRef>
-          <a:fillRef idx="1">
-            <a:schemeClr val="accent1"/>
-          </a:fillRef>
-          <a:effectRef idx="0">
-            <a:schemeClr val="accent1"/>
-          </a:effectRef>
-          <a:fontRef idx="minor">
-            <a:schemeClr val="lt1"/>
-          </a:fontRef>
-        </p:style>
-        <p:txBody>
-          <a:bodyPr rtlCol="0" anchor="ctr"/>
-          <a:lstStyle/>
-          <a:p>
-            <a:pPr algn="ctr"/>
-            <a:r>
-              <a:rPr lang="tr-TR" b="1" dirty="0">
-                <a:solidFill>
-                  <a:srgbClr val="FF0000"/>
-                </a:solidFill>
-              </a:rPr>
-              <a:t>2nd Definition of War</a:t>
-            </a:r>
-            <a:r>
-              <a:rPr lang="tr-TR" b="1" dirty="0">
-                <a:solidFill>
-                  <a:schemeClr val="tx1"/>
-                </a:solidFill>
-              </a:rPr>
-              <a:t>: </a:t>
-            </a:r>
-            <a:r>
-              <a:rPr lang="en-US" b="1" dirty="0">
-                <a:solidFill>
-                  <a:schemeClr val="tx1"/>
-                </a:solidFill>
-              </a:rPr>
-              <a:t>War is merely the continuation of policy by other means</a:t>
-            </a:r>
-            <a:endParaRPr lang="tr-TR" b="1" dirty="0">
-              <a:solidFill>
-                <a:schemeClr val="tx1"/>
-              </a:solidFill>
-            </a:endParaRPr>
-          </a:p>
-        </p:txBody>
-      </p:sp>
-      <p:sp>
-        <p:nvSpPr>
-          <p:cNvPr id="2" name="Arrow: Down 1">
-            <a:extLst>
-              <a:ext uri="{FF2B5EF4-FFF2-40B4-BE49-F238E27FC236}">
-                <a16:creationId xmlns:a16="http://schemas.microsoft.com/office/drawing/2014/main" id="{0CE6A595-1EF1-452E-B9B6-8D783E4FDB23}"/>
-              </a:ext>
-            </a:extLst>
-          </p:cNvPr>
-          <p:cNvSpPr/>
-          <p:nvPr/>
-        </p:nvSpPr>
-        <p:spPr>
-          <a:xfrm>
-            <a:off x="5679675" y="1049159"/>
-            <a:ext cx="371061" cy="458052"/>
-          </a:xfrm>
-          <a:prstGeom prst="downArrow">
-            <a:avLst/>
-          </a:prstGeom>
-        </p:spPr>
-        <p:style>
-          <a:lnRef idx="2">
-            <a:schemeClr val="accent1">
-              <a:shade val="50000"/>
-            </a:schemeClr>
-          </a:lnRef>
-          <a:fillRef idx="1">
-            <a:schemeClr val="accent1"/>
-          </a:fillRef>
-          <a:effectRef idx="0">
-            <a:schemeClr val="accent1"/>
-          </a:effectRef>
-          <a:fontRef idx="minor">
-            <a:schemeClr val="lt1"/>
-          </a:fontRef>
-        </p:style>
-        <p:txBody>
-          <a:bodyPr rtlCol="0" anchor="ctr"/>
-          <a:lstStyle/>
-          <a:p>
-            <a:pPr algn="ctr"/>
-            <a:endParaRPr lang="tr-TR"/>
-          </a:p>
-        </p:txBody>
-      </p:sp>
-      <p:sp>
-        <p:nvSpPr>
-          <p:cNvPr id="31" name="Arrow: Down 30">
-            <a:extLst>
-              <a:ext uri="{FF2B5EF4-FFF2-40B4-BE49-F238E27FC236}">
-                <a16:creationId xmlns:a16="http://schemas.microsoft.com/office/drawing/2014/main" id="{0D0EA8F8-EBE6-4407-B3E0-BCEC95803A50}"/>
-              </a:ext>
-            </a:extLst>
-          </p:cNvPr>
-          <p:cNvSpPr/>
-          <p:nvPr/>
-        </p:nvSpPr>
-        <p:spPr>
-          <a:xfrm>
-            <a:off x="5597028" y="4887886"/>
-            <a:ext cx="371061" cy="458052"/>
-          </a:xfrm>
-          <a:prstGeom prst="downArrow">
-            <a:avLst/>
-          </a:prstGeom>
-        </p:spPr>
-        <p:style>
-          <a:lnRef idx="2">
-            <a:schemeClr val="accent1">
-              <a:shade val="50000"/>
-            </a:schemeClr>
-          </a:lnRef>
-          <a:fillRef idx="1">
-            <a:schemeClr val="accent1"/>
-          </a:fillRef>
-          <a:effectRef idx="0">
-            <a:schemeClr val="accent1"/>
-          </a:effectRef>
-          <a:fontRef idx="minor">
-            <a:schemeClr val="lt1"/>
-          </a:fontRef>
-        </p:style>
-        <p:txBody>
-          <a:bodyPr rtlCol="0" anchor="ctr"/>
-          <a:lstStyle/>
-          <a:p>
-            <a:pPr algn="ctr"/>
-            <a:endParaRPr lang="tr-TR"/>
+              <a:t>Modifications</a:t>
+            </a:r>
           </a:p>
         </p:txBody>
       </p:sp>
     </p:spTree>
     <p:extLst>
       <p:ext uri="{BB962C8B-B14F-4D97-AF65-F5344CB8AC3E}">
-        <p14:creationId xmlns:p14="http://schemas.microsoft.com/office/powerpoint/2010/main" val="1934757000"/>
+        <p14:creationId xmlns:p14="http://schemas.microsoft.com/office/powerpoint/2010/main" val="3025094090"/>
       </p:ext>
     </p:extLst>
   </p:cSld>

--- a/onWar.pptx
+++ b/onWar.pptx
@@ -5,10 +5,14 @@
     <p:sldMasterId id="2147483648" r:id="rId1"/>
   </p:sldMasterIdLst>
   <p:sldIdLst>
-    <p:sldId id="259" r:id="rId2"/>
-    <p:sldId id="260" r:id="rId3"/>
-    <p:sldId id="258" r:id="rId4"/>
-    <p:sldId id="257" r:id="rId5"/>
+    <p:sldId id="262" r:id="rId2"/>
+    <p:sldId id="259" r:id="rId3"/>
+    <p:sldId id="260" r:id="rId4"/>
+    <p:sldId id="258" r:id="rId5"/>
+    <p:sldId id="257" r:id="rId6"/>
+    <p:sldId id="261" r:id="rId7"/>
+    <p:sldId id="263" r:id="rId8"/>
+    <p:sldId id="264" r:id="rId9"/>
   </p:sldIdLst>
   <p:sldSz cx="12192000" cy="6858000"/>
   <p:notesSz cx="6858000" cy="9144000"/>
@@ -264,7 +268,7 @@
           <a:p>
             <a:fld id="{31378DDD-3F40-4525-828E-B435240C27D8}" type="datetimeFigureOut">
               <a:rPr lang="tr-TR" smtClean="0"/>
-              <a:t>14.11.2021</a:t>
+              <a:t>24.03.2022</a:t>
             </a:fld>
             <a:endParaRPr lang="tr-TR"/>
           </a:p>
@@ -464,7 +468,7 @@
           <a:p>
             <a:fld id="{31378DDD-3F40-4525-828E-B435240C27D8}" type="datetimeFigureOut">
               <a:rPr lang="tr-TR" smtClean="0"/>
-              <a:t>14.11.2021</a:t>
+              <a:t>24.03.2022</a:t>
             </a:fld>
             <a:endParaRPr lang="tr-TR"/>
           </a:p>
@@ -674,7 +678,7 @@
           <a:p>
             <a:fld id="{31378DDD-3F40-4525-828E-B435240C27D8}" type="datetimeFigureOut">
               <a:rPr lang="tr-TR" smtClean="0"/>
-              <a:t>14.11.2021</a:t>
+              <a:t>24.03.2022</a:t>
             </a:fld>
             <a:endParaRPr lang="tr-TR"/>
           </a:p>
@@ -874,7 +878,7 @@
           <a:p>
             <a:fld id="{31378DDD-3F40-4525-828E-B435240C27D8}" type="datetimeFigureOut">
               <a:rPr lang="tr-TR" smtClean="0"/>
-              <a:t>14.11.2021</a:t>
+              <a:t>24.03.2022</a:t>
             </a:fld>
             <a:endParaRPr lang="tr-TR"/>
           </a:p>
@@ -1150,7 +1154,7 @@
           <a:p>
             <a:fld id="{31378DDD-3F40-4525-828E-B435240C27D8}" type="datetimeFigureOut">
               <a:rPr lang="tr-TR" smtClean="0"/>
-              <a:t>14.11.2021</a:t>
+              <a:t>24.03.2022</a:t>
             </a:fld>
             <a:endParaRPr lang="tr-TR"/>
           </a:p>
@@ -1418,7 +1422,7 @@
           <a:p>
             <a:fld id="{31378DDD-3F40-4525-828E-B435240C27D8}" type="datetimeFigureOut">
               <a:rPr lang="tr-TR" smtClean="0"/>
-              <a:t>14.11.2021</a:t>
+              <a:t>24.03.2022</a:t>
             </a:fld>
             <a:endParaRPr lang="tr-TR"/>
           </a:p>
@@ -1833,7 +1837,7 @@
           <a:p>
             <a:fld id="{31378DDD-3F40-4525-828E-B435240C27D8}" type="datetimeFigureOut">
               <a:rPr lang="tr-TR" smtClean="0"/>
-              <a:t>14.11.2021</a:t>
+              <a:t>24.03.2022</a:t>
             </a:fld>
             <a:endParaRPr lang="tr-TR"/>
           </a:p>
@@ -1975,7 +1979,7 @@
           <a:p>
             <a:fld id="{31378DDD-3F40-4525-828E-B435240C27D8}" type="datetimeFigureOut">
               <a:rPr lang="tr-TR" smtClean="0"/>
-              <a:t>14.11.2021</a:t>
+              <a:t>24.03.2022</a:t>
             </a:fld>
             <a:endParaRPr lang="tr-TR"/>
           </a:p>
@@ -2088,7 +2092,7 @@
           <a:p>
             <a:fld id="{31378DDD-3F40-4525-828E-B435240C27D8}" type="datetimeFigureOut">
               <a:rPr lang="tr-TR" smtClean="0"/>
-              <a:t>14.11.2021</a:t>
+              <a:t>24.03.2022</a:t>
             </a:fld>
             <a:endParaRPr lang="tr-TR"/>
           </a:p>
@@ -2401,7 +2405,7 @@
           <a:p>
             <a:fld id="{31378DDD-3F40-4525-828E-B435240C27D8}" type="datetimeFigureOut">
               <a:rPr lang="tr-TR" smtClean="0"/>
-              <a:t>14.11.2021</a:t>
+              <a:t>24.03.2022</a:t>
             </a:fld>
             <a:endParaRPr lang="tr-TR"/>
           </a:p>
@@ -2690,7 +2694,7 @@
           <a:p>
             <a:fld id="{31378DDD-3F40-4525-828E-B435240C27D8}" type="datetimeFigureOut">
               <a:rPr lang="tr-TR" smtClean="0"/>
-              <a:t>14.11.2021</a:t>
+              <a:t>24.03.2022</a:t>
             </a:fld>
             <a:endParaRPr lang="tr-TR"/>
           </a:p>
@@ -2933,7 +2937,7 @@
           <a:p>
             <a:fld id="{31378DDD-3F40-4525-828E-B435240C27D8}" type="datetimeFigureOut">
               <a:rPr lang="tr-TR" smtClean="0"/>
-              <a:t>14.11.2021</a:t>
+              <a:t>24.03.2022</a:t>
             </a:fld>
             <a:endParaRPr lang="tr-TR"/>
           </a:p>
@@ -3355,7 +3359,7 @@
           <p:cNvPr id="2" name="Title 1">
             <a:extLst>
               <a:ext uri="{FF2B5EF4-FFF2-40B4-BE49-F238E27FC236}">
-                <a16:creationId xmlns:a16="http://schemas.microsoft.com/office/drawing/2014/main" id="{ABCD39DF-FDC2-4973-8086-8B25538797A9}"/>
+                <a16:creationId xmlns:a16="http://schemas.microsoft.com/office/drawing/2014/main" id="{3227B6C9-CD07-4D77-98AD-C426105A3DA3}"/>
               </a:ext>
             </a:extLst>
           </p:cNvPr>
@@ -3368,8 +3372,8 @@
         </p:nvSpPr>
         <p:spPr>
           <a:xfrm>
-            <a:off x="838200" y="365125"/>
-            <a:ext cx="10515600" cy="840823"/>
+            <a:off x="745435" y="224907"/>
+            <a:ext cx="10515600" cy="912260"/>
           </a:xfrm>
         </p:spPr>
         <p:txBody>
@@ -3378,19 +3382,16 @@
           </a:bodyPr>
           <a:lstStyle/>
           <a:p>
-            <a:r>
-              <a:rPr lang="tr-TR" sz="3200" b="1" dirty="0"/>
-              <a:t>Definition</a:t>
-            </a:r>
-          </a:p>
-        </p:txBody>
-      </p:sp>
-      <p:sp>
-        <p:nvSpPr>
-          <p:cNvPr id="4" name="Rectangle 3">
-            <a:extLst>
-              <a:ext uri="{FF2B5EF4-FFF2-40B4-BE49-F238E27FC236}">
-                <a16:creationId xmlns:a16="http://schemas.microsoft.com/office/drawing/2014/main" id="{5AC11450-A6A7-436F-885E-E1E2BB7FEAEA}"/>
+            <a:endParaRPr lang="tr-TR" sz="3600" b="1" dirty="0"/>
+          </a:p>
+        </p:txBody>
+      </p:sp>
+      <p:sp>
+        <p:nvSpPr>
+          <p:cNvPr id="8" name="Rectangle: Rounded Corners 7">
+            <a:extLst>
+              <a:ext uri="{FF2B5EF4-FFF2-40B4-BE49-F238E27FC236}">
+                <a16:creationId xmlns:a16="http://schemas.microsoft.com/office/drawing/2014/main" id="{20BA46CC-822C-4F08-9DA9-A3F2B5528E42}"/>
               </a:ext>
             </a:extLst>
           </p:cNvPr>
@@ -3399,16 +3400,23 @@
         </p:nvSpPr>
         <p:spPr>
           <a:xfrm>
-            <a:off x="2107095" y="1079139"/>
-            <a:ext cx="7977809" cy="503583"/>
-          </a:xfrm>
-          <a:prstGeom prst="rect">
+            <a:off x="1981200" y="5399324"/>
+            <a:ext cx="4114800" cy="914400"/>
+          </a:xfrm>
+          <a:prstGeom prst="roundRect">
             <a:avLst/>
           </a:prstGeom>
           <a:solidFill>
-            <a:schemeClr val="bg1"/>
+            <a:schemeClr val="accent2">
+              <a:lumMod val="40000"/>
+              <a:lumOff val="60000"/>
+            </a:schemeClr>
           </a:solidFill>
-          <a:ln w="28575"/>
+          <a:ln>
+            <a:solidFill>
+              <a:schemeClr val="tx1"/>
+            </a:solidFill>
+          </a:ln>
         </p:spPr>
         <p:style>
           <a:lnRef idx="2">
@@ -3432,38 +3440,30 @@
           <a:p>
             <a:pPr algn="ctr"/>
             <a:r>
-              <a:rPr lang="tr-TR" b="1" dirty="0">
-                <a:solidFill>
-                  <a:srgbClr val="FF0000"/>
-                </a:solidFill>
-              </a:rPr>
-              <a:t>1st Definition of War: </a:t>
-            </a:r>
-            <a:r>
-              <a:rPr lang="en-US" b="1" dirty="0">
+              <a:rPr lang="tr-TR" dirty="0">
                 <a:solidFill>
                   <a:schemeClr val="tx1"/>
                 </a:solidFill>
               </a:rPr>
-              <a:t>War is an act of force to compel </a:t>
-            </a:r>
-            <a:r>
-              <a:rPr lang="tr-TR" b="1" dirty="0">
+              <a:t>A</a:t>
+            </a:r>
+            <a:r>
+              <a:rPr lang="en-US" dirty="0" err="1">
                 <a:solidFill>
                   <a:schemeClr val="tx1"/>
                 </a:solidFill>
               </a:rPr>
-              <a:t>enemy </a:t>
-            </a:r>
-            <a:r>
-              <a:rPr lang="en-US" b="1" dirty="0">
+              <a:t>ctual</a:t>
+            </a:r>
+            <a:r>
+              <a:rPr lang="en-US" dirty="0">
                 <a:solidFill>
                   <a:schemeClr val="tx1"/>
                 </a:solidFill>
               </a:rPr>
-              <a:t>to do our will</a:t>
-            </a:r>
-            <a:endParaRPr lang="tr-TR" b="1" dirty="0">
+              <a:t> execution of force</a:t>
+            </a:r>
+            <a:endParaRPr lang="tr-TR" dirty="0">
               <a:solidFill>
                 <a:schemeClr val="tx1"/>
               </a:solidFill>
@@ -3473,10 +3473,10 @@
       </p:sp>
       <p:sp>
         <p:nvSpPr>
-          <p:cNvPr id="5" name="Oval 4">
-            <a:extLst>
-              <a:ext uri="{FF2B5EF4-FFF2-40B4-BE49-F238E27FC236}">
-                <a16:creationId xmlns:a16="http://schemas.microsoft.com/office/drawing/2014/main" id="{42B4ED18-AC16-4183-A2AA-B705469B580E}"/>
+          <p:cNvPr id="9" name="Rectangle: Rounded Corners 8">
+            <a:extLst>
+              <a:ext uri="{FF2B5EF4-FFF2-40B4-BE49-F238E27FC236}">
+                <a16:creationId xmlns:a16="http://schemas.microsoft.com/office/drawing/2014/main" id="{7CF7EA50-7225-4976-8FF9-56951DC2DD79}"/>
               </a:ext>
             </a:extLst>
           </p:cNvPr>
@@ -3485,16 +3485,12 @@
         </p:nvSpPr>
         <p:spPr>
           <a:xfrm>
-            <a:off x="2451650" y="2964483"/>
-            <a:ext cx="2173359" cy="1108491"/>
-          </a:xfrm>
-          <a:prstGeom prst="ellipse">
-            <a:avLst/>
-          </a:prstGeom>
-          <a:solidFill>
-            <a:schemeClr val="bg1"/>
-          </a:solidFill>
-          <a:ln w="28575"/>
+            <a:off x="2060713" y="1691237"/>
+            <a:ext cx="4121426" cy="914400"/>
+          </a:xfrm>
+          <a:prstGeom prst="roundRect">
+            <a:avLst/>
+          </a:prstGeom>
         </p:spPr>
         <p:style>
           <a:lnRef idx="2">
@@ -3518,22 +3514,19 @@
           <a:p>
             <a:pPr algn="ctr"/>
             <a:r>
-              <a:rPr lang="tr-TR" sz="2200" b="1" dirty="0">
-                <a:solidFill>
-                  <a:schemeClr val="tx1"/>
-                </a:solidFill>
-              </a:rPr>
-              <a:t>Force</a:t>
-            </a:r>
-          </a:p>
-        </p:txBody>
-      </p:sp>
-      <p:sp>
-        <p:nvSpPr>
-          <p:cNvPr id="7" name="Oval 6">
-            <a:extLst>
-              <a:ext uri="{FF2B5EF4-FFF2-40B4-BE49-F238E27FC236}">
-                <a16:creationId xmlns:a16="http://schemas.microsoft.com/office/drawing/2014/main" id="{EA1E00F6-B7FE-4290-B043-FDEC28586C4C}"/>
+              <a:rPr lang="en-US" dirty="0"/>
+              <a:t>Art of skillfully using &amp; exploiting engagement &amp; force for the larger (war) purpose.</a:t>
+            </a:r>
+            <a:endParaRPr lang="tr-TR" dirty="0"/>
+          </a:p>
+        </p:txBody>
+      </p:sp>
+      <p:sp>
+        <p:nvSpPr>
+          <p:cNvPr id="10" name="Rectangle: Rounded Corners 9">
+            <a:extLst>
+              <a:ext uri="{FF2B5EF4-FFF2-40B4-BE49-F238E27FC236}">
+                <a16:creationId xmlns:a16="http://schemas.microsoft.com/office/drawing/2014/main" id="{D98744F7-CB5A-46BA-9CC1-08FBE421145B}"/>
               </a:ext>
             </a:extLst>
           </p:cNvPr>
@@ -3542,16 +3535,12 @@
         </p:nvSpPr>
         <p:spPr>
           <a:xfrm>
-            <a:off x="7580245" y="2964483"/>
-            <a:ext cx="2361436" cy="1108491"/>
-          </a:xfrm>
-          <a:prstGeom prst="ellipse">
-            <a:avLst/>
-          </a:prstGeom>
-          <a:solidFill>
-            <a:schemeClr val="bg1"/>
-          </a:solidFill>
-          <a:ln w="28575"/>
+            <a:off x="722244" y="1707010"/>
+            <a:ext cx="1133060" cy="914400"/>
+          </a:xfrm>
+          <a:prstGeom prst="roundRect">
+            <a:avLst/>
+          </a:prstGeom>
         </p:spPr>
         <p:style>
           <a:lnRef idx="2">
@@ -3575,195 +3564,44 @@
           <a:p>
             <a:pPr algn="ctr"/>
             <a:r>
-              <a:rPr lang="tr-TR" sz="2400" b="1" dirty="0">
-                <a:solidFill>
-                  <a:schemeClr val="tx1"/>
-                </a:solidFill>
-              </a:rPr>
-              <a:t>Impose the will</a:t>
-            </a:r>
-            <a:endParaRPr lang="tr-TR" sz="2200" b="1" dirty="0">
-              <a:solidFill>
-                <a:schemeClr val="tx1"/>
-              </a:solidFill>
-            </a:endParaRPr>
-          </a:p>
-        </p:txBody>
-      </p:sp>
-      <p:cxnSp>
-        <p:nvCxnSpPr>
-          <p:cNvPr id="9" name="Connector: Curved 8">
-            <a:extLst>
-              <a:ext uri="{FF2B5EF4-FFF2-40B4-BE49-F238E27FC236}">
-                <a16:creationId xmlns:a16="http://schemas.microsoft.com/office/drawing/2014/main" id="{26264ECF-510B-4CE3-A86F-1FD69B7C217C}"/>
-              </a:ext>
-            </a:extLst>
-          </p:cNvPr>
-          <p:cNvCxnSpPr>
-            <a:stCxn id="4" idx="2"/>
-            <a:endCxn id="5" idx="0"/>
-          </p:cNvCxnSpPr>
-          <p:nvPr/>
-        </p:nvCxnSpPr>
-        <p:spPr>
-          <a:xfrm rot="5400000">
-            <a:off x="4126285" y="994767"/>
-            <a:ext cx="1381761" cy="2557670"/>
-          </a:xfrm>
-          <a:prstGeom prst="curvedConnector3">
-            <a:avLst/>
-          </a:prstGeom>
+              <a:rPr lang="en-US" dirty="0"/>
+              <a:t>Strategy</a:t>
+            </a:r>
+            <a:endParaRPr lang="tr-TR" dirty="0"/>
+          </a:p>
+        </p:txBody>
+      </p:sp>
+      <p:sp>
+        <p:nvSpPr>
+          <p:cNvPr id="11" name="Rectangle: Rounded Corners 10">
+            <a:extLst>
+              <a:ext uri="{FF2B5EF4-FFF2-40B4-BE49-F238E27FC236}">
+                <a16:creationId xmlns:a16="http://schemas.microsoft.com/office/drawing/2014/main" id="{258AD6A0-0CC8-4CBD-88C5-93A84BD7E8C3}"/>
+              </a:ext>
+            </a:extLst>
+          </p:cNvPr>
+          <p:cNvSpPr/>
+          <p:nvPr/>
+        </p:nvSpPr>
+        <p:spPr>
+          <a:xfrm>
+            <a:off x="636105" y="5390177"/>
+            <a:ext cx="1133060" cy="914400"/>
+          </a:xfrm>
+          <a:prstGeom prst="roundRect">
+            <a:avLst/>
+          </a:prstGeom>
+          <a:solidFill>
+            <a:schemeClr val="accent2">
+              <a:lumMod val="40000"/>
+              <a:lumOff val="60000"/>
+            </a:schemeClr>
+          </a:solidFill>
           <a:ln>
-            <a:tailEnd type="triangle"/>
+            <a:solidFill>
+              <a:schemeClr val="tx1"/>
+            </a:solidFill>
           </a:ln>
-        </p:spPr>
-        <p:style>
-          <a:lnRef idx="1">
-            <a:schemeClr val="accent1"/>
-          </a:lnRef>
-          <a:fillRef idx="0">
-            <a:schemeClr val="accent1"/>
-          </a:fillRef>
-          <a:effectRef idx="0">
-            <a:schemeClr val="accent1"/>
-          </a:effectRef>
-          <a:fontRef idx="minor">
-            <a:schemeClr val="tx1"/>
-          </a:fontRef>
-        </p:style>
-      </p:cxnSp>
-      <p:cxnSp>
-        <p:nvCxnSpPr>
-          <p:cNvPr id="11" name="Connector: Curved 10">
-            <a:extLst>
-              <a:ext uri="{FF2B5EF4-FFF2-40B4-BE49-F238E27FC236}">
-                <a16:creationId xmlns:a16="http://schemas.microsoft.com/office/drawing/2014/main" id="{2CF34879-B4AF-40BC-A88C-820396823C5A}"/>
-              </a:ext>
-            </a:extLst>
-          </p:cNvPr>
-          <p:cNvCxnSpPr>
-            <a:stCxn id="4" idx="2"/>
-            <a:endCxn id="7" idx="0"/>
-          </p:cNvCxnSpPr>
-          <p:nvPr/>
-        </p:nvCxnSpPr>
-        <p:spPr>
-          <a:xfrm rot="16200000" flipH="1">
-            <a:off x="6737601" y="941120"/>
-            <a:ext cx="1381761" cy="2664963"/>
-          </a:xfrm>
-          <a:prstGeom prst="curvedConnector3">
-            <a:avLst/>
-          </a:prstGeom>
-          <a:ln>
-            <a:tailEnd type="triangle"/>
-          </a:ln>
-        </p:spPr>
-        <p:style>
-          <a:lnRef idx="1">
-            <a:schemeClr val="accent1"/>
-          </a:lnRef>
-          <a:fillRef idx="0">
-            <a:schemeClr val="accent1"/>
-          </a:fillRef>
-          <a:effectRef idx="0">
-            <a:schemeClr val="accent1"/>
-          </a:effectRef>
-          <a:fontRef idx="minor">
-            <a:schemeClr val="tx1"/>
-          </a:fontRef>
-        </p:style>
-      </p:cxnSp>
-      <p:sp>
-        <p:nvSpPr>
-          <p:cNvPr id="12" name="TextBox 11">
-            <a:extLst>
-              <a:ext uri="{FF2B5EF4-FFF2-40B4-BE49-F238E27FC236}">
-                <a16:creationId xmlns:a16="http://schemas.microsoft.com/office/drawing/2014/main" id="{BC93DCD8-31D6-4EC2-8C0E-C25051A4D495}"/>
-              </a:ext>
-            </a:extLst>
-          </p:cNvPr>
-          <p:cNvSpPr txBox="1"/>
-          <p:nvPr/>
-        </p:nvSpPr>
-        <p:spPr>
-          <a:xfrm>
-            <a:off x="1511014" y="3298887"/>
-            <a:ext cx="739305" cy="369332"/>
-          </a:xfrm>
-          <a:prstGeom prst="rect">
-            <a:avLst/>
-          </a:prstGeom>
-          <a:noFill/>
-        </p:spPr>
-        <p:txBody>
-          <a:bodyPr wrap="none" rtlCol="0">
-            <a:spAutoFit/>
-          </a:bodyPr>
-          <a:lstStyle/>
-          <a:p>
-            <a:r>
-              <a:rPr lang="tr-TR" b="1" dirty="0"/>
-              <a:t>Mean</a:t>
-            </a:r>
-          </a:p>
-        </p:txBody>
-      </p:sp>
-      <p:sp>
-        <p:nvSpPr>
-          <p:cNvPr id="13" name="TextBox 12">
-            <a:extLst>
-              <a:ext uri="{FF2B5EF4-FFF2-40B4-BE49-F238E27FC236}">
-                <a16:creationId xmlns:a16="http://schemas.microsoft.com/office/drawing/2014/main" id="{8BE7C9E7-517D-400D-BC81-161C9D2F937B}"/>
-              </a:ext>
-            </a:extLst>
-          </p:cNvPr>
-          <p:cNvSpPr txBox="1"/>
-          <p:nvPr/>
-        </p:nvSpPr>
-        <p:spPr>
-          <a:xfrm>
-            <a:off x="10084904" y="3167516"/>
-            <a:ext cx="814647" cy="369332"/>
-          </a:xfrm>
-          <a:prstGeom prst="rect">
-            <a:avLst/>
-          </a:prstGeom>
-          <a:noFill/>
-        </p:spPr>
-        <p:txBody>
-          <a:bodyPr wrap="none" rtlCol="0">
-            <a:spAutoFit/>
-          </a:bodyPr>
-          <a:lstStyle/>
-          <a:p>
-            <a:r>
-              <a:rPr lang="tr-TR" b="1" dirty="0"/>
-              <a:t>Object</a:t>
-            </a:r>
-          </a:p>
-        </p:txBody>
-      </p:sp>
-      <p:sp>
-        <p:nvSpPr>
-          <p:cNvPr id="14" name="Arrow: Down 13">
-            <a:extLst>
-              <a:ext uri="{FF2B5EF4-FFF2-40B4-BE49-F238E27FC236}">
-                <a16:creationId xmlns:a16="http://schemas.microsoft.com/office/drawing/2014/main" id="{B8A3B436-FD34-41FF-883F-039AFED6C16D}"/>
-              </a:ext>
-            </a:extLst>
-          </p:cNvPr>
-          <p:cNvSpPr/>
-          <p:nvPr/>
-        </p:nvSpPr>
-        <p:spPr>
-          <a:xfrm>
-            <a:off x="8518647" y="4346243"/>
-            <a:ext cx="484632" cy="978408"/>
-          </a:xfrm>
-          <a:prstGeom prst="downArrow">
-            <a:avLst/>
-          </a:prstGeom>
         </p:spPr>
         <p:style>
           <a:lnRef idx="2">
@@ -3786,51 +3624,23 @@
           <a:lstStyle/>
           <a:p>
             <a:pPr algn="ctr"/>
-            <a:endParaRPr lang="tr-TR"/>
-          </a:p>
-        </p:txBody>
-      </p:sp>
-      <p:sp>
-        <p:nvSpPr>
-          <p:cNvPr id="17" name="TextBox 16">
-            <a:extLst>
-              <a:ext uri="{FF2B5EF4-FFF2-40B4-BE49-F238E27FC236}">
-                <a16:creationId xmlns:a16="http://schemas.microsoft.com/office/drawing/2014/main" id="{02772E64-9CCF-44E9-B6DE-DAE069F2B087}"/>
-              </a:ext>
-            </a:extLst>
-          </p:cNvPr>
-          <p:cNvSpPr txBox="1"/>
-          <p:nvPr/>
-        </p:nvSpPr>
-        <p:spPr>
-          <a:xfrm>
-            <a:off x="10084904" y="5753963"/>
-            <a:ext cx="2063578" cy="369332"/>
-          </a:xfrm>
-          <a:prstGeom prst="rect">
-            <a:avLst/>
-          </a:prstGeom>
-          <a:noFill/>
-        </p:spPr>
-        <p:txBody>
-          <a:bodyPr wrap="none" rtlCol="0">
-            <a:spAutoFit/>
-          </a:bodyPr>
-          <a:lstStyle/>
-          <a:p>
-            <a:r>
-              <a:rPr lang="tr-TR" b="1" dirty="0"/>
-              <a:t>True aim of warfare</a:t>
-            </a:r>
-          </a:p>
-        </p:txBody>
-      </p:sp>
-      <p:sp>
-        <p:nvSpPr>
-          <p:cNvPr id="21" name="Oval 20">
-            <a:extLst>
-              <a:ext uri="{FF2B5EF4-FFF2-40B4-BE49-F238E27FC236}">
-                <a16:creationId xmlns:a16="http://schemas.microsoft.com/office/drawing/2014/main" id="{BA86A382-B4F2-4C8D-B270-506AA0909158}"/>
+            <a:r>
+              <a:rPr lang="tr-TR" dirty="0">
+                <a:solidFill>
+                  <a:schemeClr val="tx1"/>
+                </a:solidFill>
+              </a:rPr>
+              <a:t>Tactic</a:t>
+            </a:r>
+          </a:p>
+        </p:txBody>
+      </p:sp>
+      <p:sp>
+        <p:nvSpPr>
+          <p:cNvPr id="12" name="Rectangle: Rounded Corners 11">
+            <a:extLst>
+              <a:ext uri="{FF2B5EF4-FFF2-40B4-BE49-F238E27FC236}">
+                <a16:creationId xmlns:a16="http://schemas.microsoft.com/office/drawing/2014/main" id="{6144C504-67AD-489B-A5D0-205EA4CAC724}"/>
               </a:ext>
             </a:extLst>
           </p:cNvPr>
@@ -3839,16 +3649,12 @@
         </p:nvSpPr>
         <p:spPr>
           <a:xfrm>
-            <a:off x="7580245" y="5384384"/>
-            <a:ext cx="2361436" cy="1108491"/>
-          </a:xfrm>
-          <a:prstGeom prst="ellipse">
-            <a:avLst/>
-          </a:prstGeom>
-          <a:solidFill>
-            <a:schemeClr val="bg1"/>
-          </a:solidFill>
-          <a:ln w="28575"/>
+            <a:off x="8719931" y="1137167"/>
+            <a:ext cx="1696278" cy="494904"/>
+          </a:xfrm>
+          <a:prstGeom prst="roundRect">
+            <a:avLst/>
+          </a:prstGeom>
         </p:spPr>
         <p:style>
           <a:lnRef idx="2">
@@ -3872,52 +3678,308 @@
           <a:p>
             <a:pPr algn="ctr"/>
             <a:r>
-              <a:rPr lang="tr-TR" sz="2400" b="1" dirty="0">
-                <a:solidFill>
-                  <a:schemeClr val="tx1"/>
-                </a:solidFill>
-              </a:rPr>
-              <a:t>Render the enemy powerless</a:t>
-            </a:r>
-            <a:endParaRPr lang="tr-TR" sz="2200" b="1" dirty="0">
-              <a:solidFill>
-                <a:schemeClr val="tx1"/>
-              </a:solidFill>
-            </a:endParaRPr>
-          </a:p>
-        </p:txBody>
-      </p:sp>
-      <p:sp>
-        <p:nvSpPr>
-          <p:cNvPr id="22" name="TextBox 21">
-            <a:extLst>
-              <a:ext uri="{FF2B5EF4-FFF2-40B4-BE49-F238E27FC236}">
-                <a16:creationId xmlns:a16="http://schemas.microsoft.com/office/drawing/2014/main" id="{3E8B5B47-7D2F-40D3-BE4D-A415C8ED449F}"/>
-              </a:ext>
-            </a:extLst>
-          </p:cNvPr>
-          <p:cNvSpPr txBox="1"/>
-          <p:nvPr/>
-        </p:nvSpPr>
-        <p:spPr>
-          <a:xfrm>
-            <a:off x="7705826" y="4544013"/>
-            <a:ext cx="2175019" cy="369332"/>
-          </a:xfrm>
-          <a:prstGeom prst="rect">
-            <a:avLst/>
-          </a:prstGeom>
-          <a:noFill/>
-        </p:spPr>
-        <p:txBody>
-          <a:bodyPr wrap="none" rtlCol="0">
-            <a:spAutoFit/>
-          </a:bodyPr>
-          <a:lstStyle/>
-          <a:p>
-            <a:r>
-              <a:rPr lang="tr-TR" b="1" dirty="0"/>
-              <a:t>To secure that object</a:t>
+              <a:rPr lang="tr-TR" dirty="0"/>
+              <a:t>Moral</a:t>
+            </a:r>
+          </a:p>
+        </p:txBody>
+      </p:sp>
+      <p:sp>
+        <p:nvSpPr>
+          <p:cNvPr id="13" name="Rectangle: Rounded Corners 12">
+            <a:extLst>
+              <a:ext uri="{FF2B5EF4-FFF2-40B4-BE49-F238E27FC236}">
+                <a16:creationId xmlns:a16="http://schemas.microsoft.com/office/drawing/2014/main" id="{37D450F0-AA59-4BE1-A04C-519062AF4C69}"/>
+              </a:ext>
+            </a:extLst>
+          </p:cNvPr>
+          <p:cNvSpPr/>
+          <p:nvPr/>
+        </p:nvSpPr>
+        <p:spPr>
+          <a:xfrm>
+            <a:off x="8719930" y="1857591"/>
+            <a:ext cx="1696279" cy="494904"/>
+          </a:xfrm>
+          <a:prstGeom prst="roundRect">
+            <a:avLst/>
+          </a:prstGeom>
+        </p:spPr>
+        <p:style>
+          <a:lnRef idx="2">
+            <a:schemeClr val="accent1">
+              <a:shade val="50000"/>
+            </a:schemeClr>
+          </a:lnRef>
+          <a:fillRef idx="1">
+            <a:schemeClr val="accent1"/>
+          </a:fillRef>
+          <a:effectRef idx="0">
+            <a:schemeClr val="accent1"/>
+          </a:effectRef>
+          <a:fontRef idx="minor">
+            <a:schemeClr val="lt1"/>
+          </a:fontRef>
+        </p:style>
+        <p:txBody>
+          <a:bodyPr rtlCol="0" anchor="ctr"/>
+          <a:lstStyle/>
+          <a:p>
+            <a:pPr algn="ctr"/>
+            <a:r>
+              <a:rPr lang="tr-TR" dirty="0"/>
+              <a:t>Physical</a:t>
+            </a:r>
+          </a:p>
+        </p:txBody>
+      </p:sp>
+      <p:sp>
+        <p:nvSpPr>
+          <p:cNvPr id="14" name="Rectangle: Rounded Corners 13">
+            <a:extLst>
+              <a:ext uri="{FF2B5EF4-FFF2-40B4-BE49-F238E27FC236}">
+                <a16:creationId xmlns:a16="http://schemas.microsoft.com/office/drawing/2014/main" id="{3533756E-5CE3-4024-9233-7CF202A1B9FD}"/>
+              </a:ext>
+            </a:extLst>
+          </p:cNvPr>
+          <p:cNvSpPr/>
+          <p:nvPr/>
+        </p:nvSpPr>
+        <p:spPr>
+          <a:xfrm>
+            <a:off x="8719930" y="2578015"/>
+            <a:ext cx="1696279" cy="494904"/>
+          </a:xfrm>
+          <a:prstGeom prst="roundRect">
+            <a:avLst/>
+          </a:prstGeom>
+        </p:spPr>
+        <p:style>
+          <a:lnRef idx="2">
+            <a:schemeClr val="accent1">
+              <a:shade val="50000"/>
+            </a:schemeClr>
+          </a:lnRef>
+          <a:fillRef idx="1">
+            <a:schemeClr val="accent1"/>
+          </a:fillRef>
+          <a:effectRef idx="0">
+            <a:schemeClr val="accent1"/>
+          </a:effectRef>
+          <a:fontRef idx="minor">
+            <a:schemeClr val="lt1"/>
+          </a:fontRef>
+        </p:style>
+        <p:txBody>
+          <a:bodyPr rtlCol="0" anchor="ctr"/>
+          <a:lstStyle/>
+          <a:p>
+            <a:pPr algn="ctr"/>
+            <a:r>
+              <a:rPr lang="tr-TR" dirty="0"/>
+              <a:t>Mathematical</a:t>
+            </a:r>
+          </a:p>
+        </p:txBody>
+      </p:sp>
+      <p:sp>
+        <p:nvSpPr>
+          <p:cNvPr id="15" name="Rectangle: Rounded Corners 14">
+            <a:extLst>
+              <a:ext uri="{FF2B5EF4-FFF2-40B4-BE49-F238E27FC236}">
+                <a16:creationId xmlns:a16="http://schemas.microsoft.com/office/drawing/2014/main" id="{4F5535EE-C56D-4B73-B0F7-E431EA0DF4DC}"/>
+              </a:ext>
+            </a:extLst>
+          </p:cNvPr>
+          <p:cNvSpPr/>
+          <p:nvPr/>
+        </p:nvSpPr>
+        <p:spPr>
+          <a:xfrm>
+            <a:off x="8719929" y="3324242"/>
+            <a:ext cx="1696278" cy="494904"/>
+          </a:xfrm>
+          <a:prstGeom prst="roundRect">
+            <a:avLst/>
+          </a:prstGeom>
+        </p:spPr>
+        <p:style>
+          <a:lnRef idx="2">
+            <a:schemeClr val="accent1">
+              <a:shade val="50000"/>
+            </a:schemeClr>
+          </a:lnRef>
+          <a:fillRef idx="1">
+            <a:schemeClr val="accent1"/>
+          </a:fillRef>
+          <a:effectRef idx="0">
+            <a:schemeClr val="accent1"/>
+          </a:effectRef>
+          <a:fontRef idx="minor">
+            <a:schemeClr val="lt1"/>
+          </a:fontRef>
+        </p:style>
+        <p:txBody>
+          <a:bodyPr rtlCol="0" anchor="ctr"/>
+          <a:lstStyle/>
+          <a:p>
+            <a:pPr algn="ctr"/>
+            <a:r>
+              <a:rPr lang="tr-TR" dirty="0"/>
+              <a:t>Geographical</a:t>
+            </a:r>
+          </a:p>
+        </p:txBody>
+      </p:sp>
+      <p:sp>
+        <p:nvSpPr>
+          <p:cNvPr id="16" name="Rectangle: Rounded Corners 15">
+            <a:extLst>
+              <a:ext uri="{FF2B5EF4-FFF2-40B4-BE49-F238E27FC236}">
+                <a16:creationId xmlns:a16="http://schemas.microsoft.com/office/drawing/2014/main" id="{521A6972-575C-4210-944D-97AD29F97D28}"/>
+              </a:ext>
+            </a:extLst>
+          </p:cNvPr>
+          <p:cNvSpPr/>
+          <p:nvPr/>
+        </p:nvSpPr>
+        <p:spPr>
+          <a:xfrm>
+            <a:off x="8719928" y="4070469"/>
+            <a:ext cx="1696278" cy="494904"/>
+          </a:xfrm>
+          <a:prstGeom prst="roundRect">
+            <a:avLst/>
+          </a:prstGeom>
+        </p:spPr>
+        <p:style>
+          <a:lnRef idx="2">
+            <a:schemeClr val="accent1">
+              <a:shade val="50000"/>
+            </a:schemeClr>
+          </a:lnRef>
+          <a:fillRef idx="1">
+            <a:schemeClr val="accent1"/>
+          </a:fillRef>
+          <a:effectRef idx="0">
+            <a:schemeClr val="accent1"/>
+          </a:effectRef>
+          <a:fontRef idx="minor">
+            <a:schemeClr val="lt1"/>
+          </a:fontRef>
+        </p:style>
+        <p:txBody>
+          <a:bodyPr rtlCol="0" anchor="ctr"/>
+          <a:lstStyle/>
+          <a:p>
+            <a:pPr algn="ctr"/>
+            <a:r>
+              <a:rPr lang="tr-TR" dirty="0"/>
+              <a:t>Statistical</a:t>
+            </a:r>
+          </a:p>
+        </p:txBody>
+      </p:sp>
+      <p:sp>
+        <p:nvSpPr>
+          <p:cNvPr id="4" name="Arrow: Striped Right 3">
+            <a:extLst>
+              <a:ext uri="{FF2B5EF4-FFF2-40B4-BE49-F238E27FC236}">
+                <a16:creationId xmlns:a16="http://schemas.microsoft.com/office/drawing/2014/main" id="{E0C61E2E-3D1E-47BA-9A7A-6ED4443C5E1E}"/>
+              </a:ext>
+            </a:extLst>
+          </p:cNvPr>
+          <p:cNvSpPr/>
+          <p:nvPr/>
+        </p:nvSpPr>
+        <p:spPr>
+          <a:xfrm>
+            <a:off x="6387548" y="1806175"/>
+            <a:ext cx="2034209" cy="674439"/>
+          </a:xfrm>
+          <a:prstGeom prst="stripedRightArrow">
+            <a:avLst/>
+          </a:prstGeom>
+          <a:solidFill>
+            <a:srgbClr val="00B050"/>
+          </a:solidFill>
+        </p:spPr>
+        <p:style>
+          <a:lnRef idx="2">
+            <a:schemeClr val="accent1">
+              <a:shade val="50000"/>
+            </a:schemeClr>
+          </a:lnRef>
+          <a:fillRef idx="1">
+            <a:schemeClr val="accent1"/>
+          </a:fillRef>
+          <a:effectRef idx="0">
+            <a:schemeClr val="accent1"/>
+          </a:effectRef>
+          <a:fontRef idx="minor">
+            <a:schemeClr val="lt1"/>
+          </a:fontRef>
+        </p:style>
+        <p:txBody>
+          <a:bodyPr rtlCol="0" anchor="ctr"/>
+          <a:lstStyle/>
+          <a:p>
+            <a:pPr algn="ctr"/>
+            <a:r>
+              <a:rPr lang="tr-TR" sz="2200" b="1" dirty="0"/>
+              <a:t>Elements</a:t>
+            </a:r>
+          </a:p>
+        </p:txBody>
+      </p:sp>
+      <p:sp>
+        <p:nvSpPr>
+          <p:cNvPr id="17" name="Arrow: Striped Right 16">
+            <a:extLst>
+              <a:ext uri="{FF2B5EF4-FFF2-40B4-BE49-F238E27FC236}">
+                <a16:creationId xmlns:a16="http://schemas.microsoft.com/office/drawing/2014/main" id="{5120B0F0-018F-4233-A1A1-9B7131ECD5AB}"/>
+              </a:ext>
+            </a:extLst>
+          </p:cNvPr>
+          <p:cNvSpPr/>
+          <p:nvPr/>
+        </p:nvSpPr>
+        <p:spPr>
+          <a:xfrm rot="5400000">
+            <a:off x="676328" y="3146955"/>
+            <a:ext cx="1224891" cy="622142"/>
+          </a:xfrm>
+          <a:prstGeom prst="stripedRightArrow">
+            <a:avLst/>
+          </a:prstGeom>
+          <a:solidFill>
+            <a:srgbClr val="00B050"/>
+          </a:solidFill>
+        </p:spPr>
+        <p:style>
+          <a:lnRef idx="2">
+            <a:schemeClr val="accent1">
+              <a:shade val="50000"/>
+            </a:schemeClr>
+          </a:lnRef>
+          <a:fillRef idx="1">
+            <a:schemeClr val="accent1"/>
+          </a:fillRef>
+          <a:effectRef idx="0">
+            <a:schemeClr val="accent1"/>
+          </a:effectRef>
+          <a:fontRef idx="minor">
+            <a:schemeClr val="lt1"/>
+          </a:fontRef>
+        </p:style>
+        <p:txBody>
+          <a:bodyPr rtlCol="0" anchor="ctr"/>
+          <a:lstStyle/>
+          <a:p>
+            <a:pPr algn="ctr"/>
+            <a:r>
+              <a:rPr lang="tr-TR" sz="1600" b="1" dirty="0"/>
+              <a:t>concerns</a:t>
             </a:r>
           </a:p>
         </p:txBody>
@@ -3925,7 +3987,7 @@
     </p:spTree>
     <p:extLst>
       <p:ext uri="{BB962C8B-B14F-4D97-AF65-F5344CB8AC3E}">
-        <p14:creationId xmlns:p14="http://schemas.microsoft.com/office/powerpoint/2010/main" val="1009845609"/>
+        <p14:creationId xmlns:p14="http://schemas.microsoft.com/office/powerpoint/2010/main" val="3817229602"/>
       </p:ext>
     </p:extLst>
   </p:cSld>
@@ -3957,7 +4019,7 @@
           <p:cNvPr id="2" name="Title 1">
             <a:extLst>
               <a:ext uri="{FF2B5EF4-FFF2-40B4-BE49-F238E27FC236}">
-                <a16:creationId xmlns:a16="http://schemas.microsoft.com/office/drawing/2014/main" id="{09612188-4283-4743-94FD-2C937163A47A}"/>
+                <a16:creationId xmlns:a16="http://schemas.microsoft.com/office/drawing/2014/main" id="{ABCD39DF-FDC2-4973-8086-8B25538797A9}"/>
               </a:ext>
             </a:extLst>
           </p:cNvPr>
@@ -3971,7 +4033,7 @@
         <p:spPr>
           <a:xfrm>
             <a:off x="838200" y="365125"/>
-            <a:ext cx="10515600" cy="880579"/>
+            <a:ext cx="10515600" cy="840823"/>
           </a:xfrm>
         </p:spPr>
         <p:txBody>
@@ -3981,228 +4043,553 @@
           <a:lstStyle/>
           <a:p>
             <a:r>
-              <a:rPr lang="tr-TR" sz="4000" b="1" dirty="0"/>
-              <a:t>1st Extreme</a:t>
-            </a:r>
-          </a:p>
-        </p:txBody>
-      </p:sp>
-      <p:sp>
-        <p:nvSpPr>
-          <p:cNvPr id="3" name="Content Placeholder 2">
-            <a:extLst>
-              <a:ext uri="{FF2B5EF4-FFF2-40B4-BE49-F238E27FC236}">
-                <a16:creationId xmlns:a16="http://schemas.microsoft.com/office/drawing/2014/main" id="{1C01D6C8-B7DE-4907-BD5A-ECDDAD656C84}"/>
-              </a:ext>
-            </a:extLst>
-          </p:cNvPr>
-          <p:cNvSpPr>
-            <a:spLocks noGrp="1"/>
-          </p:cNvSpPr>
-          <p:nvPr>
-            <p:ph idx="1"/>
-          </p:nvPr>
-        </p:nvSpPr>
-        <p:spPr/>
-        <p:txBody>
-          <a:bodyPr/>
-          <a:lstStyle/>
-          <a:p>
-            <a:r>
-              <a:rPr lang="en-GB" sz="1800" dirty="0">
-                <a:effectLst/>
-                <a:latin typeface="Calibri" panose="020F0502020204030204" pitchFamily="34" charset="0"/>
-                <a:ea typeface="Calibri" panose="020F0502020204030204" pitchFamily="34" charset="0"/>
-                <a:cs typeface="Times New Roman" panose="02020603050405020304" pitchFamily="18" charset="0"/>
+              <a:rPr lang="tr-TR" sz="3200" b="1" dirty="0"/>
+              <a:t>Definition</a:t>
+            </a:r>
+          </a:p>
+        </p:txBody>
+      </p:sp>
+      <p:sp>
+        <p:nvSpPr>
+          <p:cNvPr id="4" name="Rectangle 3">
+            <a:extLst>
+              <a:ext uri="{FF2B5EF4-FFF2-40B4-BE49-F238E27FC236}">
+                <a16:creationId xmlns:a16="http://schemas.microsoft.com/office/drawing/2014/main" id="{5AC11450-A6A7-436F-885E-E1E2BB7FEAEA}"/>
+              </a:ext>
+            </a:extLst>
+          </p:cNvPr>
+          <p:cNvSpPr/>
+          <p:nvPr/>
+        </p:nvSpPr>
+        <p:spPr>
+          <a:xfrm>
+            <a:off x="2107095" y="1079139"/>
+            <a:ext cx="7977809" cy="503583"/>
+          </a:xfrm>
+          <a:prstGeom prst="rect">
+            <a:avLst/>
+          </a:prstGeom>
+          <a:solidFill>
+            <a:schemeClr val="bg1"/>
+          </a:solidFill>
+          <a:ln w="28575"/>
+        </p:spPr>
+        <p:style>
+          <a:lnRef idx="2">
+            <a:schemeClr val="accent1">
+              <a:shade val="50000"/>
+            </a:schemeClr>
+          </a:lnRef>
+          <a:fillRef idx="1">
+            <a:schemeClr val="accent1"/>
+          </a:fillRef>
+          <a:effectRef idx="0">
+            <a:schemeClr val="accent1"/>
+          </a:effectRef>
+          <a:fontRef idx="minor">
+            <a:schemeClr val="lt1"/>
+          </a:fontRef>
+        </p:style>
+        <p:txBody>
+          <a:bodyPr rtlCol="0" anchor="ctr"/>
+          <a:lstStyle/>
+          <a:p>
+            <a:pPr algn="ctr"/>
+            <a:r>
+              <a:rPr lang="tr-TR" b="1" dirty="0">
+                <a:solidFill>
+                  <a:srgbClr val="FF0000"/>
+                </a:solidFill>
               </a:rPr>
-              <a:t>To disarm or defeat an enemy one must use </a:t>
-            </a:r>
-            <a:r>
-              <a:rPr lang="en-GB" sz="1800" u="sng" dirty="0">
-                <a:effectLst/>
-                <a:latin typeface="Calibri" panose="020F0502020204030204" pitchFamily="34" charset="0"/>
-                <a:ea typeface="Calibri" panose="020F0502020204030204" pitchFamily="34" charset="0"/>
-                <a:cs typeface="Times New Roman" panose="02020603050405020304" pitchFamily="18" charset="0"/>
+              <a:t>1st Definition of War: </a:t>
+            </a:r>
+            <a:r>
+              <a:rPr lang="en-US" b="1" dirty="0">
+                <a:solidFill>
+                  <a:schemeClr val="tx1"/>
+                </a:solidFill>
               </a:rPr>
-              <a:t>maximum force possible</a:t>
-            </a:r>
-            <a:endParaRPr lang="tr-TR" sz="1800" u="sng" dirty="0">
-              <a:effectLst/>
-              <a:latin typeface="Calibri" panose="020F0502020204030204" pitchFamily="34" charset="0"/>
-              <a:ea typeface="Calibri" panose="020F0502020204030204" pitchFamily="34" charset="0"/>
-              <a:cs typeface="Times New Roman" panose="02020603050405020304" pitchFamily="18" charset="0"/>
+              <a:t>War is an act of force to compel </a:t>
+            </a:r>
+            <a:r>
+              <a:rPr lang="tr-TR" b="1" dirty="0">
+                <a:solidFill>
+                  <a:schemeClr val="tx1"/>
+                </a:solidFill>
+              </a:rPr>
+              <a:t>enemy </a:t>
+            </a:r>
+            <a:r>
+              <a:rPr lang="en-US" b="1" dirty="0">
+                <a:solidFill>
+                  <a:schemeClr val="tx1"/>
+                </a:solidFill>
+              </a:rPr>
+              <a:t>to do our will</a:t>
+            </a:r>
+            <a:endParaRPr lang="tr-TR" b="1" dirty="0">
+              <a:solidFill>
+                <a:schemeClr val="tx1"/>
+              </a:solidFill>
             </a:endParaRPr>
           </a:p>
-          <a:p>
-            <a:r>
-              <a:rPr lang="en-GB" sz="1800" dirty="0">
-                <a:effectLst/>
-                <a:latin typeface="Calibri" panose="020F0502020204030204" pitchFamily="34" charset="0"/>
-                <a:ea typeface="Calibri" panose="020F0502020204030204" pitchFamily="34" charset="0"/>
-                <a:cs typeface="Times New Roman" panose="02020603050405020304" pitchFamily="18" charset="0"/>
+        </p:txBody>
+      </p:sp>
+      <p:sp>
+        <p:nvSpPr>
+          <p:cNvPr id="5" name="Oval 4">
+            <a:extLst>
+              <a:ext uri="{FF2B5EF4-FFF2-40B4-BE49-F238E27FC236}">
+                <a16:creationId xmlns:a16="http://schemas.microsoft.com/office/drawing/2014/main" id="{42B4ED18-AC16-4183-A2AA-B705469B580E}"/>
+              </a:ext>
+            </a:extLst>
+          </p:cNvPr>
+          <p:cNvSpPr/>
+          <p:nvPr/>
+        </p:nvSpPr>
+        <p:spPr>
+          <a:xfrm>
+            <a:off x="2451650" y="2964483"/>
+            <a:ext cx="2173359" cy="1108491"/>
+          </a:xfrm>
+          <a:prstGeom prst="ellipse">
+            <a:avLst/>
+          </a:prstGeom>
+          <a:solidFill>
+            <a:schemeClr val="bg1"/>
+          </a:solidFill>
+          <a:ln w="28575"/>
+        </p:spPr>
+        <p:style>
+          <a:lnRef idx="2">
+            <a:schemeClr val="accent1">
+              <a:shade val="50000"/>
+            </a:schemeClr>
+          </a:lnRef>
+          <a:fillRef idx="1">
+            <a:schemeClr val="accent1"/>
+          </a:fillRef>
+          <a:effectRef idx="0">
+            <a:schemeClr val="accent1"/>
+          </a:effectRef>
+          <a:fontRef idx="minor">
+            <a:schemeClr val="lt1"/>
+          </a:fontRef>
+        </p:style>
+        <p:txBody>
+          <a:bodyPr rtlCol="0" anchor="ctr"/>
+          <a:lstStyle/>
+          <a:p>
+            <a:pPr algn="ctr"/>
+            <a:r>
+              <a:rPr lang="tr-TR" sz="2200" b="1" dirty="0">
+                <a:solidFill>
+                  <a:schemeClr val="tx1"/>
+                </a:solidFill>
               </a:rPr>
-              <a:t>Not be deterred by the bloodshed, which </a:t>
-            </a:r>
-            <a:r>
-              <a:rPr lang="en-GB" sz="1800" b="1" dirty="0">
-                <a:effectLst/>
-                <a:latin typeface="Calibri" panose="020F0502020204030204" pitchFamily="34" charset="0"/>
-                <a:ea typeface="Calibri" panose="020F0502020204030204" pitchFamily="34" charset="0"/>
-                <a:cs typeface="Times New Roman" panose="02020603050405020304" pitchFamily="18" charset="0"/>
+              <a:t>Force</a:t>
+            </a:r>
+          </a:p>
+        </p:txBody>
+      </p:sp>
+      <p:sp>
+        <p:nvSpPr>
+          <p:cNvPr id="7" name="Oval 6">
+            <a:extLst>
+              <a:ext uri="{FF2B5EF4-FFF2-40B4-BE49-F238E27FC236}">
+                <a16:creationId xmlns:a16="http://schemas.microsoft.com/office/drawing/2014/main" id="{EA1E00F6-B7FE-4290-B043-FDEC28586C4C}"/>
+              </a:ext>
+            </a:extLst>
+          </p:cNvPr>
+          <p:cNvSpPr/>
+          <p:nvPr/>
+        </p:nvSpPr>
+        <p:spPr>
+          <a:xfrm>
+            <a:off x="7580245" y="2964483"/>
+            <a:ext cx="2361436" cy="1108491"/>
+          </a:xfrm>
+          <a:prstGeom prst="ellipse">
+            <a:avLst/>
+          </a:prstGeom>
+          <a:solidFill>
+            <a:schemeClr val="bg1"/>
+          </a:solidFill>
+          <a:ln w="28575"/>
+        </p:spPr>
+        <p:style>
+          <a:lnRef idx="2">
+            <a:schemeClr val="accent1">
+              <a:shade val="50000"/>
+            </a:schemeClr>
+          </a:lnRef>
+          <a:fillRef idx="1">
+            <a:schemeClr val="accent1"/>
+          </a:fillRef>
+          <a:effectRef idx="0">
+            <a:schemeClr val="accent1"/>
+          </a:effectRef>
+          <a:fontRef idx="minor">
+            <a:schemeClr val="lt1"/>
+          </a:fontRef>
+        </p:style>
+        <p:txBody>
+          <a:bodyPr rtlCol="0" anchor="ctr"/>
+          <a:lstStyle/>
+          <a:p>
+            <a:pPr algn="ctr"/>
+            <a:r>
+              <a:rPr lang="tr-TR" sz="2400" b="1" dirty="0">
+                <a:solidFill>
+                  <a:schemeClr val="tx1"/>
+                </a:solidFill>
               </a:rPr>
-              <a:t>nature of the war</a:t>
-            </a:r>
-            <a:r>
-              <a:rPr lang="en-GB" sz="1800" dirty="0">
-                <a:effectLst/>
-                <a:latin typeface="Calibri" panose="020F0502020204030204" pitchFamily="34" charset="0"/>
-                <a:ea typeface="Calibri" panose="020F0502020204030204" pitchFamily="34" charset="0"/>
-                <a:cs typeface="Times New Roman" panose="02020603050405020304" pitchFamily="18" charset="0"/>
+              <a:t>Impose the will</a:t>
+            </a:r>
+            <a:endParaRPr lang="tr-TR" sz="2200" b="1" dirty="0">
+              <a:solidFill>
+                <a:schemeClr val="tx1"/>
+              </a:solidFill>
+            </a:endParaRPr>
+          </a:p>
+        </p:txBody>
+      </p:sp>
+      <p:cxnSp>
+        <p:nvCxnSpPr>
+          <p:cNvPr id="9" name="Connector: Curved 8">
+            <a:extLst>
+              <a:ext uri="{FF2B5EF4-FFF2-40B4-BE49-F238E27FC236}">
+                <a16:creationId xmlns:a16="http://schemas.microsoft.com/office/drawing/2014/main" id="{26264ECF-510B-4CE3-A86F-1FD69B7C217C}"/>
+              </a:ext>
+            </a:extLst>
+          </p:cNvPr>
+          <p:cNvCxnSpPr>
+            <a:stCxn id="4" idx="2"/>
+            <a:endCxn id="5" idx="0"/>
+          </p:cNvCxnSpPr>
+          <p:nvPr/>
+        </p:nvCxnSpPr>
+        <p:spPr>
+          <a:xfrm rot="5400000">
+            <a:off x="4126285" y="994767"/>
+            <a:ext cx="1381761" cy="2557670"/>
+          </a:xfrm>
+          <a:prstGeom prst="curvedConnector3">
+            <a:avLst/>
+          </a:prstGeom>
+          <a:ln>
+            <a:tailEnd type="triangle"/>
+          </a:ln>
+        </p:spPr>
+        <p:style>
+          <a:lnRef idx="1">
+            <a:schemeClr val="accent1"/>
+          </a:lnRef>
+          <a:fillRef idx="0">
+            <a:schemeClr val="accent1"/>
+          </a:fillRef>
+          <a:effectRef idx="0">
+            <a:schemeClr val="accent1"/>
+          </a:effectRef>
+          <a:fontRef idx="minor">
+            <a:schemeClr val="tx1"/>
+          </a:fontRef>
+        </p:style>
+      </p:cxnSp>
+      <p:cxnSp>
+        <p:nvCxnSpPr>
+          <p:cNvPr id="11" name="Connector: Curved 10">
+            <a:extLst>
+              <a:ext uri="{FF2B5EF4-FFF2-40B4-BE49-F238E27FC236}">
+                <a16:creationId xmlns:a16="http://schemas.microsoft.com/office/drawing/2014/main" id="{2CF34879-B4AF-40BC-A88C-820396823C5A}"/>
+              </a:ext>
+            </a:extLst>
+          </p:cNvPr>
+          <p:cNvCxnSpPr>
+            <a:stCxn id="4" idx="2"/>
+            <a:endCxn id="7" idx="0"/>
+          </p:cNvCxnSpPr>
+          <p:nvPr/>
+        </p:nvCxnSpPr>
+        <p:spPr>
+          <a:xfrm rot="16200000" flipH="1">
+            <a:off x="6737601" y="941120"/>
+            <a:ext cx="1381761" cy="2664963"/>
+          </a:xfrm>
+          <a:prstGeom prst="curvedConnector3">
+            <a:avLst/>
+          </a:prstGeom>
+          <a:ln>
+            <a:tailEnd type="triangle"/>
+          </a:ln>
+        </p:spPr>
+        <p:style>
+          <a:lnRef idx="1">
+            <a:schemeClr val="accent1"/>
+          </a:lnRef>
+          <a:fillRef idx="0">
+            <a:schemeClr val="accent1"/>
+          </a:fillRef>
+          <a:effectRef idx="0">
+            <a:schemeClr val="accent1"/>
+          </a:effectRef>
+          <a:fontRef idx="minor">
+            <a:schemeClr val="tx1"/>
+          </a:fontRef>
+        </p:style>
+      </p:cxnSp>
+      <p:sp>
+        <p:nvSpPr>
+          <p:cNvPr id="12" name="TextBox 11">
+            <a:extLst>
+              <a:ext uri="{FF2B5EF4-FFF2-40B4-BE49-F238E27FC236}">
+                <a16:creationId xmlns:a16="http://schemas.microsoft.com/office/drawing/2014/main" id="{BC93DCD8-31D6-4EC2-8C0E-C25051A4D495}"/>
+              </a:ext>
+            </a:extLst>
+          </p:cNvPr>
+          <p:cNvSpPr txBox="1"/>
+          <p:nvPr/>
+        </p:nvSpPr>
+        <p:spPr>
+          <a:xfrm>
+            <a:off x="1511014" y="3298887"/>
+            <a:ext cx="739305" cy="369332"/>
+          </a:xfrm>
+          <a:prstGeom prst="rect">
+            <a:avLst/>
+          </a:prstGeom>
+          <a:noFill/>
+        </p:spPr>
+        <p:txBody>
+          <a:bodyPr wrap="none" rtlCol="0">
+            <a:spAutoFit/>
+          </a:bodyPr>
+          <a:lstStyle/>
+          <a:p>
+            <a:r>
+              <a:rPr lang="tr-TR" b="1" dirty="0"/>
+              <a:t>Mean</a:t>
+            </a:r>
+          </a:p>
+        </p:txBody>
+      </p:sp>
+      <p:sp>
+        <p:nvSpPr>
+          <p:cNvPr id="13" name="TextBox 12">
+            <a:extLst>
+              <a:ext uri="{FF2B5EF4-FFF2-40B4-BE49-F238E27FC236}">
+                <a16:creationId xmlns:a16="http://schemas.microsoft.com/office/drawing/2014/main" id="{8BE7C9E7-517D-400D-BC81-161C9D2F937B}"/>
+              </a:ext>
+            </a:extLst>
+          </p:cNvPr>
+          <p:cNvSpPr txBox="1"/>
+          <p:nvPr/>
+        </p:nvSpPr>
+        <p:spPr>
+          <a:xfrm>
+            <a:off x="10084904" y="3167516"/>
+            <a:ext cx="814647" cy="369332"/>
+          </a:xfrm>
+          <a:prstGeom prst="rect">
+            <a:avLst/>
+          </a:prstGeom>
+          <a:noFill/>
+        </p:spPr>
+        <p:txBody>
+          <a:bodyPr wrap="none" rtlCol="0">
+            <a:spAutoFit/>
+          </a:bodyPr>
+          <a:lstStyle/>
+          <a:p>
+            <a:r>
+              <a:rPr lang="tr-TR" b="1" dirty="0"/>
+              <a:t>Object</a:t>
+            </a:r>
+          </a:p>
+        </p:txBody>
+      </p:sp>
+      <p:sp>
+        <p:nvSpPr>
+          <p:cNvPr id="14" name="Arrow: Down 13">
+            <a:extLst>
+              <a:ext uri="{FF2B5EF4-FFF2-40B4-BE49-F238E27FC236}">
+                <a16:creationId xmlns:a16="http://schemas.microsoft.com/office/drawing/2014/main" id="{B8A3B436-FD34-41FF-883F-039AFED6C16D}"/>
+              </a:ext>
+            </a:extLst>
+          </p:cNvPr>
+          <p:cNvSpPr/>
+          <p:nvPr/>
+        </p:nvSpPr>
+        <p:spPr>
+          <a:xfrm>
+            <a:off x="8518647" y="4346243"/>
+            <a:ext cx="484632" cy="978408"/>
+          </a:xfrm>
+          <a:prstGeom prst="downArrow">
+            <a:avLst/>
+          </a:prstGeom>
+        </p:spPr>
+        <p:style>
+          <a:lnRef idx="2">
+            <a:schemeClr val="accent1">
+              <a:shade val="50000"/>
+            </a:schemeClr>
+          </a:lnRef>
+          <a:fillRef idx="1">
+            <a:schemeClr val="accent1"/>
+          </a:fillRef>
+          <a:effectRef idx="0">
+            <a:schemeClr val="accent1"/>
+          </a:effectRef>
+          <a:fontRef idx="minor">
+            <a:schemeClr val="lt1"/>
+          </a:fontRef>
+        </p:style>
+        <p:txBody>
+          <a:bodyPr rtlCol="0" anchor="ctr"/>
+          <a:lstStyle/>
+          <a:p>
+            <a:pPr algn="ctr"/>
+            <a:endParaRPr lang="tr-TR"/>
+          </a:p>
+        </p:txBody>
+      </p:sp>
+      <p:sp>
+        <p:nvSpPr>
+          <p:cNvPr id="17" name="TextBox 16">
+            <a:extLst>
+              <a:ext uri="{FF2B5EF4-FFF2-40B4-BE49-F238E27FC236}">
+                <a16:creationId xmlns:a16="http://schemas.microsoft.com/office/drawing/2014/main" id="{02772E64-9CCF-44E9-B6DE-DAE069F2B087}"/>
+              </a:ext>
+            </a:extLst>
+          </p:cNvPr>
+          <p:cNvSpPr txBox="1"/>
+          <p:nvPr/>
+        </p:nvSpPr>
+        <p:spPr>
+          <a:xfrm>
+            <a:off x="10084904" y="5753963"/>
+            <a:ext cx="2063578" cy="369332"/>
+          </a:xfrm>
+          <a:prstGeom prst="rect">
+            <a:avLst/>
+          </a:prstGeom>
+          <a:noFill/>
+        </p:spPr>
+        <p:txBody>
+          <a:bodyPr wrap="none" rtlCol="0">
+            <a:spAutoFit/>
+          </a:bodyPr>
+          <a:lstStyle/>
+          <a:p>
+            <a:r>
+              <a:rPr lang="tr-TR" b="1" dirty="0"/>
+              <a:t>True aim of warfare</a:t>
+            </a:r>
+          </a:p>
+        </p:txBody>
+      </p:sp>
+      <p:sp>
+        <p:nvSpPr>
+          <p:cNvPr id="21" name="Oval 20">
+            <a:extLst>
+              <a:ext uri="{FF2B5EF4-FFF2-40B4-BE49-F238E27FC236}">
+                <a16:creationId xmlns:a16="http://schemas.microsoft.com/office/drawing/2014/main" id="{BA86A382-B4F2-4C8D-B270-506AA0909158}"/>
+              </a:ext>
+            </a:extLst>
+          </p:cNvPr>
+          <p:cNvSpPr/>
+          <p:nvPr/>
+        </p:nvSpPr>
+        <p:spPr>
+          <a:xfrm>
+            <a:off x="7580245" y="5384384"/>
+            <a:ext cx="2361436" cy="1108491"/>
+          </a:xfrm>
+          <a:prstGeom prst="ellipse">
+            <a:avLst/>
+          </a:prstGeom>
+          <a:solidFill>
+            <a:schemeClr val="bg1"/>
+          </a:solidFill>
+          <a:ln w="28575"/>
+        </p:spPr>
+        <p:style>
+          <a:lnRef idx="2">
+            <a:schemeClr val="accent1">
+              <a:shade val="50000"/>
+            </a:schemeClr>
+          </a:lnRef>
+          <a:fillRef idx="1">
+            <a:schemeClr val="accent1"/>
+          </a:fillRef>
+          <a:effectRef idx="0">
+            <a:schemeClr val="accent1"/>
+          </a:effectRef>
+          <a:fontRef idx="minor">
+            <a:schemeClr val="lt1"/>
+          </a:fontRef>
+        </p:style>
+        <p:txBody>
+          <a:bodyPr rtlCol="0" anchor="ctr"/>
+          <a:lstStyle/>
+          <a:p>
+            <a:pPr algn="ctr"/>
+            <a:r>
+              <a:rPr lang="tr-TR" sz="2400" b="1" dirty="0">
+                <a:solidFill>
+                  <a:schemeClr val="tx1"/>
+                </a:solidFill>
               </a:rPr>
-              <a:t> necessitates. </a:t>
-            </a:r>
-            <a:endParaRPr lang="tr-TR" sz="1800" dirty="0">
-              <a:effectLst/>
-              <a:latin typeface="Calibri" panose="020F0502020204030204" pitchFamily="34" charset="0"/>
-              <a:ea typeface="Calibri" panose="020F0502020204030204" pitchFamily="34" charset="0"/>
-              <a:cs typeface="Times New Roman" panose="02020603050405020304" pitchFamily="18" charset="0"/>
+              <a:t>Render the enemy powerless</a:t>
+            </a:r>
+            <a:endParaRPr lang="tr-TR" sz="2200" b="1" dirty="0">
+              <a:solidFill>
+                <a:schemeClr val="tx1"/>
+              </a:solidFill>
             </a:endParaRPr>
           </a:p>
-          <a:p>
-            <a:r>
-              <a:rPr lang="tr-TR" sz="1800" u="sng" dirty="0">
-                <a:latin typeface="Calibri" panose="020F0502020204030204" pitchFamily="34" charset="0"/>
-                <a:cs typeface="Times New Roman" panose="02020603050405020304" pitchFamily="18" charset="0"/>
-              </a:rPr>
-              <a:t>Severity may be modarated by the social conditions of the states. </a:t>
-            </a:r>
-          </a:p>
-          <a:p>
-            <a:r>
-              <a:rPr lang="en-GB" sz="1800" b="1" dirty="0">
-                <a:effectLst/>
-                <a:latin typeface="Calibri" panose="020F0502020204030204" pitchFamily="34" charset="0"/>
-                <a:ea typeface="Calibri" panose="020F0502020204030204" pitchFamily="34" charset="0"/>
-                <a:cs typeface="Times New Roman" panose="02020603050405020304" pitchFamily="18" charset="0"/>
-              </a:rPr>
-              <a:t>Wars are not resulted from rational act only; these feelings play its role also.</a:t>
-            </a:r>
-            <a:r>
-              <a:rPr lang="en-GB" sz="1800" dirty="0">
-                <a:effectLst/>
-                <a:latin typeface="Calibri" panose="020F0502020204030204" pitchFamily="34" charset="0"/>
-                <a:ea typeface="Calibri" panose="020F0502020204030204" pitchFamily="34" charset="0"/>
-                <a:cs typeface="Times New Roman" panose="02020603050405020304" pitchFamily="18" charset="0"/>
-              </a:rPr>
-              <a:t> </a:t>
-            </a:r>
-            <a:endParaRPr lang="tr-TR" sz="1800" dirty="0">
-              <a:effectLst/>
-              <a:latin typeface="Calibri" panose="020F0502020204030204" pitchFamily="34" charset="0"/>
-              <a:ea typeface="Calibri" panose="020F0502020204030204" pitchFamily="34" charset="0"/>
-              <a:cs typeface="Times New Roman" panose="02020603050405020304" pitchFamily="18" charset="0"/>
-            </a:endParaRPr>
-          </a:p>
-          <a:p>
-            <a:r>
-              <a:rPr lang="en-GB" sz="1800" dirty="0">
-                <a:effectLst/>
-                <a:latin typeface="Calibri" panose="020F0502020204030204" pitchFamily="34" charset="0"/>
-                <a:ea typeface="Calibri" panose="020F0502020204030204" pitchFamily="34" charset="0"/>
-                <a:cs typeface="Times New Roman" panose="02020603050405020304" pitchFamily="18" charset="0"/>
-              </a:rPr>
-              <a:t>Without these feelings, it would be enough to compare physical forces to decide who wins and war would be termed as “</a:t>
-            </a:r>
-            <a:r>
-              <a:rPr lang="en-GB" sz="1800" u="sng" dirty="0">
-                <a:effectLst/>
-                <a:latin typeface="Calibri" panose="020F0502020204030204" pitchFamily="34" charset="0"/>
-                <a:ea typeface="Calibri" panose="020F0502020204030204" pitchFamily="34" charset="0"/>
-                <a:cs typeface="Times New Roman" panose="02020603050405020304" pitchFamily="18" charset="0"/>
-              </a:rPr>
-              <a:t>algebra war</a:t>
-            </a:r>
-            <a:r>
-              <a:rPr lang="en-GB" sz="1800" dirty="0">
-                <a:effectLst/>
-                <a:latin typeface="Calibri" panose="020F0502020204030204" pitchFamily="34" charset="0"/>
-                <a:ea typeface="Calibri" panose="020F0502020204030204" pitchFamily="34" charset="0"/>
-                <a:cs typeface="Times New Roman" panose="02020603050405020304" pitchFamily="18" charset="0"/>
-              </a:rPr>
-              <a:t>”, which never happens.</a:t>
-            </a:r>
-            <a:endParaRPr lang="tr-TR" sz="1800" dirty="0">
-              <a:effectLst/>
-              <a:latin typeface="Calibri" panose="020F0502020204030204" pitchFamily="34" charset="0"/>
-              <a:ea typeface="Calibri" panose="020F0502020204030204" pitchFamily="34" charset="0"/>
-              <a:cs typeface="Times New Roman" panose="02020603050405020304" pitchFamily="18" charset="0"/>
-            </a:endParaRPr>
-          </a:p>
-          <a:p>
-            <a:r>
-              <a:rPr lang="en-GB" sz="1800" dirty="0">
-                <a:effectLst/>
-                <a:latin typeface="Calibri" panose="020F0502020204030204" pitchFamily="34" charset="0"/>
-                <a:ea typeface="Calibri" panose="020F0502020204030204" pitchFamily="34" charset="0"/>
-                <a:cs typeface="Times New Roman" panose="02020603050405020304" pitchFamily="18" charset="0"/>
-              </a:rPr>
-              <a:t>War is an act of force, and there is no logical limit to the application of that force. Each side, therefore, compels its opponent to follow suit; a reciprocal action is started which must lead, in theory, to extremes. This is the first case of interaction and the </a:t>
-            </a:r>
-            <a:r>
-              <a:rPr lang="en-GB" sz="1800" b="1" dirty="0">
-                <a:effectLst/>
-                <a:latin typeface="Calibri" panose="020F0502020204030204" pitchFamily="34" charset="0"/>
-                <a:ea typeface="Calibri" panose="020F0502020204030204" pitchFamily="34" charset="0"/>
-                <a:cs typeface="Times New Roman" panose="02020603050405020304" pitchFamily="18" charset="0"/>
-              </a:rPr>
-              <a:t>first "</a:t>
-            </a:r>
-            <a:r>
-              <a:rPr lang="en-GB" sz="1800" b="1" u="sng" dirty="0">
-                <a:effectLst/>
-                <a:latin typeface="Calibri" panose="020F0502020204030204" pitchFamily="34" charset="0"/>
-                <a:ea typeface="Calibri" panose="020F0502020204030204" pitchFamily="34" charset="0"/>
-                <a:cs typeface="Times New Roman" panose="02020603050405020304" pitchFamily="18" charset="0"/>
-              </a:rPr>
-              <a:t>extreme</a:t>
-            </a:r>
-            <a:r>
-              <a:rPr lang="en-GB" sz="1800" b="1" dirty="0">
-                <a:effectLst/>
-                <a:latin typeface="Calibri" panose="020F0502020204030204" pitchFamily="34" charset="0"/>
-                <a:ea typeface="Calibri" panose="020F0502020204030204" pitchFamily="34" charset="0"/>
-                <a:cs typeface="Times New Roman" panose="02020603050405020304" pitchFamily="18" charset="0"/>
-              </a:rPr>
-              <a:t>"</a:t>
-            </a:r>
-            <a:r>
-              <a:rPr lang="en-GB" sz="1800" dirty="0">
-                <a:effectLst/>
-                <a:latin typeface="Calibri" panose="020F0502020204030204" pitchFamily="34" charset="0"/>
-                <a:ea typeface="Calibri" panose="020F0502020204030204" pitchFamily="34" charset="0"/>
-                <a:cs typeface="Times New Roman" panose="02020603050405020304" pitchFamily="18" charset="0"/>
-              </a:rPr>
-              <a:t> we meet with.</a:t>
-            </a:r>
-            <a:endParaRPr lang="tr-TR" sz="1800">
-              <a:effectLst/>
-              <a:latin typeface="Calibri" panose="020F0502020204030204" pitchFamily="34" charset="0"/>
-              <a:ea typeface="Calibri" panose="020F0502020204030204" pitchFamily="34" charset="0"/>
-              <a:cs typeface="Times New Roman" panose="02020603050405020304" pitchFamily="18" charset="0"/>
-            </a:endParaRPr>
-          </a:p>
-          <a:p>
-            <a:endParaRPr lang="tr-TR" sz="1800" u="sng">
-              <a:latin typeface="Calibri" panose="020F0502020204030204" pitchFamily="34" charset="0"/>
-              <a:cs typeface="Times New Roman" panose="02020603050405020304" pitchFamily="18" charset="0"/>
-            </a:endParaRPr>
+        </p:txBody>
+      </p:sp>
+      <p:sp>
+        <p:nvSpPr>
+          <p:cNvPr id="22" name="TextBox 21">
+            <a:extLst>
+              <a:ext uri="{FF2B5EF4-FFF2-40B4-BE49-F238E27FC236}">
+                <a16:creationId xmlns:a16="http://schemas.microsoft.com/office/drawing/2014/main" id="{3E8B5B47-7D2F-40D3-BE4D-A415C8ED449F}"/>
+              </a:ext>
+            </a:extLst>
+          </p:cNvPr>
+          <p:cNvSpPr txBox="1"/>
+          <p:nvPr/>
+        </p:nvSpPr>
+        <p:spPr>
+          <a:xfrm>
+            <a:off x="7705826" y="4544013"/>
+            <a:ext cx="2175019" cy="369332"/>
+          </a:xfrm>
+          <a:prstGeom prst="rect">
+            <a:avLst/>
+          </a:prstGeom>
+          <a:noFill/>
+        </p:spPr>
+        <p:txBody>
+          <a:bodyPr wrap="none" rtlCol="0">
+            <a:spAutoFit/>
+          </a:bodyPr>
+          <a:lstStyle/>
+          <a:p>
+            <a:r>
+              <a:rPr lang="tr-TR" b="1" dirty="0"/>
+              <a:t>To secure that object</a:t>
+            </a:r>
           </a:p>
         </p:txBody>
       </p:sp>
     </p:spTree>
     <p:extLst>
       <p:ext uri="{BB962C8B-B14F-4D97-AF65-F5344CB8AC3E}">
-        <p14:creationId xmlns:p14="http://schemas.microsoft.com/office/powerpoint/2010/main" val="3415617531"/>
+        <p14:creationId xmlns:p14="http://schemas.microsoft.com/office/powerpoint/2010/main" val="1009845609"/>
       </p:ext>
     </p:extLst>
   </p:cSld>
@@ -4231,1430 +4618,255 @@
       </p:grpSpPr>
       <p:sp>
         <p:nvSpPr>
-          <p:cNvPr id="4" name="Rectangle 3">
-            <a:extLst>
-              <a:ext uri="{FF2B5EF4-FFF2-40B4-BE49-F238E27FC236}">
-                <a16:creationId xmlns:a16="http://schemas.microsoft.com/office/drawing/2014/main" id="{AA2D1CF6-8F57-4E67-AE75-5952EB65BFD4}"/>
-              </a:ext>
-            </a:extLst>
-          </p:cNvPr>
-          <p:cNvSpPr/>
-          <p:nvPr/>
-        </p:nvSpPr>
-        <p:spPr>
-          <a:xfrm>
-            <a:off x="3212735" y="2749993"/>
-            <a:ext cx="1194938" cy="367136"/>
-          </a:xfrm>
-          <a:prstGeom prst="rect">
-            <a:avLst/>
-          </a:prstGeom>
-          <a:solidFill>
-            <a:schemeClr val="bg1"/>
-          </a:solidFill>
-          <a:ln w="12700"/>
-        </p:spPr>
-        <p:style>
-          <a:lnRef idx="2">
-            <a:schemeClr val="accent1">
-              <a:shade val="50000"/>
-            </a:schemeClr>
-          </a:lnRef>
-          <a:fillRef idx="1">
-            <a:schemeClr val="accent1"/>
-          </a:fillRef>
-          <a:effectRef idx="0">
-            <a:schemeClr val="accent1"/>
-          </a:effectRef>
-          <a:fontRef idx="minor">
-            <a:schemeClr val="lt1"/>
-          </a:fontRef>
-        </p:style>
-        <p:txBody>
-          <a:bodyPr rtlCol="0" anchor="ctr"/>
-          <a:lstStyle/>
-          <a:p>
-            <a:pPr algn="ctr"/>
-            <a:r>
-              <a:rPr lang="tr-TR" sz="1200" b="1" dirty="0">
-                <a:solidFill>
-                  <a:schemeClr val="tx1"/>
-                </a:solidFill>
+          <p:cNvPr id="2" name="Title 1">
+            <a:extLst>
+              <a:ext uri="{FF2B5EF4-FFF2-40B4-BE49-F238E27FC236}">
+                <a16:creationId xmlns:a16="http://schemas.microsoft.com/office/drawing/2014/main" id="{09612188-4283-4743-94FD-2C937163A47A}"/>
+              </a:ext>
+            </a:extLst>
+          </p:cNvPr>
+          <p:cNvSpPr>
+            <a:spLocks noGrp="1"/>
+          </p:cNvSpPr>
+          <p:nvPr>
+            <p:ph type="title"/>
+          </p:nvPr>
+        </p:nvSpPr>
+        <p:spPr>
+          <a:xfrm>
+            <a:off x="838200" y="365125"/>
+            <a:ext cx="10515600" cy="880579"/>
+          </a:xfrm>
+        </p:spPr>
+        <p:txBody>
+          <a:bodyPr>
+            <a:normAutofit/>
+          </a:bodyPr>
+          <a:lstStyle/>
+          <a:p>
+            <a:r>
+              <a:rPr lang="tr-TR" sz="4000" b="1" dirty="0"/>
+              <a:t>1st Extreme</a:t>
+            </a:r>
+          </a:p>
+        </p:txBody>
+      </p:sp>
+      <p:sp>
+        <p:nvSpPr>
+          <p:cNvPr id="3" name="Content Placeholder 2">
+            <a:extLst>
+              <a:ext uri="{FF2B5EF4-FFF2-40B4-BE49-F238E27FC236}">
+                <a16:creationId xmlns:a16="http://schemas.microsoft.com/office/drawing/2014/main" id="{1C01D6C8-B7DE-4907-BD5A-ECDDAD656C84}"/>
+              </a:ext>
+            </a:extLst>
+          </p:cNvPr>
+          <p:cNvSpPr>
+            <a:spLocks noGrp="1"/>
+          </p:cNvSpPr>
+          <p:nvPr>
+            <p:ph idx="1"/>
+          </p:nvPr>
+        </p:nvSpPr>
+        <p:spPr/>
+        <p:txBody>
+          <a:bodyPr/>
+          <a:lstStyle/>
+          <a:p>
+            <a:r>
+              <a:rPr lang="en-GB" sz="1800" dirty="0">
+                <a:effectLst/>
+                <a:latin typeface="Calibri" panose="020F0502020204030204" pitchFamily="34" charset="0"/>
+                <a:ea typeface="Calibri" panose="020F0502020204030204" pitchFamily="34" charset="0"/>
+                <a:cs typeface="Times New Roman" panose="02020603050405020304" pitchFamily="18" charset="0"/>
               </a:rPr>
-              <a:t>Maximum Use of Force</a:t>
-            </a:r>
-          </a:p>
-        </p:txBody>
-      </p:sp>
-      <p:sp>
-        <p:nvSpPr>
-          <p:cNvPr id="5" name="Rectangle 4">
-            <a:extLst>
-              <a:ext uri="{FF2B5EF4-FFF2-40B4-BE49-F238E27FC236}">
-                <a16:creationId xmlns:a16="http://schemas.microsoft.com/office/drawing/2014/main" id="{2BFB637E-1667-46AE-8289-6D444F01169D}"/>
-              </a:ext>
-            </a:extLst>
-          </p:cNvPr>
-          <p:cNvSpPr/>
-          <p:nvPr/>
-        </p:nvSpPr>
-        <p:spPr>
-          <a:xfrm>
-            <a:off x="4538971" y="2749993"/>
-            <a:ext cx="1194938" cy="367136"/>
-          </a:xfrm>
-          <a:prstGeom prst="rect">
-            <a:avLst/>
-          </a:prstGeom>
-          <a:solidFill>
-            <a:schemeClr val="bg1"/>
-          </a:solidFill>
-          <a:ln w="12700"/>
-        </p:spPr>
-        <p:style>
-          <a:lnRef idx="2">
-            <a:schemeClr val="accent1">
-              <a:shade val="50000"/>
-            </a:schemeClr>
-          </a:lnRef>
-          <a:fillRef idx="1">
-            <a:schemeClr val="accent1"/>
-          </a:fillRef>
-          <a:effectRef idx="0">
-            <a:schemeClr val="accent1"/>
-          </a:effectRef>
-          <a:fontRef idx="minor">
-            <a:schemeClr val="lt1"/>
-          </a:fontRef>
-        </p:style>
-        <p:txBody>
-          <a:bodyPr rtlCol="0" anchor="ctr"/>
-          <a:lstStyle/>
-          <a:p>
-            <a:pPr algn="ctr"/>
-            <a:r>
-              <a:rPr lang="tr-TR" sz="1200" b="1" dirty="0">
-                <a:solidFill>
-                  <a:schemeClr val="tx1"/>
-                </a:solidFill>
+              <a:t>To disarm or defeat an enemy one must use </a:t>
+            </a:r>
+            <a:r>
+              <a:rPr lang="en-GB" sz="1800" u="sng" dirty="0">
+                <a:effectLst/>
+                <a:latin typeface="Calibri" panose="020F0502020204030204" pitchFamily="34" charset="0"/>
+                <a:ea typeface="Calibri" panose="020F0502020204030204" pitchFamily="34" charset="0"/>
+                <a:cs typeface="Times New Roman" panose="02020603050405020304" pitchFamily="18" charset="0"/>
               </a:rPr>
-              <a:t>Aim (Disarm)</a:t>
-            </a:r>
-          </a:p>
-        </p:txBody>
-      </p:sp>
-      <p:sp>
-        <p:nvSpPr>
-          <p:cNvPr id="6" name="Rectangle 5">
-            <a:extLst>
-              <a:ext uri="{FF2B5EF4-FFF2-40B4-BE49-F238E27FC236}">
-                <a16:creationId xmlns:a16="http://schemas.microsoft.com/office/drawing/2014/main" id="{59321AD7-05DC-4EDD-B3AD-2ED6F8952805}"/>
-              </a:ext>
-            </a:extLst>
-          </p:cNvPr>
-          <p:cNvSpPr/>
-          <p:nvPr/>
-        </p:nvSpPr>
-        <p:spPr>
-          <a:xfrm>
-            <a:off x="5865207" y="2749993"/>
-            <a:ext cx="1194938" cy="367136"/>
-          </a:xfrm>
-          <a:prstGeom prst="rect">
-            <a:avLst/>
-          </a:prstGeom>
-          <a:solidFill>
-            <a:schemeClr val="bg1"/>
-          </a:solidFill>
-          <a:ln w="12700"/>
-        </p:spPr>
-        <p:style>
-          <a:lnRef idx="2">
-            <a:schemeClr val="accent1">
-              <a:shade val="50000"/>
-            </a:schemeClr>
-          </a:lnRef>
-          <a:fillRef idx="1">
-            <a:schemeClr val="accent1"/>
-          </a:fillRef>
-          <a:effectRef idx="0">
-            <a:schemeClr val="accent1"/>
-          </a:effectRef>
-          <a:fontRef idx="minor">
-            <a:schemeClr val="lt1"/>
-          </a:fontRef>
-        </p:style>
-        <p:txBody>
-          <a:bodyPr rtlCol="0" anchor="ctr"/>
-          <a:lstStyle/>
-          <a:p>
-            <a:pPr algn="ctr"/>
-            <a:r>
-              <a:rPr lang="tr-TR" sz="1200" b="1" dirty="0">
-                <a:solidFill>
-                  <a:schemeClr val="tx1"/>
-                </a:solidFill>
+              <a:t>maximum force possible</a:t>
+            </a:r>
+            <a:endParaRPr lang="tr-TR" sz="1800" u="sng" dirty="0">
+              <a:effectLst/>
+              <a:latin typeface="Calibri" panose="020F0502020204030204" pitchFamily="34" charset="0"/>
+              <a:ea typeface="Calibri" panose="020F0502020204030204" pitchFamily="34" charset="0"/>
+              <a:cs typeface="Times New Roman" panose="02020603050405020304" pitchFamily="18" charset="0"/>
+            </a:endParaRPr>
+          </a:p>
+          <a:p>
+            <a:r>
+              <a:rPr lang="en-GB" sz="1800" dirty="0">
+                <a:effectLst/>
+                <a:latin typeface="Calibri" panose="020F0502020204030204" pitchFamily="34" charset="0"/>
+                <a:ea typeface="Calibri" panose="020F0502020204030204" pitchFamily="34" charset="0"/>
+                <a:cs typeface="Times New Roman" panose="02020603050405020304" pitchFamily="18" charset="0"/>
               </a:rPr>
-              <a:t>Overcome</a:t>
-            </a:r>
-          </a:p>
-        </p:txBody>
-      </p:sp>
-      <p:sp>
-        <p:nvSpPr>
-          <p:cNvPr id="7" name="Rectangle 6">
-            <a:extLst>
-              <a:ext uri="{FF2B5EF4-FFF2-40B4-BE49-F238E27FC236}">
-                <a16:creationId xmlns:a16="http://schemas.microsoft.com/office/drawing/2014/main" id="{6C56010F-112B-4218-99C7-DB24C1C6C78A}"/>
-              </a:ext>
-            </a:extLst>
-          </p:cNvPr>
-          <p:cNvSpPr/>
-          <p:nvPr/>
-        </p:nvSpPr>
-        <p:spPr>
-          <a:xfrm>
-            <a:off x="7191443" y="2749993"/>
-            <a:ext cx="1194938" cy="367136"/>
-          </a:xfrm>
-          <a:prstGeom prst="rect">
-            <a:avLst/>
-          </a:prstGeom>
-          <a:solidFill>
-            <a:schemeClr val="bg1"/>
-          </a:solidFill>
-          <a:ln w="12700"/>
-        </p:spPr>
-        <p:style>
-          <a:lnRef idx="2">
-            <a:schemeClr val="accent1">
-              <a:shade val="50000"/>
-            </a:schemeClr>
-          </a:lnRef>
-          <a:fillRef idx="1">
-            <a:schemeClr val="accent1"/>
-          </a:fillRef>
-          <a:effectRef idx="0">
-            <a:schemeClr val="accent1"/>
-          </a:effectRef>
-          <a:fontRef idx="minor">
-            <a:schemeClr val="lt1"/>
-          </a:fontRef>
-        </p:style>
-        <p:txBody>
-          <a:bodyPr rtlCol="0" anchor="ctr"/>
-          <a:lstStyle/>
-          <a:p>
-            <a:pPr algn="ctr"/>
-            <a:r>
-              <a:rPr lang="tr-TR" sz="1200" b="1" dirty="0">
-                <a:solidFill>
-                  <a:schemeClr val="tx1"/>
-                </a:solidFill>
+              <a:t>Not be deterred by the bloodshed, which </a:t>
+            </a:r>
+            <a:r>
+              <a:rPr lang="en-GB" sz="1800" b="1" dirty="0">
+                <a:effectLst/>
+                <a:latin typeface="Calibri" panose="020F0502020204030204" pitchFamily="34" charset="0"/>
+                <a:ea typeface="Calibri" panose="020F0502020204030204" pitchFamily="34" charset="0"/>
+                <a:cs typeface="Times New Roman" panose="02020603050405020304" pitchFamily="18" charset="0"/>
               </a:rPr>
-              <a:t>Hostilities</a:t>
-            </a:r>
-          </a:p>
-        </p:txBody>
-      </p:sp>
-      <p:sp>
-        <p:nvSpPr>
-          <p:cNvPr id="8" name="Rectangle 7">
-            <a:extLst>
-              <a:ext uri="{FF2B5EF4-FFF2-40B4-BE49-F238E27FC236}">
-                <a16:creationId xmlns:a16="http://schemas.microsoft.com/office/drawing/2014/main" id="{76733B80-70D1-4C7D-94CE-B3277EFBCBBC}"/>
-              </a:ext>
-            </a:extLst>
-          </p:cNvPr>
-          <p:cNvSpPr/>
-          <p:nvPr/>
-        </p:nvSpPr>
-        <p:spPr>
-          <a:xfrm>
-            <a:off x="5242355" y="1551386"/>
-            <a:ext cx="1245704" cy="503583"/>
-          </a:xfrm>
-          <a:prstGeom prst="rect">
-            <a:avLst/>
-          </a:prstGeom>
-          <a:solidFill>
-            <a:schemeClr val="bg1"/>
-          </a:solidFill>
-          <a:ln w="28575"/>
-        </p:spPr>
-        <p:style>
-          <a:lnRef idx="2">
-            <a:schemeClr val="accent1">
-              <a:shade val="50000"/>
-            </a:schemeClr>
-          </a:lnRef>
-          <a:fillRef idx="1">
-            <a:schemeClr val="accent1"/>
-          </a:fillRef>
-          <a:effectRef idx="0">
-            <a:schemeClr val="accent1"/>
-          </a:effectRef>
-          <a:fontRef idx="minor">
-            <a:schemeClr val="lt1"/>
-          </a:fontRef>
-        </p:style>
-        <p:txBody>
-          <a:bodyPr rtlCol="0" anchor="ctr"/>
-          <a:lstStyle/>
-          <a:p>
-            <a:pPr algn="ctr"/>
-            <a:r>
-              <a:rPr lang="tr-TR" b="1" dirty="0">
-                <a:solidFill>
-                  <a:schemeClr val="tx1"/>
-                </a:solidFill>
+              <a:t>nature of the war</a:t>
+            </a:r>
+            <a:r>
+              <a:rPr lang="en-GB" sz="1800" dirty="0">
+                <a:effectLst/>
+                <a:latin typeface="Calibri" panose="020F0502020204030204" pitchFamily="34" charset="0"/>
+                <a:ea typeface="Calibri" panose="020F0502020204030204" pitchFamily="34" charset="0"/>
+                <a:cs typeface="Times New Roman" panose="02020603050405020304" pitchFamily="18" charset="0"/>
               </a:rPr>
-              <a:t>Laws of Extremes</a:t>
-            </a:r>
-          </a:p>
-        </p:txBody>
-      </p:sp>
-      <p:sp>
-        <p:nvSpPr>
-          <p:cNvPr id="18" name="Rectangle 17">
-            <a:extLst>
-              <a:ext uri="{FF2B5EF4-FFF2-40B4-BE49-F238E27FC236}">
-                <a16:creationId xmlns:a16="http://schemas.microsoft.com/office/drawing/2014/main" id="{531F8D98-86D3-4642-A0B3-09C0EBF0E152}"/>
-              </a:ext>
-            </a:extLst>
-          </p:cNvPr>
-          <p:cNvSpPr/>
-          <p:nvPr/>
-        </p:nvSpPr>
-        <p:spPr>
-          <a:xfrm>
-            <a:off x="3212735" y="3503267"/>
-            <a:ext cx="1194938" cy="367136"/>
-          </a:xfrm>
-          <a:prstGeom prst="rect">
-            <a:avLst/>
-          </a:prstGeom>
-          <a:solidFill>
-            <a:schemeClr val="bg1"/>
-          </a:solidFill>
-          <a:ln w="12700"/>
-        </p:spPr>
-        <p:style>
-          <a:lnRef idx="2">
-            <a:schemeClr val="accent1">
-              <a:shade val="50000"/>
-            </a:schemeClr>
-          </a:lnRef>
-          <a:fillRef idx="1">
-            <a:schemeClr val="accent1"/>
-          </a:fillRef>
-          <a:effectRef idx="0">
-            <a:schemeClr val="accent1"/>
-          </a:effectRef>
-          <a:fontRef idx="minor">
-            <a:schemeClr val="lt1"/>
-          </a:fontRef>
-        </p:style>
-        <p:txBody>
-          <a:bodyPr rtlCol="0" anchor="ctr"/>
-          <a:lstStyle/>
-          <a:p>
-            <a:pPr algn="ctr"/>
-            <a:r>
-              <a:rPr lang="tr-TR" sz="1200" b="1" dirty="0">
-                <a:solidFill>
-                  <a:schemeClr val="tx1"/>
-                </a:solidFill>
+              <a:t> necessitates. </a:t>
+            </a:r>
+            <a:endParaRPr lang="tr-TR" sz="1800" dirty="0">
+              <a:effectLst/>
+              <a:latin typeface="Calibri" panose="020F0502020204030204" pitchFamily="34" charset="0"/>
+              <a:ea typeface="Calibri" panose="020F0502020204030204" pitchFamily="34" charset="0"/>
+              <a:cs typeface="Times New Roman" panose="02020603050405020304" pitchFamily="18" charset="0"/>
+            </a:endParaRPr>
+          </a:p>
+          <a:p>
+            <a:r>
+              <a:rPr lang="tr-TR" sz="1800" u="sng" dirty="0">
+                <a:latin typeface="Calibri" panose="020F0502020204030204" pitchFamily="34" charset="0"/>
+                <a:cs typeface="Times New Roman" panose="02020603050405020304" pitchFamily="18" charset="0"/>
               </a:rPr>
-              <a:t>Not a single action</a:t>
-            </a:r>
-          </a:p>
-        </p:txBody>
-      </p:sp>
-      <p:sp>
-        <p:nvSpPr>
-          <p:cNvPr id="19" name="Rectangle 18">
-            <a:extLst>
-              <a:ext uri="{FF2B5EF4-FFF2-40B4-BE49-F238E27FC236}">
-                <a16:creationId xmlns:a16="http://schemas.microsoft.com/office/drawing/2014/main" id="{CF0A43B7-2C6F-45A5-B3CF-227E933BCF7C}"/>
-              </a:ext>
-            </a:extLst>
-          </p:cNvPr>
-          <p:cNvSpPr/>
-          <p:nvPr/>
-        </p:nvSpPr>
-        <p:spPr>
-          <a:xfrm>
-            <a:off x="4538971" y="3503267"/>
-            <a:ext cx="1194938" cy="367136"/>
-          </a:xfrm>
-          <a:prstGeom prst="rect">
-            <a:avLst/>
-          </a:prstGeom>
-          <a:solidFill>
-            <a:schemeClr val="bg1"/>
-          </a:solidFill>
-          <a:ln w="12700"/>
-        </p:spPr>
-        <p:style>
-          <a:lnRef idx="2">
-            <a:schemeClr val="accent1">
-              <a:shade val="50000"/>
-            </a:schemeClr>
-          </a:lnRef>
-          <a:fillRef idx="1">
-            <a:schemeClr val="accent1"/>
-          </a:fillRef>
-          <a:effectRef idx="0">
-            <a:schemeClr val="accent1"/>
-          </a:effectRef>
-          <a:fontRef idx="minor">
-            <a:schemeClr val="lt1"/>
-          </a:fontRef>
-        </p:style>
-        <p:txBody>
-          <a:bodyPr rtlCol="0" anchor="ctr"/>
-          <a:lstStyle/>
-          <a:p>
-            <a:pPr algn="ctr"/>
-            <a:r>
-              <a:rPr lang="tr-TR" sz="1200" b="1" dirty="0">
-                <a:solidFill>
-                  <a:schemeClr val="tx1"/>
-                </a:solidFill>
+              <a:t>Severity may be modarated by the social conditions of the states. </a:t>
+            </a:r>
+          </a:p>
+          <a:p>
+            <a:r>
+              <a:rPr lang="en-GB" sz="1800" b="1" dirty="0">
+                <a:effectLst/>
+                <a:latin typeface="Calibri" panose="020F0502020204030204" pitchFamily="34" charset="0"/>
+                <a:ea typeface="Calibri" panose="020F0502020204030204" pitchFamily="34" charset="0"/>
+                <a:cs typeface="Times New Roman" panose="02020603050405020304" pitchFamily="18" charset="0"/>
               </a:rPr>
-              <a:t>Result is never final</a:t>
-            </a:r>
-          </a:p>
-        </p:txBody>
-      </p:sp>
-      <p:sp>
-        <p:nvSpPr>
-          <p:cNvPr id="20" name="Rectangle 19">
-            <a:extLst>
-              <a:ext uri="{FF2B5EF4-FFF2-40B4-BE49-F238E27FC236}">
-                <a16:creationId xmlns:a16="http://schemas.microsoft.com/office/drawing/2014/main" id="{27E64D89-0E48-4419-9C0E-0E5DDDAA62A7}"/>
-              </a:ext>
-            </a:extLst>
-          </p:cNvPr>
-          <p:cNvSpPr/>
-          <p:nvPr/>
-        </p:nvSpPr>
-        <p:spPr>
-          <a:xfrm>
-            <a:off x="5865207" y="3503267"/>
-            <a:ext cx="1194938" cy="367136"/>
-          </a:xfrm>
-          <a:prstGeom prst="rect">
-            <a:avLst/>
-          </a:prstGeom>
-          <a:solidFill>
-            <a:schemeClr val="bg1"/>
-          </a:solidFill>
-          <a:ln w="12700"/>
-        </p:spPr>
-        <p:style>
-          <a:lnRef idx="2">
-            <a:schemeClr val="accent1">
-              <a:shade val="50000"/>
-            </a:schemeClr>
-          </a:lnRef>
-          <a:fillRef idx="1">
-            <a:schemeClr val="accent1"/>
-          </a:fillRef>
-          <a:effectRef idx="0">
-            <a:schemeClr val="accent1"/>
-          </a:effectRef>
-          <a:fontRef idx="minor">
-            <a:schemeClr val="lt1"/>
-          </a:fontRef>
-        </p:style>
-        <p:txBody>
-          <a:bodyPr rtlCol="0" anchor="ctr"/>
-          <a:lstStyle/>
-          <a:p>
-            <a:pPr algn="ctr"/>
-            <a:r>
-              <a:rPr lang="tr-TR" sz="1200" b="1" dirty="0">
-                <a:solidFill>
-                  <a:schemeClr val="tx1"/>
-                </a:solidFill>
+              <a:t>Wars are not resulted from rational act only; these feelings play its role also.</a:t>
+            </a:r>
+            <a:r>
+              <a:rPr lang="en-GB" sz="1800" dirty="0">
+                <a:effectLst/>
+                <a:latin typeface="Calibri" panose="020F0502020204030204" pitchFamily="34" charset="0"/>
+                <a:ea typeface="Calibri" panose="020F0502020204030204" pitchFamily="34" charset="0"/>
+                <a:cs typeface="Times New Roman" panose="02020603050405020304" pitchFamily="18" charset="0"/>
               </a:rPr>
-              <a:t>PoR depends on external</a:t>
-            </a:r>
-          </a:p>
-        </p:txBody>
-      </p:sp>
-      <p:sp>
-        <p:nvSpPr>
-          <p:cNvPr id="21" name="Rectangle 20">
-            <a:extLst>
-              <a:ext uri="{FF2B5EF4-FFF2-40B4-BE49-F238E27FC236}">
-                <a16:creationId xmlns:a16="http://schemas.microsoft.com/office/drawing/2014/main" id="{A3E653FB-CB4F-47C6-B777-93030FFAC395}"/>
-              </a:ext>
-            </a:extLst>
-          </p:cNvPr>
-          <p:cNvSpPr/>
-          <p:nvPr/>
-        </p:nvSpPr>
-        <p:spPr>
-          <a:xfrm>
-            <a:off x="7191443" y="3503267"/>
-            <a:ext cx="1194938" cy="367136"/>
-          </a:xfrm>
-          <a:prstGeom prst="rect">
-            <a:avLst/>
-          </a:prstGeom>
-          <a:solidFill>
-            <a:schemeClr val="bg1"/>
-          </a:solidFill>
-          <a:ln w="12700"/>
-        </p:spPr>
-        <p:style>
-          <a:lnRef idx="2">
-            <a:schemeClr val="accent1">
-              <a:shade val="50000"/>
-            </a:schemeClr>
-          </a:lnRef>
-          <a:fillRef idx="1">
-            <a:schemeClr val="accent1"/>
-          </a:fillRef>
-          <a:effectRef idx="0">
-            <a:schemeClr val="accent1"/>
-          </a:effectRef>
-          <a:fontRef idx="minor">
-            <a:schemeClr val="lt1"/>
-          </a:fontRef>
-        </p:style>
-        <p:txBody>
-          <a:bodyPr rtlCol="0" anchor="ctr"/>
-          <a:lstStyle/>
-          <a:p>
-            <a:pPr algn="ctr"/>
-            <a:r>
-              <a:rPr lang="tr-TR" sz="1200" b="1" dirty="0">
-                <a:solidFill>
-                  <a:schemeClr val="tx1"/>
-                </a:solidFill>
+              <a:t> </a:t>
+            </a:r>
+            <a:endParaRPr lang="tr-TR" sz="1800" dirty="0">
+              <a:effectLst/>
+              <a:latin typeface="Calibri" panose="020F0502020204030204" pitchFamily="34" charset="0"/>
+              <a:ea typeface="Calibri" panose="020F0502020204030204" pitchFamily="34" charset="0"/>
+              <a:cs typeface="Times New Roman" panose="02020603050405020304" pitchFamily="18" charset="0"/>
+            </a:endParaRPr>
+          </a:p>
+          <a:p>
+            <a:r>
+              <a:rPr lang="en-GB" sz="1800" dirty="0">
+                <a:effectLst/>
+                <a:latin typeface="Calibri" panose="020F0502020204030204" pitchFamily="34" charset="0"/>
+                <a:ea typeface="Calibri" panose="020F0502020204030204" pitchFamily="34" charset="0"/>
+                <a:cs typeface="Times New Roman" panose="02020603050405020304" pitchFamily="18" charset="0"/>
               </a:rPr>
-              <a:t>Inaction</a:t>
-            </a:r>
-          </a:p>
-        </p:txBody>
-      </p:sp>
-      <p:sp>
-        <p:nvSpPr>
-          <p:cNvPr id="22" name="Rectangle 21">
-            <a:extLst>
-              <a:ext uri="{FF2B5EF4-FFF2-40B4-BE49-F238E27FC236}">
-                <a16:creationId xmlns:a16="http://schemas.microsoft.com/office/drawing/2014/main" id="{13F14650-BFD3-4BDE-BF75-4CC72F6D02E1}"/>
-              </a:ext>
-            </a:extLst>
-          </p:cNvPr>
-          <p:cNvSpPr/>
-          <p:nvPr/>
-        </p:nvSpPr>
-        <p:spPr>
-          <a:xfrm>
-            <a:off x="5203309" y="4304917"/>
-            <a:ext cx="1245704" cy="503583"/>
-          </a:xfrm>
-          <a:prstGeom prst="rect">
-            <a:avLst/>
-          </a:prstGeom>
-          <a:solidFill>
-            <a:schemeClr val="bg1"/>
-          </a:solidFill>
-          <a:ln w="28575"/>
-        </p:spPr>
-        <p:style>
-          <a:lnRef idx="2">
-            <a:schemeClr val="accent1">
-              <a:shade val="50000"/>
-            </a:schemeClr>
-          </a:lnRef>
-          <a:fillRef idx="1">
-            <a:schemeClr val="accent1"/>
-          </a:fillRef>
-          <a:effectRef idx="0">
-            <a:schemeClr val="accent1"/>
-          </a:effectRef>
-          <a:fontRef idx="minor">
-            <a:schemeClr val="lt1"/>
-          </a:fontRef>
-        </p:style>
-        <p:txBody>
-          <a:bodyPr rtlCol="0" anchor="ctr"/>
-          <a:lstStyle/>
-          <a:p>
-            <a:pPr algn="ctr"/>
-            <a:r>
-              <a:rPr lang="tr-TR" b="1" dirty="0">
-                <a:solidFill>
-                  <a:schemeClr val="tx1"/>
-                </a:solidFill>
+              <a:t>Without these feelings, it would be enough to compare physical forces to decide who wins and war would be termed as “</a:t>
+            </a:r>
+            <a:r>
+              <a:rPr lang="en-GB" sz="1800" u="sng" dirty="0">
+                <a:effectLst/>
+                <a:latin typeface="Calibri" panose="020F0502020204030204" pitchFamily="34" charset="0"/>
+                <a:ea typeface="Calibri" panose="020F0502020204030204" pitchFamily="34" charset="0"/>
+                <a:cs typeface="Times New Roman" panose="02020603050405020304" pitchFamily="18" charset="0"/>
               </a:rPr>
-              <a:t>assessing probs</a:t>
-            </a:r>
-          </a:p>
-        </p:txBody>
-      </p:sp>
-      <p:sp>
-        <p:nvSpPr>
-          <p:cNvPr id="40" name="Rectangle 39">
-            <a:extLst>
-              <a:ext uri="{FF2B5EF4-FFF2-40B4-BE49-F238E27FC236}">
-                <a16:creationId xmlns:a16="http://schemas.microsoft.com/office/drawing/2014/main" id="{EADD8FC8-3A6A-4084-B189-B8D62C8CD5E1}"/>
-              </a:ext>
-            </a:extLst>
-          </p:cNvPr>
-          <p:cNvSpPr/>
-          <p:nvPr/>
-        </p:nvSpPr>
-        <p:spPr>
-          <a:xfrm>
-            <a:off x="9044502" y="2999684"/>
-            <a:ext cx="1617786" cy="503583"/>
-          </a:xfrm>
-          <a:prstGeom prst="rect">
-            <a:avLst/>
-          </a:prstGeom>
-          <a:solidFill>
-            <a:schemeClr val="bg1"/>
-          </a:solidFill>
-          <a:ln w="28575"/>
-        </p:spPr>
-        <p:style>
-          <a:lnRef idx="2">
-            <a:schemeClr val="accent1">
-              <a:shade val="50000"/>
-            </a:schemeClr>
-          </a:lnRef>
-          <a:fillRef idx="1">
-            <a:schemeClr val="accent1"/>
-          </a:fillRef>
-          <a:effectRef idx="0">
-            <a:schemeClr val="accent1"/>
-          </a:effectRef>
-          <a:fontRef idx="minor">
-            <a:schemeClr val="lt1"/>
-          </a:fontRef>
-        </p:style>
-        <p:txBody>
-          <a:bodyPr rtlCol="0" anchor="ctr"/>
-          <a:lstStyle/>
-          <a:p>
-            <a:pPr algn="ctr"/>
-            <a:r>
-              <a:rPr lang="tr-TR" b="1" dirty="0">
-                <a:solidFill>
-                  <a:srgbClr val="FF0000"/>
-                </a:solidFill>
+              <a:t>algebra war</a:t>
+            </a:r>
+            <a:r>
+              <a:rPr lang="en-GB" sz="1800" dirty="0">
+                <a:effectLst/>
+                <a:latin typeface="Calibri" panose="020F0502020204030204" pitchFamily="34" charset="0"/>
+                <a:ea typeface="Calibri" panose="020F0502020204030204" pitchFamily="34" charset="0"/>
+                <a:cs typeface="Times New Roman" panose="02020603050405020304" pitchFamily="18" charset="0"/>
               </a:rPr>
-              <a:t>Modifications</a:t>
-            </a:r>
-          </a:p>
-        </p:txBody>
-      </p:sp>
-      <p:cxnSp>
-        <p:nvCxnSpPr>
-          <p:cNvPr id="35" name="Connector: Curved 34">
-            <a:extLst>
-              <a:ext uri="{FF2B5EF4-FFF2-40B4-BE49-F238E27FC236}">
-                <a16:creationId xmlns:a16="http://schemas.microsoft.com/office/drawing/2014/main" id="{6D49F7F7-3272-4C69-8E47-E24D590A41F3}"/>
-              </a:ext>
-            </a:extLst>
-          </p:cNvPr>
-          <p:cNvCxnSpPr>
-            <a:stCxn id="8" idx="1"/>
-            <a:endCxn id="4" idx="0"/>
-          </p:cNvCxnSpPr>
-          <p:nvPr/>
-        </p:nvCxnSpPr>
-        <p:spPr>
-          <a:xfrm rot="10800000" flipV="1">
-            <a:off x="3810205" y="1803177"/>
-            <a:ext cx="1432151" cy="946815"/>
-          </a:xfrm>
-          <a:prstGeom prst="curvedConnector2">
-            <a:avLst/>
-          </a:prstGeom>
-          <a:ln>
-            <a:tailEnd type="triangle"/>
-          </a:ln>
-        </p:spPr>
-        <p:style>
-          <a:lnRef idx="1">
-            <a:schemeClr val="accent1"/>
-          </a:lnRef>
-          <a:fillRef idx="0">
-            <a:schemeClr val="accent1"/>
-          </a:fillRef>
-          <a:effectRef idx="0">
-            <a:schemeClr val="accent1"/>
-          </a:effectRef>
-          <a:fontRef idx="minor">
-            <a:schemeClr val="tx1"/>
-          </a:fontRef>
-        </p:style>
-      </p:cxnSp>
-      <p:cxnSp>
-        <p:nvCxnSpPr>
-          <p:cNvPr id="41" name="Connector: Curved 40">
-            <a:extLst>
-              <a:ext uri="{FF2B5EF4-FFF2-40B4-BE49-F238E27FC236}">
-                <a16:creationId xmlns:a16="http://schemas.microsoft.com/office/drawing/2014/main" id="{80FE0119-A585-427E-9407-38E976CA9C83}"/>
-              </a:ext>
-            </a:extLst>
-          </p:cNvPr>
-          <p:cNvCxnSpPr>
-            <a:stCxn id="8" idx="2"/>
-            <a:endCxn id="5" idx="0"/>
-          </p:cNvCxnSpPr>
-          <p:nvPr/>
-        </p:nvCxnSpPr>
-        <p:spPr>
-          <a:xfrm rot="5400000">
-            <a:off x="5153312" y="2038098"/>
-            <a:ext cx="695024" cy="728767"/>
-          </a:xfrm>
-          <a:prstGeom prst="curvedConnector3">
-            <a:avLst/>
-          </a:prstGeom>
-          <a:ln>
-            <a:tailEnd type="triangle"/>
-          </a:ln>
-        </p:spPr>
-        <p:style>
-          <a:lnRef idx="1">
-            <a:schemeClr val="accent1"/>
-          </a:lnRef>
-          <a:fillRef idx="0">
-            <a:schemeClr val="accent1"/>
-          </a:fillRef>
-          <a:effectRef idx="0">
-            <a:schemeClr val="accent1"/>
-          </a:effectRef>
-          <a:fontRef idx="minor">
-            <a:schemeClr val="tx1"/>
-          </a:fontRef>
-        </p:style>
-      </p:cxnSp>
-      <p:cxnSp>
-        <p:nvCxnSpPr>
-          <p:cNvPr id="43" name="Connector: Curved 42">
-            <a:extLst>
-              <a:ext uri="{FF2B5EF4-FFF2-40B4-BE49-F238E27FC236}">
-                <a16:creationId xmlns:a16="http://schemas.microsoft.com/office/drawing/2014/main" id="{D3D4CC1D-B9F6-49B4-8998-829B9F9FEF04}"/>
-              </a:ext>
-            </a:extLst>
-          </p:cNvPr>
-          <p:cNvCxnSpPr>
-            <a:stCxn id="8" idx="2"/>
-            <a:endCxn id="6" idx="0"/>
-          </p:cNvCxnSpPr>
-          <p:nvPr/>
-        </p:nvCxnSpPr>
-        <p:spPr>
-          <a:xfrm rot="16200000" flipH="1">
-            <a:off x="5816429" y="2103746"/>
-            <a:ext cx="695024" cy="597469"/>
-          </a:xfrm>
-          <a:prstGeom prst="curvedConnector3">
-            <a:avLst/>
-          </a:prstGeom>
-          <a:ln>
-            <a:tailEnd type="triangle"/>
-          </a:ln>
-        </p:spPr>
-        <p:style>
-          <a:lnRef idx="1">
-            <a:schemeClr val="accent1"/>
-          </a:lnRef>
-          <a:fillRef idx="0">
-            <a:schemeClr val="accent1"/>
-          </a:fillRef>
-          <a:effectRef idx="0">
-            <a:schemeClr val="accent1"/>
-          </a:effectRef>
-          <a:fontRef idx="minor">
-            <a:schemeClr val="tx1"/>
-          </a:fontRef>
-        </p:style>
-      </p:cxnSp>
-      <p:cxnSp>
-        <p:nvCxnSpPr>
-          <p:cNvPr id="45" name="Connector: Curved 44">
-            <a:extLst>
-              <a:ext uri="{FF2B5EF4-FFF2-40B4-BE49-F238E27FC236}">
-                <a16:creationId xmlns:a16="http://schemas.microsoft.com/office/drawing/2014/main" id="{4CEB317F-BE1A-4BA2-A904-ED8E5B460ED3}"/>
-              </a:ext>
-            </a:extLst>
-          </p:cNvPr>
-          <p:cNvCxnSpPr>
-            <a:stCxn id="8" idx="3"/>
-            <a:endCxn id="7" idx="0"/>
-          </p:cNvCxnSpPr>
-          <p:nvPr/>
-        </p:nvCxnSpPr>
-        <p:spPr>
-          <a:xfrm>
-            <a:off x="6488059" y="1803178"/>
-            <a:ext cx="1300853" cy="946815"/>
-          </a:xfrm>
-          <a:prstGeom prst="curvedConnector2">
-            <a:avLst/>
-          </a:prstGeom>
-          <a:ln>
-            <a:tailEnd type="triangle"/>
-          </a:ln>
-        </p:spPr>
-        <p:style>
-          <a:lnRef idx="1">
-            <a:schemeClr val="accent1"/>
-          </a:lnRef>
-          <a:fillRef idx="0">
-            <a:schemeClr val="accent1"/>
-          </a:fillRef>
-          <a:effectRef idx="0">
-            <a:schemeClr val="accent1"/>
-          </a:effectRef>
-          <a:fontRef idx="minor">
-            <a:schemeClr val="tx1"/>
-          </a:fontRef>
-        </p:style>
-      </p:cxnSp>
-      <p:cxnSp>
-        <p:nvCxnSpPr>
-          <p:cNvPr id="47" name="Connector: Curved 46">
-            <a:extLst>
-              <a:ext uri="{FF2B5EF4-FFF2-40B4-BE49-F238E27FC236}">
-                <a16:creationId xmlns:a16="http://schemas.microsoft.com/office/drawing/2014/main" id="{DD58259F-DEC1-458E-90AB-258D7E045DF9}"/>
-              </a:ext>
-            </a:extLst>
-          </p:cNvPr>
-          <p:cNvCxnSpPr>
-            <a:stCxn id="18" idx="2"/>
-            <a:endCxn id="22" idx="1"/>
-          </p:cNvCxnSpPr>
-          <p:nvPr/>
-        </p:nvCxnSpPr>
-        <p:spPr>
-          <a:xfrm rot="16200000" flipH="1">
-            <a:off x="4163603" y="3517003"/>
-            <a:ext cx="686306" cy="1393105"/>
-          </a:xfrm>
-          <a:prstGeom prst="curvedConnector2">
-            <a:avLst/>
-          </a:prstGeom>
-          <a:ln>
-            <a:tailEnd type="triangle"/>
-          </a:ln>
-        </p:spPr>
-        <p:style>
-          <a:lnRef idx="1">
-            <a:schemeClr val="accent1"/>
-          </a:lnRef>
-          <a:fillRef idx="0">
-            <a:schemeClr val="accent1"/>
-          </a:fillRef>
-          <a:effectRef idx="0">
-            <a:schemeClr val="accent1"/>
-          </a:effectRef>
-          <a:fontRef idx="minor">
-            <a:schemeClr val="tx1"/>
-          </a:fontRef>
-        </p:style>
-      </p:cxnSp>
-      <p:cxnSp>
-        <p:nvCxnSpPr>
-          <p:cNvPr id="49" name="Connector: Curved 48">
-            <a:extLst>
-              <a:ext uri="{FF2B5EF4-FFF2-40B4-BE49-F238E27FC236}">
-                <a16:creationId xmlns:a16="http://schemas.microsoft.com/office/drawing/2014/main" id="{3D0922D9-3667-42D2-8CB1-F30FC979943E}"/>
-              </a:ext>
-            </a:extLst>
-          </p:cNvPr>
-          <p:cNvCxnSpPr>
-            <a:stCxn id="21" idx="2"/>
-            <a:endCxn id="22" idx="3"/>
-          </p:cNvCxnSpPr>
-          <p:nvPr/>
-        </p:nvCxnSpPr>
-        <p:spPr>
-          <a:xfrm rot="5400000">
-            <a:off x="6775810" y="3543607"/>
-            <a:ext cx="686306" cy="1339899"/>
-          </a:xfrm>
-          <a:prstGeom prst="curvedConnector2">
-            <a:avLst/>
-          </a:prstGeom>
-          <a:ln>
-            <a:tailEnd type="triangle"/>
-          </a:ln>
-        </p:spPr>
-        <p:style>
-          <a:lnRef idx="1">
-            <a:schemeClr val="accent1"/>
-          </a:lnRef>
-          <a:fillRef idx="0">
-            <a:schemeClr val="accent1"/>
-          </a:fillRef>
-          <a:effectRef idx="0">
-            <a:schemeClr val="accent1"/>
-          </a:effectRef>
-          <a:fontRef idx="minor">
-            <a:schemeClr val="tx1"/>
-          </a:fontRef>
-        </p:style>
-      </p:cxnSp>
-      <p:cxnSp>
-        <p:nvCxnSpPr>
-          <p:cNvPr id="51" name="Connector: Curved 50">
-            <a:extLst>
-              <a:ext uri="{FF2B5EF4-FFF2-40B4-BE49-F238E27FC236}">
-                <a16:creationId xmlns:a16="http://schemas.microsoft.com/office/drawing/2014/main" id="{B4581BB5-872B-439A-88C2-328A33C99A12}"/>
-              </a:ext>
-            </a:extLst>
-          </p:cNvPr>
-          <p:cNvCxnSpPr>
-            <a:stCxn id="19" idx="2"/>
-            <a:endCxn id="22" idx="0"/>
-          </p:cNvCxnSpPr>
-          <p:nvPr/>
-        </p:nvCxnSpPr>
-        <p:spPr>
-          <a:xfrm rot="16200000" flipH="1">
-            <a:off x="5264043" y="3742799"/>
-            <a:ext cx="434514" cy="689721"/>
-          </a:xfrm>
-          <a:prstGeom prst="curvedConnector3">
-            <a:avLst/>
-          </a:prstGeom>
-          <a:ln>
-            <a:tailEnd type="triangle"/>
-          </a:ln>
-        </p:spPr>
-        <p:style>
-          <a:lnRef idx="1">
-            <a:schemeClr val="accent1"/>
-          </a:lnRef>
-          <a:fillRef idx="0">
-            <a:schemeClr val="accent1"/>
-          </a:fillRef>
-          <a:effectRef idx="0">
-            <a:schemeClr val="accent1"/>
-          </a:effectRef>
-          <a:fontRef idx="minor">
-            <a:schemeClr val="tx1"/>
-          </a:fontRef>
-        </p:style>
-      </p:cxnSp>
-      <p:cxnSp>
-        <p:nvCxnSpPr>
-          <p:cNvPr id="53" name="Connector: Curved 52">
-            <a:extLst>
-              <a:ext uri="{FF2B5EF4-FFF2-40B4-BE49-F238E27FC236}">
-                <a16:creationId xmlns:a16="http://schemas.microsoft.com/office/drawing/2014/main" id="{432E972F-11ED-47F2-B363-157C1BCCC9A4}"/>
-              </a:ext>
-            </a:extLst>
-          </p:cNvPr>
-          <p:cNvCxnSpPr>
-            <a:stCxn id="20" idx="2"/>
-            <a:endCxn id="22" idx="0"/>
-          </p:cNvCxnSpPr>
-          <p:nvPr/>
-        </p:nvCxnSpPr>
-        <p:spPr>
-          <a:xfrm rot="5400000">
-            <a:off x="5927162" y="3769403"/>
-            <a:ext cx="434514" cy="636515"/>
-          </a:xfrm>
-          <a:prstGeom prst="curvedConnector3">
-            <a:avLst/>
-          </a:prstGeom>
-          <a:ln>
-            <a:tailEnd type="triangle"/>
-          </a:ln>
-        </p:spPr>
-        <p:style>
-          <a:lnRef idx="1">
-            <a:schemeClr val="accent1"/>
-          </a:lnRef>
-          <a:fillRef idx="0">
-            <a:schemeClr val="accent1"/>
-          </a:fillRef>
-          <a:effectRef idx="0">
-            <a:schemeClr val="accent1"/>
-          </a:effectRef>
-          <a:fontRef idx="minor">
-            <a:schemeClr val="tx1"/>
-          </a:fontRef>
-        </p:style>
-      </p:cxnSp>
-      <p:cxnSp>
-        <p:nvCxnSpPr>
-          <p:cNvPr id="55" name="Straight Arrow Connector 54">
-            <a:extLst>
-              <a:ext uri="{FF2B5EF4-FFF2-40B4-BE49-F238E27FC236}">
-                <a16:creationId xmlns:a16="http://schemas.microsoft.com/office/drawing/2014/main" id="{6DCD8785-9816-42AD-A853-D813DAE2B0A8}"/>
-              </a:ext>
-            </a:extLst>
-          </p:cNvPr>
-          <p:cNvCxnSpPr>
-            <a:stCxn id="4" idx="2"/>
-            <a:endCxn id="18" idx="0"/>
-          </p:cNvCxnSpPr>
-          <p:nvPr/>
-        </p:nvCxnSpPr>
-        <p:spPr>
-          <a:xfrm>
-            <a:off x="3810204" y="3117129"/>
-            <a:ext cx="0" cy="386138"/>
-          </a:xfrm>
-          <a:prstGeom prst="straightConnector1">
-            <a:avLst/>
-          </a:prstGeom>
-          <a:ln w="19050">
-            <a:prstDash val="sysDash"/>
-            <a:tailEnd type="triangle"/>
-          </a:ln>
-        </p:spPr>
-        <p:style>
-          <a:lnRef idx="1">
-            <a:schemeClr val="accent1"/>
-          </a:lnRef>
-          <a:fillRef idx="0">
-            <a:schemeClr val="accent1"/>
-          </a:fillRef>
-          <a:effectRef idx="0">
-            <a:schemeClr val="accent1"/>
-          </a:effectRef>
-          <a:fontRef idx="minor">
-            <a:schemeClr val="tx1"/>
-          </a:fontRef>
-        </p:style>
-      </p:cxnSp>
-      <p:cxnSp>
-        <p:nvCxnSpPr>
-          <p:cNvPr id="56" name="Straight Arrow Connector 55">
-            <a:extLst>
-              <a:ext uri="{FF2B5EF4-FFF2-40B4-BE49-F238E27FC236}">
-                <a16:creationId xmlns:a16="http://schemas.microsoft.com/office/drawing/2014/main" id="{F9248320-43D3-420B-9888-55AC8FA230C0}"/>
-              </a:ext>
-            </a:extLst>
-          </p:cNvPr>
-          <p:cNvCxnSpPr/>
-          <p:nvPr/>
-        </p:nvCxnSpPr>
-        <p:spPr>
-          <a:xfrm>
-            <a:off x="5203309" y="3117129"/>
-            <a:ext cx="0" cy="386138"/>
-          </a:xfrm>
-          <a:prstGeom prst="straightConnector1">
-            <a:avLst/>
-          </a:prstGeom>
-          <a:ln w="19050">
-            <a:prstDash val="sysDash"/>
-            <a:tailEnd type="triangle"/>
-          </a:ln>
-        </p:spPr>
-        <p:style>
-          <a:lnRef idx="1">
-            <a:schemeClr val="accent1"/>
-          </a:lnRef>
-          <a:fillRef idx="0">
-            <a:schemeClr val="accent1"/>
-          </a:fillRef>
-          <a:effectRef idx="0">
-            <a:schemeClr val="accent1"/>
-          </a:effectRef>
-          <a:fontRef idx="minor">
-            <a:schemeClr val="tx1"/>
-          </a:fontRef>
-        </p:style>
-      </p:cxnSp>
-      <p:cxnSp>
-        <p:nvCxnSpPr>
-          <p:cNvPr id="57" name="Straight Arrow Connector 56">
-            <a:extLst>
-              <a:ext uri="{FF2B5EF4-FFF2-40B4-BE49-F238E27FC236}">
-                <a16:creationId xmlns:a16="http://schemas.microsoft.com/office/drawing/2014/main" id="{88EF90FE-1B64-489D-876D-BF7484C21E78}"/>
-              </a:ext>
-            </a:extLst>
-          </p:cNvPr>
-          <p:cNvCxnSpPr/>
-          <p:nvPr/>
-        </p:nvCxnSpPr>
-        <p:spPr>
-          <a:xfrm>
-            <a:off x="6488059" y="3117129"/>
-            <a:ext cx="0" cy="386138"/>
-          </a:xfrm>
-          <a:prstGeom prst="straightConnector1">
-            <a:avLst/>
-          </a:prstGeom>
-          <a:ln w="19050">
-            <a:prstDash val="sysDash"/>
-            <a:tailEnd type="triangle"/>
-          </a:ln>
-        </p:spPr>
-        <p:style>
-          <a:lnRef idx="1">
-            <a:schemeClr val="accent1"/>
-          </a:lnRef>
-          <a:fillRef idx="0">
-            <a:schemeClr val="accent1"/>
-          </a:fillRef>
-          <a:effectRef idx="0">
-            <a:schemeClr val="accent1"/>
-          </a:effectRef>
-          <a:fontRef idx="minor">
-            <a:schemeClr val="tx1"/>
-          </a:fontRef>
-        </p:style>
-      </p:cxnSp>
-      <p:cxnSp>
-        <p:nvCxnSpPr>
-          <p:cNvPr id="58" name="Straight Arrow Connector 57">
-            <a:extLst>
-              <a:ext uri="{FF2B5EF4-FFF2-40B4-BE49-F238E27FC236}">
-                <a16:creationId xmlns:a16="http://schemas.microsoft.com/office/drawing/2014/main" id="{EDA8A80C-DBE9-44F4-846D-AD7B794611A8}"/>
-              </a:ext>
-            </a:extLst>
-          </p:cNvPr>
-          <p:cNvCxnSpPr/>
-          <p:nvPr/>
-        </p:nvCxnSpPr>
-        <p:spPr>
-          <a:xfrm>
-            <a:off x="7788912" y="3117129"/>
-            <a:ext cx="0" cy="386138"/>
-          </a:xfrm>
-          <a:prstGeom prst="straightConnector1">
-            <a:avLst/>
-          </a:prstGeom>
-          <a:ln w="19050">
-            <a:prstDash val="sysDash"/>
-            <a:tailEnd type="triangle"/>
-          </a:ln>
-        </p:spPr>
-        <p:style>
-          <a:lnRef idx="1">
-            <a:schemeClr val="accent1"/>
-          </a:lnRef>
-          <a:fillRef idx="0">
-            <a:schemeClr val="accent1"/>
-          </a:fillRef>
-          <a:effectRef idx="0">
-            <a:schemeClr val="accent1"/>
-          </a:effectRef>
-          <a:fontRef idx="minor">
-            <a:schemeClr val="tx1"/>
-          </a:fontRef>
-        </p:style>
-      </p:cxnSp>
-      <p:sp>
-        <p:nvSpPr>
-          <p:cNvPr id="61" name="Rectangle 60">
-            <a:extLst>
-              <a:ext uri="{FF2B5EF4-FFF2-40B4-BE49-F238E27FC236}">
-                <a16:creationId xmlns:a16="http://schemas.microsoft.com/office/drawing/2014/main" id="{4F978FE0-3541-49C8-A4CD-5E37938A7D85}"/>
-              </a:ext>
-            </a:extLst>
-          </p:cNvPr>
-          <p:cNvSpPr/>
-          <p:nvPr/>
-        </p:nvSpPr>
-        <p:spPr>
-          <a:xfrm>
-            <a:off x="1876302" y="500046"/>
-            <a:ext cx="7977809" cy="503583"/>
-          </a:xfrm>
-          <a:prstGeom prst="rect">
-            <a:avLst/>
-          </a:prstGeom>
-          <a:solidFill>
-            <a:schemeClr val="bg1"/>
-          </a:solidFill>
-          <a:ln w="28575"/>
-        </p:spPr>
-        <p:style>
-          <a:lnRef idx="2">
-            <a:schemeClr val="accent1">
-              <a:shade val="50000"/>
-            </a:schemeClr>
-          </a:lnRef>
-          <a:fillRef idx="1">
-            <a:schemeClr val="accent1"/>
-          </a:fillRef>
-          <a:effectRef idx="0">
-            <a:schemeClr val="accent1"/>
-          </a:effectRef>
-          <a:fontRef idx="minor">
-            <a:schemeClr val="lt1"/>
-          </a:fontRef>
-        </p:style>
-        <p:txBody>
-          <a:bodyPr rtlCol="0" anchor="ctr"/>
-          <a:lstStyle/>
-          <a:p>
-            <a:pPr algn="ctr"/>
-            <a:r>
-              <a:rPr lang="tr-TR" b="1" dirty="0">
-                <a:solidFill>
-                  <a:srgbClr val="FF0000"/>
-                </a:solidFill>
+              <a:t>”, which never happens.</a:t>
+            </a:r>
+            <a:endParaRPr lang="tr-TR" sz="1800" dirty="0">
+              <a:effectLst/>
+              <a:latin typeface="Calibri" panose="020F0502020204030204" pitchFamily="34" charset="0"/>
+              <a:ea typeface="Calibri" panose="020F0502020204030204" pitchFamily="34" charset="0"/>
+              <a:cs typeface="Times New Roman" panose="02020603050405020304" pitchFamily="18" charset="0"/>
+            </a:endParaRPr>
+          </a:p>
+          <a:p>
+            <a:r>
+              <a:rPr lang="en-GB" sz="1800" dirty="0">
+                <a:effectLst/>
+                <a:latin typeface="Calibri" panose="020F0502020204030204" pitchFamily="34" charset="0"/>
+                <a:ea typeface="Calibri" panose="020F0502020204030204" pitchFamily="34" charset="0"/>
+                <a:cs typeface="Times New Roman" panose="02020603050405020304" pitchFamily="18" charset="0"/>
               </a:rPr>
-              <a:t>1st Definition of War: </a:t>
-            </a:r>
-            <a:r>
-              <a:rPr lang="en-US" b="1" dirty="0">
-                <a:solidFill>
-                  <a:schemeClr val="tx1"/>
-                </a:solidFill>
+              <a:t>War is an act of force, and there is no logical limit to the application of that force. Each side, therefore, compels its opponent to follow suit; a reciprocal action is started which must lead, in theory, to extremes. This is the first case of interaction and the </a:t>
+            </a:r>
+            <a:r>
+              <a:rPr lang="en-GB" sz="1800" b="1" dirty="0">
+                <a:effectLst/>
+                <a:latin typeface="Calibri" panose="020F0502020204030204" pitchFamily="34" charset="0"/>
+                <a:ea typeface="Calibri" panose="020F0502020204030204" pitchFamily="34" charset="0"/>
+                <a:cs typeface="Times New Roman" panose="02020603050405020304" pitchFamily="18" charset="0"/>
               </a:rPr>
-              <a:t>War is an act of force to compel </a:t>
-            </a:r>
-            <a:r>
-              <a:rPr lang="tr-TR" b="1" dirty="0">
-                <a:solidFill>
-                  <a:schemeClr val="tx1"/>
-                </a:solidFill>
+              <a:t>first "</a:t>
+            </a:r>
+            <a:r>
+              <a:rPr lang="en-GB" sz="1800" b="1" u="sng" dirty="0">
+                <a:effectLst/>
+                <a:latin typeface="Calibri" panose="020F0502020204030204" pitchFamily="34" charset="0"/>
+                <a:ea typeface="Calibri" panose="020F0502020204030204" pitchFamily="34" charset="0"/>
+                <a:cs typeface="Times New Roman" panose="02020603050405020304" pitchFamily="18" charset="0"/>
               </a:rPr>
-              <a:t>enemy </a:t>
-            </a:r>
-            <a:r>
-              <a:rPr lang="en-US" b="1" dirty="0">
-                <a:solidFill>
-                  <a:schemeClr val="tx1"/>
-                </a:solidFill>
+              <a:t>extreme</a:t>
+            </a:r>
+            <a:r>
+              <a:rPr lang="en-GB" sz="1800" b="1" dirty="0">
+                <a:effectLst/>
+                <a:latin typeface="Calibri" panose="020F0502020204030204" pitchFamily="34" charset="0"/>
+                <a:ea typeface="Calibri" panose="020F0502020204030204" pitchFamily="34" charset="0"/>
+                <a:cs typeface="Times New Roman" panose="02020603050405020304" pitchFamily="18" charset="0"/>
               </a:rPr>
-              <a:t>to do our will</a:t>
-            </a:r>
-            <a:endParaRPr lang="tr-TR" b="1" dirty="0">
-              <a:solidFill>
-                <a:schemeClr val="tx1"/>
-              </a:solidFill>
+              <a:t>"</a:t>
+            </a:r>
+            <a:r>
+              <a:rPr lang="en-GB" sz="1800" dirty="0">
+                <a:effectLst/>
+                <a:latin typeface="Calibri" panose="020F0502020204030204" pitchFamily="34" charset="0"/>
+                <a:ea typeface="Calibri" panose="020F0502020204030204" pitchFamily="34" charset="0"/>
+                <a:cs typeface="Times New Roman" panose="02020603050405020304" pitchFamily="18" charset="0"/>
+              </a:rPr>
+              <a:t> we meet with.</a:t>
+            </a:r>
+            <a:endParaRPr lang="tr-TR" sz="1800">
+              <a:effectLst/>
+              <a:latin typeface="Calibri" panose="020F0502020204030204" pitchFamily="34" charset="0"/>
+              <a:ea typeface="Calibri" panose="020F0502020204030204" pitchFamily="34" charset="0"/>
+              <a:cs typeface="Times New Roman" panose="02020603050405020304" pitchFamily="18" charset="0"/>
             </a:endParaRPr>
           </a:p>
-        </p:txBody>
-      </p:sp>
-      <p:sp>
-        <p:nvSpPr>
-          <p:cNvPr id="62" name="TextBox 61">
-            <a:extLst>
-              <a:ext uri="{FF2B5EF4-FFF2-40B4-BE49-F238E27FC236}">
-                <a16:creationId xmlns:a16="http://schemas.microsoft.com/office/drawing/2014/main" id="{8C01BDAC-B907-4817-B701-487A7F4C05FC}"/>
-              </a:ext>
-            </a:extLst>
-          </p:cNvPr>
-          <p:cNvSpPr txBox="1"/>
-          <p:nvPr/>
-        </p:nvSpPr>
-        <p:spPr>
-          <a:xfrm>
-            <a:off x="3212735" y="10612659"/>
-            <a:ext cx="6370651" cy="369332"/>
-          </a:xfrm>
-          <a:prstGeom prst="rect">
-            <a:avLst/>
-          </a:prstGeom>
-          <a:noFill/>
-        </p:spPr>
-        <p:txBody>
-          <a:bodyPr wrap="square" rtlCol="0">
-            <a:spAutoFit/>
-          </a:bodyPr>
-          <a:lstStyle/>
-          <a:p>
-            <a:r>
-              <a:rPr lang="tr-TR" dirty="0"/>
-              <a:t>War is </a:t>
-            </a:r>
-            <a:r>
-              <a:rPr lang="en-US" dirty="0"/>
-              <a:t>War is merely the continuation of policy by other means</a:t>
-            </a:r>
-            <a:endParaRPr lang="tr-TR" dirty="0"/>
-          </a:p>
-        </p:txBody>
-      </p:sp>
-      <p:sp>
-        <p:nvSpPr>
-          <p:cNvPr id="63" name="Rectangle 62">
-            <a:extLst>
-              <a:ext uri="{FF2B5EF4-FFF2-40B4-BE49-F238E27FC236}">
-                <a16:creationId xmlns:a16="http://schemas.microsoft.com/office/drawing/2014/main" id="{59EFEAB5-C406-4EE1-BBD1-055B497DA6E8}"/>
-              </a:ext>
-            </a:extLst>
-          </p:cNvPr>
-          <p:cNvSpPr/>
-          <p:nvPr/>
-        </p:nvSpPr>
-        <p:spPr>
-          <a:xfrm>
-            <a:off x="1665742" y="5425325"/>
-            <a:ext cx="8604694" cy="503583"/>
-          </a:xfrm>
-          <a:prstGeom prst="rect">
-            <a:avLst/>
-          </a:prstGeom>
-          <a:solidFill>
-            <a:schemeClr val="bg1"/>
-          </a:solidFill>
-          <a:ln w="28575"/>
-        </p:spPr>
-        <p:style>
-          <a:lnRef idx="2">
-            <a:schemeClr val="accent1">
-              <a:shade val="50000"/>
-            </a:schemeClr>
-          </a:lnRef>
-          <a:fillRef idx="1">
-            <a:schemeClr val="accent1"/>
-          </a:fillRef>
-          <a:effectRef idx="0">
-            <a:schemeClr val="accent1"/>
-          </a:effectRef>
-          <a:fontRef idx="minor">
-            <a:schemeClr val="lt1"/>
-          </a:fontRef>
-        </p:style>
-        <p:txBody>
-          <a:bodyPr rtlCol="0" anchor="ctr"/>
-          <a:lstStyle/>
-          <a:p>
-            <a:pPr algn="ctr"/>
-            <a:r>
-              <a:rPr lang="tr-TR" b="1" dirty="0">
-                <a:solidFill>
-                  <a:srgbClr val="FF0000"/>
-                </a:solidFill>
-              </a:rPr>
-              <a:t>2nd Definition of War</a:t>
-            </a:r>
-            <a:r>
-              <a:rPr lang="tr-TR" b="1" dirty="0">
-                <a:solidFill>
-                  <a:schemeClr val="tx1"/>
-                </a:solidFill>
-              </a:rPr>
-              <a:t>: </a:t>
-            </a:r>
-            <a:r>
-              <a:rPr lang="en-US" b="1" dirty="0">
-                <a:solidFill>
-                  <a:schemeClr val="tx1"/>
-                </a:solidFill>
-              </a:rPr>
-              <a:t>War is merely the continuation of policy by other means</a:t>
-            </a:r>
-            <a:endParaRPr lang="tr-TR" b="1" dirty="0">
-              <a:solidFill>
-                <a:schemeClr val="tx1"/>
-              </a:solidFill>
+          <a:p>
+            <a:endParaRPr lang="tr-TR" sz="1800" u="sng">
+              <a:latin typeface="Calibri" panose="020F0502020204030204" pitchFamily="34" charset="0"/>
+              <a:cs typeface="Times New Roman" panose="02020603050405020304" pitchFamily="18" charset="0"/>
             </a:endParaRPr>
-          </a:p>
-        </p:txBody>
-      </p:sp>
-      <p:sp>
-        <p:nvSpPr>
-          <p:cNvPr id="2" name="Arrow: Down 1">
-            <a:extLst>
-              <a:ext uri="{FF2B5EF4-FFF2-40B4-BE49-F238E27FC236}">
-                <a16:creationId xmlns:a16="http://schemas.microsoft.com/office/drawing/2014/main" id="{0CE6A595-1EF1-452E-B9B6-8D783E4FDB23}"/>
-              </a:ext>
-            </a:extLst>
-          </p:cNvPr>
-          <p:cNvSpPr/>
-          <p:nvPr/>
-        </p:nvSpPr>
-        <p:spPr>
-          <a:xfrm>
-            <a:off x="5679675" y="1049159"/>
-            <a:ext cx="371061" cy="458052"/>
-          </a:xfrm>
-          <a:prstGeom prst="downArrow">
-            <a:avLst/>
-          </a:prstGeom>
-        </p:spPr>
-        <p:style>
-          <a:lnRef idx="2">
-            <a:schemeClr val="accent1">
-              <a:shade val="50000"/>
-            </a:schemeClr>
-          </a:lnRef>
-          <a:fillRef idx="1">
-            <a:schemeClr val="accent1"/>
-          </a:fillRef>
-          <a:effectRef idx="0">
-            <a:schemeClr val="accent1"/>
-          </a:effectRef>
-          <a:fontRef idx="minor">
-            <a:schemeClr val="lt1"/>
-          </a:fontRef>
-        </p:style>
-        <p:txBody>
-          <a:bodyPr rtlCol="0" anchor="ctr"/>
-          <a:lstStyle/>
-          <a:p>
-            <a:pPr algn="ctr"/>
-            <a:endParaRPr lang="tr-TR"/>
-          </a:p>
-        </p:txBody>
-      </p:sp>
-      <p:sp>
-        <p:nvSpPr>
-          <p:cNvPr id="31" name="Arrow: Down 30">
-            <a:extLst>
-              <a:ext uri="{FF2B5EF4-FFF2-40B4-BE49-F238E27FC236}">
-                <a16:creationId xmlns:a16="http://schemas.microsoft.com/office/drawing/2014/main" id="{0D0EA8F8-EBE6-4407-B3E0-BCEC95803A50}"/>
-              </a:ext>
-            </a:extLst>
-          </p:cNvPr>
-          <p:cNvSpPr/>
-          <p:nvPr/>
-        </p:nvSpPr>
-        <p:spPr>
-          <a:xfrm>
-            <a:off x="5597028" y="4887886"/>
-            <a:ext cx="371061" cy="458052"/>
-          </a:xfrm>
-          <a:prstGeom prst="downArrow">
-            <a:avLst/>
-          </a:prstGeom>
-        </p:spPr>
-        <p:style>
-          <a:lnRef idx="2">
-            <a:schemeClr val="accent1">
-              <a:shade val="50000"/>
-            </a:schemeClr>
-          </a:lnRef>
-          <a:fillRef idx="1">
-            <a:schemeClr val="accent1"/>
-          </a:fillRef>
-          <a:effectRef idx="0">
-            <a:schemeClr val="accent1"/>
-          </a:effectRef>
-          <a:fontRef idx="minor">
-            <a:schemeClr val="lt1"/>
-          </a:fontRef>
-        </p:style>
-        <p:txBody>
-          <a:bodyPr rtlCol="0" anchor="ctr"/>
-          <a:lstStyle/>
-          <a:p>
-            <a:pPr algn="ctr"/>
-            <a:endParaRPr lang="tr-TR"/>
           </a:p>
         </p:txBody>
       </p:sp>
     </p:spTree>
     <p:extLst>
       <p:ext uri="{BB962C8B-B14F-4D97-AF65-F5344CB8AC3E}">
-        <p14:creationId xmlns:p14="http://schemas.microsoft.com/office/powerpoint/2010/main" val="1934757000"/>
+        <p14:creationId xmlns:p14="http://schemas.microsoft.com/office/powerpoint/2010/main" val="3415617531"/>
       </p:ext>
     </p:extLst>
   </p:cSld>
@@ -5695,6 +4907,1458 @@
         </p:nvSpPr>
         <p:spPr>
           <a:xfrm>
+            <a:off x="3212735" y="2749993"/>
+            <a:ext cx="1194938" cy="367136"/>
+          </a:xfrm>
+          <a:prstGeom prst="rect">
+            <a:avLst/>
+          </a:prstGeom>
+          <a:solidFill>
+            <a:schemeClr val="bg1"/>
+          </a:solidFill>
+          <a:ln w="12700"/>
+        </p:spPr>
+        <p:style>
+          <a:lnRef idx="2">
+            <a:schemeClr val="accent1">
+              <a:shade val="50000"/>
+            </a:schemeClr>
+          </a:lnRef>
+          <a:fillRef idx="1">
+            <a:schemeClr val="accent1"/>
+          </a:fillRef>
+          <a:effectRef idx="0">
+            <a:schemeClr val="accent1"/>
+          </a:effectRef>
+          <a:fontRef idx="minor">
+            <a:schemeClr val="lt1"/>
+          </a:fontRef>
+        </p:style>
+        <p:txBody>
+          <a:bodyPr rtlCol="0" anchor="ctr"/>
+          <a:lstStyle/>
+          <a:p>
+            <a:pPr algn="ctr"/>
+            <a:r>
+              <a:rPr lang="tr-TR" sz="1200" b="1" dirty="0">
+                <a:solidFill>
+                  <a:schemeClr val="tx1"/>
+                </a:solidFill>
+              </a:rPr>
+              <a:t>Maximum Use of Force</a:t>
+            </a:r>
+          </a:p>
+        </p:txBody>
+      </p:sp>
+      <p:sp>
+        <p:nvSpPr>
+          <p:cNvPr id="5" name="Rectangle 4">
+            <a:extLst>
+              <a:ext uri="{FF2B5EF4-FFF2-40B4-BE49-F238E27FC236}">
+                <a16:creationId xmlns:a16="http://schemas.microsoft.com/office/drawing/2014/main" id="{2BFB637E-1667-46AE-8289-6D444F01169D}"/>
+              </a:ext>
+            </a:extLst>
+          </p:cNvPr>
+          <p:cNvSpPr/>
+          <p:nvPr/>
+        </p:nvSpPr>
+        <p:spPr>
+          <a:xfrm>
+            <a:off x="4538971" y="2749993"/>
+            <a:ext cx="1194938" cy="367136"/>
+          </a:xfrm>
+          <a:prstGeom prst="rect">
+            <a:avLst/>
+          </a:prstGeom>
+          <a:solidFill>
+            <a:schemeClr val="bg1"/>
+          </a:solidFill>
+          <a:ln w="12700"/>
+        </p:spPr>
+        <p:style>
+          <a:lnRef idx="2">
+            <a:schemeClr val="accent1">
+              <a:shade val="50000"/>
+            </a:schemeClr>
+          </a:lnRef>
+          <a:fillRef idx="1">
+            <a:schemeClr val="accent1"/>
+          </a:fillRef>
+          <a:effectRef idx="0">
+            <a:schemeClr val="accent1"/>
+          </a:effectRef>
+          <a:fontRef idx="minor">
+            <a:schemeClr val="lt1"/>
+          </a:fontRef>
+        </p:style>
+        <p:txBody>
+          <a:bodyPr rtlCol="0" anchor="ctr"/>
+          <a:lstStyle/>
+          <a:p>
+            <a:pPr algn="ctr"/>
+            <a:r>
+              <a:rPr lang="tr-TR" sz="1200" b="1" dirty="0">
+                <a:solidFill>
+                  <a:schemeClr val="tx1"/>
+                </a:solidFill>
+              </a:rPr>
+              <a:t>Aim (Disarm)</a:t>
+            </a:r>
+          </a:p>
+        </p:txBody>
+      </p:sp>
+      <p:sp>
+        <p:nvSpPr>
+          <p:cNvPr id="6" name="Rectangle 5">
+            <a:extLst>
+              <a:ext uri="{FF2B5EF4-FFF2-40B4-BE49-F238E27FC236}">
+                <a16:creationId xmlns:a16="http://schemas.microsoft.com/office/drawing/2014/main" id="{59321AD7-05DC-4EDD-B3AD-2ED6F8952805}"/>
+              </a:ext>
+            </a:extLst>
+          </p:cNvPr>
+          <p:cNvSpPr/>
+          <p:nvPr/>
+        </p:nvSpPr>
+        <p:spPr>
+          <a:xfrm>
+            <a:off x="5865207" y="2749993"/>
+            <a:ext cx="1194938" cy="367136"/>
+          </a:xfrm>
+          <a:prstGeom prst="rect">
+            <a:avLst/>
+          </a:prstGeom>
+          <a:solidFill>
+            <a:schemeClr val="bg1"/>
+          </a:solidFill>
+          <a:ln w="12700"/>
+        </p:spPr>
+        <p:style>
+          <a:lnRef idx="2">
+            <a:schemeClr val="accent1">
+              <a:shade val="50000"/>
+            </a:schemeClr>
+          </a:lnRef>
+          <a:fillRef idx="1">
+            <a:schemeClr val="accent1"/>
+          </a:fillRef>
+          <a:effectRef idx="0">
+            <a:schemeClr val="accent1"/>
+          </a:effectRef>
+          <a:fontRef idx="minor">
+            <a:schemeClr val="lt1"/>
+          </a:fontRef>
+        </p:style>
+        <p:txBody>
+          <a:bodyPr rtlCol="0" anchor="ctr"/>
+          <a:lstStyle/>
+          <a:p>
+            <a:pPr algn="ctr"/>
+            <a:r>
+              <a:rPr lang="tr-TR" sz="1200" b="1" dirty="0">
+                <a:solidFill>
+                  <a:schemeClr val="tx1"/>
+                </a:solidFill>
+              </a:rPr>
+              <a:t>Overcome</a:t>
+            </a:r>
+          </a:p>
+        </p:txBody>
+      </p:sp>
+      <p:sp>
+        <p:nvSpPr>
+          <p:cNvPr id="7" name="Rectangle 6">
+            <a:extLst>
+              <a:ext uri="{FF2B5EF4-FFF2-40B4-BE49-F238E27FC236}">
+                <a16:creationId xmlns:a16="http://schemas.microsoft.com/office/drawing/2014/main" id="{6C56010F-112B-4218-99C7-DB24C1C6C78A}"/>
+              </a:ext>
+            </a:extLst>
+          </p:cNvPr>
+          <p:cNvSpPr/>
+          <p:nvPr/>
+        </p:nvSpPr>
+        <p:spPr>
+          <a:xfrm>
+            <a:off x="7191443" y="2749993"/>
+            <a:ext cx="1194938" cy="367136"/>
+          </a:xfrm>
+          <a:prstGeom prst="rect">
+            <a:avLst/>
+          </a:prstGeom>
+          <a:solidFill>
+            <a:schemeClr val="bg1"/>
+          </a:solidFill>
+          <a:ln w="12700"/>
+        </p:spPr>
+        <p:style>
+          <a:lnRef idx="2">
+            <a:schemeClr val="accent1">
+              <a:shade val="50000"/>
+            </a:schemeClr>
+          </a:lnRef>
+          <a:fillRef idx="1">
+            <a:schemeClr val="accent1"/>
+          </a:fillRef>
+          <a:effectRef idx="0">
+            <a:schemeClr val="accent1"/>
+          </a:effectRef>
+          <a:fontRef idx="minor">
+            <a:schemeClr val="lt1"/>
+          </a:fontRef>
+        </p:style>
+        <p:txBody>
+          <a:bodyPr rtlCol="0" anchor="ctr"/>
+          <a:lstStyle/>
+          <a:p>
+            <a:pPr algn="ctr"/>
+            <a:r>
+              <a:rPr lang="tr-TR" sz="1200" b="1" dirty="0">
+                <a:solidFill>
+                  <a:schemeClr val="tx1"/>
+                </a:solidFill>
+              </a:rPr>
+              <a:t>Hostilities</a:t>
+            </a:r>
+          </a:p>
+        </p:txBody>
+      </p:sp>
+      <p:sp>
+        <p:nvSpPr>
+          <p:cNvPr id="8" name="Rectangle 7">
+            <a:extLst>
+              <a:ext uri="{FF2B5EF4-FFF2-40B4-BE49-F238E27FC236}">
+                <a16:creationId xmlns:a16="http://schemas.microsoft.com/office/drawing/2014/main" id="{76733B80-70D1-4C7D-94CE-B3277EFBCBBC}"/>
+              </a:ext>
+            </a:extLst>
+          </p:cNvPr>
+          <p:cNvSpPr/>
+          <p:nvPr/>
+        </p:nvSpPr>
+        <p:spPr>
+          <a:xfrm>
+            <a:off x="5242355" y="1551386"/>
+            <a:ext cx="1245704" cy="503583"/>
+          </a:xfrm>
+          <a:prstGeom prst="rect">
+            <a:avLst/>
+          </a:prstGeom>
+          <a:solidFill>
+            <a:schemeClr val="bg1"/>
+          </a:solidFill>
+          <a:ln w="28575"/>
+        </p:spPr>
+        <p:style>
+          <a:lnRef idx="2">
+            <a:schemeClr val="accent1">
+              <a:shade val="50000"/>
+            </a:schemeClr>
+          </a:lnRef>
+          <a:fillRef idx="1">
+            <a:schemeClr val="accent1"/>
+          </a:fillRef>
+          <a:effectRef idx="0">
+            <a:schemeClr val="accent1"/>
+          </a:effectRef>
+          <a:fontRef idx="minor">
+            <a:schemeClr val="lt1"/>
+          </a:fontRef>
+        </p:style>
+        <p:txBody>
+          <a:bodyPr rtlCol="0" anchor="ctr"/>
+          <a:lstStyle/>
+          <a:p>
+            <a:pPr algn="ctr"/>
+            <a:r>
+              <a:rPr lang="tr-TR" b="1" dirty="0">
+                <a:solidFill>
+                  <a:schemeClr val="tx1"/>
+                </a:solidFill>
+              </a:rPr>
+              <a:t>Laws of Extremes</a:t>
+            </a:r>
+          </a:p>
+        </p:txBody>
+      </p:sp>
+      <p:sp>
+        <p:nvSpPr>
+          <p:cNvPr id="18" name="Rectangle 17">
+            <a:extLst>
+              <a:ext uri="{FF2B5EF4-FFF2-40B4-BE49-F238E27FC236}">
+                <a16:creationId xmlns:a16="http://schemas.microsoft.com/office/drawing/2014/main" id="{531F8D98-86D3-4642-A0B3-09C0EBF0E152}"/>
+              </a:ext>
+            </a:extLst>
+          </p:cNvPr>
+          <p:cNvSpPr/>
+          <p:nvPr/>
+        </p:nvSpPr>
+        <p:spPr>
+          <a:xfrm>
+            <a:off x="3212735" y="3503267"/>
+            <a:ext cx="1194938" cy="367136"/>
+          </a:xfrm>
+          <a:prstGeom prst="rect">
+            <a:avLst/>
+          </a:prstGeom>
+          <a:solidFill>
+            <a:schemeClr val="bg1"/>
+          </a:solidFill>
+          <a:ln w="12700"/>
+        </p:spPr>
+        <p:style>
+          <a:lnRef idx="2">
+            <a:schemeClr val="accent1">
+              <a:shade val="50000"/>
+            </a:schemeClr>
+          </a:lnRef>
+          <a:fillRef idx="1">
+            <a:schemeClr val="accent1"/>
+          </a:fillRef>
+          <a:effectRef idx="0">
+            <a:schemeClr val="accent1"/>
+          </a:effectRef>
+          <a:fontRef idx="minor">
+            <a:schemeClr val="lt1"/>
+          </a:fontRef>
+        </p:style>
+        <p:txBody>
+          <a:bodyPr rtlCol="0" anchor="ctr"/>
+          <a:lstStyle/>
+          <a:p>
+            <a:pPr algn="ctr"/>
+            <a:r>
+              <a:rPr lang="tr-TR" sz="1200" b="1" dirty="0">
+                <a:solidFill>
+                  <a:schemeClr val="tx1"/>
+                </a:solidFill>
+              </a:rPr>
+              <a:t>Not a single action</a:t>
+            </a:r>
+          </a:p>
+        </p:txBody>
+      </p:sp>
+      <p:sp>
+        <p:nvSpPr>
+          <p:cNvPr id="19" name="Rectangle 18">
+            <a:extLst>
+              <a:ext uri="{FF2B5EF4-FFF2-40B4-BE49-F238E27FC236}">
+                <a16:creationId xmlns:a16="http://schemas.microsoft.com/office/drawing/2014/main" id="{CF0A43B7-2C6F-45A5-B3CF-227E933BCF7C}"/>
+              </a:ext>
+            </a:extLst>
+          </p:cNvPr>
+          <p:cNvSpPr/>
+          <p:nvPr/>
+        </p:nvSpPr>
+        <p:spPr>
+          <a:xfrm>
+            <a:off x="4538971" y="3503267"/>
+            <a:ext cx="1194938" cy="367136"/>
+          </a:xfrm>
+          <a:prstGeom prst="rect">
+            <a:avLst/>
+          </a:prstGeom>
+          <a:solidFill>
+            <a:schemeClr val="bg1"/>
+          </a:solidFill>
+          <a:ln w="12700"/>
+        </p:spPr>
+        <p:style>
+          <a:lnRef idx="2">
+            <a:schemeClr val="accent1">
+              <a:shade val="50000"/>
+            </a:schemeClr>
+          </a:lnRef>
+          <a:fillRef idx="1">
+            <a:schemeClr val="accent1"/>
+          </a:fillRef>
+          <a:effectRef idx="0">
+            <a:schemeClr val="accent1"/>
+          </a:effectRef>
+          <a:fontRef idx="minor">
+            <a:schemeClr val="lt1"/>
+          </a:fontRef>
+        </p:style>
+        <p:txBody>
+          <a:bodyPr rtlCol="0" anchor="ctr"/>
+          <a:lstStyle/>
+          <a:p>
+            <a:pPr algn="ctr"/>
+            <a:r>
+              <a:rPr lang="tr-TR" sz="1200" b="1" dirty="0">
+                <a:solidFill>
+                  <a:schemeClr val="tx1"/>
+                </a:solidFill>
+              </a:rPr>
+              <a:t>Result is never final</a:t>
+            </a:r>
+          </a:p>
+        </p:txBody>
+      </p:sp>
+      <p:sp>
+        <p:nvSpPr>
+          <p:cNvPr id="20" name="Rectangle 19">
+            <a:extLst>
+              <a:ext uri="{FF2B5EF4-FFF2-40B4-BE49-F238E27FC236}">
+                <a16:creationId xmlns:a16="http://schemas.microsoft.com/office/drawing/2014/main" id="{27E64D89-0E48-4419-9C0E-0E5DDDAA62A7}"/>
+              </a:ext>
+            </a:extLst>
+          </p:cNvPr>
+          <p:cNvSpPr/>
+          <p:nvPr/>
+        </p:nvSpPr>
+        <p:spPr>
+          <a:xfrm>
+            <a:off x="5865207" y="3503267"/>
+            <a:ext cx="1194938" cy="367136"/>
+          </a:xfrm>
+          <a:prstGeom prst="rect">
+            <a:avLst/>
+          </a:prstGeom>
+          <a:solidFill>
+            <a:schemeClr val="bg1"/>
+          </a:solidFill>
+          <a:ln w="12700"/>
+        </p:spPr>
+        <p:style>
+          <a:lnRef idx="2">
+            <a:schemeClr val="accent1">
+              <a:shade val="50000"/>
+            </a:schemeClr>
+          </a:lnRef>
+          <a:fillRef idx="1">
+            <a:schemeClr val="accent1"/>
+          </a:fillRef>
+          <a:effectRef idx="0">
+            <a:schemeClr val="accent1"/>
+          </a:effectRef>
+          <a:fontRef idx="minor">
+            <a:schemeClr val="lt1"/>
+          </a:fontRef>
+        </p:style>
+        <p:txBody>
+          <a:bodyPr rtlCol="0" anchor="ctr"/>
+          <a:lstStyle/>
+          <a:p>
+            <a:pPr algn="ctr"/>
+            <a:r>
+              <a:rPr lang="tr-TR" sz="1200" b="1" dirty="0">
+                <a:solidFill>
+                  <a:schemeClr val="tx1"/>
+                </a:solidFill>
+              </a:rPr>
+              <a:t>PoR depends on external</a:t>
+            </a:r>
+          </a:p>
+        </p:txBody>
+      </p:sp>
+      <p:sp>
+        <p:nvSpPr>
+          <p:cNvPr id="21" name="Rectangle 20">
+            <a:extLst>
+              <a:ext uri="{FF2B5EF4-FFF2-40B4-BE49-F238E27FC236}">
+                <a16:creationId xmlns:a16="http://schemas.microsoft.com/office/drawing/2014/main" id="{A3E653FB-CB4F-47C6-B777-93030FFAC395}"/>
+              </a:ext>
+            </a:extLst>
+          </p:cNvPr>
+          <p:cNvSpPr/>
+          <p:nvPr/>
+        </p:nvSpPr>
+        <p:spPr>
+          <a:xfrm>
+            <a:off x="7191443" y="3503267"/>
+            <a:ext cx="1194938" cy="367136"/>
+          </a:xfrm>
+          <a:prstGeom prst="rect">
+            <a:avLst/>
+          </a:prstGeom>
+          <a:solidFill>
+            <a:schemeClr val="bg1"/>
+          </a:solidFill>
+          <a:ln w="12700"/>
+        </p:spPr>
+        <p:style>
+          <a:lnRef idx="2">
+            <a:schemeClr val="accent1">
+              <a:shade val="50000"/>
+            </a:schemeClr>
+          </a:lnRef>
+          <a:fillRef idx="1">
+            <a:schemeClr val="accent1"/>
+          </a:fillRef>
+          <a:effectRef idx="0">
+            <a:schemeClr val="accent1"/>
+          </a:effectRef>
+          <a:fontRef idx="minor">
+            <a:schemeClr val="lt1"/>
+          </a:fontRef>
+        </p:style>
+        <p:txBody>
+          <a:bodyPr rtlCol="0" anchor="ctr"/>
+          <a:lstStyle/>
+          <a:p>
+            <a:pPr algn="ctr"/>
+            <a:r>
+              <a:rPr lang="tr-TR" sz="1200" b="1" dirty="0">
+                <a:solidFill>
+                  <a:schemeClr val="tx1"/>
+                </a:solidFill>
+              </a:rPr>
+              <a:t>Inaction</a:t>
+            </a:r>
+          </a:p>
+        </p:txBody>
+      </p:sp>
+      <p:sp>
+        <p:nvSpPr>
+          <p:cNvPr id="22" name="Rectangle 21">
+            <a:extLst>
+              <a:ext uri="{FF2B5EF4-FFF2-40B4-BE49-F238E27FC236}">
+                <a16:creationId xmlns:a16="http://schemas.microsoft.com/office/drawing/2014/main" id="{13F14650-BFD3-4BDE-BF75-4CC72F6D02E1}"/>
+              </a:ext>
+            </a:extLst>
+          </p:cNvPr>
+          <p:cNvSpPr/>
+          <p:nvPr/>
+        </p:nvSpPr>
+        <p:spPr>
+          <a:xfrm>
+            <a:off x="5203309" y="4304917"/>
+            <a:ext cx="1245704" cy="503583"/>
+          </a:xfrm>
+          <a:prstGeom prst="rect">
+            <a:avLst/>
+          </a:prstGeom>
+          <a:solidFill>
+            <a:schemeClr val="bg1"/>
+          </a:solidFill>
+          <a:ln w="28575"/>
+        </p:spPr>
+        <p:style>
+          <a:lnRef idx="2">
+            <a:schemeClr val="accent1">
+              <a:shade val="50000"/>
+            </a:schemeClr>
+          </a:lnRef>
+          <a:fillRef idx="1">
+            <a:schemeClr val="accent1"/>
+          </a:fillRef>
+          <a:effectRef idx="0">
+            <a:schemeClr val="accent1"/>
+          </a:effectRef>
+          <a:fontRef idx="minor">
+            <a:schemeClr val="lt1"/>
+          </a:fontRef>
+        </p:style>
+        <p:txBody>
+          <a:bodyPr rtlCol="0" anchor="ctr"/>
+          <a:lstStyle/>
+          <a:p>
+            <a:pPr algn="ctr"/>
+            <a:r>
+              <a:rPr lang="tr-TR" b="1" dirty="0">
+                <a:solidFill>
+                  <a:schemeClr val="tx1"/>
+                </a:solidFill>
+              </a:rPr>
+              <a:t>assessing probs</a:t>
+            </a:r>
+          </a:p>
+        </p:txBody>
+      </p:sp>
+      <p:sp>
+        <p:nvSpPr>
+          <p:cNvPr id="40" name="Rectangle 39">
+            <a:extLst>
+              <a:ext uri="{FF2B5EF4-FFF2-40B4-BE49-F238E27FC236}">
+                <a16:creationId xmlns:a16="http://schemas.microsoft.com/office/drawing/2014/main" id="{EADD8FC8-3A6A-4084-B189-B8D62C8CD5E1}"/>
+              </a:ext>
+            </a:extLst>
+          </p:cNvPr>
+          <p:cNvSpPr/>
+          <p:nvPr/>
+        </p:nvSpPr>
+        <p:spPr>
+          <a:xfrm>
+            <a:off x="9044502" y="2999684"/>
+            <a:ext cx="1617786" cy="503583"/>
+          </a:xfrm>
+          <a:prstGeom prst="rect">
+            <a:avLst/>
+          </a:prstGeom>
+          <a:solidFill>
+            <a:schemeClr val="bg1"/>
+          </a:solidFill>
+          <a:ln w="28575"/>
+        </p:spPr>
+        <p:style>
+          <a:lnRef idx="2">
+            <a:schemeClr val="accent1">
+              <a:shade val="50000"/>
+            </a:schemeClr>
+          </a:lnRef>
+          <a:fillRef idx="1">
+            <a:schemeClr val="accent1"/>
+          </a:fillRef>
+          <a:effectRef idx="0">
+            <a:schemeClr val="accent1"/>
+          </a:effectRef>
+          <a:fontRef idx="minor">
+            <a:schemeClr val="lt1"/>
+          </a:fontRef>
+        </p:style>
+        <p:txBody>
+          <a:bodyPr rtlCol="0" anchor="ctr"/>
+          <a:lstStyle/>
+          <a:p>
+            <a:pPr algn="ctr"/>
+            <a:r>
+              <a:rPr lang="tr-TR" b="1" dirty="0">
+                <a:solidFill>
+                  <a:srgbClr val="FF0000"/>
+                </a:solidFill>
+              </a:rPr>
+              <a:t>Modifications</a:t>
+            </a:r>
+          </a:p>
+        </p:txBody>
+      </p:sp>
+      <p:cxnSp>
+        <p:nvCxnSpPr>
+          <p:cNvPr id="35" name="Connector: Curved 34">
+            <a:extLst>
+              <a:ext uri="{FF2B5EF4-FFF2-40B4-BE49-F238E27FC236}">
+                <a16:creationId xmlns:a16="http://schemas.microsoft.com/office/drawing/2014/main" id="{6D49F7F7-3272-4C69-8E47-E24D590A41F3}"/>
+              </a:ext>
+            </a:extLst>
+          </p:cNvPr>
+          <p:cNvCxnSpPr>
+            <a:stCxn id="8" idx="1"/>
+            <a:endCxn id="4" idx="0"/>
+          </p:cNvCxnSpPr>
+          <p:nvPr/>
+        </p:nvCxnSpPr>
+        <p:spPr>
+          <a:xfrm rot="10800000" flipV="1">
+            <a:off x="3810205" y="1803177"/>
+            <a:ext cx="1432151" cy="946815"/>
+          </a:xfrm>
+          <a:prstGeom prst="curvedConnector2">
+            <a:avLst/>
+          </a:prstGeom>
+          <a:ln>
+            <a:tailEnd type="triangle"/>
+          </a:ln>
+        </p:spPr>
+        <p:style>
+          <a:lnRef idx="1">
+            <a:schemeClr val="accent1"/>
+          </a:lnRef>
+          <a:fillRef idx="0">
+            <a:schemeClr val="accent1"/>
+          </a:fillRef>
+          <a:effectRef idx="0">
+            <a:schemeClr val="accent1"/>
+          </a:effectRef>
+          <a:fontRef idx="minor">
+            <a:schemeClr val="tx1"/>
+          </a:fontRef>
+        </p:style>
+      </p:cxnSp>
+      <p:cxnSp>
+        <p:nvCxnSpPr>
+          <p:cNvPr id="41" name="Connector: Curved 40">
+            <a:extLst>
+              <a:ext uri="{FF2B5EF4-FFF2-40B4-BE49-F238E27FC236}">
+                <a16:creationId xmlns:a16="http://schemas.microsoft.com/office/drawing/2014/main" id="{80FE0119-A585-427E-9407-38E976CA9C83}"/>
+              </a:ext>
+            </a:extLst>
+          </p:cNvPr>
+          <p:cNvCxnSpPr>
+            <a:stCxn id="8" idx="2"/>
+            <a:endCxn id="5" idx="0"/>
+          </p:cNvCxnSpPr>
+          <p:nvPr/>
+        </p:nvCxnSpPr>
+        <p:spPr>
+          <a:xfrm rot="5400000">
+            <a:off x="5153312" y="2038098"/>
+            <a:ext cx="695024" cy="728767"/>
+          </a:xfrm>
+          <a:prstGeom prst="curvedConnector3">
+            <a:avLst/>
+          </a:prstGeom>
+          <a:ln>
+            <a:tailEnd type="triangle"/>
+          </a:ln>
+        </p:spPr>
+        <p:style>
+          <a:lnRef idx="1">
+            <a:schemeClr val="accent1"/>
+          </a:lnRef>
+          <a:fillRef idx="0">
+            <a:schemeClr val="accent1"/>
+          </a:fillRef>
+          <a:effectRef idx="0">
+            <a:schemeClr val="accent1"/>
+          </a:effectRef>
+          <a:fontRef idx="minor">
+            <a:schemeClr val="tx1"/>
+          </a:fontRef>
+        </p:style>
+      </p:cxnSp>
+      <p:cxnSp>
+        <p:nvCxnSpPr>
+          <p:cNvPr id="43" name="Connector: Curved 42">
+            <a:extLst>
+              <a:ext uri="{FF2B5EF4-FFF2-40B4-BE49-F238E27FC236}">
+                <a16:creationId xmlns:a16="http://schemas.microsoft.com/office/drawing/2014/main" id="{D3D4CC1D-B9F6-49B4-8998-829B9F9FEF04}"/>
+              </a:ext>
+            </a:extLst>
+          </p:cNvPr>
+          <p:cNvCxnSpPr>
+            <a:stCxn id="8" idx="2"/>
+            <a:endCxn id="6" idx="0"/>
+          </p:cNvCxnSpPr>
+          <p:nvPr/>
+        </p:nvCxnSpPr>
+        <p:spPr>
+          <a:xfrm rot="16200000" flipH="1">
+            <a:off x="5816429" y="2103746"/>
+            <a:ext cx="695024" cy="597469"/>
+          </a:xfrm>
+          <a:prstGeom prst="curvedConnector3">
+            <a:avLst/>
+          </a:prstGeom>
+          <a:ln>
+            <a:tailEnd type="triangle"/>
+          </a:ln>
+        </p:spPr>
+        <p:style>
+          <a:lnRef idx="1">
+            <a:schemeClr val="accent1"/>
+          </a:lnRef>
+          <a:fillRef idx="0">
+            <a:schemeClr val="accent1"/>
+          </a:fillRef>
+          <a:effectRef idx="0">
+            <a:schemeClr val="accent1"/>
+          </a:effectRef>
+          <a:fontRef idx="minor">
+            <a:schemeClr val="tx1"/>
+          </a:fontRef>
+        </p:style>
+      </p:cxnSp>
+      <p:cxnSp>
+        <p:nvCxnSpPr>
+          <p:cNvPr id="45" name="Connector: Curved 44">
+            <a:extLst>
+              <a:ext uri="{FF2B5EF4-FFF2-40B4-BE49-F238E27FC236}">
+                <a16:creationId xmlns:a16="http://schemas.microsoft.com/office/drawing/2014/main" id="{4CEB317F-BE1A-4BA2-A904-ED8E5B460ED3}"/>
+              </a:ext>
+            </a:extLst>
+          </p:cNvPr>
+          <p:cNvCxnSpPr>
+            <a:stCxn id="8" idx="3"/>
+            <a:endCxn id="7" idx="0"/>
+          </p:cNvCxnSpPr>
+          <p:nvPr/>
+        </p:nvCxnSpPr>
+        <p:spPr>
+          <a:xfrm>
+            <a:off x="6488059" y="1803178"/>
+            <a:ext cx="1300853" cy="946815"/>
+          </a:xfrm>
+          <a:prstGeom prst="curvedConnector2">
+            <a:avLst/>
+          </a:prstGeom>
+          <a:ln>
+            <a:tailEnd type="triangle"/>
+          </a:ln>
+        </p:spPr>
+        <p:style>
+          <a:lnRef idx="1">
+            <a:schemeClr val="accent1"/>
+          </a:lnRef>
+          <a:fillRef idx="0">
+            <a:schemeClr val="accent1"/>
+          </a:fillRef>
+          <a:effectRef idx="0">
+            <a:schemeClr val="accent1"/>
+          </a:effectRef>
+          <a:fontRef idx="minor">
+            <a:schemeClr val="tx1"/>
+          </a:fontRef>
+        </p:style>
+      </p:cxnSp>
+      <p:cxnSp>
+        <p:nvCxnSpPr>
+          <p:cNvPr id="47" name="Connector: Curved 46">
+            <a:extLst>
+              <a:ext uri="{FF2B5EF4-FFF2-40B4-BE49-F238E27FC236}">
+                <a16:creationId xmlns:a16="http://schemas.microsoft.com/office/drawing/2014/main" id="{DD58259F-DEC1-458E-90AB-258D7E045DF9}"/>
+              </a:ext>
+            </a:extLst>
+          </p:cNvPr>
+          <p:cNvCxnSpPr>
+            <a:stCxn id="18" idx="2"/>
+            <a:endCxn id="22" idx="1"/>
+          </p:cNvCxnSpPr>
+          <p:nvPr/>
+        </p:nvCxnSpPr>
+        <p:spPr>
+          <a:xfrm rot="16200000" flipH="1">
+            <a:off x="4163603" y="3517003"/>
+            <a:ext cx="686306" cy="1393105"/>
+          </a:xfrm>
+          <a:prstGeom prst="curvedConnector2">
+            <a:avLst/>
+          </a:prstGeom>
+          <a:ln>
+            <a:tailEnd type="triangle"/>
+          </a:ln>
+        </p:spPr>
+        <p:style>
+          <a:lnRef idx="1">
+            <a:schemeClr val="accent1"/>
+          </a:lnRef>
+          <a:fillRef idx="0">
+            <a:schemeClr val="accent1"/>
+          </a:fillRef>
+          <a:effectRef idx="0">
+            <a:schemeClr val="accent1"/>
+          </a:effectRef>
+          <a:fontRef idx="minor">
+            <a:schemeClr val="tx1"/>
+          </a:fontRef>
+        </p:style>
+      </p:cxnSp>
+      <p:cxnSp>
+        <p:nvCxnSpPr>
+          <p:cNvPr id="49" name="Connector: Curved 48">
+            <a:extLst>
+              <a:ext uri="{FF2B5EF4-FFF2-40B4-BE49-F238E27FC236}">
+                <a16:creationId xmlns:a16="http://schemas.microsoft.com/office/drawing/2014/main" id="{3D0922D9-3667-42D2-8CB1-F30FC979943E}"/>
+              </a:ext>
+            </a:extLst>
+          </p:cNvPr>
+          <p:cNvCxnSpPr>
+            <a:stCxn id="21" idx="2"/>
+            <a:endCxn id="22" idx="3"/>
+          </p:cNvCxnSpPr>
+          <p:nvPr/>
+        </p:nvCxnSpPr>
+        <p:spPr>
+          <a:xfrm rot="5400000">
+            <a:off x="6775810" y="3543607"/>
+            <a:ext cx="686306" cy="1339899"/>
+          </a:xfrm>
+          <a:prstGeom prst="curvedConnector2">
+            <a:avLst/>
+          </a:prstGeom>
+          <a:ln>
+            <a:tailEnd type="triangle"/>
+          </a:ln>
+        </p:spPr>
+        <p:style>
+          <a:lnRef idx="1">
+            <a:schemeClr val="accent1"/>
+          </a:lnRef>
+          <a:fillRef idx="0">
+            <a:schemeClr val="accent1"/>
+          </a:fillRef>
+          <a:effectRef idx="0">
+            <a:schemeClr val="accent1"/>
+          </a:effectRef>
+          <a:fontRef idx="minor">
+            <a:schemeClr val="tx1"/>
+          </a:fontRef>
+        </p:style>
+      </p:cxnSp>
+      <p:cxnSp>
+        <p:nvCxnSpPr>
+          <p:cNvPr id="51" name="Connector: Curved 50">
+            <a:extLst>
+              <a:ext uri="{FF2B5EF4-FFF2-40B4-BE49-F238E27FC236}">
+                <a16:creationId xmlns:a16="http://schemas.microsoft.com/office/drawing/2014/main" id="{B4581BB5-872B-439A-88C2-328A33C99A12}"/>
+              </a:ext>
+            </a:extLst>
+          </p:cNvPr>
+          <p:cNvCxnSpPr>
+            <a:stCxn id="19" idx="2"/>
+            <a:endCxn id="22" idx="0"/>
+          </p:cNvCxnSpPr>
+          <p:nvPr/>
+        </p:nvCxnSpPr>
+        <p:spPr>
+          <a:xfrm rot="16200000" flipH="1">
+            <a:off x="5264043" y="3742799"/>
+            <a:ext cx="434514" cy="689721"/>
+          </a:xfrm>
+          <a:prstGeom prst="curvedConnector3">
+            <a:avLst/>
+          </a:prstGeom>
+          <a:ln>
+            <a:tailEnd type="triangle"/>
+          </a:ln>
+        </p:spPr>
+        <p:style>
+          <a:lnRef idx="1">
+            <a:schemeClr val="accent1"/>
+          </a:lnRef>
+          <a:fillRef idx="0">
+            <a:schemeClr val="accent1"/>
+          </a:fillRef>
+          <a:effectRef idx="0">
+            <a:schemeClr val="accent1"/>
+          </a:effectRef>
+          <a:fontRef idx="minor">
+            <a:schemeClr val="tx1"/>
+          </a:fontRef>
+        </p:style>
+      </p:cxnSp>
+      <p:cxnSp>
+        <p:nvCxnSpPr>
+          <p:cNvPr id="53" name="Connector: Curved 52">
+            <a:extLst>
+              <a:ext uri="{FF2B5EF4-FFF2-40B4-BE49-F238E27FC236}">
+                <a16:creationId xmlns:a16="http://schemas.microsoft.com/office/drawing/2014/main" id="{432E972F-11ED-47F2-B363-157C1BCCC9A4}"/>
+              </a:ext>
+            </a:extLst>
+          </p:cNvPr>
+          <p:cNvCxnSpPr>
+            <a:stCxn id="20" idx="2"/>
+            <a:endCxn id="22" idx="0"/>
+          </p:cNvCxnSpPr>
+          <p:nvPr/>
+        </p:nvCxnSpPr>
+        <p:spPr>
+          <a:xfrm rot="5400000">
+            <a:off x="5927162" y="3769403"/>
+            <a:ext cx="434514" cy="636515"/>
+          </a:xfrm>
+          <a:prstGeom prst="curvedConnector3">
+            <a:avLst/>
+          </a:prstGeom>
+          <a:ln>
+            <a:tailEnd type="triangle"/>
+          </a:ln>
+        </p:spPr>
+        <p:style>
+          <a:lnRef idx="1">
+            <a:schemeClr val="accent1"/>
+          </a:lnRef>
+          <a:fillRef idx="0">
+            <a:schemeClr val="accent1"/>
+          </a:fillRef>
+          <a:effectRef idx="0">
+            <a:schemeClr val="accent1"/>
+          </a:effectRef>
+          <a:fontRef idx="minor">
+            <a:schemeClr val="tx1"/>
+          </a:fontRef>
+        </p:style>
+      </p:cxnSp>
+      <p:cxnSp>
+        <p:nvCxnSpPr>
+          <p:cNvPr id="55" name="Straight Arrow Connector 54">
+            <a:extLst>
+              <a:ext uri="{FF2B5EF4-FFF2-40B4-BE49-F238E27FC236}">
+                <a16:creationId xmlns:a16="http://schemas.microsoft.com/office/drawing/2014/main" id="{6DCD8785-9816-42AD-A853-D813DAE2B0A8}"/>
+              </a:ext>
+            </a:extLst>
+          </p:cNvPr>
+          <p:cNvCxnSpPr>
+            <a:stCxn id="4" idx="2"/>
+            <a:endCxn id="18" idx="0"/>
+          </p:cNvCxnSpPr>
+          <p:nvPr/>
+        </p:nvCxnSpPr>
+        <p:spPr>
+          <a:xfrm>
+            <a:off x="3810204" y="3117129"/>
+            <a:ext cx="0" cy="386138"/>
+          </a:xfrm>
+          <a:prstGeom prst="straightConnector1">
+            <a:avLst/>
+          </a:prstGeom>
+          <a:ln w="19050">
+            <a:prstDash val="sysDash"/>
+            <a:tailEnd type="triangle"/>
+          </a:ln>
+        </p:spPr>
+        <p:style>
+          <a:lnRef idx="1">
+            <a:schemeClr val="accent1"/>
+          </a:lnRef>
+          <a:fillRef idx="0">
+            <a:schemeClr val="accent1"/>
+          </a:fillRef>
+          <a:effectRef idx="0">
+            <a:schemeClr val="accent1"/>
+          </a:effectRef>
+          <a:fontRef idx="minor">
+            <a:schemeClr val="tx1"/>
+          </a:fontRef>
+        </p:style>
+      </p:cxnSp>
+      <p:cxnSp>
+        <p:nvCxnSpPr>
+          <p:cNvPr id="56" name="Straight Arrow Connector 55">
+            <a:extLst>
+              <a:ext uri="{FF2B5EF4-FFF2-40B4-BE49-F238E27FC236}">
+                <a16:creationId xmlns:a16="http://schemas.microsoft.com/office/drawing/2014/main" id="{F9248320-43D3-420B-9888-55AC8FA230C0}"/>
+              </a:ext>
+            </a:extLst>
+          </p:cNvPr>
+          <p:cNvCxnSpPr/>
+          <p:nvPr/>
+        </p:nvCxnSpPr>
+        <p:spPr>
+          <a:xfrm>
+            <a:off x="5203309" y="3117129"/>
+            <a:ext cx="0" cy="386138"/>
+          </a:xfrm>
+          <a:prstGeom prst="straightConnector1">
+            <a:avLst/>
+          </a:prstGeom>
+          <a:ln w="19050">
+            <a:prstDash val="sysDash"/>
+            <a:tailEnd type="triangle"/>
+          </a:ln>
+        </p:spPr>
+        <p:style>
+          <a:lnRef idx="1">
+            <a:schemeClr val="accent1"/>
+          </a:lnRef>
+          <a:fillRef idx="0">
+            <a:schemeClr val="accent1"/>
+          </a:fillRef>
+          <a:effectRef idx="0">
+            <a:schemeClr val="accent1"/>
+          </a:effectRef>
+          <a:fontRef idx="minor">
+            <a:schemeClr val="tx1"/>
+          </a:fontRef>
+        </p:style>
+      </p:cxnSp>
+      <p:cxnSp>
+        <p:nvCxnSpPr>
+          <p:cNvPr id="57" name="Straight Arrow Connector 56">
+            <a:extLst>
+              <a:ext uri="{FF2B5EF4-FFF2-40B4-BE49-F238E27FC236}">
+                <a16:creationId xmlns:a16="http://schemas.microsoft.com/office/drawing/2014/main" id="{88EF90FE-1B64-489D-876D-BF7484C21E78}"/>
+              </a:ext>
+            </a:extLst>
+          </p:cNvPr>
+          <p:cNvCxnSpPr/>
+          <p:nvPr/>
+        </p:nvCxnSpPr>
+        <p:spPr>
+          <a:xfrm>
+            <a:off x="6488059" y="3117129"/>
+            <a:ext cx="0" cy="386138"/>
+          </a:xfrm>
+          <a:prstGeom prst="straightConnector1">
+            <a:avLst/>
+          </a:prstGeom>
+          <a:ln w="19050">
+            <a:prstDash val="sysDash"/>
+            <a:tailEnd type="triangle"/>
+          </a:ln>
+        </p:spPr>
+        <p:style>
+          <a:lnRef idx="1">
+            <a:schemeClr val="accent1"/>
+          </a:lnRef>
+          <a:fillRef idx="0">
+            <a:schemeClr val="accent1"/>
+          </a:fillRef>
+          <a:effectRef idx="0">
+            <a:schemeClr val="accent1"/>
+          </a:effectRef>
+          <a:fontRef idx="minor">
+            <a:schemeClr val="tx1"/>
+          </a:fontRef>
+        </p:style>
+      </p:cxnSp>
+      <p:cxnSp>
+        <p:nvCxnSpPr>
+          <p:cNvPr id="58" name="Straight Arrow Connector 57">
+            <a:extLst>
+              <a:ext uri="{FF2B5EF4-FFF2-40B4-BE49-F238E27FC236}">
+                <a16:creationId xmlns:a16="http://schemas.microsoft.com/office/drawing/2014/main" id="{EDA8A80C-DBE9-44F4-846D-AD7B794611A8}"/>
+              </a:ext>
+            </a:extLst>
+          </p:cNvPr>
+          <p:cNvCxnSpPr/>
+          <p:nvPr/>
+        </p:nvCxnSpPr>
+        <p:spPr>
+          <a:xfrm>
+            <a:off x="7788912" y="3117129"/>
+            <a:ext cx="0" cy="386138"/>
+          </a:xfrm>
+          <a:prstGeom prst="straightConnector1">
+            <a:avLst/>
+          </a:prstGeom>
+          <a:ln w="19050">
+            <a:prstDash val="sysDash"/>
+            <a:tailEnd type="triangle"/>
+          </a:ln>
+        </p:spPr>
+        <p:style>
+          <a:lnRef idx="1">
+            <a:schemeClr val="accent1"/>
+          </a:lnRef>
+          <a:fillRef idx="0">
+            <a:schemeClr val="accent1"/>
+          </a:fillRef>
+          <a:effectRef idx="0">
+            <a:schemeClr val="accent1"/>
+          </a:effectRef>
+          <a:fontRef idx="minor">
+            <a:schemeClr val="tx1"/>
+          </a:fontRef>
+        </p:style>
+      </p:cxnSp>
+      <p:sp>
+        <p:nvSpPr>
+          <p:cNvPr id="61" name="Rectangle 60">
+            <a:extLst>
+              <a:ext uri="{FF2B5EF4-FFF2-40B4-BE49-F238E27FC236}">
+                <a16:creationId xmlns:a16="http://schemas.microsoft.com/office/drawing/2014/main" id="{4F978FE0-3541-49C8-A4CD-5E37938A7D85}"/>
+              </a:ext>
+            </a:extLst>
+          </p:cNvPr>
+          <p:cNvSpPr/>
+          <p:nvPr/>
+        </p:nvSpPr>
+        <p:spPr>
+          <a:xfrm>
+            <a:off x="1876302" y="500046"/>
+            <a:ext cx="7977809" cy="503583"/>
+          </a:xfrm>
+          <a:prstGeom prst="rect">
+            <a:avLst/>
+          </a:prstGeom>
+          <a:solidFill>
+            <a:schemeClr val="bg1"/>
+          </a:solidFill>
+          <a:ln w="28575"/>
+        </p:spPr>
+        <p:style>
+          <a:lnRef idx="2">
+            <a:schemeClr val="accent1">
+              <a:shade val="50000"/>
+            </a:schemeClr>
+          </a:lnRef>
+          <a:fillRef idx="1">
+            <a:schemeClr val="accent1"/>
+          </a:fillRef>
+          <a:effectRef idx="0">
+            <a:schemeClr val="accent1"/>
+          </a:effectRef>
+          <a:fontRef idx="minor">
+            <a:schemeClr val="lt1"/>
+          </a:fontRef>
+        </p:style>
+        <p:txBody>
+          <a:bodyPr rtlCol="0" anchor="ctr"/>
+          <a:lstStyle/>
+          <a:p>
+            <a:pPr algn="ctr"/>
+            <a:r>
+              <a:rPr lang="tr-TR" b="1" dirty="0">
+                <a:solidFill>
+                  <a:srgbClr val="FF0000"/>
+                </a:solidFill>
+              </a:rPr>
+              <a:t>1st Definition of War: </a:t>
+            </a:r>
+            <a:r>
+              <a:rPr lang="en-US" b="1" dirty="0">
+                <a:solidFill>
+                  <a:schemeClr val="tx1"/>
+                </a:solidFill>
+              </a:rPr>
+              <a:t>War is an act of force to compel </a:t>
+            </a:r>
+            <a:r>
+              <a:rPr lang="tr-TR" b="1" dirty="0">
+                <a:solidFill>
+                  <a:schemeClr val="tx1"/>
+                </a:solidFill>
+              </a:rPr>
+              <a:t>enemy </a:t>
+            </a:r>
+            <a:r>
+              <a:rPr lang="en-US" b="1" dirty="0">
+                <a:solidFill>
+                  <a:schemeClr val="tx1"/>
+                </a:solidFill>
+              </a:rPr>
+              <a:t>to do our will</a:t>
+            </a:r>
+            <a:endParaRPr lang="tr-TR" b="1" dirty="0">
+              <a:solidFill>
+                <a:schemeClr val="tx1"/>
+              </a:solidFill>
+            </a:endParaRPr>
+          </a:p>
+        </p:txBody>
+      </p:sp>
+      <p:sp>
+        <p:nvSpPr>
+          <p:cNvPr id="62" name="TextBox 61">
+            <a:extLst>
+              <a:ext uri="{FF2B5EF4-FFF2-40B4-BE49-F238E27FC236}">
+                <a16:creationId xmlns:a16="http://schemas.microsoft.com/office/drawing/2014/main" id="{8C01BDAC-B907-4817-B701-487A7F4C05FC}"/>
+              </a:ext>
+            </a:extLst>
+          </p:cNvPr>
+          <p:cNvSpPr txBox="1"/>
+          <p:nvPr/>
+        </p:nvSpPr>
+        <p:spPr>
+          <a:xfrm>
+            <a:off x="3212735" y="10612659"/>
+            <a:ext cx="6370651" cy="369332"/>
+          </a:xfrm>
+          <a:prstGeom prst="rect">
+            <a:avLst/>
+          </a:prstGeom>
+          <a:noFill/>
+        </p:spPr>
+        <p:txBody>
+          <a:bodyPr wrap="square" rtlCol="0">
+            <a:spAutoFit/>
+          </a:bodyPr>
+          <a:lstStyle/>
+          <a:p>
+            <a:r>
+              <a:rPr lang="tr-TR" dirty="0"/>
+              <a:t>War is </a:t>
+            </a:r>
+            <a:r>
+              <a:rPr lang="en-US" dirty="0"/>
+              <a:t>War is merely the continuation of policy by other means</a:t>
+            </a:r>
+            <a:endParaRPr lang="tr-TR" dirty="0"/>
+          </a:p>
+        </p:txBody>
+      </p:sp>
+      <p:sp>
+        <p:nvSpPr>
+          <p:cNvPr id="63" name="Rectangle 62">
+            <a:extLst>
+              <a:ext uri="{FF2B5EF4-FFF2-40B4-BE49-F238E27FC236}">
+                <a16:creationId xmlns:a16="http://schemas.microsoft.com/office/drawing/2014/main" id="{59EFEAB5-C406-4EE1-BBD1-055B497DA6E8}"/>
+              </a:ext>
+            </a:extLst>
+          </p:cNvPr>
+          <p:cNvSpPr/>
+          <p:nvPr/>
+        </p:nvSpPr>
+        <p:spPr>
+          <a:xfrm>
+            <a:off x="1665742" y="5425325"/>
+            <a:ext cx="8604694" cy="503583"/>
+          </a:xfrm>
+          <a:prstGeom prst="rect">
+            <a:avLst/>
+          </a:prstGeom>
+          <a:solidFill>
+            <a:schemeClr val="bg1"/>
+          </a:solidFill>
+          <a:ln w="28575"/>
+        </p:spPr>
+        <p:style>
+          <a:lnRef idx="2">
+            <a:schemeClr val="accent1">
+              <a:shade val="50000"/>
+            </a:schemeClr>
+          </a:lnRef>
+          <a:fillRef idx="1">
+            <a:schemeClr val="accent1"/>
+          </a:fillRef>
+          <a:effectRef idx="0">
+            <a:schemeClr val="accent1"/>
+          </a:effectRef>
+          <a:fontRef idx="minor">
+            <a:schemeClr val="lt1"/>
+          </a:fontRef>
+        </p:style>
+        <p:txBody>
+          <a:bodyPr rtlCol="0" anchor="ctr"/>
+          <a:lstStyle/>
+          <a:p>
+            <a:pPr algn="ctr"/>
+            <a:r>
+              <a:rPr lang="tr-TR" b="1" dirty="0">
+                <a:solidFill>
+                  <a:srgbClr val="FF0000"/>
+                </a:solidFill>
+              </a:rPr>
+              <a:t>2nd Definition of War</a:t>
+            </a:r>
+            <a:r>
+              <a:rPr lang="tr-TR" b="1" dirty="0">
+                <a:solidFill>
+                  <a:schemeClr val="tx1"/>
+                </a:solidFill>
+              </a:rPr>
+              <a:t>: </a:t>
+            </a:r>
+            <a:r>
+              <a:rPr lang="en-US" b="1" dirty="0">
+                <a:solidFill>
+                  <a:schemeClr val="tx1"/>
+                </a:solidFill>
+              </a:rPr>
+              <a:t>War is merely the continuation of policy by other means</a:t>
+            </a:r>
+            <a:endParaRPr lang="tr-TR" b="1" dirty="0">
+              <a:solidFill>
+                <a:schemeClr val="tx1"/>
+              </a:solidFill>
+            </a:endParaRPr>
+          </a:p>
+        </p:txBody>
+      </p:sp>
+      <p:sp>
+        <p:nvSpPr>
+          <p:cNvPr id="2" name="Arrow: Down 1">
+            <a:extLst>
+              <a:ext uri="{FF2B5EF4-FFF2-40B4-BE49-F238E27FC236}">
+                <a16:creationId xmlns:a16="http://schemas.microsoft.com/office/drawing/2014/main" id="{0CE6A595-1EF1-452E-B9B6-8D783E4FDB23}"/>
+              </a:ext>
+            </a:extLst>
+          </p:cNvPr>
+          <p:cNvSpPr/>
+          <p:nvPr/>
+        </p:nvSpPr>
+        <p:spPr>
+          <a:xfrm>
+            <a:off x="5679675" y="1049159"/>
+            <a:ext cx="371061" cy="458052"/>
+          </a:xfrm>
+          <a:prstGeom prst="downArrow">
+            <a:avLst/>
+          </a:prstGeom>
+        </p:spPr>
+        <p:style>
+          <a:lnRef idx="2">
+            <a:schemeClr val="accent1">
+              <a:shade val="50000"/>
+            </a:schemeClr>
+          </a:lnRef>
+          <a:fillRef idx="1">
+            <a:schemeClr val="accent1"/>
+          </a:fillRef>
+          <a:effectRef idx="0">
+            <a:schemeClr val="accent1"/>
+          </a:effectRef>
+          <a:fontRef idx="minor">
+            <a:schemeClr val="lt1"/>
+          </a:fontRef>
+        </p:style>
+        <p:txBody>
+          <a:bodyPr rtlCol="0" anchor="ctr"/>
+          <a:lstStyle/>
+          <a:p>
+            <a:pPr algn="ctr"/>
+            <a:endParaRPr lang="tr-TR"/>
+          </a:p>
+        </p:txBody>
+      </p:sp>
+      <p:sp>
+        <p:nvSpPr>
+          <p:cNvPr id="31" name="Arrow: Down 30">
+            <a:extLst>
+              <a:ext uri="{FF2B5EF4-FFF2-40B4-BE49-F238E27FC236}">
+                <a16:creationId xmlns:a16="http://schemas.microsoft.com/office/drawing/2014/main" id="{0D0EA8F8-EBE6-4407-B3E0-BCEC95803A50}"/>
+              </a:ext>
+            </a:extLst>
+          </p:cNvPr>
+          <p:cNvSpPr/>
+          <p:nvPr/>
+        </p:nvSpPr>
+        <p:spPr>
+          <a:xfrm>
+            <a:off x="5597028" y="4887886"/>
+            <a:ext cx="371061" cy="458052"/>
+          </a:xfrm>
+          <a:prstGeom prst="downArrow">
+            <a:avLst/>
+          </a:prstGeom>
+        </p:spPr>
+        <p:style>
+          <a:lnRef idx="2">
+            <a:schemeClr val="accent1">
+              <a:shade val="50000"/>
+            </a:schemeClr>
+          </a:lnRef>
+          <a:fillRef idx="1">
+            <a:schemeClr val="accent1"/>
+          </a:fillRef>
+          <a:effectRef idx="0">
+            <a:schemeClr val="accent1"/>
+          </a:effectRef>
+          <a:fontRef idx="minor">
+            <a:schemeClr val="lt1"/>
+          </a:fontRef>
+        </p:style>
+        <p:txBody>
+          <a:bodyPr rtlCol="0" anchor="ctr"/>
+          <a:lstStyle/>
+          <a:p>
+            <a:pPr algn="ctr"/>
+            <a:endParaRPr lang="tr-TR"/>
+          </a:p>
+        </p:txBody>
+      </p:sp>
+    </p:spTree>
+    <p:extLst>
+      <p:ext uri="{BB962C8B-B14F-4D97-AF65-F5344CB8AC3E}">
+        <p14:creationId xmlns:p14="http://schemas.microsoft.com/office/powerpoint/2010/main" val="1934757000"/>
+      </p:ext>
+    </p:extLst>
+  </p:cSld>
+  <p:clrMapOvr>
+    <a:masterClrMapping/>
+  </p:clrMapOvr>
+</p:sld>
+</file>
+
+<file path=ppt/slides/slide5.xml><?xml version="1.0" encoding="utf-8"?>
+<p:sld xmlns:a="http://schemas.openxmlformats.org/drawingml/2006/main" xmlns:r="http://schemas.openxmlformats.org/officeDocument/2006/relationships" xmlns:p="http://schemas.openxmlformats.org/presentationml/2006/main">
+  <p:cSld>
+    <p:spTree>
+      <p:nvGrpSpPr>
+        <p:cNvPr id="1" name=""/>
+        <p:cNvGrpSpPr/>
+        <p:nvPr/>
+      </p:nvGrpSpPr>
+      <p:grpSpPr>
+        <a:xfrm>
+          <a:off x="0" y="0"/>
+          <a:ext cx="0" cy="0"/>
+          <a:chOff x="0" y="0"/>
+          <a:chExt cx="0" cy="0"/>
+        </a:xfrm>
+      </p:grpSpPr>
+      <p:sp>
+        <p:nvSpPr>
+          <p:cNvPr id="4" name="Rectangle 3">
+            <a:extLst>
+              <a:ext uri="{FF2B5EF4-FFF2-40B4-BE49-F238E27FC236}">
+                <a16:creationId xmlns:a16="http://schemas.microsoft.com/office/drawing/2014/main" id="{AA2D1CF6-8F57-4E67-AE75-5952EB65BFD4}"/>
+              </a:ext>
+            </a:extLst>
+          </p:cNvPr>
+          <p:cNvSpPr/>
+          <p:nvPr/>
+        </p:nvSpPr>
+        <p:spPr>
+          <a:xfrm>
             <a:off x="3386033" y="2995603"/>
             <a:ext cx="1194938" cy="367136"/>
           </a:xfrm>
@@ -6818,6 +7482,2254 @@
     <p:extLst>
       <p:ext uri="{BB962C8B-B14F-4D97-AF65-F5344CB8AC3E}">
         <p14:creationId xmlns:p14="http://schemas.microsoft.com/office/powerpoint/2010/main" val="3025094090"/>
+      </p:ext>
+    </p:extLst>
+  </p:cSld>
+  <p:clrMapOvr>
+    <a:masterClrMapping/>
+  </p:clrMapOvr>
+</p:sld>
+</file>
+
+<file path=ppt/slides/slide6.xml><?xml version="1.0" encoding="utf-8"?>
+<p:sld xmlns:a="http://schemas.openxmlformats.org/drawingml/2006/main" xmlns:r="http://schemas.openxmlformats.org/officeDocument/2006/relationships" xmlns:p="http://schemas.openxmlformats.org/presentationml/2006/main">
+  <p:cSld>
+    <p:spTree>
+      <p:nvGrpSpPr>
+        <p:cNvPr id="1" name=""/>
+        <p:cNvGrpSpPr/>
+        <p:nvPr/>
+      </p:nvGrpSpPr>
+      <p:grpSpPr>
+        <a:xfrm>
+          <a:off x="0" y="0"/>
+          <a:ext cx="0" cy="0"/>
+          <a:chOff x="0" y="0"/>
+          <a:chExt cx="0" cy="0"/>
+        </a:xfrm>
+      </p:grpSpPr>
+      <p:sp>
+        <p:nvSpPr>
+          <p:cNvPr id="2" name="Title 1">
+            <a:extLst>
+              <a:ext uri="{FF2B5EF4-FFF2-40B4-BE49-F238E27FC236}">
+                <a16:creationId xmlns:a16="http://schemas.microsoft.com/office/drawing/2014/main" id="{3227B6C9-CD07-4D77-98AD-C426105A3DA3}"/>
+              </a:ext>
+            </a:extLst>
+          </p:cNvPr>
+          <p:cNvSpPr>
+            <a:spLocks noGrp="1"/>
+          </p:cNvSpPr>
+          <p:nvPr>
+            <p:ph type="title"/>
+          </p:nvPr>
+        </p:nvSpPr>
+        <p:spPr>
+          <a:xfrm>
+            <a:off x="745435" y="224907"/>
+            <a:ext cx="10515600" cy="912260"/>
+          </a:xfrm>
+        </p:spPr>
+        <p:txBody>
+          <a:bodyPr>
+            <a:normAutofit/>
+          </a:bodyPr>
+          <a:lstStyle/>
+          <a:p>
+            <a:r>
+              <a:rPr lang="tr-TR" sz="3600" b="1" dirty="0"/>
+              <a:t>Strategy</a:t>
+            </a:r>
+          </a:p>
+        </p:txBody>
+      </p:sp>
+      <p:sp>
+        <p:nvSpPr>
+          <p:cNvPr id="3" name="Content Placeholder 2">
+            <a:extLst>
+              <a:ext uri="{FF2B5EF4-FFF2-40B4-BE49-F238E27FC236}">
+                <a16:creationId xmlns:a16="http://schemas.microsoft.com/office/drawing/2014/main" id="{4EA620E5-9D1B-4455-AF5C-97C2CFE018AE}"/>
+              </a:ext>
+            </a:extLst>
+          </p:cNvPr>
+          <p:cNvSpPr>
+            <a:spLocks noGrp="1"/>
+          </p:cNvSpPr>
+          <p:nvPr>
+            <p:ph idx="1"/>
+          </p:nvPr>
+        </p:nvSpPr>
+        <p:spPr>
+          <a:xfrm>
+            <a:off x="838199" y="1825625"/>
+            <a:ext cx="10969487" cy="4351338"/>
+          </a:xfrm>
+        </p:spPr>
+        <p:txBody>
+          <a:bodyPr/>
+          <a:lstStyle/>
+          <a:p>
+            <a:r>
+              <a:rPr lang="tr-TR" dirty="0">
+                <a:highlight>
+                  <a:srgbClr val="FFFF00"/>
+                </a:highlight>
+              </a:rPr>
+              <a:t>Use of an engagement for the purpose of the war </a:t>
+            </a:r>
+          </a:p>
+          <a:p>
+            <a:pPr lvl="1"/>
+            <a:r>
+              <a:rPr lang="tr-TR" dirty="0"/>
+              <a:t>Book 2: On the theory of war, Chapter 1: Classifications of the art of war, p.128. </a:t>
+            </a:r>
+          </a:p>
+          <a:p>
+            <a:pPr lvl="1"/>
+            <a:r>
+              <a:rPr lang="tr-TR" dirty="0"/>
+              <a:t>Book 3: On strategy in general, Chapter 1: Strategy, p.177. </a:t>
+            </a:r>
+          </a:p>
+          <a:p>
+            <a:pPr lvl="1"/>
+            <a:r>
+              <a:rPr lang="tr-TR" dirty="0"/>
+              <a:t>Book 3: On strategy in general, Chapter 10: Cunning, p.202.</a:t>
+            </a:r>
+          </a:p>
+          <a:p>
+            <a:pPr lvl="2"/>
+            <a:r>
+              <a:rPr lang="en-US" dirty="0"/>
+              <a:t>If we leave the actual execution of force, the engagement, to tactics, and </a:t>
+            </a:r>
+            <a:r>
+              <a:rPr lang="en-US" dirty="0">
+                <a:highlight>
+                  <a:srgbClr val="FFFF00"/>
+                </a:highlight>
+              </a:rPr>
+              <a:t>consider strategy as the art of skillfully exploiting force for a larger purpose, </a:t>
+            </a:r>
+            <a:endParaRPr lang="tr-TR" dirty="0">
+              <a:highlight>
+                <a:srgbClr val="FFFF00"/>
+              </a:highlight>
+            </a:endParaRPr>
+          </a:p>
+          <a:p>
+            <a:pPr lvl="2"/>
+            <a:r>
+              <a:rPr lang="en-US" dirty="0"/>
+              <a:t>and if we disregard for the moment such characteristics as fierce ambition which acts like a compressed spring, great will-power which yields only reluctantly, </a:t>
+            </a:r>
+            <a:endParaRPr lang="tr-TR" dirty="0"/>
+          </a:p>
+          <a:p>
+            <a:pPr lvl="2"/>
+            <a:r>
+              <a:rPr lang="tr-TR" dirty="0"/>
+              <a:t>etc.,</a:t>
+            </a:r>
+          </a:p>
+          <a:p>
+            <a:pPr lvl="2"/>
+            <a:r>
+              <a:rPr lang="en-US" dirty="0"/>
+              <a:t>no human characteristic appears so suited to the task of directing and inspiring strategy as the gift of cunning.</a:t>
+            </a:r>
+            <a:endParaRPr lang="tr-TR" dirty="0"/>
+          </a:p>
+        </p:txBody>
+      </p:sp>
+      <p:sp>
+        <p:nvSpPr>
+          <p:cNvPr id="5" name="TextBox 4">
+            <a:extLst>
+              <a:ext uri="{FF2B5EF4-FFF2-40B4-BE49-F238E27FC236}">
+                <a16:creationId xmlns:a16="http://schemas.microsoft.com/office/drawing/2014/main" id="{D6E653E9-F916-4189-BA7D-F9DBFF4DDF18}"/>
+              </a:ext>
+            </a:extLst>
+          </p:cNvPr>
+          <p:cNvSpPr txBox="1"/>
+          <p:nvPr/>
+        </p:nvSpPr>
+        <p:spPr>
+          <a:xfrm>
+            <a:off x="1762539" y="5853797"/>
+            <a:ext cx="9925878" cy="369332"/>
+          </a:xfrm>
+          <a:prstGeom prst="rect">
+            <a:avLst/>
+          </a:prstGeom>
+          <a:noFill/>
+        </p:spPr>
+        <p:txBody>
+          <a:bodyPr wrap="square">
+            <a:spAutoFit/>
+          </a:bodyPr>
+          <a:lstStyle/>
+          <a:p>
+            <a:pPr algn="ctr"/>
+            <a:r>
+              <a:rPr lang="tr-TR" dirty="0">
+                <a:highlight>
+                  <a:srgbClr val="00FF00"/>
+                </a:highlight>
+              </a:rPr>
+              <a:t>Result definition</a:t>
+            </a:r>
+            <a:r>
+              <a:rPr lang="tr-TR" dirty="0"/>
+              <a:t>: </a:t>
+            </a:r>
+            <a:r>
+              <a:rPr lang="en-US" dirty="0"/>
+              <a:t>Art of skillfully using &amp; exploiting engagement &amp; force for the larger (war) purpose.</a:t>
+            </a:r>
+            <a:endParaRPr lang="tr-TR" dirty="0"/>
+          </a:p>
+        </p:txBody>
+      </p:sp>
+    </p:spTree>
+    <p:extLst>
+      <p:ext uri="{BB962C8B-B14F-4D97-AF65-F5344CB8AC3E}">
+        <p14:creationId xmlns:p14="http://schemas.microsoft.com/office/powerpoint/2010/main" val="1825173171"/>
+      </p:ext>
+    </p:extLst>
+  </p:cSld>
+  <p:clrMapOvr>
+    <a:masterClrMapping/>
+  </p:clrMapOvr>
+</p:sld>
+</file>
+
+<file path=ppt/slides/slide7.xml><?xml version="1.0" encoding="utf-8"?>
+<p:sld xmlns:a="http://schemas.openxmlformats.org/drawingml/2006/main" xmlns:r="http://schemas.openxmlformats.org/officeDocument/2006/relationships" xmlns:p="http://schemas.openxmlformats.org/presentationml/2006/main">
+  <p:cSld>
+    <p:spTree>
+      <p:nvGrpSpPr>
+        <p:cNvPr id="1" name=""/>
+        <p:cNvGrpSpPr/>
+        <p:nvPr/>
+      </p:nvGrpSpPr>
+      <p:grpSpPr>
+        <a:xfrm>
+          <a:off x="0" y="0"/>
+          <a:ext cx="0" cy="0"/>
+          <a:chOff x="0" y="0"/>
+          <a:chExt cx="0" cy="0"/>
+        </a:xfrm>
+      </p:grpSpPr>
+      <p:sp>
+        <p:nvSpPr>
+          <p:cNvPr id="2" name="Title 1">
+            <a:extLst>
+              <a:ext uri="{FF2B5EF4-FFF2-40B4-BE49-F238E27FC236}">
+                <a16:creationId xmlns:a16="http://schemas.microsoft.com/office/drawing/2014/main" id="{3227B6C9-CD07-4D77-98AD-C426105A3DA3}"/>
+              </a:ext>
+            </a:extLst>
+          </p:cNvPr>
+          <p:cNvSpPr>
+            <a:spLocks noGrp="1"/>
+          </p:cNvSpPr>
+          <p:nvPr>
+            <p:ph type="title"/>
+          </p:nvPr>
+        </p:nvSpPr>
+        <p:spPr>
+          <a:xfrm>
+            <a:off x="745435" y="224907"/>
+            <a:ext cx="10515600" cy="912260"/>
+          </a:xfrm>
+        </p:spPr>
+        <p:txBody>
+          <a:bodyPr>
+            <a:normAutofit/>
+          </a:bodyPr>
+          <a:lstStyle/>
+          <a:p>
+            <a:endParaRPr lang="tr-TR" sz="3600" b="1" dirty="0"/>
+          </a:p>
+        </p:txBody>
+      </p:sp>
+      <p:sp>
+        <p:nvSpPr>
+          <p:cNvPr id="9" name="Rectangle: Rounded Corners 8">
+            <a:extLst>
+              <a:ext uri="{FF2B5EF4-FFF2-40B4-BE49-F238E27FC236}">
+                <a16:creationId xmlns:a16="http://schemas.microsoft.com/office/drawing/2014/main" id="{7CF7EA50-7225-4976-8FF9-56951DC2DD79}"/>
+              </a:ext>
+            </a:extLst>
+          </p:cNvPr>
+          <p:cNvSpPr/>
+          <p:nvPr/>
+        </p:nvSpPr>
+        <p:spPr>
+          <a:xfrm>
+            <a:off x="3743740" y="1691237"/>
+            <a:ext cx="4121426" cy="914400"/>
+          </a:xfrm>
+          <a:prstGeom prst="roundRect">
+            <a:avLst/>
+          </a:prstGeom>
+        </p:spPr>
+        <p:style>
+          <a:lnRef idx="2">
+            <a:schemeClr val="accent1">
+              <a:shade val="50000"/>
+            </a:schemeClr>
+          </a:lnRef>
+          <a:fillRef idx="1">
+            <a:schemeClr val="accent1"/>
+          </a:fillRef>
+          <a:effectRef idx="0">
+            <a:schemeClr val="accent1"/>
+          </a:effectRef>
+          <a:fontRef idx="minor">
+            <a:schemeClr val="lt1"/>
+          </a:fontRef>
+        </p:style>
+        <p:txBody>
+          <a:bodyPr rtlCol="0" anchor="ctr"/>
+          <a:lstStyle/>
+          <a:p>
+            <a:pPr algn="ctr"/>
+            <a:r>
+              <a:rPr lang="en-US" dirty="0"/>
+              <a:t>Art of skillfully using &amp; exploiting engagement &amp; force for the larger (war) purpose.</a:t>
+            </a:r>
+            <a:endParaRPr lang="tr-TR" dirty="0"/>
+          </a:p>
+        </p:txBody>
+      </p:sp>
+      <p:sp>
+        <p:nvSpPr>
+          <p:cNvPr id="10" name="Rectangle: Rounded Corners 9">
+            <a:extLst>
+              <a:ext uri="{FF2B5EF4-FFF2-40B4-BE49-F238E27FC236}">
+                <a16:creationId xmlns:a16="http://schemas.microsoft.com/office/drawing/2014/main" id="{D98744F7-CB5A-46BA-9CC1-08FBE421145B}"/>
+              </a:ext>
+            </a:extLst>
+          </p:cNvPr>
+          <p:cNvSpPr/>
+          <p:nvPr/>
+        </p:nvSpPr>
+        <p:spPr>
+          <a:xfrm>
+            <a:off x="722243" y="1707010"/>
+            <a:ext cx="2464905" cy="914400"/>
+          </a:xfrm>
+          <a:prstGeom prst="roundRect">
+            <a:avLst/>
+          </a:prstGeom>
+        </p:spPr>
+        <p:style>
+          <a:lnRef idx="2">
+            <a:schemeClr val="accent1">
+              <a:shade val="50000"/>
+            </a:schemeClr>
+          </a:lnRef>
+          <a:fillRef idx="1">
+            <a:schemeClr val="accent1"/>
+          </a:fillRef>
+          <a:effectRef idx="0">
+            <a:schemeClr val="accent1"/>
+          </a:effectRef>
+          <a:fontRef idx="minor">
+            <a:schemeClr val="lt1"/>
+          </a:fontRef>
+        </p:style>
+        <p:txBody>
+          <a:bodyPr rtlCol="0" anchor="ctr"/>
+          <a:lstStyle/>
+          <a:p>
+            <a:pPr algn="ctr"/>
+            <a:r>
+              <a:rPr lang="en-US" sz="2400" dirty="0"/>
+              <a:t>Strategy</a:t>
+            </a:r>
+            <a:endParaRPr lang="tr-TR" sz="2400" dirty="0"/>
+          </a:p>
+        </p:txBody>
+      </p:sp>
+      <p:sp>
+        <p:nvSpPr>
+          <p:cNvPr id="11" name="Rectangle: Rounded Corners 10">
+            <a:extLst>
+              <a:ext uri="{FF2B5EF4-FFF2-40B4-BE49-F238E27FC236}">
+                <a16:creationId xmlns:a16="http://schemas.microsoft.com/office/drawing/2014/main" id="{258AD6A0-0CC8-4CBD-88C5-93A84BD7E8C3}"/>
+              </a:ext>
+            </a:extLst>
+          </p:cNvPr>
+          <p:cNvSpPr/>
+          <p:nvPr/>
+        </p:nvSpPr>
+        <p:spPr>
+          <a:xfrm>
+            <a:off x="453888" y="3975654"/>
+            <a:ext cx="1573695" cy="596349"/>
+          </a:xfrm>
+          <a:prstGeom prst="roundRect">
+            <a:avLst/>
+          </a:prstGeom>
+          <a:solidFill>
+            <a:schemeClr val="accent2">
+              <a:lumMod val="40000"/>
+              <a:lumOff val="60000"/>
+            </a:schemeClr>
+          </a:solidFill>
+          <a:ln>
+            <a:solidFill>
+              <a:schemeClr val="tx1"/>
+            </a:solidFill>
+          </a:ln>
+        </p:spPr>
+        <p:style>
+          <a:lnRef idx="2">
+            <a:schemeClr val="accent1">
+              <a:shade val="50000"/>
+            </a:schemeClr>
+          </a:lnRef>
+          <a:fillRef idx="1">
+            <a:schemeClr val="accent1"/>
+          </a:fillRef>
+          <a:effectRef idx="0">
+            <a:schemeClr val="accent1"/>
+          </a:effectRef>
+          <a:fontRef idx="minor">
+            <a:schemeClr val="lt1"/>
+          </a:fontRef>
+        </p:style>
+        <p:txBody>
+          <a:bodyPr rtlCol="0" anchor="ctr"/>
+          <a:lstStyle/>
+          <a:p>
+            <a:pPr algn="ctr"/>
+            <a:r>
+              <a:rPr lang="tr-TR" b="1" dirty="0">
+                <a:solidFill>
+                  <a:schemeClr val="tx1"/>
+                </a:solidFill>
+              </a:rPr>
+              <a:t>Engagements</a:t>
+            </a:r>
+          </a:p>
+        </p:txBody>
+      </p:sp>
+      <p:sp>
+        <p:nvSpPr>
+          <p:cNvPr id="12" name="Rectangle: Rounded Corners 11">
+            <a:extLst>
+              <a:ext uri="{FF2B5EF4-FFF2-40B4-BE49-F238E27FC236}">
+                <a16:creationId xmlns:a16="http://schemas.microsoft.com/office/drawing/2014/main" id="{6144C504-67AD-489B-A5D0-205EA4CAC724}"/>
+              </a:ext>
+            </a:extLst>
+          </p:cNvPr>
+          <p:cNvSpPr/>
+          <p:nvPr/>
+        </p:nvSpPr>
+        <p:spPr>
+          <a:xfrm>
+            <a:off x="8719931" y="1137167"/>
+            <a:ext cx="1696278" cy="494904"/>
+          </a:xfrm>
+          <a:prstGeom prst="roundRect">
+            <a:avLst/>
+          </a:prstGeom>
+        </p:spPr>
+        <p:style>
+          <a:lnRef idx="2">
+            <a:schemeClr val="accent1">
+              <a:shade val="50000"/>
+            </a:schemeClr>
+          </a:lnRef>
+          <a:fillRef idx="1">
+            <a:schemeClr val="accent1"/>
+          </a:fillRef>
+          <a:effectRef idx="0">
+            <a:schemeClr val="accent1"/>
+          </a:effectRef>
+          <a:fontRef idx="minor">
+            <a:schemeClr val="lt1"/>
+          </a:fontRef>
+        </p:style>
+        <p:txBody>
+          <a:bodyPr rtlCol="0" anchor="ctr"/>
+          <a:lstStyle/>
+          <a:p>
+            <a:pPr algn="ctr"/>
+            <a:r>
+              <a:rPr lang="tr-TR" dirty="0"/>
+              <a:t>Moral</a:t>
+            </a:r>
+          </a:p>
+        </p:txBody>
+      </p:sp>
+      <p:sp>
+        <p:nvSpPr>
+          <p:cNvPr id="13" name="Rectangle: Rounded Corners 12">
+            <a:extLst>
+              <a:ext uri="{FF2B5EF4-FFF2-40B4-BE49-F238E27FC236}">
+                <a16:creationId xmlns:a16="http://schemas.microsoft.com/office/drawing/2014/main" id="{37D450F0-AA59-4BE1-A04C-519062AF4C69}"/>
+              </a:ext>
+            </a:extLst>
+          </p:cNvPr>
+          <p:cNvSpPr/>
+          <p:nvPr/>
+        </p:nvSpPr>
+        <p:spPr>
+          <a:xfrm>
+            <a:off x="8719930" y="1857591"/>
+            <a:ext cx="1696279" cy="494904"/>
+          </a:xfrm>
+          <a:prstGeom prst="roundRect">
+            <a:avLst/>
+          </a:prstGeom>
+        </p:spPr>
+        <p:style>
+          <a:lnRef idx="2">
+            <a:schemeClr val="accent1">
+              <a:shade val="50000"/>
+            </a:schemeClr>
+          </a:lnRef>
+          <a:fillRef idx="1">
+            <a:schemeClr val="accent1"/>
+          </a:fillRef>
+          <a:effectRef idx="0">
+            <a:schemeClr val="accent1"/>
+          </a:effectRef>
+          <a:fontRef idx="minor">
+            <a:schemeClr val="lt1"/>
+          </a:fontRef>
+        </p:style>
+        <p:txBody>
+          <a:bodyPr rtlCol="0" anchor="ctr"/>
+          <a:lstStyle/>
+          <a:p>
+            <a:pPr algn="ctr"/>
+            <a:r>
+              <a:rPr lang="tr-TR" dirty="0"/>
+              <a:t>Physical</a:t>
+            </a:r>
+          </a:p>
+        </p:txBody>
+      </p:sp>
+      <p:sp>
+        <p:nvSpPr>
+          <p:cNvPr id="14" name="Rectangle: Rounded Corners 13">
+            <a:extLst>
+              <a:ext uri="{FF2B5EF4-FFF2-40B4-BE49-F238E27FC236}">
+                <a16:creationId xmlns:a16="http://schemas.microsoft.com/office/drawing/2014/main" id="{3533756E-5CE3-4024-9233-7CF202A1B9FD}"/>
+              </a:ext>
+            </a:extLst>
+          </p:cNvPr>
+          <p:cNvSpPr/>
+          <p:nvPr/>
+        </p:nvSpPr>
+        <p:spPr>
+          <a:xfrm>
+            <a:off x="8719930" y="2578015"/>
+            <a:ext cx="1696279" cy="494904"/>
+          </a:xfrm>
+          <a:prstGeom prst="roundRect">
+            <a:avLst/>
+          </a:prstGeom>
+        </p:spPr>
+        <p:style>
+          <a:lnRef idx="2">
+            <a:schemeClr val="accent1">
+              <a:shade val="50000"/>
+            </a:schemeClr>
+          </a:lnRef>
+          <a:fillRef idx="1">
+            <a:schemeClr val="accent1"/>
+          </a:fillRef>
+          <a:effectRef idx="0">
+            <a:schemeClr val="accent1"/>
+          </a:effectRef>
+          <a:fontRef idx="minor">
+            <a:schemeClr val="lt1"/>
+          </a:fontRef>
+        </p:style>
+        <p:txBody>
+          <a:bodyPr rtlCol="0" anchor="ctr"/>
+          <a:lstStyle/>
+          <a:p>
+            <a:pPr algn="ctr"/>
+            <a:r>
+              <a:rPr lang="tr-TR" dirty="0"/>
+              <a:t>Mathematical</a:t>
+            </a:r>
+          </a:p>
+        </p:txBody>
+      </p:sp>
+      <p:sp>
+        <p:nvSpPr>
+          <p:cNvPr id="15" name="Rectangle: Rounded Corners 14">
+            <a:extLst>
+              <a:ext uri="{FF2B5EF4-FFF2-40B4-BE49-F238E27FC236}">
+                <a16:creationId xmlns:a16="http://schemas.microsoft.com/office/drawing/2014/main" id="{4F5535EE-C56D-4B73-B0F7-E431EA0DF4DC}"/>
+              </a:ext>
+            </a:extLst>
+          </p:cNvPr>
+          <p:cNvSpPr/>
+          <p:nvPr/>
+        </p:nvSpPr>
+        <p:spPr>
+          <a:xfrm>
+            <a:off x="8719929" y="3324242"/>
+            <a:ext cx="1696278" cy="494904"/>
+          </a:xfrm>
+          <a:prstGeom prst="roundRect">
+            <a:avLst/>
+          </a:prstGeom>
+        </p:spPr>
+        <p:style>
+          <a:lnRef idx="2">
+            <a:schemeClr val="accent1">
+              <a:shade val="50000"/>
+            </a:schemeClr>
+          </a:lnRef>
+          <a:fillRef idx="1">
+            <a:schemeClr val="accent1"/>
+          </a:fillRef>
+          <a:effectRef idx="0">
+            <a:schemeClr val="accent1"/>
+          </a:effectRef>
+          <a:fontRef idx="minor">
+            <a:schemeClr val="lt1"/>
+          </a:fontRef>
+        </p:style>
+        <p:txBody>
+          <a:bodyPr rtlCol="0" anchor="ctr"/>
+          <a:lstStyle/>
+          <a:p>
+            <a:pPr algn="ctr"/>
+            <a:r>
+              <a:rPr lang="tr-TR" dirty="0"/>
+              <a:t>Geographical</a:t>
+            </a:r>
+          </a:p>
+        </p:txBody>
+      </p:sp>
+      <p:sp>
+        <p:nvSpPr>
+          <p:cNvPr id="16" name="Rectangle: Rounded Corners 15">
+            <a:extLst>
+              <a:ext uri="{FF2B5EF4-FFF2-40B4-BE49-F238E27FC236}">
+                <a16:creationId xmlns:a16="http://schemas.microsoft.com/office/drawing/2014/main" id="{521A6972-575C-4210-944D-97AD29F97D28}"/>
+              </a:ext>
+            </a:extLst>
+          </p:cNvPr>
+          <p:cNvSpPr/>
+          <p:nvPr/>
+        </p:nvSpPr>
+        <p:spPr>
+          <a:xfrm>
+            <a:off x="8719928" y="4070469"/>
+            <a:ext cx="1696278" cy="494904"/>
+          </a:xfrm>
+          <a:prstGeom prst="roundRect">
+            <a:avLst/>
+          </a:prstGeom>
+        </p:spPr>
+        <p:style>
+          <a:lnRef idx="2">
+            <a:schemeClr val="accent1">
+              <a:shade val="50000"/>
+            </a:schemeClr>
+          </a:lnRef>
+          <a:fillRef idx="1">
+            <a:schemeClr val="accent1"/>
+          </a:fillRef>
+          <a:effectRef idx="0">
+            <a:schemeClr val="accent1"/>
+          </a:effectRef>
+          <a:fontRef idx="minor">
+            <a:schemeClr val="lt1"/>
+          </a:fontRef>
+        </p:style>
+        <p:txBody>
+          <a:bodyPr rtlCol="0" anchor="ctr"/>
+          <a:lstStyle/>
+          <a:p>
+            <a:pPr algn="ctr"/>
+            <a:r>
+              <a:rPr lang="tr-TR" dirty="0"/>
+              <a:t>Statistical</a:t>
+            </a:r>
+          </a:p>
+        </p:txBody>
+      </p:sp>
+      <p:sp>
+        <p:nvSpPr>
+          <p:cNvPr id="4" name="Arrow: Striped Right 3">
+            <a:extLst>
+              <a:ext uri="{FF2B5EF4-FFF2-40B4-BE49-F238E27FC236}">
+                <a16:creationId xmlns:a16="http://schemas.microsoft.com/office/drawing/2014/main" id="{E0C61E2E-3D1E-47BA-9A7A-6ED4443C5E1E}"/>
+              </a:ext>
+            </a:extLst>
+          </p:cNvPr>
+          <p:cNvSpPr/>
+          <p:nvPr/>
+        </p:nvSpPr>
+        <p:spPr>
+          <a:xfrm>
+            <a:off x="6387548" y="1806175"/>
+            <a:ext cx="2034209" cy="674439"/>
+          </a:xfrm>
+          <a:prstGeom prst="stripedRightArrow">
+            <a:avLst/>
+          </a:prstGeom>
+          <a:solidFill>
+            <a:srgbClr val="00B050"/>
+          </a:solidFill>
+        </p:spPr>
+        <p:style>
+          <a:lnRef idx="2">
+            <a:schemeClr val="accent1">
+              <a:shade val="50000"/>
+            </a:schemeClr>
+          </a:lnRef>
+          <a:fillRef idx="1">
+            <a:schemeClr val="accent1"/>
+          </a:fillRef>
+          <a:effectRef idx="0">
+            <a:schemeClr val="accent1"/>
+          </a:effectRef>
+          <a:fontRef idx="minor">
+            <a:schemeClr val="lt1"/>
+          </a:fontRef>
+        </p:style>
+        <p:txBody>
+          <a:bodyPr rtlCol="0" anchor="ctr"/>
+          <a:lstStyle/>
+          <a:p>
+            <a:pPr algn="ctr"/>
+            <a:r>
+              <a:rPr lang="tr-TR" sz="2200" b="1" dirty="0"/>
+              <a:t>Elements</a:t>
+            </a:r>
+          </a:p>
+        </p:txBody>
+      </p:sp>
+      <p:sp>
+        <p:nvSpPr>
+          <p:cNvPr id="17" name="Arrow: Striped Right 16">
+            <a:extLst>
+              <a:ext uri="{FF2B5EF4-FFF2-40B4-BE49-F238E27FC236}">
+                <a16:creationId xmlns:a16="http://schemas.microsoft.com/office/drawing/2014/main" id="{5120B0F0-018F-4233-A1A1-9B7131ECD5AB}"/>
+              </a:ext>
+            </a:extLst>
+          </p:cNvPr>
+          <p:cNvSpPr/>
+          <p:nvPr/>
+        </p:nvSpPr>
+        <p:spPr>
+          <a:xfrm rot="5400000">
+            <a:off x="578002" y="2987461"/>
+            <a:ext cx="1224891" cy="622142"/>
+          </a:xfrm>
+          <a:prstGeom prst="stripedRightArrow">
+            <a:avLst/>
+          </a:prstGeom>
+          <a:solidFill>
+            <a:srgbClr val="00B050"/>
+          </a:solidFill>
+        </p:spPr>
+        <p:style>
+          <a:lnRef idx="2">
+            <a:schemeClr val="accent1">
+              <a:shade val="50000"/>
+            </a:schemeClr>
+          </a:lnRef>
+          <a:fillRef idx="1">
+            <a:schemeClr val="accent1"/>
+          </a:fillRef>
+          <a:effectRef idx="0">
+            <a:schemeClr val="accent1"/>
+          </a:effectRef>
+          <a:fontRef idx="minor">
+            <a:schemeClr val="lt1"/>
+          </a:fontRef>
+        </p:style>
+        <p:txBody>
+          <a:bodyPr rtlCol="0" anchor="ctr"/>
+          <a:lstStyle/>
+          <a:p>
+            <a:pPr algn="ctr"/>
+            <a:r>
+              <a:rPr lang="tr-TR" sz="1600" b="1" dirty="0"/>
+              <a:t>concerns</a:t>
+            </a:r>
+          </a:p>
+        </p:txBody>
+      </p:sp>
+      <p:sp>
+        <p:nvSpPr>
+          <p:cNvPr id="18" name="Arrow: Striped Right 17">
+            <a:extLst>
+              <a:ext uri="{FF2B5EF4-FFF2-40B4-BE49-F238E27FC236}">
+                <a16:creationId xmlns:a16="http://schemas.microsoft.com/office/drawing/2014/main" id="{45DF6050-5358-4811-8C41-752FD8885A67}"/>
+              </a:ext>
+            </a:extLst>
+          </p:cNvPr>
+          <p:cNvSpPr/>
+          <p:nvPr/>
+        </p:nvSpPr>
+        <p:spPr>
+          <a:xfrm rot="5400000">
+            <a:off x="2263630" y="3013171"/>
+            <a:ext cx="1224893" cy="622142"/>
+          </a:xfrm>
+          <a:prstGeom prst="stripedRightArrow">
+            <a:avLst/>
+          </a:prstGeom>
+          <a:noFill/>
+          <a:ln>
+            <a:prstDash val="sysDash"/>
+          </a:ln>
+        </p:spPr>
+        <p:style>
+          <a:lnRef idx="2">
+            <a:schemeClr val="accent1">
+              <a:shade val="50000"/>
+            </a:schemeClr>
+          </a:lnRef>
+          <a:fillRef idx="1">
+            <a:schemeClr val="accent1"/>
+          </a:fillRef>
+          <a:effectRef idx="0">
+            <a:schemeClr val="accent1"/>
+          </a:effectRef>
+          <a:fontRef idx="minor">
+            <a:schemeClr val="lt1"/>
+          </a:fontRef>
+        </p:style>
+        <p:txBody>
+          <a:bodyPr rtlCol="0" anchor="ctr"/>
+          <a:lstStyle/>
+          <a:p>
+            <a:pPr algn="ctr"/>
+            <a:r>
+              <a:rPr lang="tr-TR" sz="1600" b="1" dirty="0">
+                <a:solidFill>
+                  <a:schemeClr val="tx1"/>
+                </a:solidFill>
+              </a:rPr>
+              <a:t>consider</a:t>
+            </a:r>
+          </a:p>
+        </p:txBody>
+      </p:sp>
+      <p:sp>
+        <p:nvSpPr>
+          <p:cNvPr id="19" name="Rectangle: Rounded Corners 18">
+            <a:extLst>
+              <a:ext uri="{FF2B5EF4-FFF2-40B4-BE49-F238E27FC236}">
+                <a16:creationId xmlns:a16="http://schemas.microsoft.com/office/drawing/2014/main" id="{7EF33A17-41E5-4DAE-BBD3-CEFCD4A616A1}"/>
+              </a:ext>
+            </a:extLst>
+          </p:cNvPr>
+          <p:cNvSpPr/>
+          <p:nvPr/>
+        </p:nvSpPr>
+        <p:spPr>
+          <a:xfrm>
+            <a:off x="2385390" y="3975653"/>
+            <a:ext cx="1232453" cy="596349"/>
+          </a:xfrm>
+          <a:prstGeom prst="roundRect">
+            <a:avLst/>
+          </a:prstGeom>
+          <a:noFill/>
+          <a:ln>
+            <a:prstDash val="sysDash"/>
+          </a:ln>
+        </p:spPr>
+        <p:style>
+          <a:lnRef idx="2">
+            <a:schemeClr val="accent1">
+              <a:shade val="50000"/>
+            </a:schemeClr>
+          </a:lnRef>
+          <a:fillRef idx="1">
+            <a:schemeClr val="accent1"/>
+          </a:fillRef>
+          <a:effectRef idx="0">
+            <a:schemeClr val="accent1"/>
+          </a:effectRef>
+          <a:fontRef idx="minor">
+            <a:schemeClr val="lt1"/>
+          </a:fontRef>
+        </p:style>
+        <p:txBody>
+          <a:bodyPr rtlCol="0" anchor="ctr"/>
+          <a:lstStyle/>
+          <a:p>
+            <a:pPr algn="ctr"/>
+            <a:r>
+              <a:rPr lang="tr-TR" sz="1600" b="1" dirty="0">
+                <a:solidFill>
+                  <a:schemeClr val="tx1"/>
+                </a:solidFill>
+              </a:rPr>
+              <a:t>Fighting</a:t>
+            </a:r>
+          </a:p>
+          <a:p>
+            <a:pPr algn="ctr"/>
+            <a:r>
+              <a:rPr lang="tr-TR" sz="1600" b="1" dirty="0">
+                <a:solidFill>
+                  <a:schemeClr val="tx1"/>
+                </a:solidFill>
+              </a:rPr>
+              <a:t>forces</a:t>
+            </a:r>
+          </a:p>
+        </p:txBody>
+      </p:sp>
+      <p:sp>
+        <p:nvSpPr>
+          <p:cNvPr id="3" name="TextBox 2">
+            <a:extLst>
+              <a:ext uri="{FF2B5EF4-FFF2-40B4-BE49-F238E27FC236}">
+                <a16:creationId xmlns:a16="http://schemas.microsoft.com/office/drawing/2014/main" id="{B435A301-CD7D-46F0-9B00-6A0B8BD86418}"/>
+              </a:ext>
+            </a:extLst>
+          </p:cNvPr>
+          <p:cNvSpPr txBox="1"/>
+          <p:nvPr/>
+        </p:nvSpPr>
+        <p:spPr>
+          <a:xfrm>
+            <a:off x="2385390" y="4610966"/>
+            <a:ext cx="1967975" cy="276999"/>
+          </a:xfrm>
+          <a:prstGeom prst="rect">
+            <a:avLst/>
+          </a:prstGeom>
+          <a:noFill/>
+        </p:spPr>
+        <p:txBody>
+          <a:bodyPr wrap="none" rtlCol="0">
+            <a:spAutoFit/>
+          </a:bodyPr>
+          <a:lstStyle/>
+          <a:p>
+            <a:r>
+              <a:rPr lang="tr-TR" sz="1200" b="1" dirty="0"/>
+              <a:t>Its chief means of execution</a:t>
+            </a:r>
+          </a:p>
+        </p:txBody>
+      </p:sp>
+      <p:sp>
+        <p:nvSpPr>
+          <p:cNvPr id="5" name="Arrow: Curved Left 4">
+            <a:extLst>
+              <a:ext uri="{FF2B5EF4-FFF2-40B4-BE49-F238E27FC236}">
+                <a16:creationId xmlns:a16="http://schemas.microsoft.com/office/drawing/2014/main" id="{954F6C03-4986-4BC6-BF23-B95F5D317CBD}"/>
+              </a:ext>
+            </a:extLst>
+          </p:cNvPr>
+          <p:cNvSpPr/>
+          <p:nvPr/>
+        </p:nvSpPr>
+        <p:spPr>
+          <a:xfrm rot="5400000" flipH="1">
+            <a:off x="1852481" y="3130112"/>
+            <a:ext cx="444328" cy="1216152"/>
+          </a:xfrm>
+          <a:prstGeom prst="curvedLeftArrow">
+            <a:avLst/>
+          </a:prstGeom>
+        </p:spPr>
+        <p:style>
+          <a:lnRef idx="2">
+            <a:schemeClr val="accent1">
+              <a:shade val="50000"/>
+            </a:schemeClr>
+          </a:lnRef>
+          <a:fillRef idx="1">
+            <a:schemeClr val="accent1"/>
+          </a:fillRef>
+          <a:effectRef idx="0">
+            <a:schemeClr val="accent1"/>
+          </a:effectRef>
+          <a:fontRef idx="minor">
+            <a:schemeClr val="lt1"/>
+          </a:fontRef>
+        </p:style>
+        <p:txBody>
+          <a:bodyPr rtlCol="0" anchor="ctr"/>
+          <a:lstStyle/>
+          <a:p>
+            <a:pPr algn="ctr"/>
+            <a:endParaRPr lang="tr-TR" dirty="0">
+              <a:solidFill>
+                <a:schemeClr val="tx1"/>
+              </a:solidFill>
+            </a:endParaRPr>
+          </a:p>
+        </p:txBody>
+      </p:sp>
+      <p:sp>
+        <p:nvSpPr>
+          <p:cNvPr id="6" name="TextBox 5">
+            <a:extLst>
+              <a:ext uri="{FF2B5EF4-FFF2-40B4-BE49-F238E27FC236}">
+                <a16:creationId xmlns:a16="http://schemas.microsoft.com/office/drawing/2014/main" id="{3B28ACE0-3883-4E0F-A64B-79EA85C38EC5}"/>
+              </a:ext>
+            </a:extLst>
+          </p:cNvPr>
+          <p:cNvSpPr txBox="1"/>
+          <p:nvPr/>
+        </p:nvSpPr>
+        <p:spPr>
+          <a:xfrm>
+            <a:off x="1775793" y="3136948"/>
+            <a:ext cx="843501" cy="369332"/>
+          </a:xfrm>
+          <a:prstGeom prst="rect">
+            <a:avLst/>
+          </a:prstGeom>
+          <a:noFill/>
+        </p:spPr>
+        <p:txBody>
+          <a:bodyPr wrap="none" rtlCol="0">
+            <a:spAutoFit/>
+          </a:bodyPr>
+          <a:lstStyle/>
+          <a:p>
+            <a:r>
+              <a:rPr lang="tr-TR" b="1" dirty="0"/>
+              <a:t>shapes</a:t>
+            </a:r>
+          </a:p>
+        </p:txBody>
+      </p:sp>
+      <p:sp>
+        <p:nvSpPr>
+          <p:cNvPr id="22" name="TextBox 21">
+            <a:extLst>
+              <a:ext uri="{FF2B5EF4-FFF2-40B4-BE49-F238E27FC236}">
+                <a16:creationId xmlns:a16="http://schemas.microsoft.com/office/drawing/2014/main" id="{CBEE1826-3D5D-480D-9750-7AED1D7E93F3}"/>
+              </a:ext>
+            </a:extLst>
+          </p:cNvPr>
+          <p:cNvSpPr txBox="1"/>
+          <p:nvPr/>
+        </p:nvSpPr>
+        <p:spPr>
+          <a:xfrm>
+            <a:off x="453888" y="4565373"/>
+            <a:ext cx="1203150" cy="276999"/>
+          </a:xfrm>
+          <a:prstGeom prst="rect">
+            <a:avLst/>
+          </a:prstGeom>
+          <a:noFill/>
+        </p:spPr>
+        <p:txBody>
+          <a:bodyPr wrap="none" rtlCol="0">
+            <a:spAutoFit/>
+          </a:bodyPr>
+          <a:lstStyle>
+            <a:defPPr>
+              <a:defRPr lang="tr-TR"/>
+            </a:defPPr>
+            <a:lvl1pPr>
+              <a:defRPr sz="1200" b="1"/>
+            </a:lvl1pPr>
+          </a:lstStyle>
+          <a:p>
+            <a:r>
+              <a:rPr lang="tr-TR" dirty="0"/>
+              <a:t>Possible results </a:t>
+            </a:r>
+          </a:p>
+        </p:txBody>
+      </p:sp>
+      <p:sp>
+        <p:nvSpPr>
+          <p:cNvPr id="23" name="Rectangle: Rounded Corners 22">
+            <a:extLst>
+              <a:ext uri="{FF2B5EF4-FFF2-40B4-BE49-F238E27FC236}">
+                <a16:creationId xmlns:a16="http://schemas.microsoft.com/office/drawing/2014/main" id="{B4DD9227-E79C-4A0B-9F4F-8E39BD6E0DE9}"/>
+              </a:ext>
+            </a:extLst>
+          </p:cNvPr>
+          <p:cNvSpPr/>
+          <p:nvPr/>
+        </p:nvSpPr>
+        <p:spPr>
+          <a:xfrm>
+            <a:off x="2444180" y="5016420"/>
+            <a:ext cx="1478463" cy="909825"/>
+          </a:xfrm>
+          <a:prstGeom prst="roundRect">
+            <a:avLst/>
+          </a:prstGeom>
+          <a:noFill/>
+          <a:ln>
+            <a:prstDash val="sysDash"/>
+          </a:ln>
+        </p:spPr>
+        <p:style>
+          <a:lnRef idx="2">
+            <a:schemeClr val="accent1">
+              <a:shade val="50000"/>
+            </a:schemeClr>
+          </a:lnRef>
+          <a:fillRef idx="1">
+            <a:schemeClr val="accent1"/>
+          </a:fillRef>
+          <a:effectRef idx="0">
+            <a:schemeClr val="accent1"/>
+          </a:effectRef>
+          <a:fontRef idx="minor">
+            <a:schemeClr val="lt1"/>
+          </a:fontRef>
+        </p:style>
+        <p:txBody>
+          <a:bodyPr rtlCol="0" anchor="ctr"/>
+          <a:lstStyle/>
+          <a:p>
+            <a:pPr algn="ctr"/>
+            <a:r>
+              <a:rPr lang="tr-TR" sz="1600" b="1" dirty="0">
+                <a:solidFill>
+                  <a:schemeClr val="tx1"/>
+                </a:solidFill>
+              </a:rPr>
+              <a:t>Moral and psychological forces</a:t>
+            </a:r>
+          </a:p>
+        </p:txBody>
+      </p:sp>
+      <p:sp>
+        <p:nvSpPr>
+          <p:cNvPr id="24" name="Rectangle: Rounded Corners 23">
+            <a:extLst>
+              <a:ext uri="{FF2B5EF4-FFF2-40B4-BE49-F238E27FC236}">
+                <a16:creationId xmlns:a16="http://schemas.microsoft.com/office/drawing/2014/main" id="{E2111A55-0E53-4E7C-9B82-8A383A59596C}"/>
+              </a:ext>
+            </a:extLst>
+          </p:cNvPr>
+          <p:cNvSpPr/>
+          <p:nvPr/>
+        </p:nvSpPr>
+        <p:spPr>
+          <a:xfrm>
+            <a:off x="2377150" y="5926245"/>
+            <a:ext cx="2292129" cy="306467"/>
+          </a:xfrm>
+          <a:prstGeom prst="roundRect">
+            <a:avLst/>
+          </a:prstGeom>
+          <a:noFill/>
+        </p:spPr>
+        <p:txBody>
+          <a:bodyPr wrap="none" rtlCol="0">
+            <a:spAutoFit/>
+          </a:bodyPr>
+          <a:lstStyle/>
+          <a:p>
+            <a:r>
+              <a:rPr lang="tr-TR" sz="1200" b="1" dirty="0"/>
+              <a:t>D</a:t>
+            </a:r>
+            <a:r>
+              <a:rPr lang="tr-TR" sz="1200" b="1" dirty="0">
+                <a:solidFill>
+                  <a:schemeClr val="tx1"/>
+                </a:solidFill>
+              </a:rPr>
+              <a:t>etermines engagements course</a:t>
+            </a:r>
+          </a:p>
+        </p:txBody>
+      </p:sp>
+    </p:spTree>
+    <p:extLst>
+      <p:ext uri="{BB962C8B-B14F-4D97-AF65-F5344CB8AC3E}">
+        <p14:creationId xmlns:p14="http://schemas.microsoft.com/office/powerpoint/2010/main" val="3188091888"/>
+      </p:ext>
+    </p:extLst>
+  </p:cSld>
+  <p:clrMapOvr>
+    <a:masterClrMapping/>
+  </p:clrMapOvr>
+</p:sld>
+</file>
+
+<file path=ppt/slides/slide8.xml><?xml version="1.0" encoding="utf-8"?>
+<p:sld xmlns:a="http://schemas.openxmlformats.org/drawingml/2006/main" xmlns:r="http://schemas.openxmlformats.org/officeDocument/2006/relationships" xmlns:p="http://schemas.openxmlformats.org/presentationml/2006/main">
+  <p:cSld>
+    <p:spTree>
+      <p:nvGrpSpPr>
+        <p:cNvPr id="1" name=""/>
+        <p:cNvGrpSpPr/>
+        <p:nvPr/>
+      </p:nvGrpSpPr>
+      <p:grpSpPr>
+        <a:xfrm>
+          <a:off x="0" y="0"/>
+          <a:ext cx="0" cy="0"/>
+          <a:chOff x="0" y="0"/>
+          <a:chExt cx="0" cy="0"/>
+        </a:xfrm>
+      </p:grpSpPr>
+      <p:sp>
+        <p:nvSpPr>
+          <p:cNvPr id="2" name="Title 1">
+            <a:extLst>
+              <a:ext uri="{FF2B5EF4-FFF2-40B4-BE49-F238E27FC236}">
+                <a16:creationId xmlns:a16="http://schemas.microsoft.com/office/drawing/2014/main" id="{3227B6C9-CD07-4D77-98AD-C426105A3DA3}"/>
+              </a:ext>
+            </a:extLst>
+          </p:cNvPr>
+          <p:cNvSpPr>
+            <a:spLocks noGrp="1"/>
+          </p:cNvSpPr>
+          <p:nvPr>
+            <p:ph type="title"/>
+          </p:nvPr>
+        </p:nvSpPr>
+        <p:spPr>
+          <a:xfrm>
+            <a:off x="745435" y="224907"/>
+            <a:ext cx="10515600" cy="912260"/>
+          </a:xfrm>
+        </p:spPr>
+        <p:txBody>
+          <a:bodyPr>
+            <a:normAutofit/>
+          </a:bodyPr>
+          <a:lstStyle/>
+          <a:p>
+            <a:endParaRPr lang="tr-TR" sz="3600" b="1" dirty="0"/>
+          </a:p>
+        </p:txBody>
+      </p:sp>
+      <p:sp>
+        <p:nvSpPr>
+          <p:cNvPr id="9" name="Rectangle: Rounded Corners 8">
+            <a:extLst>
+              <a:ext uri="{FF2B5EF4-FFF2-40B4-BE49-F238E27FC236}">
+                <a16:creationId xmlns:a16="http://schemas.microsoft.com/office/drawing/2014/main" id="{7CF7EA50-7225-4976-8FF9-56951DC2DD79}"/>
+              </a:ext>
+            </a:extLst>
+          </p:cNvPr>
+          <p:cNvSpPr/>
+          <p:nvPr/>
+        </p:nvSpPr>
+        <p:spPr>
+          <a:xfrm>
+            <a:off x="3717236" y="1240663"/>
+            <a:ext cx="5261114" cy="914400"/>
+          </a:xfrm>
+          <a:prstGeom prst="roundRect">
+            <a:avLst/>
+          </a:prstGeom>
+          <a:solidFill>
+            <a:schemeClr val="accent1">
+              <a:lumMod val="40000"/>
+              <a:lumOff val="60000"/>
+            </a:schemeClr>
+          </a:solidFill>
+        </p:spPr>
+        <p:style>
+          <a:lnRef idx="2">
+            <a:schemeClr val="accent1">
+              <a:shade val="50000"/>
+            </a:schemeClr>
+          </a:lnRef>
+          <a:fillRef idx="1">
+            <a:schemeClr val="accent1"/>
+          </a:fillRef>
+          <a:effectRef idx="0">
+            <a:schemeClr val="accent1"/>
+          </a:effectRef>
+          <a:fontRef idx="minor">
+            <a:schemeClr val="lt1"/>
+          </a:fontRef>
+        </p:style>
+        <p:txBody>
+          <a:bodyPr rtlCol="0" anchor="ctr"/>
+          <a:lstStyle/>
+          <a:p>
+            <a:pPr algn="ctr"/>
+            <a:r>
+              <a:rPr lang="tr-TR" dirty="0">
+                <a:solidFill>
+                  <a:schemeClr val="tx1"/>
+                </a:solidFill>
+              </a:rPr>
+              <a:t>U</a:t>
+            </a:r>
+            <a:r>
+              <a:rPr lang="en-US" dirty="0">
+                <a:solidFill>
+                  <a:schemeClr val="tx1"/>
+                </a:solidFill>
+              </a:rPr>
+              <a:t>s</a:t>
+            </a:r>
+            <a:r>
+              <a:rPr lang="tr-TR" dirty="0">
+                <a:solidFill>
+                  <a:schemeClr val="tx1"/>
+                </a:solidFill>
+              </a:rPr>
+              <a:t>e of </a:t>
+            </a:r>
+            <a:r>
+              <a:rPr lang="en-US" dirty="0">
+                <a:solidFill>
+                  <a:schemeClr val="tx1"/>
+                </a:solidFill>
+              </a:rPr>
+              <a:t>engagement for the</a:t>
+            </a:r>
+            <a:r>
+              <a:rPr lang="tr-TR" dirty="0">
+                <a:solidFill>
+                  <a:schemeClr val="tx1"/>
+                </a:solidFill>
+              </a:rPr>
+              <a:t> </a:t>
+            </a:r>
+            <a:r>
+              <a:rPr lang="en-US" dirty="0">
+                <a:solidFill>
+                  <a:schemeClr val="tx1"/>
+                </a:solidFill>
+                <a:highlight>
+                  <a:srgbClr val="FFFF00"/>
+                </a:highlight>
+              </a:rPr>
+              <a:t>purpose</a:t>
+            </a:r>
+            <a:r>
+              <a:rPr lang="tr-TR" dirty="0">
+                <a:solidFill>
+                  <a:schemeClr val="tx1"/>
+                </a:solidFill>
+              </a:rPr>
+              <a:t> of the war</a:t>
+            </a:r>
+            <a:r>
+              <a:rPr lang="en-US" dirty="0">
+                <a:solidFill>
+                  <a:schemeClr val="tx1"/>
+                </a:solidFill>
+              </a:rPr>
+              <a:t>.</a:t>
+            </a:r>
+            <a:endParaRPr lang="tr-TR" dirty="0">
+              <a:solidFill>
+                <a:schemeClr val="tx1"/>
+              </a:solidFill>
+            </a:endParaRPr>
+          </a:p>
+        </p:txBody>
+      </p:sp>
+      <p:sp>
+        <p:nvSpPr>
+          <p:cNvPr id="10" name="Rectangle: Rounded Corners 9">
+            <a:extLst>
+              <a:ext uri="{FF2B5EF4-FFF2-40B4-BE49-F238E27FC236}">
+                <a16:creationId xmlns:a16="http://schemas.microsoft.com/office/drawing/2014/main" id="{D98744F7-CB5A-46BA-9CC1-08FBE421145B}"/>
+              </a:ext>
+            </a:extLst>
+          </p:cNvPr>
+          <p:cNvSpPr/>
+          <p:nvPr/>
+        </p:nvSpPr>
+        <p:spPr>
+          <a:xfrm>
+            <a:off x="695739" y="1256436"/>
+            <a:ext cx="2464905" cy="914400"/>
+          </a:xfrm>
+          <a:prstGeom prst="roundRect">
+            <a:avLst/>
+          </a:prstGeom>
+        </p:spPr>
+        <p:style>
+          <a:lnRef idx="2">
+            <a:schemeClr val="accent1">
+              <a:shade val="50000"/>
+            </a:schemeClr>
+          </a:lnRef>
+          <a:fillRef idx="1">
+            <a:schemeClr val="accent1"/>
+          </a:fillRef>
+          <a:effectRef idx="0">
+            <a:schemeClr val="accent1"/>
+          </a:effectRef>
+          <a:fontRef idx="minor">
+            <a:schemeClr val="lt1"/>
+          </a:fontRef>
+        </p:style>
+        <p:txBody>
+          <a:bodyPr rtlCol="0" anchor="ctr"/>
+          <a:lstStyle/>
+          <a:p>
+            <a:pPr algn="ctr"/>
+            <a:r>
+              <a:rPr lang="en-US" sz="2400" dirty="0"/>
+              <a:t>Strategy</a:t>
+            </a:r>
+            <a:endParaRPr lang="tr-TR" sz="2400" dirty="0"/>
+          </a:p>
+        </p:txBody>
+      </p:sp>
+      <p:sp>
+        <p:nvSpPr>
+          <p:cNvPr id="11" name="Rectangle: Rounded Corners 10">
+            <a:extLst>
+              <a:ext uri="{FF2B5EF4-FFF2-40B4-BE49-F238E27FC236}">
+                <a16:creationId xmlns:a16="http://schemas.microsoft.com/office/drawing/2014/main" id="{258AD6A0-0CC8-4CBD-88C5-93A84BD7E8C3}"/>
+              </a:ext>
+            </a:extLst>
+          </p:cNvPr>
+          <p:cNvSpPr/>
+          <p:nvPr/>
+        </p:nvSpPr>
+        <p:spPr>
+          <a:xfrm>
+            <a:off x="427384" y="3525080"/>
+            <a:ext cx="1573695" cy="596349"/>
+          </a:xfrm>
+          <a:prstGeom prst="roundRect">
+            <a:avLst/>
+          </a:prstGeom>
+          <a:solidFill>
+            <a:schemeClr val="accent2">
+              <a:lumMod val="40000"/>
+              <a:lumOff val="60000"/>
+            </a:schemeClr>
+          </a:solidFill>
+          <a:ln>
+            <a:solidFill>
+              <a:schemeClr val="tx1"/>
+            </a:solidFill>
+          </a:ln>
+        </p:spPr>
+        <p:style>
+          <a:lnRef idx="2">
+            <a:schemeClr val="accent1">
+              <a:shade val="50000"/>
+            </a:schemeClr>
+          </a:lnRef>
+          <a:fillRef idx="1">
+            <a:schemeClr val="accent1"/>
+          </a:fillRef>
+          <a:effectRef idx="0">
+            <a:schemeClr val="accent1"/>
+          </a:effectRef>
+          <a:fontRef idx="minor">
+            <a:schemeClr val="lt1"/>
+          </a:fontRef>
+        </p:style>
+        <p:txBody>
+          <a:bodyPr rtlCol="0" anchor="ctr"/>
+          <a:lstStyle/>
+          <a:p>
+            <a:pPr algn="ctr"/>
+            <a:r>
+              <a:rPr lang="tr-TR" b="1" dirty="0">
+                <a:solidFill>
+                  <a:schemeClr val="tx1"/>
+                </a:solidFill>
+              </a:rPr>
+              <a:t>Engagements</a:t>
+            </a:r>
+          </a:p>
+        </p:txBody>
+      </p:sp>
+      <p:sp>
+        <p:nvSpPr>
+          <p:cNvPr id="17" name="Arrow: Striped Right 16">
+            <a:extLst>
+              <a:ext uri="{FF2B5EF4-FFF2-40B4-BE49-F238E27FC236}">
+                <a16:creationId xmlns:a16="http://schemas.microsoft.com/office/drawing/2014/main" id="{5120B0F0-018F-4233-A1A1-9B7131ECD5AB}"/>
+              </a:ext>
+            </a:extLst>
+          </p:cNvPr>
+          <p:cNvSpPr/>
+          <p:nvPr/>
+        </p:nvSpPr>
+        <p:spPr>
+          <a:xfrm rot="5400000">
+            <a:off x="551498" y="2536887"/>
+            <a:ext cx="1224891" cy="622142"/>
+          </a:xfrm>
+          <a:prstGeom prst="stripedRightArrow">
+            <a:avLst/>
+          </a:prstGeom>
+          <a:solidFill>
+            <a:srgbClr val="00B050"/>
+          </a:solidFill>
+        </p:spPr>
+        <p:style>
+          <a:lnRef idx="2">
+            <a:schemeClr val="accent1">
+              <a:shade val="50000"/>
+            </a:schemeClr>
+          </a:lnRef>
+          <a:fillRef idx="1">
+            <a:schemeClr val="accent1"/>
+          </a:fillRef>
+          <a:effectRef idx="0">
+            <a:schemeClr val="accent1"/>
+          </a:effectRef>
+          <a:fontRef idx="minor">
+            <a:schemeClr val="lt1"/>
+          </a:fontRef>
+        </p:style>
+        <p:txBody>
+          <a:bodyPr rtlCol="0" anchor="ctr"/>
+          <a:lstStyle/>
+          <a:p>
+            <a:pPr algn="ctr"/>
+            <a:r>
+              <a:rPr lang="tr-TR" sz="1600" b="1" dirty="0"/>
+              <a:t>concerns</a:t>
+            </a:r>
+          </a:p>
+        </p:txBody>
+      </p:sp>
+      <p:sp>
+        <p:nvSpPr>
+          <p:cNvPr id="18" name="Arrow: Striped Right 17">
+            <a:extLst>
+              <a:ext uri="{FF2B5EF4-FFF2-40B4-BE49-F238E27FC236}">
+                <a16:creationId xmlns:a16="http://schemas.microsoft.com/office/drawing/2014/main" id="{45DF6050-5358-4811-8C41-752FD8885A67}"/>
+              </a:ext>
+            </a:extLst>
+          </p:cNvPr>
+          <p:cNvSpPr/>
+          <p:nvPr/>
+        </p:nvSpPr>
+        <p:spPr>
+          <a:xfrm rot="5400000">
+            <a:off x="2237126" y="2562597"/>
+            <a:ext cx="1224893" cy="622142"/>
+          </a:xfrm>
+          <a:prstGeom prst="stripedRightArrow">
+            <a:avLst/>
+          </a:prstGeom>
+          <a:noFill/>
+          <a:ln>
+            <a:prstDash val="sysDash"/>
+          </a:ln>
+        </p:spPr>
+        <p:style>
+          <a:lnRef idx="2">
+            <a:schemeClr val="accent1">
+              <a:shade val="50000"/>
+            </a:schemeClr>
+          </a:lnRef>
+          <a:fillRef idx="1">
+            <a:schemeClr val="accent1"/>
+          </a:fillRef>
+          <a:effectRef idx="0">
+            <a:schemeClr val="accent1"/>
+          </a:effectRef>
+          <a:fontRef idx="minor">
+            <a:schemeClr val="lt1"/>
+          </a:fontRef>
+        </p:style>
+        <p:txBody>
+          <a:bodyPr rtlCol="0" anchor="ctr"/>
+          <a:lstStyle/>
+          <a:p>
+            <a:pPr algn="ctr"/>
+            <a:r>
+              <a:rPr lang="tr-TR" sz="1600" b="1" dirty="0">
+                <a:solidFill>
+                  <a:schemeClr val="tx1"/>
+                </a:solidFill>
+              </a:rPr>
+              <a:t>consider</a:t>
+            </a:r>
+          </a:p>
+        </p:txBody>
+      </p:sp>
+      <p:sp>
+        <p:nvSpPr>
+          <p:cNvPr id="19" name="Rectangle: Rounded Corners 18">
+            <a:extLst>
+              <a:ext uri="{FF2B5EF4-FFF2-40B4-BE49-F238E27FC236}">
+                <a16:creationId xmlns:a16="http://schemas.microsoft.com/office/drawing/2014/main" id="{7EF33A17-41E5-4DAE-BBD3-CEFCD4A616A1}"/>
+              </a:ext>
+            </a:extLst>
+          </p:cNvPr>
+          <p:cNvSpPr/>
+          <p:nvPr/>
+        </p:nvSpPr>
+        <p:spPr>
+          <a:xfrm>
+            <a:off x="2358886" y="3525079"/>
+            <a:ext cx="1232453" cy="596349"/>
+          </a:xfrm>
+          <a:prstGeom prst="roundRect">
+            <a:avLst/>
+          </a:prstGeom>
+          <a:noFill/>
+          <a:ln>
+            <a:prstDash val="sysDash"/>
+          </a:ln>
+        </p:spPr>
+        <p:style>
+          <a:lnRef idx="2">
+            <a:schemeClr val="accent1">
+              <a:shade val="50000"/>
+            </a:schemeClr>
+          </a:lnRef>
+          <a:fillRef idx="1">
+            <a:schemeClr val="accent1"/>
+          </a:fillRef>
+          <a:effectRef idx="0">
+            <a:schemeClr val="accent1"/>
+          </a:effectRef>
+          <a:fontRef idx="minor">
+            <a:schemeClr val="lt1"/>
+          </a:fontRef>
+        </p:style>
+        <p:txBody>
+          <a:bodyPr rtlCol="0" anchor="ctr"/>
+          <a:lstStyle/>
+          <a:p>
+            <a:pPr algn="ctr"/>
+            <a:r>
+              <a:rPr lang="tr-TR" sz="1600" b="1" dirty="0">
+                <a:solidFill>
+                  <a:schemeClr val="tx1"/>
+                </a:solidFill>
+              </a:rPr>
+              <a:t>Fighting</a:t>
+            </a:r>
+          </a:p>
+          <a:p>
+            <a:pPr algn="ctr"/>
+            <a:r>
+              <a:rPr lang="tr-TR" sz="1600" b="1" dirty="0">
+                <a:solidFill>
+                  <a:schemeClr val="tx1"/>
+                </a:solidFill>
+              </a:rPr>
+              <a:t>forces</a:t>
+            </a:r>
+          </a:p>
+        </p:txBody>
+      </p:sp>
+      <p:sp>
+        <p:nvSpPr>
+          <p:cNvPr id="3" name="TextBox 2">
+            <a:extLst>
+              <a:ext uri="{FF2B5EF4-FFF2-40B4-BE49-F238E27FC236}">
+                <a16:creationId xmlns:a16="http://schemas.microsoft.com/office/drawing/2014/main" id="{B435A301-CD7D-46F0-9B00-6A0B8BD86418}"/>
+              </a:ext>
+            </a:extLst>
+          </p:cNvPr>
+          <p:cNvSpPr txBox="1"/>
+          <p:nvPr/>
+        </p:nvSpPr>
+        <p:spPr>
+          <a:xfrm>
+            <a:off x="8957735" y="3629201"/>
+            <a:ext cx="4148700" cy="830997"/>
+          </a:xfrm>
+          <a:prstGeom prst="rect">
+            <a:avLst/>
+          </a:prstGeom>
+          <a:noFill/>
+        </p:spPr>
+        <p:txBody>
+          <a:bodyPr wrap="none" rtlCol="0">
+            <a:spAutoFit/>
+          </a:bodyPr>
+          <a:lstStyle/>
+          <a:p>
+            <a:r>
+              <a:rPr lang="tr-TR" sz="1200" b="1" dirty="0"/>
+              <a:t>Plan the war</a:t>
+            </a:r>
+          </a:p>
+          <a:p>
+            <a:r>
+              <a:rPr lang="tr-TR" sz="1200" b="1" dirty="0"/>
+              <a:t>Aim will determine the series of actions intended to achieve it</a:t>
+            </a:r>
+          </a:p>
+          <a:p>
+            <a:r>
+              <a:rPr lang="tr-TR" sz="1200" b="1" dirty="0"/>
+              <a:t>Shape the individual campaigns</a:t>
+            </a:r>
+          </a:p>
+          <a:p>
+            <a:r>
+              <a:rPr lang="tr-TR" sz="1200" b="1" dirty="0"/>
+              <a:t>Within campaign, decide on the individual engagements</a:t>
+            </a:r>
+          </a:p>
+        </p:txBody>
+      </p:sp>
+      <p:sp>
+        <p:nvSpPr>
+          <p:cNvPr id="5" name="Arrow: Curved Left 4">
+            <a:extLst>
+              <a:ext uri="{FF2B5EF4-FFF2-40B4-BE49-F238E27FC236}">
+                <a16:creationId xmlns:a16="http://schemas.microsoft.com/office/drawing/2014/main" id="{954F6C03-4986-4BC6-BF23-B95F5D317CBD}"/>
+              </a:ext>
+            </a:extLst>
+          </p:cNvPr>
+          <p:cNvSpPr/>
+          <p:nvPr/>
+        </p:nvSpPr>
+        <p:spPr>
+          <a:xfrm rot="5400000" flipH="1">
+            <a:off x="1825977" y="2679538"/>
+            <a:ext cx="444328" cy="1216152"/>
+          </a:xfrm>
+          <a:prstGeom prst="curvedLeftArrow">
+            <a:avLst/>
+          </a:prstGeom>
+        </p:spPr>
+        <p:style>
+          <a:lnRef idx="2">
+            <a:schemeClr val="accent1">
+              <a:shade val="50000"/>
+            </a:schemeClr>
+          </a:lnRef>
+          <a:fillRef idx="1">
+            <a:schemeClr val="accent1"/>
+          </a:fillRef>
+          <a:effectRef idx="0">
+            <a:schemeClr val="accent1"/>
+          </a:effectRef>
+          <a:fontRef idx="minor">
+            <a:schemeClr val="lt1"/>
+          </a:fontRef>
+        </p:style>
+        <p:txBody>
+          <a:bodyPr rtlCol="0" anchor="ctr"/>
+          <a:lstStyle/>
+          <a:p>
+            <a:pPr algn="ctr"/>
+            <a:endParaRPr lang="tr-TR" dirty="0">
+              <a:solidFill>
+                <a:schemeClr val="tx1"/>
+              </a:solidFill>
+            </a:endParaRPr>
+          </a:p>
+        </p:txBody>
+      </p:sp>
+      <p:sp>
+        <p:nvSpPr>
+          <p:cNvPr id="6" name="TextBox 5">
+            <a:extLst>
+              <a:ext uri="{FF2B5EF4-FFF2-40B4-BE49-F238E27FC236}">
+                <a16:creationId xmlns:a16="http://schemas.microsoft.com/office/drawing/2014/main" id="{3B28ACE0-3883-4E0F-A64B-79EA85C38EC5}"/>
+              </a:ext>
+            </a:extLst>
+          </p:cNvPr>
+          <p:cNvSpPr txBox="1"/>
+          <p:nvPr/>
+        </p:nvSpPr>
+        <p:spPr>
+          <a:xfrm>
+            <a:off x="1749289" y="2686374"/>
+            <a:ext cx="843501" cy="369332"/>
+          </a:xfrm>
+          <a:prstGeom prst="rect">
+            <a:avLst/>
+          </a:prstGeom>
+          <a:noFill/>
+        </p:spPr>
+        <p:txBody>
+          <a:bodyPr wrap="none" rtlCol="0">
+            <a:spAutoFit/>
+          </a:bodyPr>
+          <a:lstStyle/>
+          <a:p>
+            <a:r>
+              <a:rPr lang="tr-TR" b="1" dirty="0"/>
+              <a:t>shapes</a:t>
+            </a:r>
+          </a:p>
+        </p:txBody>
+      </p:sp>
+      <p:sp>
+        <p:nvSpPr>
+          <p:cNvPr id="22" name="TextBox 21">
+            <a:extLst>
+              <a:ext uri="{FF2B5EF4-FFF2-40B4-BE49-F238E27FC236}">
+                <a16:creationId xmlns:a16="http://schemas.microsoft.com/office/drawing/2014/main" id="{CBEE1826-3D5D-480D-9750-7AED1D7E93F3}"/>
+              </a:ext>
+            </a:extLst>
+          </p:cNvPr>
+          <p:cNvSpPr txBox="1"/>
+          <p:nvPr/>
+        </p:nvSpPr>
+        <p:spPr>
+          <a:xfrm>
+            <a:off x="427384" y="4114799"/>
+            <a:ext cx="1203150" cy="276999"/>
+          </a:xfrm>
+          <a:prstGeom prst="rect">
+            <a:avLst/>
+          </a:prstGeom>
+          <a:noFill/>
+        </p:spPr>
+        <p:txBody>
+          <a:bodyPr wrap="none" rtlCol="0">
+            <a:spAutoFit/>
+          </a:bodyPr>
+          <a:lstStyle>
+            <a:defPPr>
+              <a:defRPr lang="tr-TR"/>
+            </a:defPPr>
+            <a:lvl1pPr>
+              <a:defRPr sz="1200" b="1"/>
+            </a:lvl1pPr>
+          </a:lstStyle>
+          <a:p>
+            <a:r>
+              <a:rPr lang="tr-TR" dirty="0"/>
+              <a:t>Possible results </a:t>
+            </a:r>
+          </a:p>
+        </p:txBody>
+      </p:sp>
+      <p:sp>
+        <p:nvSpPr>
+          <p:cNvPr id="23" name="Rectangle: Rounded Corners 22">
+            <a:extLst>
+              <a:ext uri="{FF2B5EF4-FFF2-40B4-BE49-F238E27FC236}">
+                <a16:creationId xmlns:a16="http://schemas.microsoft.com/office/drawing/2014/main" id="{B4DD9227-E79C-4A0B-9F4F-8E39BD6E0DE9}"/>
+              </a:ext>
+            </a:extLst>
+          </p:cNvPr>
+          <p:cNvSpPr/>
+          <p:nvPr/>
+        </p:nvSpPr>
+        <p:spPr>
+          <a:xfrm>
+            <a:off x="2417676" y="4565846"/>
+            <a:ext cx="1478463" cy="909825"/>
+          </a:xfrm>
+          <a:prstGeom prst="roundRect">
+            <a:avLst/>
+          </a:prstGeom>
+          <a:noFill/>
+          <a:ln>
+            <a:prstDash val="sysDash"/>
+          </a:ln>
+        </p:spPr>
+        <p:style>
+          <a:lnRef idx="2">
+            <a:schemeClr val="accent1">
+              <a:shade val="50000"/>
+            </a:schemeClr>
+          </a:lnRef>
+          <a:fillRef idx="1">
+            <a:schemeClr val="accent1"/>
+          </a:fillRef>
+          <a:effectRef idx="0">
+            <a:schemeClr val="accent1"/>
+          </a:effectRef>
+          <a:fontRef idx="minor">
+            <a:schemeClr val="lt1"/>
+          </a:fontRef>
+        </p:style>
+        <p:txBody>
+          <a:bodyPr rtlCol="0" anchor="ctr"/>
+          <a:lstStyle/>
+          <a:p>
+            <a:pPr algn="ctr"/>
+            <a:r>
+              <a:rPr lang="tr-TR" sz="1600" b="1" dirty="0">
+                <a:solidFill>
+                  <a:schemeClr val="tx1"/>
+                </a:solidFill>
+              </a:rPr>
+              <a:t>Moral and psychological forces</a:t>
+            </a:r>
+          </a:p>
+        </p:txBody>
+      </p:sp>
+      <p:sp>
+        <p:nvSpPr>
+          <p:cNvPr id="24" name="Rectangle: Rounded Corners 23">
+            <a:extLst>
+              <a:ext uri="{FF2B5EF4-FFF2-40B4-BE49-F238E27FC236}">
+                <a16:creationId xmlns:a16="http://schemas.microsoft.com/office/drawing/2014/main" id="{E2111A55-0E53-4E7C-9B82-8A383A59596C}"/>
+              </a:ext>
+            </a:extLst>
+          </p:cNvPr>
+          <p:cNvSpPr/>
+          <p:nvPr/>
+        </p:nvSpPr>
+        <p:spPr>
+          <a:xfrm>
+            <a:off x="2350646" y="5475671"/>
+            <a:ext cx="2292129" cy="306467"/>
+          </a:xfrm>
+          <a:prstGeom prst="roundRect">
+            <a:avLst/>
+          </a:prstGeom>
+          <a:noFill/>
+        </p:spPr>
+        <p:txBody>
+          <a:bodyPr wrap="none" rtlCol="0">
+            <a:spAutoFit/>
+          </a:bodyPr>
+          <a:lstStyle/>
+          <a:p>
+            <a:r>
+              <a:rPr lang="tr-TR" sz="1200" b="1" dirty="0"/>
+              <a:t>D</a:t>
+            </a:r>
+            <a:r>
+              <a:rPr lang="tr-TR" sz="1200" b="1" dirty="0">
+                <a:solidFill>
+                  <a:schemeClr val="tx1"/>
+                </a:solidFill>
+              </a:rPr>
+              <a:t>etermines engagements course</a:t>
+            </a:r>
+          </a:p>
+        </p:txBody>
+      </p:sp>
+      <p:sp>
+        <p:nvSpPr>
+          <p:cNvPr id="7" name="Flowchart: Terminator 6">
+            <a:extLst>
+              <a:ext uri="{FF2B5EF4-FFF2-40B4-BE49-F238E27FC236}">
+                <a16:creationId xmlns:a16="http://schemas.microsoft.com/office/drawing/2014/main" id="{4537ED8C-450A-4060-932B-DE8173308D01}"/>
+              </a:ext>
+            </a:extLst>
+          </p:cNvPr>
+          <p:cNvSpPr/>
+          <p:nvPr/>
+        </p:nvSpPr>
+        <p:spPr>
+          <a:xfrm>
+            <a:off x="5804453" y="3823253"/>
+            <a:ext cx="2908143" cy="1668187"/>
+          </a:xfrm>
+          <a:prstGeom prst="flowChartTerminator">
+            <a:avLst/>
+          </a:prstGeom>
+        </p:spPr>
+        <p:style>
+          <a:lnRef idx="2">
+            <a:schemeClr val="accent1">
+              <a:shade val="50000"/>
+            </a:schemeClr>
+          </a:lnRef>
+          <a:fillRef idx="1">
+            <a:schemeClr val="accent1"/>
+          </a:fillRef>
+          <a:effectRef idx="0">
+            <a:schemeClr val="accent1"/>
+          </a:effectRef>
+          <a:fontRef idx="minor">
+            <a:schemeClr val="lt1"/>
+          </a:fontRef>
+        </p:style>
+        <p:txBody>
+          <a:bodyPr rtlCol="0" anchor="ctr"/>
+          <a:lstStyle/>
+          <a:p>
+            <a:pPr algn="ctr"/>
+            <a:r>
+              <a:rPr lang="tr-TR" dirty="0"/>
+              <a:t>Define an aim for te operational side of the war that will be in accordance with its purpose</a:t>
+            </a:r>
+          </a:p>
+        </p:txBody>
+      </p:sp>
+      <p:sp>
+        <p:nvSpPr>
+          <p:cNvPr id="8" name="Arrow: Striped Right 7">
+            <a:extLst>
+              <a:ext uri="{FF2B5EF4-FFF2-40B4-BE49-F238E27FC236}">
+                <a16:creationId xmlns:a16="http://schemas.microsoft.com/office/drawing/2014/main" id="{CD70984A-6638-4462-9E68-6E8C27FD8A08}"/>
+              </a:ext>
+            </a:extLst>
+          </p:cNvPr>
+          <p:cNvSpPr/>
+          <p:nvPr/>
+        </p:nvSpPr>
+        <p:spPr>
+          <a:xfrm rot="5400000">
+            <a:off x="6459540" y="2669773"/>
+            <a:ext cx="1325217" cy="617306"/>
+          </a:xfrm>
+          <a:prstGeom prst="stripedRightArrow">
+            <a:avLst/>
+          </a:prstGeom>
+        </p:spPr>
+        <p:style>
+          <a:lnRef idx="2">
+            <a:schemeClr val="accent1">
+              <a:shade val="50000"/>
+            </a:schemeClr>
+          </a:lnRef>
+          <a:fillRef idx="1">
+            <a:schemeClr val="accent1"/>
+          </a:fillRef>
+          <a:effectRef idx="0">
+            <a:schemeClr val="accent1"/>
+          </a:effectRef>
+          <a:fontRef idx="minor">
+            <a:schemeClr val="lt1"/>
+          </a:fontRef>
+        </p:style>
+        <p:txBody>
+          <a:bodyPr rtlCol="0" anchor="ctr"/>
+          <a:lstStyle/>
+          <a:p>
+            <a:pPr algn="ctr"/>
+            <a:endParaRPr lang="tr-TR"/>
+          </a:p>
+        </p:txBody>
+      </p:sp>
+      <p:sp>
+        <p:nvSpPr>
+          <p:cNvPr id="25" name="TextBox 24">
+            <a:extLst>
+              <a:ext uri="{FF2B5EF4-FFF2-40B4-BE49-F238E27FC236}">
+                <a16:creationId xmlns:a16="http://schemas.microsoft.com/office/drawing/2014/main" id="{CBC18071-E425-4A43-B8A0-C9FDB6E44ADF}"/>
+              </a:ext>
+            </a:extLst>
+          </p:cNvPr>
+          <p:cNvSpPr txBox="1"/>
+          <p:nvPr/>
+        </p:nvSpPr>
+        <p:spPr>
+          <a:xfrm>
+            <a:off x="7561922" y="2628778"/>
+            <a:ext cx="1073755" cy="738664"/>
+          </a:xfrm>
+          <a:prstGeom prst="rect">
+            <a:avLst/>
+          </a:prstGeom>
+          <a:noFill/>
+        </p:spPr>
+        <p:txBody>
+          <a:bodyPr wrap="none" rtlCol="0">
+            <a:spAutoFit/>
+          </a:bodyPr>
+          <a:lstStyle/>
+          <a:p>
+            <a:r>
+              <a:rPr lang="tr-TR" sz="1400" b="1" dirty="0"/>
+              <a:t>Strategist </a:t>
+            </a:r>
+          </a:p>
+          <a:p>
+            <a:r>
+              <a:rPr lang="tr-TR" sz="1400" b="1" dirty="0"/>
+              <a:t>control </a:t>
+            </a:r>
+          </a:p>
+          <a:p>
+            <a:r>
+              <a:rPr lang="tr-TR" sz="1400" b="1" dirty="0"/>
+              <a:t>throughout </a:t>
+            </a:r>
+          </a:p>
+        </p:txBody>
+      </p:sp>
+      <p:sp>
+        <p:nvSpPr>
+          <p:cNvPr id="20" name="Arrow: Striped Right 19">
+            <a:extLst>
+              <a:ext uri="{FF2B5EF4-FFF2-40B4-BE49-F238E27FC236}">
+                <a16:creationId xmlns:a16="http://schemas.microsoft.com/office/drawing/2014/main" id="{9C630500-5C16-4B36-A3E1-49530891F79A}"/>
+              </a:ext>
+            </a:extLst>
+          </p:cNvPr>
+          <p:cNvSpPr/>
+          <p:nvPr/>
+        </p:nvSpPr>
+        <p:spPr>
+          <a:xfrm rot="2729992">
+            <a:off x="8253387" y="2699343"/>
+            <a:ext cx="1572264" cy="531594"/>
+          </a:xfrm>
+          <a:prstGeom prst="stripedRightArrow">
+            <a:avLst/>
+          </a:prstGeom>
+        </p:spPr>
+        <p:style>
+          <a:lnRef idx="2">
+            <a:schemeClr val="accent1">
+              <a:shade val="50000"/>
+            </a:schemeClr>
+          </a:lnRef>
+          <a:fillRef idx="1">
+            <a:schemeClr val="accent1"/>
+          </a:fillRef>
+          <a:effectRef idx="0">
+            <a:schemeClr val="accent1"/>
+          </a:effectRef>
+          <a:fontRef idx="minor">
+            <a:schemeClr val="lt1"/>
+          </a:fontRef>
+        </p:style>
+        <p:txBody>
+          <a:bodyPr rtlCol="0" anchor="ctr"/>
+          <a:lstStyle/>
+          <a:p>
+            <a:pPr algn="ctr"/>
+            <a:endParaRPr lang="tr-TR"/>
+          </a:p>
+        </p:txBody>
+      </p:sp>
+      <p:sp>
+        <p:nvSpPr>
+          <p:cNvPr id="26" name="TextBox 25">
+            <a:extLst>
+              <a:ext uri="{FF2B5EF4-FFF2-40B4-BE49-F238E27FC236}">
+                <a16:creationId xmlns:a16="http://schemas.microsoft.com/office/drawing/2014/main" id="{3FE10027-17D9-430C-AC22-D05B42A927C2}"/>
+              </a:ext>
+            </a:extLst>
+          </p:cNvPr>
+          <p:cNvSpPr txBox="1"/>
+          <p:nvPr/>
+        </p:nvSpPr>
+        <p:spPr>
+          <a:xfrm>
+            <a:off x="8957735" y="5602269"/>
+            <a:ext cx="1953933" cy="461665"/>
+          </a:xfrm>
+          <a:prstGeom prst="rect">
+            <a:avLst/>
+          </a:prstGeom>
+          <a:noFill/>
+        </p:spPr>
+        <p:txBody>
+          <a:bodyPr wrap="none" rtlCol="0">
+            <a:spAutoFit/>
+          </a:bodyPr>
+          <a:lstStyle/>
+          <a:p>
+            <a:r>
+              <a:rPr lang="tr-TR" sz="1200" b="1" dirty="0"/>
+              <a:t>Detailed orders later</a:t>
+            </a:r>
+          </a:p>
+          <a:p>
+            <a:r>
+              <a:rPr lang="tr-TR" sz="1200" b="1" dirty="0"/>
+              <a:t>General plan to be adjusted</a:t>
+            </a:r>
+          </a:p>
+        </p:txBody>
+      </p:sp>
+      <p:sp>
+        <p:nvSpPr>
+          <p:cNvPr id="27" name="Arrow: Striped Right 26">
+            <a:extLst>
+              <a:ext uri="{FF2B5EF4-FFF2-40B4-BE49-F238E27FC236}">
+                <a16:creationId xmlns:a16="http://schemas.microsoft.com/office/drawing/2014/main" id="{1BC61A8C-0ADA-4739-A591-C2493869B012}"/>
+              </a:ext>
+            </a:extLst>
+          </p:cNvPr>
+          <p:cNvSpPr/>
+          <p:nvPr/>
+        </p:nvSpPr>
+        <p:spPr>
+          <a:xfrm rot="5400000">
+            <a:off x="8999275" y="4625382"/>
+            <a:ext cx="830999" cy="617306"/>
+          </a:xfrm>
+          <a:prstGeom prst="stripedRightArrow">
+            <a:avLst/>
+          </a:prstGeom>
+        </p:spPr>
+        <p:style>
+          <a:lnRef idx="2">
+            <a:schemeClr val="accent1">
+              <a:shade val="50000"/>
+            </a:schemeClr>
+          </a:lnRef>
+          <a:fillRef idx="1">
+            <a:schemeClr val="accent1"/>
+          </a:fillRef>
+          <a:effectRef idx="0">
+            <a:schemeClr val="accent1"/>
+          </a:effectRef>
+          <a:fontRef idx="minor">
+            <a:schemeClr val="lt1"/>
+          </a:fontRef>
+        </p:style>
+        <p:txBody>
+          <a:bodyPr rtlCol="0" anchor="ctr"/>
+          <a:lstStyle/>
+          <a:p>
+            <a:pPr algn="ctr"/>
+            <a:endParaRPr lang="tr-TR"/>
+          </a:p>
+        </p:txBody>
+      </p:sp>
+      <p:sp>
+        <p:nvSpPr>
+          <p:cNvPr id="29" name="Rectangle: Rounded Corners 28">
+            <a:extLst>
+              <a:ext uri="{FF2B5EF4-FFF2-40B4-BE49-F238E27FC236}">
+                <a16:creationId xmlns:a16="http://schemas.microsoft.com/office/drawing/2014/main" id="{25C8AE9A-FC9F-429D-9D46-16C78F35999A}"/>
+              </a:ext>
+            </a:extLst>
+          </p:cNvPr>
+          <p:cNvSpPr/>
+          <p:nvPr/>
+        </p:nvSpPr>
+        <p:spPr>
+          <a:xfrm>
+            <a:off x="9612837" y="4657346"/>
+            <a:ext cx="1982152" cy="306467"/>
+          </a:xfrm>
+          <a:prstGeom prst="roundRect">
+            <a:avLst/>
+          </a:prstGeom>
+          <a:noFill/>
+        </p:spPr>
+        <p:txBody>
+          <a:bodyPr wrap="none" rtlCol="0">
+            <a:spAutoFit/>
+          </a:bodyPr>
+          <a:lstStyle/>
+          <a:p>
+            <a:r>
+              <a:rPr lang="tr-TR" sz="1200" b="1" dirty="0"/>
+              <a:t>These requires assumptions</a:t>
+            </a:r>
+            <a:endParaRPr lang="tr-TR" sz="1200" b="1" dirty="0">
+              <a:solidFill>
+                <a:schemeClr val="tx1"/>
+              </a:solidFill>
+            </a:endParaRPr>
+          </a:p>
+        </p:txBody>
+      </p:sp>
+    </p:spTree>
+    <p:extLst>
+      <p:ext uri="{BB962C8B-B14F-4D97-AF65-F5344CB8AC3E}">
+        <p14:creationId xmlns:p14="http://schemas.microsoft.com/office/powerpoint/2010/main" val="483647591"/>
       </p:ext>
     </p:extLst>
   </p:cSld>
